--- a/hymns/20171008.pptx
+++ b/hymns/20171008.pptx
@@ -14,8 +14,36 @@
     <p:sldId id="262" r:id="rId8"/>
     <p:sldId id="263" r:id="rId9"/>
     <p:sldId id="264" r:id="rId10"/>
-    <p:sldId id="265" r:id="rId11"/>
-    <p:sldId id="266" r:id="rId12"/>
+    <p:sldId id="267" r:id="rId11"/>
+    <p:sldId id="270" r:id="rId12"/>
+    <p:sldId id="271" r:id="rId13"/>
+    <p:sldId id="272" r:id="rId14"/>
+    <p:sldId id="273" r:id="rId15"/>
+    <p:sldId id="274" r:id="rId16"/>
+    <p:sldId id="268" r:id="rId17"/>
+    <p:sldId id="275" r:id="rId18"/>
+    <p:sldId id="276" r:id="rId19"/>
+    <p:sldId id="277" r:id="rId20"/>
+    <p:sldId id="278" r:id="rId21"/>
+    <p:sldId id="279" r:id="rId22"/>
+    <p:sldId id="280" r:id="rId23"/>
+    <p:sldId id="281" r:id="rId24"/>
+    <p:sldId id="282" r:id="rId25"/>
+    <p:sldId id="283" r:id="rId26"/>
+    <p:sldId id="284" r:id="rId27"/>
+    <p:sldId id="285" r:id="rId28"/>
+    <p:sldId id="286" r:id="rId29"/>
+    <p:sldId id="287" r:id="rId30"/>
+    <p:sldId id="269" r:id="rId31"/>
+    <p:sldId id="288" r:id="rId32"/>
+    <p:sldId id="289" r:id="rId33"/>
+    <p:sldId id="290" r:id="rId34"/>
+    <p:sldId id="291" r:id="rId35"/>
+    <p:sldId id="292" r:id="rId36"/>
+    <p:sldId id="293" r:id="rId37"/>
+    <p:sldId id="294" r:id="rId38"/>
+    <p:sldId id="265" r:id="rId39"/>
+    <p:sldId id="266" r:id="rId40"/>
   </p:sldIdLst>
   <p:sldSz cx="12192000" cy="6858000"/>
   <p:notesSz cx="6858000" cy="9144000"/>
@@ -114,6 +142,11 @@
       </a:defRPr>
     </a:lvl9pPr>
   </p:defaultTextStyle>
+  <p:extLst>
+    <p:ext uri="{EFAFB233-063F-42B5-8137-9DF3F51BA10A}">
+      <p15:sldGuideLst xmlns:p15="http://schemas.microsoft.com/office/powerpoint/2012/main"/>
+    </p:ext>
+  </p:extLst>
 </p:presentation>
 </file>
 
@@ -3135,7 +3168,7 @@
         <p:spPr>
           <a:xfrm>
             <a:off x="513806" y="339634"/>
-            <a:ext cx="11129554" cy="3416320"/>
+            <a:ext cx="11129554" cy="5078313"/>
           </a:xfrm>
           <a:prstGeom prst="rect">
             <a:avLst/>
@@ -3154,20 +3187,53 @@
               </a:lnSpc>
             </a:pPr>
             <a:r>
-              <a:rPr lang="zh-TW" altLang="en-US" sz="4800" b="1" dirty="0" smtClean="0">
+              <a:rPr lang="zh-TW" altLang="en-US" sz="5400" b="1" dirty="0" smtClean="0">
                 <a:latin typeface="Microsoft JhengHei" panose="020B0604030504040204" pitchFamily="34" charset="-120"/>
                 <a:ea typeface="Microsoft JhengHei" panose="020B0604030504040204" pitchFamily="34" charset="-120"/>
               </a:rPr>
-              <a:t>當用各樣的智慧、把基督的道理、豐豐富富的存在心裏、（或作當把基督的道理</a:t>
-            </a:r>
-            <a:r>
-              <a:rPr lang="zh-TW" altLang="en-US" sz="4800" b="1" dirty="0" smtClean="0">
+              <a:t>我要向高山舉目</a:t>
+            </a:r>
+            <a:endParaRPr lang="en-US" altLang="zh-TW" sz="5400" b="1" dirty="0" smtClean="0">
+              <a:latin typeface="Microsoft JhengHei" panose="020B0604030504040204" pitchFamily="34" charset="-120"/>
+              <a:ea typeface="Microsoft JhengHei" panose="020B0604030504040204" pitchFamily="34" charset="-120"/>
+            </a:endParaRPr>
+          </a:p>
+          <a:p>
+            <a:pPr algn="just">
+              <a:lnSpc>
+                <a:spcPct val="150000"/>
+              </a:lnSpc>
+            </a:pPr>
+            <a:r>
+              <a:rPr lang="zh-TW" altLang="en-US" sz="5400" b="1" dirty="0" smtClean="0">
                 <a:latin typeface="Microsoft JhengHei" panose="020B0604030504040204" pitchFamily="34" charset="-120"/>
                 <a:ea typeface="Microsoft JhengHei" panose="020B0604030504040204" pitchFamily="34" charset="-120"/>
               </a:rPr>
-              <a:t>豐豐富富的存在心裏以各樣的智慧）</a:t>
-            </a:r>
-            <a:endParaRPr lang="en-US" altLang="zh-TW" sz="4800" b="1" dirty="0" smtClean="0">
+              <a:t>我的幫助從何來</a:t>
+            </a:r>
+            <a:endParaRPr lang="en-US" altLang="zh-TW" sz="5400" b="1" dirty="0" smtClean="0">
+              <a:latin typeface="Microsoft JhengHei" panose="020B0604030504040204" pitchFamily="34" charset="-120"/>
+              <a:ea typeface="Microsoft JhengHei" panose="020B0604030504040204" pitchFamily="34" charset="-120"/>
+            </a:endParaRPr>
+          </a:p>
+          <a:p>
+            <a:pPr algn="just">
+              <a:lnSpc>
+                <a:spcPct val="150000"/>
+              </a:lnSpc>
+            </a:pPr>
+            <a:endParaRPr lang="en-US" altLang="zh-TW" sz="5400" b="1" dirty="0" smtClean="0">
+              <a:latin typeface="Microsoft JhengHei" panose="020B0604030504040204" pitchFamily="34" charset="-120"/>
+              <a:ea typeface="Microsoft JhengHei" panose="020B0604030504040204" pitchFamily="34" charset="-120"/>
+            </a:endParaRPr>
+          </a:p>
+          <a:p>
+            <a:pPr algn="just">
+              <a:lnSpc>
+                <a:spcPct val="150000"/>
+              </a:lnSpc>
+            </a:pPr>
+            <a:endParaRPr lang="en-GB" sz="5400" b="1" dirty="0">
               <a:latin typeface="Microsoft JhengHei" panose="020B0604030504040204" pitchFamily="34" charset="-120"/>
               <a:ea typeface="Microsoft JhengHei" panose="020B0604030504040204" pitchFamily="34" charset="-120"/>
             </a:endParaRPr>
@@ -3220,10 +3286,52 @@
           </a:effectLst>
         </p:spPr>
       </p:pic>
+      <p:sp>
+        <p:nvSpPr>
+          <p:cNvPr id="6" name="文字方塊 5"/>
+          <p:cNvSpPr txBox="1"/>
+          <p:nvPr/>
+        </p:nvSpPr>
+        <p:spPr>
+          <a:xfrm>
+            <a:off x="4267200" y="5274217"/>
+            <a:ext cx="7376160" cy="1323439"/>
+          </a:xfrm>
+          <a:prstGeom prst="rect">
+            <a:avLst/>
+          </a:prstGeom>
+          <a:noFill/>
+        </p:spPr>
+        <p:txBody>
+          <a:bodyPr wrap="square" rtlCol="0">
+            <a:spAutoFit/>
+          </a:bodyPr>
+          <a:lstStyle/>
+          <a:p>
+            <a:r>
+              <a:rPr lang="zh-TW" altLang="en-US" sz="8000" dirty="0" smtClean="0">
+                <a:solidFill>
+                  <a:schemeClr val="bg1">
+                    <a:lumMod val="75000"/>
+                  </a:schemeClr>
+                </a:solidFill>
+              </a:rPr>
+              <a:t>我要向高山舉目</a:t>
+            </a:r>
+            <a:endParaRPr lang="en-GB" sz="8000" dirty="0">
+              <a:solidFill>
+                <a:schemeClr val="bg1">
+                  <a:lumMod val="75000"/>
+                </a:schemeClr>
+              </a:solidFill>
+            </a:endParaRPr>
+          </a:p>
+        </p:txBody>
+      </p:sp>
     </p:spTree>
     <p:extLst>
       <p:ext uri="{BB962C8B-B14F-4D97-AF65-F5344CB8AC3E}">
-        <p14:creationId xmlns:p14="http://schemas.microsoft.com/office/powerpoint/2010/main" val="3857000306"/>
+        <p14:creationId xmlns:p14="http://schemas.microsoft.com/office/powerpoint/2010/main" val="959913990"/>
       </p:ext>
     </p:extLst>
   </p:cSld>
@@ -3266,7 +3374,7 @@
         <p:spPr>
           <a:xfrm>
             <a:off x="513806" y="339634"/>
-            <a:ext cx="11129554" cy="4524315"/>
+            <a:ext cx="11129554" cy="3831818"/>
           </a:xfrm>
           <a:prstGeom prst="rect">
             <a:avLst/>
@@ -3285,13 +3393,20 @@
               </a:lnSpc>
             </a:pPr>
             <a:r>
-              <a:rPr lang="zh-TW" altLang="en-US" sz="4800" b="1" dirty="0" smtClean="0">
+              <a:rPr lang="zh-TW" altLang="en-US" sz="5400" b="1" dirty="0">
                 <a:latin typeface="Microsoft JhengHei" panose="020B0604030504040204" pitchFamily="34" charset="-120"/>
                 <a:ea typeface="Microsoft JhengHei" panose="020B0604030504040204" pitchFamily="34" charset="-120"/>
               </a:rPr>
-              <a:t>用詩章、頌詞、靈歌、彼此教導、互相勸戒、心被恩感歌頌神</a:t>
-            </a:r>
-            <a:endParaRPr lang="en-US" altLang="zh-TW" sz="4800" b="1" dirty="0" smtClean="0">
+              <a:t>我的</a:t>
+            </a:r>
+            <a:r>
+              <a:rPr lang="zh-TW" altLang="en-US" sz="5400" b="1" dirty="0" smtClean="0">
+                <a:latin typeface="Microsoft JhengHei" panose="020B0604030504040204" pitchFamily="34" charset="-120"/>
+                <a:ea typeface="Microsoft JhengHei" panose="020B0604030504040204" pitchFamily="34" charset="-120"/>
+              </a:rPr>
+              <a:t>幫助從造天地的耶和華而來</a:t>
+            </a:r>
+            <a:endParaRPr lang="en-US" altLang="zh-TW" sz="5400" b="1" dirty="0" smtClean="0">
               <a:latin typeface="Microsoft JhengHei" panose="020B0604030504040204" pitchFamily="34" charset="-120"/>
               <a:ea typeface="Microsoft JhengHei" panose="020B0604030504040204" pitchFamily="34" charset="-120"/>
             </a:endParaRPr>
@@ -3302,31 +3417,21 @@
                 <a:spcPct val="150000"/>
               </a:lnSpc>
             </a:pPr>
-            <a:endParaRPr lang="en-US" altLang="zh-TW" sz="4800" b="1" dirty="0">
+            <a:endParaRPr lang="en-US" altLang="zh-TW" sz="5400" b="1" dirty="0" smtClean="0">
               <a:latin typeface="Microsoft JhengHei" panose="020B0604030504040204" pitchFamily="34" charset="-120"/>
               <a:ea typeface="Microsoft JhengHei" panose="020B0604030504040204" pitchFamily="34" charset="-120"/>
             </a:endParaRPr>
           </a:p>
           <a:p>
-            <a:pPr algn="r">
+            <a:pPr algn="just">
               <a:lnSpc>
                 <a:spcPct val="150000"/>
               </a:lnSpc>
             </a:pPr>
-            <a:r>
-              <a:rPr lang="zh-TW" altLang="en-US" sz="4800" b="1" dirty="0" smtClean="0">
-                <a:latin typeface="Microsoft JhengHei" panose="020B0604030504040204" pitchFamily="34" charset="-120"/>
-                <a:ea typeface="Microsoft JhengHei" panose="020B0604030504040204" pitchFamily="34" charset="-120"/>
-              </a:rPr>
-              <a:t>歌羅西書 </a:t>
-            </a:r>
-            <a:r>
-              <a:rPr lang="en-US" altLang="zh-TW" sz="4800" b="1" dirty="0" smtClean="0">
-                <a:latin typeface="Microsoft JhengHei" panose="020B0604030504040204" pitchFamily="34" charset="-120"/>
-                <a:ea typeface="Microsoft JhengHei" panose="020B0604030504040204" pitchFamily="34" charset="-120"/>
-              </a:rPr>
-              <a:t>3:16</a:t>
-            </a:r>
+            <a:endParaRPr lang="en-GB" sz="5400" b="1" dirty="0">
+              <a:latin typeface="Microsoft JhengHei" panose="020B0604030504040204" pitchFamily="34" charset="-120"/>
+              <a:ea typeface="Microsoft JhengHei" panose="020B0604030504040204" pitchFamily="34" charset="-120"/>
+            </a:endParaRPr>
           </a:p>
         </p:txBody>
       </p:sp>
@@ -3376,10 +3481,1601 @@
           </a:effectLst>
         </p:spPr>
       </p:pic>
+      <p:sp>
+        <p:nvSpPr>
+          <p:cNvPr id="6" name="文字方塊 5"/>
+          <p:cNvSpPr txBox="1"/>
+          <p:nvPr/>
+        </p:nvSpPr>
+        <p:spPr>
+          <a:xfrm>
+            <a:off x="4267200" y="5274217"/>
+            <a:ext cx="7376160" cy="1323439"/>
+          </a:xfrm>
+          <a:prstGeom prst="rect">
+            <a:avLst/>
+          </a:prstGeom>
+          <a:noFill/>
+        </p:spPr>
+        <p:txBody>
+          <a:bodyPr wrap="square" rtlCol="0">
+            <a:spAutoFit/>
+          </a:bodyPr>
+          <a:lstStyle/>
+          <a:p>
+            <a:r>
+              <a:rPr lang="zh-TW" altLang="en-US" sz="8000" dirty="0" smtClean="0">
+                <a:solidFill>
+                  <a:schemeClr val="bg1">
+                    <a:lumMod val="75000"/>
+                  </a:schemeClr>
+                </a:solidFill>
+              </a:rPr>
+              <a:t>我要向高山舉目</a:t>
+            </a:r>
+            <a:endParaRPr lang="en-GB" sz="8000" dirty="0">
+              <a:solidFill>
+                <a:schemeClr val="bg1">
+                  <a:lumMod val="75000"/>
+                </a:schemeClr>
+              </a:solidFill>
+            </a:endParaRPr>
+          </a:p>
+        </p:txBody>
+      </p:sp>
     </p:spTree>
     <p:extLst>
       <p:ext uri="{BB962C8B-B14F-4D97-AF65-F5344CB8AC3E}">
-        <p14:creationId xmlns:p14="http://schemas.microsoft.com/office/powerpoint/2010/main" val="2499537162"/>
+        <p14:creationId xmlns:p14="http://schemas.microsoft.com/office/powerpoint/2010/main" val="3423050636"/>
+      </p:ext>
+    </p:extLst>
+  </p:cSld>
+  <p:clrMapOvr>
+    <a:masterClrMapping/>
+  </p:clrMapOvr>
+  <p:timing>
+    <p:tnLst>
+      <p:par>
+        <p:cTn id="1" dur="indefinite" restart="never" nodeType="tmRoot"/>
+      </p:par>
+    </p:tnLst>
+  </p:timing>
+</p:sld>
+</file>
+
+<file path=ppt/slides/slide12.xml><?xml version="1.0" encoding="utf-8"?>
+<p:sld xmlns:a="http://schemas.openxmlformats.org/drawingml/2006/main" xmlns:r="http://schemas.openxmlformats.org/officeDocument/2006/relationships" xmlns:p="http://schemas.openxmlformats.org/presentationml/2006/main">
+  <p:cSld>
+    <p:spTree>
+      <p:nvGrpSpPr>
+        <p:cNvPr id="1" name=""/>
+        <p:cNvGrpSpPr/>
+        <p:nvPr/>
+      </p:nvGrpSpPr>
+      <p:grpSpPr>
+        <a:xfrm>
+          <a:off x="0" y="0"/>
+          <a:ext cx="0" cy="0"/>
+          <a:chOff x="0" y="0"/>
+          <a:chExt cx="0" cy="0"/>
+        </a:xfrm>
+      </p:grpSpPr>
+      <p:sp>
+        <p:nvSpPr>
+          <p:cNvPr id="4" name="文字方塊 3"/>
+          <p:cNvSpPr txBox="1"/>
+          <p:nvPr/>
+        </p:nvSpPr>
+        <p:spPr>
+          <a:xfrm>
+            <a:off x="513806" y="339634"/>
+            <a:ext cx="11129554" cy="5078313"/>
+          </a:xfrm>
+          <a:prstGeom prst="rect">
+            <a:avLst/>
+          </a:prstGeom>
+          <a:noFill/>
+        </p:spPr>
+        <p:txBody>
+          <a:bodyPr wrap="square" rtlCol="0">
+            <a:spAutoFit/>
+          </a:bodyPr>
+          <a:lstStyle/>
+          <a:p>
+            <a:pPr algn="just">
+              <a:lnSpc>
+                <a:spcPct val="150000"/>
+              </a:lnSpc>
+            </a:pPr>
+            <a:r>
+              <a:rPr lang="zh-TW" altLang="en-US" sz="5400" b="1" dirty="0" smtClean="0">
+                <a:latin typeface="Microsoft JhengHei" panose="020B0604030504040204" pitchFamily="34" charset="-120"/>
+                <a:ea typeface="Microsoft JhengHei" panose="020B0604030504040204" pitchFamily="34" charset="-120"/>
+              </a:rPr>
+              <a:t>我要向高山舉目</a:t>
+            </a:r>
+            <a:endParaRPr lang="en-US" altLang="zh-TW" sz="5400" b="1" dirty="0" smtClean="0">
+              <a:latin typeface="Microsoft JhengHei" panose="020B0604030504040204" pitchFamily="34" charset="-120"/>
+              <a:ea typeface="Microsoft JhengHei" panose="020B0604030504040204" pitchFamily="34" charset="-120"/>
+            </a:endParaRPr>
+          </a:p>
+          <a:p>
+            <a:pPr algn="just">
+              <a:lnSpc>
+                <a:spcPct val="150000"/>
+              </a:lnSpc>
+            </a:pPr>
+            <a:r>
+              <a:rPr lang="zh-TW" altLang="en-US" sz="5400" b="1" dirty="0" smtClean="0">
+                <a:latin typeface="Microsoft JhengHei" panose="020B0604030504040204" pitchFamily="34" charset="-120"/>
+                <a:ea typeface="Microsoft JhengHei" panose="020B0604030504040204" pitchFamily="34" charset="-120"/>
+              </a:rPr>
+              <a:t>我的幫助從何來</a:t>
+            </a:r>
+            <a:endParaRPr lang="en-US" altLang="zh-TW" sz="5400" b="1" dirty="0" smtClean="0">
+              <a:latin typeface="Microsoft JhengHei" panose="020B0604030504040204" pitchFamily="34" charset="-120"/>
+              <a:ea typeface="Microsoft JhengHei" panose="020B0604030504040204" pitchFamily="34" charset="-120"/>
+            </a:endParaRPr>
+          </a:p>
+          <a:p>
+            <a:pPr algn="just">
+              <a:lnSpc>
+                <a:spcPct val="150000"/>
+              </a:lnSpc>
+            </a:pPr>
+            <a:endParaRPr lang="en-US" altLang="zh-TW" sz="5400" b="1" dirty="0" smtClean="0">
+              <a:latin typeface="Microsoft JhengHei" panose="020B0604030504040204" pitchFamily="34" charset="-120"/>
+              <a:ea typeface="Microsoft JhengHei" panose="020B0604030504040204" pitchFamily="34" charset="-120"/>
+            </a:endParaRPr>
+          </a:p>
+          <a:p>
+            <a:pPr algn="just">
+              <a:lnSpc>
+                <a:spcPct val="150000"/>
+              </a:lnSpc>
+            </a:pPr>
+            <a:endParaRPr lang="en-GB" sz="5400" b="1" dirty="0">
+              <a:latin typeface="Microsoft JhengHei" panose="020B0604030504040204" pitchFamily="34" charset="-120"/>
+              <a:ea typeface="Microsoft JhengHei" panose="020B0604030504040204" pitchFamily="34" charset="-120"/>
+            </a:endParaRPr>
+          </a:p>
+        </p:txBody>
+      </p:sp>
+      <p:pic>
+        <p:nvPicPr>
+          <p:cNvPr id="5" name="圖片 4"/>
+          <p:cNvPicPr>
+            <a:picLocks noChangeAspect="1"/>
+          </p:cNvPicPr>
+          <p:nvPr/>
+        </p:nvPicPr>
+        <p:blipFill>
+          <a:blip r:embed="rId2" cstate="print">
+            <a:extLst>
+              <a:ext uri="{BEBA8EAE-BF5A-486C-A8C5-ECC9F3942E4B}">
+                <a14:imgProps xmlns:a14="http://schemas.microsoft.com/office/drawing/2010/main">
+                  <a14:imgLayer r:embed="rId3">
+                    <a14:imgEffect>
+                      <a14:saturation sat="99000"/>
+                    </a14:imgEffect>
+                  </a14:imgLayer>
+                </a14:imgProps>
+              </a:ext>
+              <a:ext uri="{28A0092B-C50C-407E-A947-70E740481C1C}">
+                <a14:useLocalDpi xmlns:a14="http://schemas.microsoft.com/office/drawing/2010/main" val="0"/>
+              </a:ext>
+            </a:extLst>
+          </a:blip>
+          <a:stretch>
+            <a:fillRect/>
+          </a:stretch>
+        </p:blipFill>
+        <p:spPr>
+          <a:xfrm>
+            <a:off x="513806" y="5322854"/>
+            <a:ext cx="5840812" cy="1274802"/>
+          </a:xfrm>
+          <a:prstGeom prst="rect">
+            <a:avLst/>
+          </a:prstGeom>
+          <a:effectLst>
+            <a:outerShdw blurRad="63500" dist="63500" dir="5400000" algn="ctr" rotWithShape="0">
+              <a:srgbClr val="000000">
+                <a:alpha val="50000"/>
+              </a:srgbClr>
+            </a:outerShdw>
+          </a:effectLst>
+        </p:spPr>
+      </p:pic>
+      <p:sp>
+        <p:nvSpPr>
+          <p:cNvPr id="6" name="文字方塊 5"/>
+          <p:cNvSpPr txBox="1"/>
+          <p:nvPr/>
+        </p:nvSpPr>
+        <p:spPr>
+          <a:xfrm>
+            <a:off x="4267200" y="5274217"/>
+            <a:ext cx="7376160" cy="1323439"/>
+          </a:xfrm>
+          <a:prstGeom prst="rect">
+            <a:avLst/>
+          </a:prstGeom>
+          <a:noFill/>
+        </p:spPr>
+        <p:txBody>
+          <a:bodyPr wrap="square" rtlCol="0">
+            <a:spAutoFit/>
+          </a:bodyPr>
+          <a:lstStyle/>
+          <a:p>
+            <a:r>
+              <a:rPr lang="zh-TW" altLang="en-US" sz="8000" dirty="0" smtClean="0">
+                <a:solidFill>
+                  <a:schemeClr val="bg1">
+                    <a:lumMod val="75000"/>
+                  </a:schemeClr>
+                </a:solidFill>
+              </a:rPr>
+              <a:t>我要向高山舉目</a:t>
+            </a:r>
+            <a:endParaRPr lang="en-GB" sz="8000" dirty="0">
+              <a:solidFill>
+                <a:schemeClr val="bg1">
+                  <a:lumMod val="75000"/>
+                </a:schemeClr>
+              </a:solidFill>
+            </a:endParaRPr>
+          </a:p>
+        </p:txBody>
+      </p:sp>
+    </p:spTree>
+    <p:extLst>
+      <p:ext uri="{BB962C8B-B14F-4D97-AF65-F5344CB8AC3E}">
+        <p14:creationId xmlns:p14="http://schemas.microsoft.com/office/powerpoint/2010/main" val="1826322486"/>
+      </p:ext>
+    </p:extLst>
+  </p:cSld>
+  <p:clrMapOvr>
+    <a:masterClrMapping/>
+  </p:clrMapOvr>
+  <p:timing>
+    <p:tnLst>
+      <p:par>
+        <p:cTn id="1" dur="indefinite" restart="never" nodeType="tmRoot"/>
+      </p:par>
+    </p:tnLst>
+  </p:timing>
+</p:sld>
+</file>
+
+<file path=ppt/slides/slide13.xml><?xml version="1.0" encoding="utf-8"?>
+<p:sld xmlns:a="http://schemas.openxmlformats.org/drawingml/2006/main" xmlns:r="http://schemas.openxmlformats.org/officeDocument/2006/relationships" xmlns:p="http://schemas.openxmlformats.org/presentationml/2006/main">
+  <p:cSld>
+    <p:spTree>
+      <p:nvGrpSpPr>
+        <p:cNvPr id="1" name=""/>
+        <p:cNvGrpSpPr/>
+        <p:nvPr/>
+      </p:nvGrpSpPr>
+      <p:grpSpPr>
+        <a:xfrm>
+          <a:off x="0" y="0"/>
+          <a:ext cx="0" cy="0"/>
+          <a:chOff x="0" y="0"/>
+          <a:chExt cx="0" cy="0"/>
+        </a:xfrm>
+      </p:grpSpPr>
+      <p:sp>
+        <p:nvSpPr>
+          <p:cNvPr id="4" name="文字方塊 3"/>
+          <p:cNvSpPr txBox="1"/>
+          <p:nvPr/>
+        </p:nvSpPr>
+        <p:spPr>
+          <a:xfrm>
+            <a:off x="513806" y="339634"/>
+            <a:ext cx="11129554" cy="3831818"/>
+          </a:xfrm>
+          <a:prstGeom prst="rect">
+            <a:avLst/>
+          </a:prstGeom>
+          <a:noFill/>
+        </p:spPr>
+        <p:txBody>
+          <a:bodyPr wrap="square" rtlCol="0">
+            <a:spAutoFit/>
+          </a:bodyPr>
+          <a:lstStyle/>
+          <a:p>
+            <a:pPr algn="just">
+              <a:lnSpc>
+                <a:spcPct val="150000"/>
+              </a:lnSpc>
+            </a:pPr>
+            <a:r>
+              <a:rPr lang="zh-TW" altLang="en-US" sz="5400" b="1" dirty="0">
+                <a:latin typeface="Microsoft JhengHei" panose="020B0604030504040204" pitchFamily="34" charset="-120"/>
+                <a:ea typeface="Microsoft JhengHei" panose="020B0604030504040204" pitchFamily="34" charset="-120"/>
+              </a:rPr>
+              <a:t>我的</a:t>
+            </a:r>
+            <a:r>
+              <a:rPr lang="zh-TW" altLang="en-US" sz="5400" b="1" dirty="0" smtClean="0">
+                <a:latin typeface="Microsoft JhengHei" panose="020B0604030504040204" pitchFamily="34" charset="-120"/>
+                <a:ea typeface="Microsoft JhengHei" panose="020B0604030504040204" pitchFamily="34" charset="-120"/>
+              </a:rPr>
+              <a:t>幫助從造天地的耶和華而來</a:t>
+            </a:r>
+            <a:endParaRPr lang="en-US" altLang="zh-TW" sz="5400" b="1" dirty="0" smtClean="0">
+              <a:latin typeface="Microsoft JhengHei" panose="020B0604030504040204" pitchFamily="34" charset="-120"/>
+              <a:ea typeface="Microsoft JhengHei" panose="020B0604030504040204" pitchFamily="34" charset="-120"/>
+            </a:endParaRPr>
+          </a:p>
+          <a:p>
+            <a:pPr algn="just">
+              <a:lnSpc>
+                <a:spcPct val="150000"/>
+              </a:lnSpc>
+            </a:pPr>
+            <a:endParaRPr lang="en-US" altLang="zh-TW" sz="5400" b="1" dirty="0" smtClean="0">
+              <a:latin typeface="Microsoft JhengHei" panose="020B0604030504040204" pitchFamily="34" charset="-120"/>
+              <a:ea typeface="Microsoft JhengHei" panose="020B0604030504040204" pitchFamily="34" charset="-120"/>
+            </a:endParaRPr>
+          </a:p>
+          <a:p>
+            <a:pPr algn="just">
+              <a:lnSpc>
+                <a:spcPct val="150000"/>
+              </a:lnSpc>
+            </a:pPr>
+            <a:endParaRPr lang="en-GB" sz="5400" b="1" dirty="0">
+              <a:latin typeface="Microsoft JhengHei" panose="020B0604030504040204" pitchFamily="34" charset="-120"/>
+              <a:ea typeface="Microsoft JhengHei" panose="020B0604030504040204" pitchFamily="34" charset="-120"/>
+            </a:endParaRPr>
+          </a:p>
+        </p:txBody>
+      </p:sp>
+      <p:pic>
+        <p:nvPicPr>
+          <p:cNvPr id="5" name="圖片 4"/>
+          <p:cNvPicPr>
+            <a:picLocks noChangeAspect="1"/>
+          </p:cNvPicPr>
+          <p:nvPr/>
+        </p:nvPicPr>
+        <p:blipFill>
+          <a:blip r:embed="rId2" cstate="print">
+            <a:extLst>
+              <a:ext uri="{BEBA8EAE-BF5A-486C-A8C5-ECC9F3942E4B}">
+                <a14:imgProps xmlns:a14="http://schemas.microsoft.com/office/drawing/2010/main">
+                  <a14:imgLayer r:embed="rId3">
+                    <a14:imgEffect>
+                      <a14:saturation sat="99000"/>
+                    </a14:imgEffect>
+                  </a14:imgLayer>
+                </a14:imgProps>
+              </a:ext>
+              <a:ext uri="{28A0092B-C50C-407E-A947-70E740481C1C}">
+                <a14:useLocalDpi xmlns:a14="http://schemas.microsoft.com/office/drawing/2010/main" val="0"/>
+              </a:ext>
+            </a:extLst>
+          </a:blip>
+          <a:stretch>
+            <a:fillRect/>
+          </a:stretch>
+        </p:blipFill>
+        <p:spPr>
+          <a:xfrm>
+            <a:off x="513806" y="5322854"/>
+            <a:ext cx="5840812" cy="1274802"/>
+          </a:xfrm>
+          <a:prstGeom prst="rect">
+            <a:avLst/>
+          </a:prstGeom>
+          <a:effectLst>
+            <a:outerShdw blurRad="63500" dist="63500" dir="5400000" algn="ctr" rotWithShape="0">
+              <a:srgbClr val="000000">
+                <a:alpha val="50000"/>
+              </a:srgbClr>
+            </a:outerShdw>
+          </a:effectLst>
+        </p:spPr>
+      </p:pic>
+      <p:sp>
+        <p:nvSpPr>
+          <p:cNvPr id="6" name="文字方塊 5"/>
+          <p:cNvSpPr txBox="1"/>
+          <p:nvPr/>
+        </p:nvSpPr>
+        <p:spPr>
+          <a:xfrm>
+            <a:off x="4267200" y="5274217"/>
+            <a:ext cx="7376160" cy="1323439"/>
+          </a:xfrm>
+          <a:prstGeom prst="rect">
+            <a:avLst/>
+          </a:prstGeom>
+          <a:noFill/>
+        </p:spPr>
+        <p:txBody>
+          <a:bodyPr wrap="square" rtlCol="0">
+            <a:spAutoFit/>
+          </a:bodyPr>
+          <a:lstStyle/>
+          <a:p>
+            <a:r>
+              <a:rPr lang="zh-TW" altLang="en-US" sz="8000" dirty="0" smtClean="0">
+                <a:solidFill>
+                  <a:schemeClr val="bg1">
+                    <a:lumMod val="75000"/>
+                  </a:schemeClr>
+                </a:solidFill>
+              </a:rPr>
+              <a:t>我要向高山舉目</a:t>
+            </a:r>
+            <a:endParaRPr lang="en-GB" sz="8000" dirty="0">
+              <a:solidFill>
+                <a:schemeClr val="bg1">
+                  <a:lumMod val="75000"/>
+                </a:schemeClr>
+              </a:solidFill>
+            </a:endParaRPr>
+          </a:p>
+        </p:txBody>
+      </p:sp>
+    </p:spTree>
+    <p:extLst>
+      <p:ext uri="{BB962C8B-B14F-4D97-AF65-F5344CB8AC3E}">
+        <p14:creationId xmlns:p14="http://schemas.microsoft.com/office/powerpoint/2010/main" val="1809898459"/>
+      </p:ext>
+    </p:extLst>
+  </p:cSld>
+  <p:clrMapOvr>
+    <a:masterClrMapping/>
+  </p:clrMapOvr>
+  <p:timing>
+    <p:tnLst>
+      <p:par>
+        <p:cTn id="1" dur="indefinite" restart="never" nodeType="tmRoot"/>
+      </p:par>
+    </p:tnLst>
+  </p:timing>
+</p:sld>
+</file>
+
+<file path=ppt/slides/slide14.xml><?xml version="1.0" encoding="utf-8"?>
+<p:sld xmlns:a="http://schemas.openxmlformats.org/drawingml/2006/main" xmlns:r="http://schemas.openxmlformats.org/officeDocument/2006/relationships" xmlns:p="http://schemas.openxmlformats.org/presentationml/2006/main">
+  <p:cSld>
+    <p:spTree>
+      <p:nvGrpSpPr>
+        <p:cNvPr id="1" name=""/>
+        <p:cNvGrpSpPr/>
+        <p:nvPr/>
+      </p:nvGrpSpPr>
+      <p:grpSpPr>
+        <a:xfrm>
+          <a:off x="0" y="0"/>
+          <a:ext cx="0" cy="0"/>
+          <a:chOff x="0" y="0"/>
+          <a:chExt cx="0" cy="0"/>
+        </a:xfrm>
+      </p:grpSpPr>
+      <p:sp>
+        <p:nvSpPr>
+          <p:cNvPr id="4" name="文字方塊 3"/>
+          <p:cNvSpPr txBox="1"/>
+          <p:nvPr/>
+        </p:nvSpPr>
+        <p:spPr>
+          <a:xfrm>
+            <a:off x="513806" y="339634"/>
+            <a:ext cx="11129554" cy="5078313"/>
+          </a:xfrm>
+          <a:prstGeom prst="rect">
+            <a:avLst/>
+          </a:prstGeom>
+          <a:noFill/>
+        </p:spPr>
+        <p:txBody>
+          <a:bodyPr wrap="square" rtlCol="0">
+            <a:spAutoFit/>
+          </a:bodyPr>
+          <a:lstStyle/>
+          <a:p>
+            <a:pPr algn="just">
+              <a:lnSpc>
+                <a:spcPct val="150000"/>
+              </a:lnSpc>
+            </a:pPr>
+            <a:r>
+              <a:rPr lang="zh-TW" altLang="en-US" sz="5400" b="1" dirty="0" smtClean="0">
+                <a:latin typeface="Microsoft JhengHei" panose="020B0604030504040204" pitchFamily="34" charset="-120"/>
+                <a:ea typeface="Microsoft JhengHei" panose="020B0604030504040204" pitchFamily="34" charset="-120"/>
+              </a:rPr>
+              <a:t>哈利路亞，哈利路亞</a:t>
+            </a:r>
+            <a:endParaRPr lang="en-US" altLang="zh-TW" sz="5400" b="1" dirty="0" smtClean="0">
+              <a:latin typeface="Microsoft JhengHei" panose="020B0604030504040204" pitchFamily="34" charset="-120"/>
+              <a:ea typeface="Microsoft JhengHei" panose="020B0604030504040204" pitchFamily="34" charset="-120"/>
+            </a:endParaRPr>
+          </a:p>
+          <a:p>
+            <a:pPr algn="just">
+              <a:lnSpc>
+                <a:spcPct val="150000"/>
+              </a:lnSpc>
+            </a:pPr>
+            <a:r>
+              <a:rPr lang="zh-TW" altLang="en-US" sz="5400" b="1" dirty="0" smtClean="0">
+                <a:latin typeface="Microsoft JhengHei" panose="020B0604030504040204" pitchFamily="34" charset="-120"/>
+                <a:ea typeface="Microsoft JhengHei" panose="020B0604030504040204" pitchFamily="34" charset="-120"/>
+              </a:rPr>
+              <a:t>哈利路亞，哈利路</a:t>
+            </a:r>
+            <a:endParaRPr lang="en-US" altLang="zh-TW" sz="5400" b="1" dirty="0" smtClean="0">
+              <a:latin typeface="Microsoft JhengHei" panose="020B0604030504040204" pitchFamily="34" charset="-120"/>
+              <a:ea typeface="Microsoft JhengHei" panose="020B0604030504040204" pitchFamily="34" charset="-120"/>
+            </a:endParaRPr>
+          </a:p>
+          <a:p>
+            <a:pPr algn="just">
+              <a:lnSpc>
+                <a:spcPct val="150000"/>
+              </a:lnSpc>
+            </a:pPr>
+            <a:endParaRPr lang="en-US" altLang="zh-TW" sz="5400" b="1" dirty="0" smtClean="0">
+              <a:latin typeface="Microsoft JhengHei" panose="020B0604030504040204" pitchFamily="34" charset="-120"/>
+              <a:ea typeface="Microsoft JhengHei" panose="020B0604030504040204" pitchFamily="34" charset="-120"/>
+            </a:endParaRPr>
+          </a:p>
+          <a:p>
+            <a:pPr algn="just">
+              <a:lnSpc>
+                <a:spcPct val="150000"/>
+              </a:lnSpc>
+            </a:pPr>
+            <a:endParaRPr lang="en-GB" sz="5400" b="1" dirty="0">
+              <a:latin typeface="Microsoft JhengHei" panose="020B0604030504040204" pitchFamily="34" charset="-120"/>
+              <a:ea typeface="Microsoft JhengHei" panose="020B0604030504040204" pitchFamily="34" charset="-120"/>
+            </a:endParaRPr>
+          </a:p>
+        </p:txBody>
+      </p:sp>
+      <p:pic>
+        <p:nvPicPr>
+          <p:cNvPr id="5" name="圖片 4"/>
+          <p:cNvPicPr>
+            <a:picLocks noChangeAspect="1"/>
+          </p:cNvPicPr>
+          <p:nvPr/>
+        </p:nvPicPr>
+        <p:blipFill>
+          <a:blip r:embed="rId2" cstate="print">
+            <a:extLst>
+              <a:ext uri="{BEBA8EAE-BF5A-486C-A8C5-ECC9F3942E4B}">
+                <a14:imgProps xmlns:a14="http://schemas.microsoft.com/office/drawing/2010/main">
+                  <a14:imgLayer r:embed="rId3">
+                    <a14:imgEffect>
+                      <a14:saturation sat="99000"/>
+                    </a14:imgEffect>
+                  </a14:imgLayer>
+                </a14:imgProps>
+              </a:ext>
+              <a:ext uri="{28A0092B-C50C-407E-A947-70E740481C1C}">
+                <a14:useLocalDpi xmlns:a14="http://schemas.microsoft.com/office/drawing/2010/main" val="0"/>
+              </a:ext>
+            </a:extLst>
+          </a:blip>
+          <a:stretch>
+            <a:fillRect/>
+          </a:stretch>
+        </p:blipFill>
+        <p:spPr>
+          <a:xfrm>
+            <a:off x="513806" y="5322854"/>
+            <a:ext cx="5840812" cy="1274802"/>
+          </a:xfrm>
+          <a:prstGeom prst="rect">
+            <a:avLst/>
+          </a:prstGeom>
+          <a:effectLst>
+            <a:outerShdw blurRad="63500" dist="63500" dir="5400000" algn="ctr" rotWithShape="0">
+              <a:srgbClr val="000000">
+                <a:alpha val="50000"/>
+              </a:srgbClr>
+            </a:outerShdw>
+          </a:effectLst>
+        </p:spPr>
+      </p:pic>
+      <p:sp>
+        <p:nvSpPr>
+          <p:cNvPr id="6" name="文字方塊 5"/>
+          <p:cNvSpPr txBox="1"/>
+          <p:nvPr/>
+        </p:nvSpPr>
+        <p:spPr>
+          <a:xfrm>
+            <a:off x="4267200" y="5274217"/>
+            <a:ext cx="7376160" cy="1323439"/>
+          </a:xfrm>
+          <a:prstGeom prst="rect">
+            <a:avLst/>
+          </a:prstGeom>
+          <a:noFill/>
+        </p:spPr>
+        <p:txBody>
+          <a:bodyPr wrap="square" rtlCol="0">
+            <a:spAutoFit/>
+          </a:bodyPr>
+          <a:lstStyle/>
+          <a:p>
+            <a:r>
+              <a:rPr lang="zh-TW" altLang="en-US" sz="8000" dirty="0" smtClean="0">
+                <a:solidFill>
+                  <a:schemeClr val="bg1">
+                    <a:lumMod val="75000"/>
+                  </a:schemeClr>
+                </a:solidFill>
+              </a:rPr>
+              <a:t>我要向高山舉目</a:t>
+            </a:r>
+            <a:endParaRPr lang="en-GB" sz="8000" dirty="0">
+              <a:solidFill>
+                <a:schemeClr val="bg1">
+                  <a:lumMod val="75000"/>
+                </a:schemeClr>
+              </a:solidFill>
+            </a:endParaRPr>
+          </a:p>
+        </p:txBody>
+      </p:sp>
+    </p:spTree>
+    <p:extLst>
+      <p:ext uri="{BB962C8B-B14F-4D97-AF65-F5344CB8AC3E}">
+        <p14:creationId xmlns:p14="http://schemas.microsoft.com/office/powerpoint/2010/main" val="2921656991"/>
+      </p:ext>
+    </p:extLst>
+  </p:cSld>
+  <p:clrMapOvr>
+    <a:masterClrMapping/>
+  </p:clrMapOvr>
+  <p:timing>
+    <p:tnLst>
+      <p:par>
+        <p:cTn id="1" dur="indefinite" restart="never" nodeType="tmRoot"/>
+      </p:par>
+    </p:tnLst>
+  </p:timing>
+</p:sld>
+</file>
+
+<file path=ppt/slides/slide15.xml><?xml version="1.0" encoding="utf-8"?>
+<p:sld xmlns:a="http://schemas.openxmlformats.org/drawingml/2006/main" xmlns:r="http://schemas.openxmlformats.org/officeDocument/2006/relationships" xmlns:p="http://schemas.openxmlformats.org/presentationml/2006/main">
+  <p:cSld>
+    <p:spTree>
+      <p:nvGrpSpPr>
+        <p:cNvPr id="1" name=""/>
+        <p:cNvGrpSpPr/>
+        <p:nvPr/>
+      </p:nvGrpSpPr>
+      <p:grpSpPr>
+        <a:xfrm>
+          <a:off x="0" y="0"/>
+          <a:ext cx="0" cy="0"/>
+          <a:chOff x="0" y="0"/>
+          <a:chExt cx="0" cy="0"/>
+        </a:xfrm>
+      </p:grpSpPr>
+      <p:sp>
+        <p:nvSpPr>
+          <p:cNvPr id="4" name="文字方塊 3"/>
+          <p:cNvSpPr txBox="1"/>
+          <p:nvPr/>
+        </p:nvSpPr>
+        <p:spPr>
+          <a:xfrm>
+            <a:off x="513806" y="339634"/>
+            <a:ext cx="11129554" cy="5078313"/>
+          </a:xfrm>
+          <a:prstGeom prst="rect">
+            <a:avLst/>
+          </a:prstGeom>
+          <a:noFill/>
+        </p:spPr>
+        <p:txBody>
+          <a:bodyPr wrap="square" rtlCol="0">
+            <a:spAutoFit/>
+          </a:bodyPr>
+          <a:lstStyle/>
+          <a:p>
+            <a:pPr algn="just">
+              <a:lnSpc>
+                <a:spcPct val="150000"/>
+              </a:lnSpc>
+            </a:pPr>
+            <a:r>
+              <a:rPr lang="zh-TW" altLang="en-US" sz="5400" b="1" dirty="0" smtClean="0">
+                <a:latin typeface="Microsoft JhengHei" panose="020B0604030504040204" pitchFamily="34" charset="-120"/>
+                <a:ea typeface="Microsoft JhengHei" panose="020B0604030504040204" pitchFamily="34" charset="-120"/>
+              </a:rPr>
+              <a:t>哈利路亞，哈利路亞</a:t>
+            </a:r>
+            <a:endParaRPr lang="en-US" altLang="zh-TW" sz="5400" b="1" dirty="0" smtClean="0">
+              <a:latin typeface="Microsoft JhengHei" panose="020B0604030504040204" pitchFamily="34" charset="-120"/>
+              <a:ea typeface="Microsoft JhengHei" panose="020B0604030504040204" pitchFamily="34" charset="-120"/>
+            </a:endParaRPr>
+          </a:p>
+          <a:p>
+            <a:pPr algn="just">
+              <a:lnSpc>
+                <a:spcPct val="150000"/>
+              </a:lnSpc>
+            </a:pPr>
+            <a:r>
+              <a:rPr lang="zh-TW" altLang="en-US" sz="5400" b="1" dirty="0" smtClean="0">
+                <a:latin typeface="Microsoft JhengHei" panose="020B0604030504040204" pitchFamily="34" charset="-120"/>
+                <a:ea typeface="Microsoft JhengHei" panose="020B0604030504040204" pitchFamily="34" charset="-120"/>
+              </a:rPr>
+              <a:t>哈利路亞，哈利路</a:t>
+            </a:r>
+            <a:endParaRPr lang="en-US" altLang="zh-TW" sz="5400" b="1" dirty="0" smtClean="0">
+              <a:latin typeface="Microsoft JhengHei" panose="020B0604030504040204" pitchFamily="34" charset="-120"/>
+              <a:ea typeface="Microsoft JhengHei" panose="020B0604030504040204" pitchFamily="34" charset="-120"/>
+            </a:endParaRPr>
+          </a:p>
+          <a:p>
+            <a:pPr algn="just">
+              <a:lnSpc>
+                <a:spcPct val="150000"/>
+              </a:lnSpc>
+            </a:pPr>
+            <a:endParaRPr lang="en-US" altLang="zh-TW" sz="5400" b="1" dirty="0" smtClean="0">
+              <a:latin typeface="Microsoft JhengHei" panose="020B0604030504040204" pitchFamily="34" charset="-120"/>
+              <a:ea typeface="Microsoft JhengHei" panose="020B0604030504040204" pitchFamily="34" charset="-120"/>
+            </a:endParaRPr>
+          </a:p>
+          <a:p>
+            <a:pPr algn="just">
+              <a:lnSpc>
+                <a:spcPct val="150000"/>
+              </a:lnSpc>
+            </a:pPr>
+            <a:endParaRPr lang="en-GB" sz="5400" b="1" dirty="0">
+              <a:latin typeface="Microsoft JhengHei" panose="020B0604030504040204" pitchFamily="34" charset="-120"/>
+              <a:ea typeface="Microsoft JhengHei" panose="020B0604030504040204" pitchFamily="34" charset="-120"/>
+            </a:endParaRPr>
+          </a:p>
+        </p:txBody>
+      </p:sp>
+      <p:pic>
+        <p:nvPicPr>
+          <p:cNvPr id="5" name="圖片 4"/>
+          <p:cNvPicPr>
+            <a:picLocks noChangeAspect="1"/>
+          </p:cNvPicPr>
+          <p:nvPr/>
+        </p:nvPicPr>
+        <p:blipFill>
+          <a:blip r:embed="rId2" cstate="print">
+            <a:extLst>
+              <a:ext uri="{BEBA8EAE-BF5A-486C-A8C5-ECC9F3942E4B}">
+                <a14:imgProps xmlns:a14="http://schemas.microsoft.com/office/drawing/2010/main">
+                  <a14:imgLayer r:embed="rId3">
+                    <a14:imgEffect>
+                      <a14:saturation sat="99000"/>
+                    </a14:imgEffect>
+                  </a14:imgLayer>
+                </a14:imgProps>
+              </a:ext>
+              <a:ext uri="{28A0092B-C50C-407E-A947-70E740481C1C}">
+                <a14:useLocalDpi xmlns:a14="http://schemas.microsoft.com/office/drawing/2010/main" val="0"/>
+              </a:ext>
+            </a:extLst>
+          </a:blip>
+          <a:stretch>
+            <a:fillRect/>
+          </a:stretch>
+        </p:blipFill>
+        <p:spPr>
+          <a:xfrm>
+            <a:off x="513806" y="5322854"/>
+            <a:ext cx="5840812" cy="1274802"/>
+          </a:xfrm>
+          <a:prstGeom prst="rect">
+            <a:avLst/>
+          </a:prstGeom>
+          <a:effectLst>
+            <a:outerShdw blurRad="63500" dist="63500" dir="5400000" algn="ctr" rotWithShape="0">
+              <a:srgbClr val="000000">
+                <a:alpha val="50000"/>
+              </a:srgbClr>
+            </a:outerShdw>
+          </a:effectLst>
+        </p:spPr>
+      </p:pic>
+      <p:sp>
+        <p:nvSpPr>
+          <p:cNvPr id="6" name="文字方塊 5"/>
+          <p:cNvSpPr txBox="1"/>
+          <p:nvPr/>
+        </p:nvSpPr>
+        <p:spPr>
+          <a:xfrm>
+            <a:off x="4267200" y="5274217"/>
+            <a:ext cx="7376160" cy="1323439"/>
+          </a:xfrm>
+          <a:prstGeom prst="rect">
+            <a:avLst/>
+          </a:prstGeom>
+          <a:noFill/>
+        </p:spPr>
+        <p:txBody>
+          <a:bodyPr wrap="square" rtlCol="0">
+            <a:spAutoFit/>
+          </a:bodyPr>
+          <a:lstStyle/>
+          <a:p>
+            <a:r>
+              <a:rPr lang="zh-TW" altLang="en-US" sz="8000" dirty="0" smtClean="0">
+                <a:solidFill>
+                  <a:schemeClr val="bg1">
+                    <a:lumMod val="75000"/>
+                  </a:schemeClr>
+                </a:solidFill>
+              </a:rPr>
+              <a:t>我要向高山舉目</a:t>
+            </a:r>
+            <a:endParaRPr lang="en-GB" sz="8000" dirty="0">
+              <a:solidFill>
+                <a:schemeClr val="bg1">
+                  <a:lumMod val="75000"/>
+                </a:schemeClr>
+              </a:solidFill>
+            </a:endParaRPr>
+          </a:p>
+        </p:txBody>
+      </p:sp>
+    </p:spTree>
+    <p:extLst>
+      <p:ext uri="{BB962C8B-B14F-4D97-AF65-F5344CB8AC3E}">
+        <p14:creationId xmlns:p14="http://schemas.microsoft.com/office/powerpoint/2010/main" val="496938587"/>
+      </p:ext>
+    </p:extLst>
+  </p:cSld>
+  <p:clrMapOvr>
+    <a:masterClrMapping/>
+  </p:clrMapOvr>
+  <p:timing>
+    <p:tnLst>
+      <p:par>
+        <p:cTn id="1" dur="indefinite" restart="never" nodeType="tmRoot"/>
+      </p:par>
+    </p:tnLst>
+  </p:timing>
+</p:sld>
+</file>
+
+<file path=ppt/slides/slide16.xml><?xml version="1.0" encoding="utf-8"?>
+<p:sld xmlns:a="http://schemas.openxmlformats.org/drawingml/2006/main" xmlns:r="http://schemas.openxmlformats.org/officeDocument/2006/relationships" xmlns:p="http://schemas.openxmlformats.org/presentationml/2006/main">
+  <p:cSld>
+    <p:spTree>
+      <p:nvGrpSpPr>
+        <p:cNvPr id="1" name=""/>
+        <p:cNvGrpSpPr/>
+        <p:nvPr/>
+      </p:nvGrpSpPr>
+      <p:grpSpPr>
+        <a:xfrm>
+          <a:off x="0" y="0"/>
+          <a:ext cx="0" cy="0"/>
+          <a:chOff x="0" y="0"/>
+          <a:chExt cx="0" cy="0"/>
+        </a:xfrm>
+      </p:grpSpPr>
+      <p:sp>
+        <p:nvSpPr>
+          <p:cNvPr id="4" name="文字方塊 3"/>
+          <p:cNvSpPr txBox="1"/>
+          <p:nvPr/>
+        </p:nvSpPr>
+        <p:spPr>
+          <a:xfrm>
+            <a:off x="513806" y="339634"/>
+            <a:ext cx="11129554" cy="2585323"/>
+          </a:xfrm>
+          <a:prstGeom prst="rect">
+            <a:avLst/>
+          </a:prstGeom>
+          <a:noFill/>
+        </p:spPr>
+        <p:txBody>
+          <a:bodyPr wrap="square" rtlCol="0">
+            <a:spAutoFit/>
+          </a:bodyPr>
+          <a:lstStyle/>
+          <a:p>
+            <a:pPr algn="just">
+              <a:lnSpc>
+                <a:spcPct val="150000"/>
+              </a:lnSpc>
+            </a:pPr>
+            <a:r>
+              <a:rPr lang="zh-TW" altLang="en-US" sz="5400" b="1" dirty="0" smtClean="0">
+                <a:latin typeface="Microsoft JhengHei" panose="020B0604030504040204" pitchFamily="34" charset="-120"/>
+                <a:ea typeface="Microsoft JhengHei" panose="020B0604030504040204" pitchFamily="34" charset="-120"/>
+              </a:rPr>
+              <a:t>主，為祢的恩典</a:t>
+            </a:r>
+            <a:endParaRPr lang="en-US" altLang="zh-TW" sz="5400" b="1" dirty="0" smtClean="0">
+              <a:latin typeface="Microsoft JhengHei" panose="020B0604030504040204" pitchFamily="34" charset="-120"/>
+              <a:ea typeface="Microsoft JhengHei" panose="020B0604030504040204" pitchFamily="34" charset="-120"/>
+            </a:endParaRPr>
+          </a:p>
+          <a:p>
+            <a:pPr algn="just">
+              <a:lnSpc>
+                <a:spcPct val="150000"/>
+              </a:lnSpc>
+            </a:pPr>
+            <a:r>
+              <a:rPr lang="zh-TW" altLang="en-US" sz="5400" b="1" dirty="0" smtClean="0">
+                <a:latin typeface="Microsoft JhengHei" panose="020B0604030504040204" pitchFamily="34" charset="-120"/>
+                <a:ea typeface="Microsoft JhengHei" panose="020B0604030504040204" pitchFamily="34" charset="-120"/>
+              </a:rPr>
+              <a:t>我要滿心感謝</a:t>
+            </a:r>
+            <a:endParaRPr lang="en-GB" sz="5400" b="1" dirty="0">
+              <a:latin typeface="Microsoft JhengHei" panose="020B0604030504040204" pitchFamily="34" charset="-120"/>
+              <a:ea typeface="Microsoft JhengHei" panose="020B0604030504040204" pitchFamily="34" charset="-120"/>
+            </a:endParaRPr>
+          </a:p>
+        </p:txBody>
+      </p:sp>
+      <p:pic>
+        <p:nvPicPr>
+          <p:cNvPr id="5" name="圖片 4"/>
+          <p:cNvPicPr>
+            <a:picLocks noChangeAspect="1"/>
+          </p:cNvPicPr>
+          <p:nvPr/>
+        </p:nvPicPr>
+        <p:blipFill>
+          <a:blip r:embed="rId2" cstate="print">
+            <a:extLst>
+              <a:ext uri="{BEBA8EAE-BF5A-486C-A8C5-ECC9F3942E4B}">
+                <a14:imgProps xmlns:a14="http://schemas.microsoft.com/office/drawing/2010/main">
+                  <a14:imgLayer r:embed="rId3">
+                    <a14:imgEffect>
+                      <a14:saturation sat="99000"/>
+                    </a14:imgEffect>
+                  </a14:imgLayer>
+                </a14:imgProps>
+              </a:ext>
+              <a:ext uri="{28A0092B-C50C-407E-A947-70E740481C1C}">
+                <a14:useLocalDpi xmlns:a14="http://schemas.microsoft.com/office/drawing/2010/main" val="0"/>
+              </a:ext>
+            </a:extLst>
+          </a:blip>
+          <a:stretch>
+            <a:fillRect/>
+          </a:stretch>
+        </p:blipFill>
+        <p:spPr>
+          <a:xfrm>
+            <a:off x="513806" y="5322854"/>
+            <a:ext cx="5840812" cy="1274802"/>
+          </a:xfrm>
+          <a:prstGeom prst="rect">
+            <a:avLst/>
+          </a:prstGeom>
+          <a:effectLst>
+            <a:outerShdw blurRad="63500" dist="63500" dir="5400000" algn="ctr" rotWithShape="0">
+              <a:srgbClr val="000000">
+                <a:alpha val="50000"/>
+              </a:srgbClr>
+            </a:outerShdw>
+          </a:effectLst>
+        </p:spPr>
+      </p:pic>
+      <p:sp>
+        <p:nvSpPr>
+          <p:cNvPr id="6" name="文字方塊 5"/>
+          <p:cNvSpPr txBox="1"/>
+          <p:nvPr/>
+        </p:nvSpPr>
+        <p:spPr>
+          <a:xfrm>
+            <a:off x="6287588" y="5274217"/>
+            <a:ext cx="5355771" cy="1323439"/>
+          </a:xfrm>
+          <a:prstGeom prst="rect">
+            <a:avLst/>
+          </a:prstGeom>
+          <a:noFill/>
+        </p:spPr>
+        <p:txBody>
+          <a:bodyPr wrap="square" rtlCol="0">
+            <a:spAutoFit/>
+          </a:bodyPr>
+          <a:lstStyle/>
+          <a:p>
+            <a:r>
+              <a:rPr lang="zh-TW" altLang="en-US" sz="8000" dirty="0" smtClean="0">
+                <a:solidFill>
+                  <a:schemeClr val="bg1">
+                    <a:lumMod val="75000"/>
+                  </a:schemeClr>
+                </a:solidFill>
+              </a:rPr>
+              <a:t>以感恩為祭</a:t>
+            </a:r>
+            <a:endParaRPr lang="en-GB" sz="8000" dirty="0">
+              <a:solidFill>
+                <a:schemeClr val="bg1">
+                  <a:lumMod val="75000"/>
+                </a:schemeClr>
+              </a:solidFill>
+            </a:endParaRPr>
+          </a:p>
+        </p:txBody>
+      </p:sp>
+    </p:spTree>
+    <p:extLst>
+      <p:ext uri="{BB962C8B-B14F-4D97-AF65-F5344CB8AC3E}">
+        <p14:creationId xmlns:p14="http://schemas.microsoft.com/office/powerpoint/2010/main" val="3691938758"/>
+      </p:ext>
+    </p:extLst>
+  </p:cSld>
+  <p:clrMapOvr>
+    <a:masterClrMapping/>
+  </p:clrMapOvr>
+  <p:timing>
+    <p:tnLst>
+      <p:par>
+        <p:cTn id="1" dur="indefinite" restart="never" nodeType="tmRoot"/>
+      </p:par>
+    </p:tnLst>
+  </p:timing>
+</p:sld>
+</file>
+
+<file path=ppt/slides/slide17.xml><?xml version="1.0" encoding="utf-8"?>
+<p:sld xmlns:a="http://schemas.openxmlformats.org/drawingml/2006/main" xmlns:r="http://schemas.openxmlformats.org/officeDocument/2006/relationships" xmlns:p="http://schemas.openxmlformats.org/presentationml/2006/main">
+  <p:cSld>
+    <p:spTree>
+      <p:nvGrpSpPr>
+        <p:cNvPr id="1" name=""/>
+        <p:cNvGrpSpPr/>
+        <p:nvPr/>
+      </p:nvGrpSpPr>
+      <p:grpSpPr>
+        <a:xfrm>
+          <a:off x="0" y="0"/>
+          <a:ext cx="0" cy="0"/>
+          <a:chOff x="0" y="0"/>
+          <a:chExt cx="0" cy="0"/>
+        </a:xfrm>
+      </p:grpSpPr>
+      <p:sp>
+        <p:nvSpPr>
+          <p:cNvPr id="4" name="文字方塊 3"/>
+          <p:cNvSpPr txBox="1"/>
+          <p:nvPr/>
+        </p:nvSpPr>
+        <p:spPr>
+          <a:xfrm>
+            <a:off x="513806" y="339634"/>
+            <a:ext cx="11129554" cy="2585323"/>
+          </a:xfrm>
+          <a:prstGeom prst="rect">
+            <a:avLst/>
+          </a:prstGeom>
+          <a:noFill/>
+        </p:spPr>
+        <p:txBody>
+          <a:bodyPr wrap="square" rtlCol="0">
+            <a:spAutoFit/>
+          </a:bodyPr>
+          <a:lstStyle/>
+          <a:p>
+            <a:pPr algn="just">
+              <a:lnSpc>
+                <a:spcPct val="150000"/>
+              </a:lnSpc>
+            </a:pPr>
+            <a:r>
+              <a:rPr lang="zh-TW" altLang="en-US" sz="5400" b="1" dirty="0" smtClean="0">
+                <a:latin typeface="Microsoft JhengHei" panose="020B0604030504040204" pitchFamily="34" charset="-120"/>
+                <a:ea typeface="Microsoft JhengHei" panose="020B0604030504040204" pitchFamily="34" charset="-120"/>
+              </a:rPr>
+              <a:t>由泥內生機到變幻天氣</a:t>
+            </a:r>
+            <a:endParaRPr lang="en-US" altLang="zh-TW" sz="5400" b="1" dirty="0" smtClean="0">
+              <a:latin typeface="Microsoft JhengHei" panose="020B0604030504040204" pitchFamily="34" charset="-120"/>
+              <a:ea typeface="Microsoft JhengHei" panose="020B0604030504040204" pitchFamily="34" charset="-120"/>
+            </a:endParaRPr>
+          </a:p>
+          <a:p>
+            <a:pPr algn="just">
+              <a:lnSpc>
+                <a:spcPct val="150000"/>
+              </a:lnSpc>
+            </a:pPr>
+            <a:r>
+              <a:rPr lang="zh-TW" altLang="en-US" sz="5400" b="1" dirty="0" smtClean="0">
+                <a:latin typeface="Microsoft JhengHei" panose="020B0604030504040204" pitchFamily="34" charset="-120"/>
+                <a:ea typeface="Microsoft JhengHei" panose="020B0604030504040204" pitchFamily="34" charset="-120"/>
+              </a:rPr>
+              <a:t>讓這世界各樣完備</a:t>
+            </a:r>
+            <a:endParaRPr lang="en-GB" sz="5400" b="1" dirty="0">
+              <a:latin typeface="Microsoft JhengHei" panose="020B0604030504040204" pitchFamily="34" charset="-120"/>
+              <a:ea typeface="Microsoft JhengHei" panose="020B0604030504040204" pitchFamily="34" charset="-120"/>
+            </a:endParaRPr>
+          </a:p>
+        </p:txBody>
+      </p:sp>
+      <p:pic>
+        <p:nvPicPr>
+          <p:cNvPr id="5" name="圖片 4"/>
+          <p:cNvPicPr>
+            <a:picLocks noChangeAspect="1"/>
+          </p:cNvPicPr>
+          <p:nvPr/>
+        </p:nvPicPr>
+        <p:blipFill>
+          <a:blip r:embed="rId2" cstate="print">
+            <a:extLst>
+              <a:ext uri="{BEBA8EAE-BF5A-486C-A8C5-ECC9F3942E4B}">
+                <a14:imgProps xmlns:a14="http://schemas.microsoft.com/office/drawing/2010/main">
+                  <a14:imgLayer r:embed="rId3">
+                    <a14:imgEffect>
+                      <a14:saturation sat="99000"/>
+                    </a14:imgEffect>
+                  </a14:imgLayer>
+                </a14:imgProps>
+              </a:ext>
+              <a:ext uri="{28A0092B-C50C-407E-A947-70E740481C1C}">
+                <a14:useLocalDpi xmlns:a14="http://schemas.microsoft.com/office/drawing/2010/main" val="0"/>
+              </a:ext>
+            </a:extLst>
+          </a:blip>
+          <a:stretch>
+            <a:fillRect/>
+          </a:stretch>
+        </p:blipFill>
+        <p:spPr>
+          <a:xfrm>
+            <a:off x="513806" y="5322854"/>
+            <a:ext cx="5840812" cy="1274802"/>
+          </a:xfrm>
+          <a:prstGeom prst="rect">
+            <a:avLst/>
+          </a:prstGeom>
+          <a:effectLst>
+            <a:outerShdw blurRad="63500" dist="63500" dir="5400000" algn="ctr" rotWithShape="0">
+              <a:srgbClr val="000000">
+                <a:alpha val="50000"/>
+              </a:srgbClr>
+            </a:outerShdw>
+          </a:effectLst>
+        </p:spPr>
+      </p:pic>
+      <p:sp>
+        <p:nvSpPr>
+          <p:cNvPr id="6" name="文字方塊 5"/>
+          <p:cNvSpPr txBox="1"/>
+          <p:nvPr/>
+        </p:nvSpPr>
+        <p:spPr>
+          <a:xfrm>
+            <a:off x="6287588" y="5274217"/>
+            <a:ext cx="5355771" cy="1323439"/>
+          </a:xfrm>
+          <a:prstGeom prst="rect">
+            <a:avLst/>
+          </a:prstGeom>
+          <a:noFill/>
+        </p:spPr>
+        <p:txBody>
+          <a:bodyPr wrap="square" rtlCol="0">
+            <a:spAutoFit/>
+          </a:bodyPr>
+          <a:lstStyle/>
+          <a:p>
+            <a:r>
+              <a:rPr lang="zh-TW" altLang="en-US" sz="8000" dirty="0" smtClean="0">
+                <a:solidFill>
+                  <a:schemeClr val="bg1">
+                    <a:lumMod val="75000"/>
+                  </a:schemeClr>
+                </a:solidFill>
+              </a:rPr>
+              <a:t>以感恩為祭</a:t>
+            </a:r>
+            <a:endParaRPr lang="en-GB" sz="8000" dirty="0">
+              <a:solidFill>
+                <a:schemeClr val="bg1">
+                  <a:lumMod val="75000"/>
+                </a:schemeClr>
+              </a:solidFill>
+            </a:endParaRPr>
+          </a:p>
+        </p:txBody>
+      </p:sp>
+    </p:spTree>
+    <p:extLst>
+      <p:ext uri="{BB962C8B-B14F-4D97-AF65-F5344CB8AC3E}">
+        <p14:creationId xmlns:p14="http://schemas.microsoft.com/office/powerpoint/2010/main" val="1862200869"/>
+      </p:ext>
+    </p:extLst>
+  </p:cSld>
+  <p:clrMapOvr>
+    <a:masterClrMapping/>
+  </p:clrMapOvr>
+  <p:timing>
+    <p:tnLst>
+      <p:par>
+        <p:cTn id="1" dur="indefinite" restart="never" nodeType="tmRoot"/>
+      </p:par>
+    </p:tnLst>
+  </p:timing>
+</p:sld>
+</file>
+
+<file path=ppt/slides/slide18.xml><?xml version="1.0" encoding="utf-8"?>
+<p:sld xmlns:a="http://schemas.openxmlformats.org/drawingml/2006/main" xmlns:r="http://schemas.openxmlformats.org/officeDocument/2006/relationships" xmlns:p="http://schemas.openxmlformats.org/presentationml/2006/main">
+  <p:cSld>
+    <p:spTree>
+      <p:nvGrpSpPr>
+        <p:cNvPr id="1" name=""/>
+        <p:cNvGrpSpPr/>
+        <p:nvPr/>
+      </p:nvGrpSpPr>
+      <p:grpSpPr>
+        <a:xfrm>
+          <a:off x="0" y="0"/>
+          <a:ext cx="0" cy="0"/>
+          <a:chOff x="0" y="0"/>
+          <a:chExt cx="0" cy="0"/>
+        </a:xfrm>
+      </p:grpSpPr>
+      <p:sp>
+        <p:nvSpPr>
+          <p:cNvPr id="4" name="文字方塊 3"/>
+          <p:cNvSpPr txBox="1"/>
+          <p:nvPr/>
+        </p:nvSpPr>
+        <p:spPr>
+          <a:xfrm>
+            <a:off x="513806" y="339634"/>
+            <a:ext cx="11129554" cy="2585323"/>
+          </a:xfrm>
+          <a:prstGeom prst="rect">
+            <a:avLst/>
+          </a:prstGeom>
+          <a:noFill/>
+        </p:spPr>
+        <p:txBody>
+          <a:bodyPr wrap="square" rtlCol="0">
+            <a:spAutoFit/>
+          </a:bodyPr>
+          <a:lstStyle/>
+          <a:p>
+            <a:pPr algn="just">
+              <a:lnSpc>
+                <a:spcPct val="150000"/>
+              </a:lnSpc>
+            </a:pPr>
+            <a:r>
+              <a:rPr lang="zh-TW" altLang="en-US" sz="5400" b="1" dirty="0" smtClean="0">
+                <a:latin typeface="Microsoft JhengHei" panose="020B0604030504040204" pitchFamily="34" charset="-120"/>
+                <a:ea typeface="Microsoft JhengHei" panose="020B0604030504040204" pitchFamily="34" charset="-120"/>
+              </a:rPr>
+              <a:t>主，為祢的恩手</a:t>
+            </a:r>
+            <a:endParaRPr lang="en-US" altLang="zh-TW" sz="5400" b="1" dirty="0" smtClean="0">
+              <a:latin typeface="Microsoft JhengHei" panose="020B0604030504040204" pitchFamily="34" charset="-120"/>
+              <a:ea typeface="Microsoft JhengHei" panose="020B0604030504040204" pitchFamily="34" charset="-120"/>
+            </a:endParaRPr>
+          </a:p>
+          <a:p>
+            <a:pPr algn="just">
+              <a:lnSpc>
+                <a:spcPct val="150000"/>
+              </a:lnSpc>
+            </a:pPr>
+            <a:r>
+              <a:rPr lang="zh-TW" altLang="en-US" sz="5400" b="1" dirty="0" smtClean="0">
+                <a:latin typeface="Microsoft JhengHei" panose="020B0604030504040204" pitchFamily="34" charset="-120"/>
+                <a:ea typeface="Microsoft JhengHei" panose="020B0604030504040204" pitchFamily="34" charset="-120"/>
+              </a:rPr>
+              <a:t>我要滿心感謝</a:t>
+            </a:r>
+            <a:endParaRPr lang="en-GB" sz="5400" b="1" dirty="0">
+              <a:latin typeface="Microsoft JhengHei" panose="020B0604030504040204" pitchFamily="34" charset="-120"/>
+              <a:ea typeface="Microsoft JhengHei" panose="020B0604030504040204" pitchFamily="34" charset="-120"/>
+            </a:endParaRPr>
+          </a:p>
+        </p:txBody>
+      </p:sp>
+      <p:pic>
+        <p:nvPicPr>
+          <p:cNvPr id="5" name="圖片 4"/>
+          <p:cNvPicPr>
+            <a:picLocks noChangeAspect="1"/>
+          </p:cNvPicPr>
+          <p:nvPr/>
+        </p:nvPicPr>
+        <p:blipFill>
+          <a:blip r:embed="rId2" cstate="print">
+            <a:extLst>
+              <a:ext uri="{BEBA8EAE-BF5A-486C-A8C5-ECC9F3942E4B}">
+                <a14:imgProps xmlns:a14="http://schemas.microsoft.com/office/drawing/2010/main">
+                  <a14:imgLayer r:embed="rId3">
+                    <a14:imgEffect>
+                      <a14:saturation sat="99000"/>
+                    </a14:imgEffect>
+                  </a14:imgLayer>
+                </a14:imgProps>
+              </a:ext>
+              <a:ext uri="{28A0092B-C50C-407E-A947-70E740481C1C}">
+                <a14:useLocalDpi xmlns:a14="http://schemas.microsoft.com/office/drawing/2010/main" val="0"/>
+              </a:ext>
+            </a:extLst>
+          </a:blip>
+          <a:stretch>
+            <a:fillRect/>
+          </a:stretch>
+        </p:blipFill>
+        <p:spPr>
+          <a:xfrm>
+            <a:off x="513806" y="5322854"/>
+            <a:ext cx="5840812" cy="1274802"/>
+          </a:xfrm>
+          <a:prstGeom prst="rect">
+            <a:avLst/>
+          </a:prstGeom>
+          <a:effectLst>
+            <a:outerShdw blurRad="63500" dist="63500" dir="5400000" algn="ctr" rotWithShape="0">
+              <a:srgbClr val="000000">
+                <a:alpha val="50000"/>
+              </a:srgbClr>
+            </a:outerShdw>
+          </a:effectLst>
+        </p:spPr>
+      </p:pic>
+      <p:sp>
+        <p:nvSpPr>
+          <p:cNvPr id="6" name="文字方塊 5"/>
+          <p:cNvSpPr txBox="1"/>
+          <p:nvPr/>
+        </p:nvSpPr>
+        <p:spPr>
+          <a:xfrm>
+            <a:off x="6287588" y="5274217"/>
+            <a:ext cx="5355771" cy="1323439"/>
+          </a:xfrm>
+          <a:prstGeom prst="rect">
+            <a:avLst/>
+          </a:prstGeom>
+          <a:noFill/>
+        </p:spPr>
+        <p:txBody>
+          <a:bodyPr wrap="square" rtlCol="0">
+            <a:spAutoFit/>
+          </a:bodyPr>
+          <a:lstStyle/>
+          <a:p>
+            <a:r>
+              <a:rPr lang="zh-TW" altLang="en-US" sz="8000" dirty="0" smtClean="0">
+                <a:solidFill>
+                  <a:schemeClr val="bg1">
+                    <a:lumMod val="75000"/>
+                  </a:schemeClr>
+                </a:solidFill>
+              </a:rPr>
+              <a:t>以感恩為祭</a:t>
+            </a:r>
+            <a:endParaRPr lang="en-GB" sz="8000" dirty="0">
+              <a:solidFill>
+                <a:schemeClr val="bg1">
+                  <a:lumMod val="75000"/>
+                </a:schemeClr>
+              </a:solidFill>
+            </a:endParaRPr>
+          </a:p>
+        </p:txBody>
+      </p:sp>
+    </p:spTree>
+    <p:extLst>
+      <p:ext uri="{BB962C8B-B14F-4D97-AF65-F5344CB8AC3E}">
+        <p14:creationId xmlns:p14="http://schemas.microsoft.com/office/powerpoint/2010/main" val="1050890184"/>
+      </p:ext>
+    </p:extLst>
+  </p:cSld>
+  <p:clrMapOvr>
+    <a:masterClrMapping/>
+  </p:clrMapOvr>
+  <p:timing>
+    <p:tnLst>
+      <p:par>
+        <p:cTn id="1" dur="indefinite" restart="never" nodeType="tmRoot"/>
+      </p:par>
+    </p:tnLst>
+  </p:timing>
+</p:sld>
+</file>
+
+<file path=ppt/slides/slide19.xml><?xml version="1.0" encoding="utf-8"?>
+<p:sld xmlns:a="http://schemas.openxmlformats.org/drawingml/2006/main" xmlns:r="http://schemas.openxmlformats.org/officeDocument/2006/relationships" xmlns:p="http://schemas.openxmlformats.org/presentationml/2006/main">
+  <p:cSld>
+    <p:spTree>
+      <p:nvGrpSpPr>
+        <p:cNvPr id="1" name=""/>
+        <p:cNvGrpSpPr/>
+        <p:nvPr/>
+      </p:nvGrpSpPr>
+      <p:grpSpPr>
+        <a:xfrm>
+          <a:off x="0" y="0"/>
+          <a:ext cx="0" cy="0"/>
+          <a:chOff x="0" y="0"/>
+          <a:chExt cx="0" cy="0"/>
+        </a:xfrm>
+      </p:grpSpPr>
+      <p:sp>
+        <p:nvSpPr>
+          <p:cNvPr id="4" name="文字方塊 3"/>
+          <p:cNvSpPr txBox="1"/>
+          <p:nvPr/>
+        </p:nvSpPr>
+        <p:spPr>
+          <a:xfrm>
+            <a:off x="513806" y="339634"/>
+            <a:ext cx="11129554" cy="2585323"/>
+          </a:xfrm>
+          <a:prstGeom prst="rect">
+            <a:avLst/>
+          </a:prstGeom>
+          <a:noFill/>
+        </p:spPr>
+        <p:txBody>
+          <a:bodyPr wrap="square" rtlCol="0">
+            <a:spAutoFit/>
+          </a:bodyPr>
+          <a:lstStyle/>
+          <a:p>
+            <a:pPr algn="just">
+              <a:lnSpc>
+                <a:spcPct val="150000"/>
+              </a:lnSpc>
+            </a:pPr>
+            <a:r>
+              <a:rPr lang="zh-TW" altLang="en-US" sz="5400" b="1" dirty="0" smtClean="0">
+                <a:latin typeface="Microsoft JhengHei" panose="020B0604030504040204" pitchFamily="34" charset="-120"/>
+                <a:ea typeface="Microsoft JhengHei" panose="020B0604030504040204" pitchFamily="34" charset="-120"/>
+              </a:rPr>
+              <a:t>由扶助拯救到試煉阻攔</a:t>
+            </a:r>
+            <a:endParaRPr lang="en-US" altLang="zh-TW" sz="5400" b="1" dirty="0" smtClean="0">
+              <a:latin typeface="Microsoft JhengHei" panose="020B0604030504040204" pitchFamily="34" charset="-120"/>
+              <a:ea typeface="Microsoft JhengHei" panose="020B0604030504040204" pitchFamily="34" charset="-120"/>
+            </a:endParaRPr>
+          </a:p>
+          <a:p>
+            <a:pPr algn="just">
+              <a:lnSpc>
+                <a:spcPct val="150000"/>
+              </a:lnSpc>
+            </a:pPr>
+            <a:r>
+              <a:rPr lang="zh-TW" altLang="en-US" sz="5400" b="1" dirty="0" smtClean="0">
+                <a:latin typeface="Microsoft JhengHei" panose="020B0604030504040204" pitchFamily="34" charset="-120"/>
+                <a:ea typeface="Microsoft JhengHei" panose="020B0604030504040204" pitchFamily="34" charset="-120"/>
+              </a:rPr>
+              <a:t>導我按祢正路前行</a:t>
+            </a:r>
+            <a:endParaRPr lang="en-GB" sz="5400" b="1" dirty="0">
+              <a:latin typeface="Microsoft JhengHei" panose="020B0604030504040204" pitchFamily="34" charset="-120"/>
+              <a:ea typeface="Microsoft JhengHei" panose="020B0604030504040204" pitchFamily="34" charset="-120"/>
+            </a:endParaRPr>
+          </a:p>
+        </p:txBody>
+      </p:sp>
+      <p:pic>
+        <p:nvPicPr>
+          <p:cNvPr id="5" name="圖片 4"/>
+          <p:cNvPicPr>
+            <a:picLocks noChangeAspect="1"/>
+          </p:cNvPicPr>
+          <p:nvPr/>
+        </p:nvPicPr>
+        <p:blipFill>
+          <a:blip r:embed="rId2" cstate="print">
+            <a:extLst>
+              <a:ext uri="{BEBA8EAE-BF5A-486C-A8C5-ECC9F3942E4B}">
+                <a14:imgProps xmlns:a14="http://schemas.microsoft.com/office/drawing/2010/main">
+                  <a14:imgLayer r:embed="rId3">
+                    <a14:imgEffect>
+                      <a14:saturation sat="99000"/>
+                    </a14:imgEffect>
+                  </a14:imgLayer>
+                </a14:imgProps>
+              </a:ext>
+              <a:ext uri="{28A0092B-C50C-407E-A947-70E740481C1C}">
+                <a14:useLocalDpi xmlns:a14="http://schemas.microsoft.com/office/drawing/2010/main" val="0"/>
+              </a:ext>
+            </a:extLst>
+          </a:blip>
+          <a:stretch>
+            <a:fillRect/>
+          </a:stretch>
+        </p:blipFill>
+        <p:spPr>
+          <a:xfrm>
+            <a:off x="513806" y="5322854"/>
+            <a:ext cx="5840812" cy="1274802"/>
+          </a:xfrm>
+          <a:prstGeom prst="rect">
+            <a:avLst/>
+          </a:prstGeom>
+          <a:effectLst>
+            <a:outerShdw blurRad="63500" dist="63500" dir="5400000" algn="ctr" rotWithShape="0">
+              <a:srgbClr val="000000">
+                <a:alpha val="50000"/>
+              </a:srgbClr>
+            </a:outerShdw>
+          </a:effectLst>
+        </p:spPr>
+      </p:pic>
+      <p:sp>
+        <p:nvSpPr>
+          <p:cNvPr id="6" name="文字方塊 5"/>
+          <p:cNvSpPr txBox="1"/>
+          <p:nvPr/>
+        </p:nvSpPr>
+        <p:spPr>
+          <a:xfrm>
+            <a:off x="6287588" y="5274217"/>
+            <a:ext cx="5355771" cy="1323439"/>
+          </a:xfrm>
+          <a:prstGeom prst="rect">
+            <a:avLst/>
+          </a:prstGeom>
+          <a:noFill/>
+        </p:spPr>
+        <p:txBody>
+          <a:bodyPr wrap="square" rtlCol="0">
+            <a:spAutoFit/>
+          </a:bodyPr>
+          <a:lstStyle/>
+          <a:p>
+            <a:r>
+              <a:rPr lang="zh-TW" altLang="en-US" sz="8000" dirty="0" smtClean="0">
+                <a:solidFill>
+                  <a:schemeClr val="bg1">
+                    <a:lumMod val="75000"/>
+                  </a:schemeClr>
+                </a:solidFill>
+              </a:rPr>
+              <a:t>以感恩為祭</a:t>
+            </a:r>
+            <a:endParaRPr lang="en-GB" sz="8000" dirty="0">
+              <a:solidFill>
+                <a:schemeClr val="bg1">
+                  <a:lumMod val="75000"/>
+                </a:schemeClr>
+              </a:solidFill>
+            </a:endParaRPr>
+          </a:p>
+        </p:txBody>
+      </p:sp>
+    </p:spTree>
+    <p:extLst>
+      <p:ext uri="{BB962C8B-B14F-4D97-AF65-F5344CB8AC3E}">
+        <p14:creationId xmlns:p14="http://schemas.microsoft.com/office/powerpoint/2010/main" val="3830866081"/>
       </p:ext>
     </p:extLst>
   </p:cSld>
@@ -3445,21 +5141,7 @@
                 <a:latin typeface="Microsoft JhengHei" panose="020B0604030504040204" pitchFamily="34" charset="-120"/>
                 <a:ea typeface="Microsoft JhengHei" panose="020B0604030504040204" pitchFamily="34" charset="-120"/>
               </a:rPr>
-              <a:t>大地頌讚歌唱，讚美</a:t>
-            </a:r>
-            <a:r>
-              <a:rPr lang="zh-TW" altLang="en-US" sz="5400" b="1" dirty="0" smtClean="0">
-                <a:latin typeface="Microsoft JhengHei" panose="020B0604030504040204" pitchFamily="34" charset="-120"/>
-                <a:ea typeface="Microsoft JhengHei" panose="020B0604030504040204" pitchFamily="34" charset="-120"/>
-              </a:rPr>
-              <a:t>祢</a:t>
-            </a:r>
-            <a:r>
-              <a:rPr lang="zh-TW" altLang="en-US" sz="5400" b="1" dirty="0" smtClean="0">
-                <a:latin typeface="Microsoft JhengHei" panose="020B0604030504040204" pitchFamily="34" charset="-120"/>
-                <a:ea typeface="Microsoft JhengHei" panose="020B0604030504040204" pitchFamily="34" charset="-120"/>
-              </a:rPr>
-              <a:t>名字</a:t>
+              <a:t>大地頌讚歌唱，讚美祢名字</a:t>
             </a:r>
             <a:endParaRPr lang="en-US" altLang="zh-TW" sz="5400" b="1" dirty="0" smtClean="0">
               <a:latin typeface="Microsoft JhengHei" panose="020B0604030504040204" pitchFamily="34" charset="-120"/>
@@ -3574,6 +5256,1853 @@
     <p:extLst>
       <p:ext uri="{BB962C8B-B14F-4D97-AF65-F5344CB8AC3E}">
         <p14:creationId xmlns:p14="http://schemas.microsoft.com/office/powerpoint/2010/main" val="4037424451"/>
+      </p:ext>
+    </p:extLst>
+  </p:cSld>
+  <p:clrMapOvr>
+    <a:masterClrMapping/>
+  </p:clrMapOvr>
+  <p:timing>
+    <p:tnLst>
+      <p:par>
+        <p:cTn id="1" dur="indefinite" restart="never" nodeType="tmRoot"/>
+      </p:par>
+    </p:tnLst>
+  </p:timing>
+</p:sld>
+</file>
+
+<file path=ppt/slides/slide20.xml><?xml version="1.0" encoding="utf-8"?>
+<p:sld xmlns:a="http://schemas.openxmlformats.org/drawingml/2006/main" xmlns:r="http://schemas.openxmlformats.org/officeDocument/2006/relationships" xmlns:p="http://schemas.openxmlformats.org/presentationml/2006/main">
+  <p:cSld>
+    <p:spTree>
+      <p:nvGrpSpPr>
+        <p:cNvPr id="1" name=""/>
+        <p:cNvGrpSpPr/>
+        <p:nvPr/>
+      </p:nvGrpSpPr>
+      <p:grpSpPr>
+        <a:xfrm>
+          <a:off x="0" y="0"/>
+          <a:ext cx="0" cy="0"/>
+          <a:chOff x="0" y="0"/>
+          <a:chExt cx="0" cy="0"/>
+        </a:xfrm>
+      </p:grpSpPr>
+      <p:sp>
+        <p:nvSpPr>
+          <p:cNvPr id="4" name="文字方塊 3"/>
+          <p:cNvSpPr txBox="1"/>
+          <p:nvPr/>
+        </p:nvSpPr>
+        <p:spPr>
+          <a:xfrm>
+            <a:off x="513806" y="339634"/>
+            <a:ext cx="11129554" cy="2585323"/>
+          </a:xfrm>
+          <a:prstGeom prst="rect">
+            <a:avLst/>
+          </a:prstGeom>
+          <a:noFill/>
+        </p:spPr>
+        <p:txBody>
+          <a:bodyPr wrap="square" rtlCol="0">
+            <a:spAutoFit/>
+          </a:bodyPr>
+          <a:lstStyle/>
+          <a:p>
+            <a:pPr algn="just">
+              <a:lnSpc>
+                <a:spcPct val="150000"/>
+              </a:lnSpc>
+            </a:pPr>
+            <a:r>
+              <a:rPr lang="zh-TW" altLang="en-US" sz="5400" b="1" dirty="0" smtClean="0">
+                <a:latin typeface="Microsoft JhengHei" panose="020B0604030504040204" pitchFamily="34" charset="-120"/>
+                <a:ea typeface="Microsoft JhengHei" panose="020B0604030504040204" pitchFamily="34" charset="-120"/>
+              </a:rPr>
+              <a:t>我出生前祢已深知我</a:t>
+            </a:r>
+            <a:endParaRPr lang="en-US" altLang="zh-TW" sz="5400" b="1" dirty="0" smtClean="0">
+              <a:latin typeface="Microsoft JhengHei" panose="020B0604030504040204" pitchFamily="34" charset="-120"/>
+              <a:ea typeface="Microsoft JhengHei" panose="020B0604030504040204" pitchFamily="34" charset="-120"/>
+            </a:endParaRPr>
+          </a:p>
+          <a:p>
+            <a:pPr algn="just">
+              <a:lnSpc>
+                <a:spcPct val="150000"/>
+              </a:lnSpc>
+            </a:pPr>
+            <a:r>
+              <a:rPr lang="zh-TW" altLang="en-US" sz="5400" b="1" dirty="0" smtClean="0">
+                <a:latin typeface="Microsoft JhengHei" panose="020B0604030504040204" pitchFamily="34" charset="-120"/>
+                <a:ea typeface="Microsoft JhengHei" panose="020B0604030504040204" pitchFamily="34" charset="-120"/>
+              </a:rPr>
+              <a:t>到了今天亦有幫助</a:t>
+            </a:r>
+            <a:endParaRPr lang="en-GB" sz="5400" b="1" dirty="0">
+              <a:latin typeface="Microsoft JhengHei" panose="020B0604030504040204" pitchFamily="34" charset="-120"/>
+              <a:ea typeface="Microsoft JhengHei" panose="020B0604030504040204" pitchFamily="34" charset="-120"/>
+            </a:endParaRPr>
+          </a:p>
+        </p:txBody>
+      </p:sp>
+      <p:pic>
+        <p:nvPicPr>
+          <p:cNvPr id="5" name="圖片 4"/>
+          <p:cNvPicPr>
+            <a:picLocks noChangeAspect="1"/>
+          </p:cNvPicPr>
+          <p:nvPr/>
+        </p:nvPicPr>
+        <p:blipFill>
+          <a:blip r:embed="rId2" cstate="print">
+            <a:extLst>
+              <a:ext uri="{BEBA8EAE-BF5A-486C-A8C5-ECC9F3942E4B}">
+                <a14:imgProps xmlns:a14="http://schemas.microsoft.com/office/drawing/2010/main">
+                  <a14:imgLayer r:embed="rId3">
+                    <a14:imgEffect>
+                      <a14:saturation sat="99000"/>
+                    </a14:imgEffect>
+                  </a14:imgLayer>
+                </a14:imgProps>
+              </a:ext>
+              <a:ext uri="{28A0092B-C50C-407E-A947-70E740481C1C}">
+                <a14:useLocalDpi xmlns:a14="http://schemas.microsoft.com/office/drawing/2010/main" val="0"/>
+              </a:ext>
+            </a:extLst>
+          </a:blip>
+          <a:stretch>
+            <a:fillRect/>
+          </a:stretch>
+        </p:blipFill>
+        <p:spPr>
+          <a:xfrm>
+            <a:off x="513806" y="5322854"/>
+            <a:ext cx="5840812" cy="1274802"/>
+          </a:xfrm>
+          <a:prstGeom prst="rect">
+            <a:avLst/>
+          </a:prstGeom>
+          <a:effectLst>
+            <a:outerShdw blurRad="63500" dist="63500" dir="5400000" algn="ctr" rotWithShape="0">
+              <a:srgbClr val="000000">
+                <a:alpha val="50000"/>
+              </a:srgbClr>
+            </a:outerShdw>
+          </a:effectLst>
+        </p:spPr>
+      </p:pic>
+      <p:sp>
+        <p:nvSpPr>
+          <p:cNvPr id="6" name="文字方塊 5"/>
+          <p:cNvSpPr txBox="1"/>
+          <p:nvPr/>
+        </p:nvSpPr>
+        <p:spPr>
+          <a:xfrm>
+            <a:off x="6287588" y="5274217"/>
+            <a:ext cx="5355771" cy="1323439"/>
+          </a:xfrm>
+          <a:prstGeom prst="rect">
+            <a:avLst/>
+          </a:prstGeom>
+          <a:noFill/>
+        </p:spPr>
+        <p:txBody>
+          <a:bodyPr wrap="square" rtlCol="0">
+            <a:spAutoFit/>
+          </a:bodyPr>
+          <a:lstStyle/>
+          <a:p>
+            <a:r>
+              <a:rPr lang="zh-TW" altLang="en-US" sz="8000" dirty="0" smtClean="0">
+                <a:solidFill>
+                  <a:schemeClr val="bg1">
+                    <a:lumMod val="75000"/>
+                  </a:schemeClr>
+                </a:solidFill>
+              </a:rPr>
+              <a:t>以感恩為祭</a:t>
+            </a:r>
+            <a:endParaRPr lang="en-GB" sz="8000" dirty="0">
+              <a:solidFill>
+                <a:schemeClr val="bg1">
+                  <a:lumMod val="75000"/>
+                </a:schemeClr>
+              </a:solidFill>
+            </a:endParaRPr>
+          </a:p>
+        </p:txBody>
+      </p:sp>
+    </p:spTree>
+    <p:extLst>
+      <p:ext uri="{BB962C8B-B14F-4D97-AF65-F5344CB8AC3E}">
+        <p14:creationId xmlns:p14="http://schemas.microsoft.com/office/powerpoint/2010/main" val="3271360519"/>
+      </p:ext>
+    </p:extLst>
+  </p:cSld>
+  <p:clrMapOvr>
+    <a:masterClrMapping/>
+  </p:clrMapOvr>
+  <p:timing>
+    <p:tnLst>
+      <p:par>
+        <p:cTn id="1" dur="indefinite" restart="never" nodeType="tmRoot"/>
+      </p:par>
+    </p:tnLst>
+  </p:timing>
+</p:sld>
+</file>
+
+<file path=ppt/slides/slide21.xml><?xml version="1.0" encoding="utf-8"?>
+<p:sld xmlns:a="http://schemas.openxmlformats.org/drawingml/2006/main" xmlns:r="http://schemas.openxmlformats.org/officeDocument/2006/relationships" xmlns:p="http://schemas.openxmlformats.org/presentationml/2006/main">
+  <p:cSld>
+    <p:spTree>
+      <p:nvGrpSpPr>
+        <p:cNvPr id="1" name=""/>
+        <p:cNvGrpSpPr/>
+        <p:nvPr/>
+      </p:nvGrpSpPr>
+      <p:grpSpPr>
+        <a:xfrm>
+          <a:off x="0" y="0"/>
+          <a:ext cx="0" cy="0"/>
+          <a:chOff x="0" y="0"/>
+          <a:chExt cx="0" cy="0"/>
+        </a:xfrm>
+      </p:grpSpPr>
+      <p:sp>
+        <p:nvSpPr>
+          <p:cNvPr id="4" name="文字方塊 3"/>
+          <p:cNvSpPr txBox="1"/>
+          <p:nvPr/>
+        </p:nvSpPr>
+        <p:spPr>
+          <a:xfrm>
+            <a:off x="513806" y="339634"/>
+            <a:ext cx="11129554" cy="2585323"/>
+          </a:xfrm>
+          <a:prstGeom prst="rect">
+            <a:avLst/>
+          </a:prstGeom>
+          <a:noFill/>
+        </p:spPr>
+        <p:txBody>
+          <a:bodyPr wrap="square" rtlCol="0">
+            <a:spAutoFit/>
+          </a:bodyPr>
+          <a:lstStyle/>
+          <a:p>
+            <a:pPr algn="just">
+              <a:lnSpc>
+                <a:spcPct val="150000"/>
+              </a:lnSpc>
+            </a:pPr>
+            <a:r>
+              <a:rPr lang="zh-TW" altLang="en-US" sz="5400" b="1" dirty="0" smtClean="0">
+                <a:latin typeface="Microsoft JhengHei" panose="020B0604030504040204" pitchFamily="34" charset="-120"/>
+                <a:ea typeface="Microsoft JhengHei" panose="020B0604030504040204" pitchFamily="34" charset="-120"/>
+              </a:rPr>
+              <a:t>為我備救恩召我出黑暗</a:t>
+            </a:r>
+            <a:endParaRPr lang="en-US" altLang="zh-TW" sz="5400" b="1" dirty="0" smtClean="0">
+              <a:latin typeface="Microsoft JhengHei" panose="020B0604030504040204" pitchFamily="34" charset="-120"/>
+              <a:ea typeface="Microsoft JhengHei" panose="020B0604030504040204" pitchFamily="34" charset="-120"/>
+            </a:endParaRPr>
+          </a:p>
+          <a:p>
+            <a:pPr algn="just">
+              <a:lnSpc>
+                <a:spcPct val="150000"/>
+              </a:lnSpc>
+            </a:pPr>
+            <a:r>
+              <a:rPr lang="zh-TW" altLang="en-US" sz="5400" b="1" dirty="0" smtClean="0">
+                <a:latin typeface="Microsoft JhengHei" panose="020B0604030504040204" pitchFamily="34" charset="-120"/>
+                <a:ea typeface="Microsoft JhengHei" panose="020B0604030504040204" pitchFamily="34" charset="-120"/>
+              </a:rPr>
+              <a:t>做祢聖潔國度</a:t>
+            </a:r>
+            <a:r>
+              <a:rPr lang="zh-TW" altLang="en-US" sz="5400" b="1" dirty="0" smtClean="0">
+                <a:latin typeface="Microsoft JhengHei" panose="020B0604030504040204" pitchFamily="34" charset="-120"/>
+                <a:ea typeface="Microsoft JhengHei" panose="020B0604030504040204" pitchFamily="34" charset="-120"/>
+              </a:rPr>
+              <a:t>人民</a:t>
+            </a:r>
+            <a:endParaRPr lang="en-GB" sz="5400" b="1" dirty="0">
+              <a:latin typeface="Microsoft JhengHei" panose="020B0604030504040204" pitchFamily="34" charset="-120"/>
+              <a:ea typeface="Microsoft JhengHei" panose="020B0604030504040204" pitchFamily="34" charset="-120"/>
+            </a:endParaRPr>
+          </a:p>
+        </p:txBody>
+      </p:sp>
+      <p:pic>
+        <p:nvPicPr>
+          <p:cNvPr id="5" name="圖片 4"/>
+          <p:cNvPicPr>
+            <a:picLocks noChangeAspect="1"/>
+          </p:cNvPicPr>
+          <p:nvPr/>
+        </p:nvPicPr>
+        <p:blipFill>
+          <a:blip r:embed="rId2" cstate="print">
+            <a:extLst>
+              <a:ext uri="{BEBA8EAE-BF5A-486C-A8C5-ECC9F3942E4B}">
+                <a14:imgProps xmlns:a14="http://schemas.microsoft.com/office/drawing/2010/main">
+                  <a14:imgLayer r:embed="rId3">
+                    <a14:imgEffect>
+                      <a14:saturation sat="99000"/>
+                    </a14:imgEffect>
+                  </a14:imgLayer>
+                </a14:imgProps>
+              </a:ext>
+              <a:ext uri="{28A0092B-C50C-407E-A947-70E740481C1C}">
+                <a14:useLocalDpi xmlns:a14="http://schemas.microsoft.com/office/drawing/2010/main" val="0"/>
+              </a:ext>
+            </a:extLst>
+          </a:blip>
+          <a:stretch>
+            <a:fillRect/>
+          </a:stretch>
+        </p:blipFill>
+        <p:spPr>
+          <a:xfrm>
+            <a:off x="513806" y="5322854"/>
+            <a:ext cx="5840812" cy="1274802"/>
+          </a:xfrm>
+          <a:prstGeom prst="rect">
+            <a:avLst/>
+          </a:prstGeom>
+          <a:effectLst>
+            <a:outerShdw blurRad="63500" dist="63500" dir="5400000" algn="ctr" rotWithShape="0">
+              <a:srgbClr val="000000">
+                <a:alpha val="50000"/>
+              </a:srgbClr>
+            </a:outerShdw>
+          </a:effectLst>
+        </p:spPr>
+      </p:pic>
+      <p:sp>
+        <p:nvSpPr>
+          <p:cNvPr id="6" name="文字方塊 5"/>
+          <p:cNvSpPr txBox="1"/>
+          <p:nvPr/>
+        </p:nvSpPr>
+        <p:spPr>
+          <a:xfrm>
+            <a:off x="6287588" y="5274217"/>
+            <a:ext cx="5355771" cy="1323439"/>
+          </a:xfrm>
+          <a:prstGeom prst="rect">
+            <a:avLst/>
+          </a:prstGeom>
+          <a:noFill/>
+        </p:spPr>
+        <p:txBody>
+          <a:bodyPr wrap="square" rtlCol="0">
+            <a:spAutoFit/>
+          </a:bodyPr>
+          <a:lstStyle/>
+          <a:p>
+            <a:r>
+              <a:rPr lang="zh-TW" altLang="en-US" sz="8000" dirty="0" smtClean="0">
+                <a:solidFill>
+                  <a:schemeClr val="bg1">
+                    <a:lumMod val="75000"/>
+                  </a:schemeClr>
+                </a:solidFill>
+              </a:rPr>
+              <a:t>以感恩為祭</a:t>
+            </a:r>
+            <a:endParaRPr lang="en-GB" sz="8000" dirty="0">
+              <a:solidFill>
+                <a:schemeClr val="bg1">
+                  <a:lumMod val="75000"/>
+                </a:schemeClr>
+              </a:solidFill>
+            </a:endParaRPr>
+          </a:p>
+        </p:txBody>
+      </p:sp>
+    </p:spTree>
+    <p:extLst>
+      <p:ext uri="{BB962C8B-B14F-4D97-AF65-F5344CB8AC3E}">
+        <p14:creationId xmlns:p14="http://schemas.microsoft.com/office/powerpoint/2010/main" val="2869663311"/>
+      </p:ext>
+    </p:extLst>
+  </p:cSld>
+  <p:clrMapOvr>
+    <a:masterClrMapping/>
+  </p:clrMapOvr>
+  <p:timing>
+    <p:tnLst>
+      <p:par>
+        <p:cTn id="1" dur="indefinite" restart="never" nodeType="tmRoot"/>
+      </p:par>
+    </p:tnLst>
+  </p:timing>
+</p:sld>
+</file>
+
+<file path=ppt/slides/slide22.xml><?xml version="1.0" encoding="utf-8"?>
+<p:sld xmlns:a="http://schemas.openxmlformats.org/drawingml/2006/main" xmlns:r="http://schemas.openxmlformats.org/officeDocument/2006/relationships" xmlns:p="http://schemas.openxmlformats.org/presentationml/2006/main">
+  <p:cSld>
+    <p:spTree>
+      <p:nvGrpSpPr>
+        <p:cNvPr id="1" name=""/>
+        <p:cNvGrpSpPr/>
+        <p:nvPr/>
+      </p:nvGrpSpPr>
+      <p:grpSpPr>
+        <a:xfrm>
+          <a:off x="0" y="0"/>
+          <a:ext cx="0" cy="0"/>
+          <a:chOff x="0" y="0"/>
+          <a:chExt cx="0" cy="0"/>
+        </a:xfrm>
+      </p:grpSpPr>
+      <p:sp>
+        <p:nvSpPr>
+          <p:cNvPr id="4" name="文字方塊 3"/>
+          <p:cNvSpPr txBox="1"/>
+          <p:nvPr/>
+        </p:nvSpPr>
+        <p:spPr>
+          <a:xfrm>
+            <a:off x="513806" y="339634"/>
+            <a:ext cx="11129554" cy="2585323"/>
+          </a:xfrm>
+          <a:prstGeom prst="rect">
+            <a:avLst/>
+          </a:prstGeom>
+          <a:noFill/>
+        </p:spPr>
+        <p:txBody>
+          <a:bodyPr wrap="square" rtlCol="0">
+            <a:spAutoFit/>
+          </a:bodyPr>
+          <a:lstStyle/>
+          <a:p>
+            <a:pPr algn="just">
+              <a:lnSpc>
+                <a:spcPct val="150000"/>
+              </a:lnSpc>
+            </a:pPr>
+            <a:r>
+              <a:rPr lang="zh-TW" altLang="en-US" sz="5400" b="1" dirty="0" smtClean="0">
+                <a:latin typeface="Microsoft JhengHei" panose="020B0604030504040204" pitchFamily="34" charset="-120"/>
+                <a:ea typeface="Microsoft JhengHei" panose="020B0604030504040204" pitchFamily="34" charset="-120"/>
+              </a:rPr>
+              <a:t>主，為祢的恩言</a:t>
+            </a:r>
+            <a:endParaRPr lang="en-US" altLang="zh-TW" sz="5400" b="1" dirty="0" smtClean="0">
+              <a:latin typeface="Microsoft JhengHei" panose="020B0604030504040204" pitchFamily="34" charset="-120"/>
+              <a:ea typeface="Microsoft JhengHei" panose="020B0604030504040204" pitchFamily="34" charset="-120"/>
+            </a:endParaRPr>
+          </a:p>
+          <a:p>
+            <a:pPr algn="just">
+              <a:lnSpc>
+                <a:spcPct val="150000"/>
+              </a:lnSpc>
+            </a:pPr>
+            <a:r>
+              <a:rPr lang="zh-TW" altLang="en-US" sz="5400" b="1" dirty="0" smtClean="0">
+                <a:latin typeface="Microsoft JhengHei" panose="020B0604030504040204" pitchFamily="34" charset="-120"/>
+                <a:ea typeface="Microsoft JhengHei" panose="020B0604030504040204" pitchFamily="34" charset="-120"/>
+              </a:rPr>
+              <a:t>我要滿心感謝</a:t>
+            </a:r>
+            <a:endParaRPr lang="en-GB" sz="5400" b="1" dirty="0">
+              <a:latin typeface="Microsoft JhengHei" panose="020B0604030504040204" pitchFamily="34" charset="-120"/>
+              <a:ea typeface="Microsoft JhengHei" panose="020B0604030504040204" pitchFamily="34" charset="-120"/>
+            </a:endParaRPr>
+          </a:p>
+        </p:txBody>
+      </p:sp>
+      <p:pic>
+        <p:nvPicPr>
+          <p:cNvPr id="5" name="圖片 4"/>
+          <p:cNvPicPr>
+            <a:picLocks noChangeAspect="1"/>
+          </p:cNvPicPr>
+          <p:nvPr/>
+        </p:nvPicPr>
+        <p:blipFill>
+          <a:blip r:embed="rId2" cstate="print">
+            <a:extLst>
+              <a:ext uri="{BEBA8EAE-BF5A-486C-A8C5-ECC9F3942E4B}">
+                <a14:imgProps xmlns:a14="http://schemas.microsoft.com/office/drawing/2010/main">
+                  <a14:imgLayer r:embed="rId3">
+                    <a14:imgEffect>
+                      <a14:saturation sat="99000"/>
+                    </a14:imgEffect>
+                  </a14:imgLayer>
+                </a14:imgProps>
+              </a:ext>
+              <a:ext uri="{28A0092B-C50C-407E-A947-70E740481C1C}">
+                <a14:useLocalDpi xmlns:a14="http://schemas.microsoft.com/office/drawing/2010/main" val="0"/>
+              </a:ext>
+            </a:extLst>
+          </a:blip>
+          <a:stretch>
+            <a:fillRect/>
+          </a:stretch>
+        </p:blipFill>
+        <p:spPr>
+          <a:xfrm>
+            <a:off x="513806" y="5322854"/>
+            <a:ext cx="5840812" cy="1274802"/>
+          </a:xfrm>
+          <a:prstGeom prst="rect">
+            <a:avLst/>
+          </a:prstGeom>
+          <a:effectLst>
+            <a:outerShdw blurRad="63500" dist="63500" dir="5400000" algn="ctr" rotWithShape="0">
+              <a:srgbClr val="000000">
+                <a:alpha val="50000"/>
+              </a:srgbClr>
+            </a:outerShdw>
+          </a:effectLst>
+        </p:spPr>
+      </p:pic>
+      <p:sp>
+        <p:nvSpPr>
+          <p:cNvPr id="6" name="文字方塊 5"/>
+          <p:cNvSpPr txBox="1"/>
+          <p:nvPr/>
+        </p:nvSpPr>
+        <p:spPr>
+          <a:xfrm>
+            <a:off x="6287588" y="5274217"/>
+            <a:ext cx="5355771" cy="1323439"/>
+          </a:xfrm>
+          <a:prstGeom prst="rect">
+            <a:avLst/>
+          </a:prstGeom>
+          <a:noFill/>
+        </p:spPr>
+        <p:txBody>
+          <a:bodyPr wrap="square" rtlCol="0">
+            <a:spAutoFit/>
+          </a:bodyPr>
+          <a:lstStyle/>
+          <a:p>
+            <a:r>
+              <a:rPr lang="zh-TW" altLang="en-US" sz="8000" dirty="0" smtClean="0">
+                <a:solidFill>
+                  <a:schemeClr val="bg1">
+                    <a:lumMod val="75000"/>
+                  </a:schemeClr>
+                </a:solidFill>
+              </a:rPr>
+              <a:t>以感恩為祭</a:t>
+            </a:r>
+            <a:endParaRPr lang="en-GB" sz="8000" dirty="0">
+              <a:solidFill>
+                <a:schemeClr val="bg1">
+                  <a:lumMod val="75000"/>
+                </a:schemeClr>
+              </a:solidFill>
+            </a:endParaRPr>
+          </a:p>
+        </p:txBody>
+      </p:sp>
+    </p:spTree>
+    <p:extLst>
+      <p:ext uri="{BB962C8B-B14F-4D97-AF65-F5344CB8AC3E}">
+        <p14:creationId xmlns:p14="http://schemas.microsoft.com/office/powerpoint/2010/main" val="1988325500"/>
+      </p:ext>
+    </p:extLst>
+  </p:cSld>
+  <p:clrMapOvr>
+    <a:masterClrMapping/>
+  </p:clrMapOvr>
+  <p:timing>
+    <p:tnLst>
+      <p:par>
+        <p:cTn id="1" dur="indefinite" restart="never" nodeType="tmRoot"/>
+      </p:par>
+    </p:tnLst>
+  </p:timing>
+</p:sld>
+</file>
+
+<file path=ppt/slides/slide23.xml><?xml version="1.0" encoding="utf-8"?>
+<p:sld xmlns:a="http://schemas.openxmlformats.org/drawingml/2006/main" xmlns:r="http://schemas.openxmlformats.org/officeDocument/2006/relationships" xmlns:p="http://schemas.openxmlformats.org/presentationml/2006/main">
+  <p:cSld>
+    <p:spTree>
+      <p:nvGrpSpPr>
+        <p:cNvPr id="1" name=""/>
+        <p:cNvGrpSpPr/>
+        <p:nvPr/>
+      </p:nvGrpSpPr>
+      <p:grpSpPr>
+        <a:xfrm>
+          <a:off x="0" y="0"/>
+          <a:ext cx="0" cy="0"/>
+          <a:chOff x="0" y="0"/>
+          <a:chExt cx="0" cy="0"/>
+        </a:xfrm>
+      </p:grpSpPr>
+      <p:sp>
+        <p:nvSpPr>
+          <p:cNvPr id="4" name="文字方塊 3"/>
+          <p:cNvSpPr txBox="1"/>
+          <p:nvPr/>
+        </p:nvSpPr>
+        <p:spPr>
+          <a:xfrm>
+            <a:off x="513806" y="339634"/>
+            <a:ext cx="11129554" cy="2585323"/>
+          </a:xfrm>
+          <a:prstGeom prst="rect">
+            <a:avLst/>
+          </a:prstGeom>
+          <a:noFill/>
+        </p:spPr>
+        <p:txBody>
+          <a:bodyPr wrap="square" rtlCol="0">
+            <a:spAutoFit/>
+          </a:bodyPr>
+          <a:lstStyle/>
+          <a:p>
+            <a:pPr algn="just">
+              <a:lnSpc>
+                <a:spcPct val="150000"/>
+              </a:lnSpc>
+            </a:pPr>
+            <a:r>
+              <a:rPr lang="zh-TW" altLang="en-US" sz="5400" b="1" dirty="0" smtClean="0">
+                <a:latin typeface="Microsoft JhengHei" panose="020B0604030504040204" pitchFamily="34" charset="-120"/>
+                <a:ea typeface="Microsoft JhengHei" panose="020B0604030504040204" pitchFamily="34" charset="-120"/>
+              </a:rPr>
+              <a:t>由提示安慰到責備管教</a:t>
+            </a:r>
+            <a:endParaRPr lang="en-US" altLang="zh-TW" sz="5400" b="1" dirty="0" smtClean="0">
+              <a:latin typeface="Microsoft JhengHei" panose="020B0604030504040204" pitchFamily="34" charset="-120"/>
+              <a:ea typeface="Microsoft JhengHei" panose="020B0604030504040204" pitchFamily="34" charset="-120"/>
+            </a:endParaRPr>
+          </a:p>
+          <a:p>
+            <a:pPr algn="just">
+              <a:lnSpc>
+                <a:spcPct val="150000"/>
+              </a:lnSpc>
+            </a:pPr>
+            <a:r>
+              <a:rPr lang="zh-TW" altLang="en-US" sz="5400" b="1" dirty="0" smtClean="0">
+                <a:latin typeface="Microsoft JhengHei" panose="020B0604030504040204" pitchFamily="34" charset="-120"/>
+                <a:ea typeface="Microsoft JhengHei" panose="020B0604030504040204" pitchFamily="34" charset="-120"/>
+              </a:rPr>
+              <a:t>內裏有祢愛念呈現</a:t>
+            </a:r>
+            <a:endParaRPr lang="en-GB" sz="5400" b="1" dirty="0">
+              <a:latin typeface="Microsoft JhengHei" panose="020B0604030504040204" pitchFamily="34" charset="-120"/>
+              <a:ea typeface="Microsoft JhengHei" panose="020B0604030504040204" pitchFamily="34" charset="-120"/>
+            </a:endParaRPr>
+          </a:p>
+        </p:txBody>
+      </p:sp>
+      <p:pic>
+        <p:nvPicPr>
+          <p:cNvPr id="5" name="圖片 4"/>
+          <p:cNvPicPr>
+            <a:picLocks noChangeAspect="1"/>
+          </p:cNvPicPr>
+          <p:nvPr/>
+        </p:nvPicPr>
+        <p:blipFill>
+          <a:blip r:embed="rId2" cstate="print">
+            <a:extLst>
+              <a:ext uri="{BEBA8EAE-BF5A-486C-A8C5-ECC9F3942E4B}">
+                <a14:imgProps xmlns:a14="http://schemas.microsoft.com/office/drawing/2010/main">
+                  <a14:imgLayer r:embed="rId3">
+                    <a14:imgEffect>
+                      <a14:saturation sat="99000"/>
+                    </a14:imgEffect>
+                  </a14:imgLayer>
+                </a14:imgProps>
+              </a:ext>
+              <a:ext uri="{28A0092B-C50C-407E-A947-70E740481C1C}">
+                <a14:useLocalDpi xmlns:a14="http://schemas.microsoft.com/office/drawing/2010/main" val="0"/>
+              </a:ext>
+            </a:extLst>
+          </a:blip>
+          <a:stretch>
+            <a:fillRect/>
+          </a:stretch>
+        </p:blipFill>
+        <p:spPr>
+          <a:xfrm>
+            <a:off x="513806" y="5322854"/>
+            <a:ext cx="5840812" cy="1274802"/>
+          </a:xfrm>
+          <a:prstGeom prst="rect">
+            <a:avLst/>
+          </a:prstGeom>
+          <a:effectLst>
+            <a:outerShdw blurRad="63500" dist="63500" dir="5400000" algn="ctr" rotWithShape="0">
+              <a:srgbClr val="000000">
+                <a:alpha val="50000"/>
+              </a:srgbClr>
+            </a:outerShdw>
+          </a:effectLst>
+        </p:spPr>
+      </p:pic>
+      <p:sp>
+        <p:nvSpPr>
+          <p:cNvPr id="6" name="文字方塊 5"/>
+          <p:cNvSpPr txBox="1"/>
+          <p:nvPr/>
+        </p:nvSpPr>
+        <p:spPr>
+          <a:xfrm>
+            <a:off x="6287588" y="5274217"/>
+            <a:ext cx="5355771" cy="1323439"/>
+          </a:xfrm>
+          <a:prstGeom prst="rect">
+            <a:avLst/>
+          </a:prstGeom>
+          <a:noFill/>
+        </p:spPr>
+        <p:txBody>
+          <a:bodyPr wrap="square" rtlCol="0">
+            <a:spAutoFit/>
+          </a:bodyPr>
+          <a:lstStyle/>
+          <a:p>
+            <a:r>
+              <a:rPr lang="zh-TW" altLang="en-US" sz="8000" dirty="0" smtClean="0">
+                <a:solidFill>
+                  <a:schemeClr val="bg1">
+                    <a:lumMod val="75000"/>
+                  </a:schemeClr>
+                </a:solidFill>
+              </a:rPr>
+              <a:t>以感恩為祭</a:t>
+            </a:r>
+            <a:endParaRPr lang="en-GB" sz="8000" dirty="0">
+              <a:solidFill>
+                <a:schemeClr val="bg1">
+                  <a:lumMod val="75000"/>
+                </a:schemeClr>
+              </a:solidFill>
+            </a:endParaRPr>
+          </a:p>
+        </p:txBody>
+      </p:sp>
+    </p:spTree>
+    <p:extLst>
+      <p:ext uri="{BB962C8B-B14F-4D97-AF65-F5344CB8AC3E}">
+        <p14:creationId xmlns:p14="http://schemas.microsoft.com/office/powerpoint/2010/main" val="2829885952"/>
+      </p:ext>
+    </p:extLst>
+  </p:cSld>
+  <p:clrMapOvr>
+    <a:masterClrMapping/>
+  </p:clrMapOvr>
+  <p:timing>
+    <p:tnLst>
+      <p:par>
+        <p:cTn id="1" dur="indefinite" restart="never" nodeType="tmRoot"/>
+      </p:par>
+    </p:tnLst>
+  </p:timing>
+</p:sld>
+</file>
+
+<file path=ppt/slides/slide24.xml><?xml version="1.0" encoding="utf-8"?>
+<p:sld xmlns:a="http://schemas.openxmlformats.org/drawingml/2006/main" xmlns:r="http://schemas.openxmlformats.org/officeDocument/2006/relationships" xmlns:p="http://schemas.openxmlformats.org/presentationml/2006/main">
+  <p:cSld>
+    <p:spTree>
+      <p:nvGrpSpPr>
+        <p:cNvPr id="1" name=""/>
+        <p:cNvGrpSpPr/>
+        <p:nvPr/>
+      </p:nvGrpSpPr>
+      <p:grpSpPr>
+        <a:xfrm>
+          <a:off x="0" y="0"/>
+          <a:ext cx="0" cy="0"/>
+          <a:chOff x="0" y="0"/>
+          <a:chExt cx="0" cy="0"/>
+        </a:xfrm>
+      </p:grpSpPr>
+      <p:sp>
+        <p:nvSpPr>
+          <p:cNvPr id="4" name="文字方塊 3"/>
+          <p:cNvSpPr txBox="1"/>
+          <p:nvPr/>
+        </p:nvSpPr>
+        <p:spPr>
+          <a:xfrm>
+            <a:off x="513806" y="339634"/>
+            <a:ext cx="11129554" cy="2432589"/>
+          </a:xfrm>
+          <a:prstGeom prst="rect">
+            <a:avLst/>
+          </a:prstGeom>
+          <a:noFill/>
+        </p:spPr>
+        <p:txBody>
+          <a:bodyPr wrap="square" rtlCol="0">
+            <a:spAutoFit/>
+          </a:bodyPr>
+          <a:lstStyle/>
+          <a:p>
+            <a:pPr algn="just">
+              <a:lnSpc>
+                <a:spcPct val="150000"/>
+              </a:lnSpc>
+            </a:pPr>
+            <a:r>
+              <a:rPr lang="zh-TW" altLang="en-US" sz="5400" b="1" dirty="0" smtClean="0">
+                <a:latin typeface="Microsoft JhengHei" panose="020B0604030504040204" pitchFamily="34" charset="-120"/>
+                <a:ea typeface="Microsoft JhengHei" panose="020B0604030504040204" pitchFamily="34" charset="-120"/>
+              </a:rPr>
+              <a:t>主，為祢的恩情</a:t>
+            </a:r>
+            <a:endParaRPr lang="en-US" altLang="zh-TW" sz="5400" b="1" dirty="0" smtClean="0">
+              <a:latin typeface="Microsoft JhengHei" panose="020B0604030504040204" pitchFamily="34" charset="-120"/>
+              <a:ea typeface="Microsoft JhengHei" panose="020B0604030504040204" pitchFamily="34" charset="-120"/>
+            </a:endParaRPr>
+          </a:p>
+          <a:p>
+            <a:pPr algn="just">
+              <a:lnSpc>
+                <a:spcPct val="150000"/>
+              </a:lnSpc>
+            </a:pPr>
+            <a:r>
+              <a:rPr lang="zh-TW" altLang="en-US" sz="5400" b="1" dirty="0" smtClean="0">
+                <a:latin typeface="Microsoft JhengHei" panose="020B0604030504040204" pitchFamily="34" charset="-120"/>
+                <a:ea typeface="Microsoft JhengHei" panose="020B0604030504040204" pitchFamily="34" charset="-120"/>
+              </a:rPr>
+              <a:t>我要滿心感謝</a:t>
+            </a:r>
+            <a:endParaRPr lang="en-GB" sz="5400" b="1" dirty="0">
+              <a:latin typeface="Microsoft JhengHei" panose="020B0604030504040204" pitchFamily="34" charset="-120"/>
+              <a:ea typeface="Microsoft JhengHei" panose="020B0604030504040204" pitchFamily="34" charset="-120"/>
+            </a:endParaRPr>
+          </a:p>
+        </p:txBody>
+      </p:sp>
+      <p:pic>
+        <p:nvPicPr>
+          <p:cNvPr id="5" name="圖片 4"/>
+          <p:cNvPicPr>
+            <a:picLocks noChangeAspect="1"/>
+          </p:cNvPicPr>
+          <p:nvPr/>
+        </p:nvPicPr>
+        <p:blipFill>
+          <a:blip r:embed="rId2" cstate="print">
+            <a:extLst>
+              <a:ext uri="{BEBA8EAE-BF5A-486C-A8C5-ECC9F3942E4B}">
+                <a14:imgProps xmlns:a14="http://schemas.microsoft.com/office/drawing/2010/main">
+                  <a14:imgLayer r:embed="rId3">
+                    <a14:imgEffect>
+                      <a14:saturation sat="99000"/>
+                    </a14:imgEffect>
+                  </a14:imgLayer>
+                </a14:imgProps>
+              </a:ext>
+              <a:ext uri="{28A0092B-C50C-407E-A947-70E740481C1C}">
+                <a14:useLocalDpi xmlns:a14="http://schemas.microsoft.com/office/drawing/2010/main" val="0"/>
+              </a:ext>
+            </a:extLst>
+          </a:blip>
+          <a:stretch>
+            <a:fillRect/>
+          </a:stretch>
+        </p:blipFill>
+        <p:spPr>
+          <a:xfrm>
+            <a:off x="513806" y="5322854"/>
+            <a:ext cx="5840812" cy="1274802"/>
+          </a:xfrm>
+          <a:prstGeom prst="rect">
+            <a:avLst/>
+          </a:prstGeom>
+          <a:effectLst>
+            <a:outerShdw blurRad="63500" dist="63500" dir="5400000" algn="ctr" rotWithShape="0">
+              <a:srgbClr val="000000">
+                <a:alpha val="50000"/>
+              </a:srgbClr>
+            </a:outerShdw>
+          </a:effectLst>
+        </p:spPr>
+      </p:pic>
+      <p:sp>
+        <p:nvSpPr>
+          <p:cNvPr id="6" name="文字方塊 5"/>
+          <p:cNvSpPr txBox="1"/>
+          <p:nvPr/>
+        </p:nvSpPr>
+        <p:spPr>
+          <a:xfrm>
+            <a:off x="6287588" y="5274217"/>
+            <a:ext cx="5355771" cy="1323439"/>
+          </a:xfrm>
+          <a:prstGeom prst="rect">
+            <a:avLst/>
+          </a:prstGeom>
+          <a:noFill/>
+        </p:spPr>
+        <p:txBody>
+          <a:bodyPr wrap="square" rtlCol="0">
+            <a:spAutoFit/>
+          </a:bodyPr>
+          <a:lstStyle/>
+          <a:p>
+            <a:r>
+              <a:rPr lang="zh-TW" altLang="en-US" sz="8000" dirty="0" smtClean="0">
+                <a:solidFill>
+                  <a:schemeClr val="bg1">
+                    <a:lumMod val="75000"/>
+                  </a:schemeClr>
+                </a:solidFill>
+              </a:rPr>
+              <a:t>以感恩為祭</a:t>
+            </a:r>
+            <a:endParaRPr lang="en-GB" sz="8000" dirty="0">
+              <a:solidFill>
+                <a:schemeClr val="bg1">
+                  <a:lumMod val="75000"/>
+                </a:schemeClr>
+              </a:solidFill>
+            </a:endParaRPr>
+          </a:p>
+        </p:txBody>
+      </p:sp>
+    </p:spTree>
+    <p:extLst>
+      <p:ext uri="{BB962C8B-B14F-4D97-AF65-F5344CB8AC3E}">
+        <p14:creationId xmlns:p14="http://schemas.microsoft.com/office/powerpoint/2010/main" val="3164632426"/>
+      </p:ext>
+    </p:extLst>
+  </p:cSld>
+  <p:clrMapOvr>
+    <a:masterClrMapping/>
+  </p:clrMapOvr>
+  <p:timing>
+    <p:tnLst>
+      <p:par>
+        <p:cTn id="1" dur="indefinite" restart="never" nodeType="tmRoot"/>
+      </p:par>
+    </p:tnLst>
+  </p:timing>
+</p:sld>
+</file>
+
+<file path=ppt/slides/slide25.xml><?xml version="1.0" encoding="utf-8"?>
+<p:sld xmlns:a="http://schemas.openxmlformats.org/drawingml/2006/main" xmlns:r="http://schemas.openxmlformats.org/officeDocument/2006/relationships" xmlns:p="http://schemas.openxmlformats.org/presentationml/2006/main">
+  <p:cSld>
+    <p:spTree>
+      <p:nvGrpSpPr>
+        <p:cNvPr id="1" name=""/>
+        <p:cNvGrpSpPr/>
+        <p:nvPr/>
+      </p:nvGrpSpPr>
+      <p:grpSpPr>
+        <a:xfrm>
+          <a:off x="0" y="0"/>
+          <a:ext cx="0" cy="0"/>
+          <a:chOff x="0" y="0"/>
+          <a:chExt cx="0" cy="0"/>
+        </a:xfrm>
+      </p:grpSpPr>
+      <p:sp>
+        <p:nvSpPr>
+          <p:cNvPr id="4" name="文字方塊 3"/>
+          <p:cNvSpPr txBox="1"/>
+          <p:nvPr/>
+        </p:nvSpPr>
+        <p:spPr>
+          <a:xfrm>
+            <a:off x="513806" y="339634"/>
+            <a:ext cx="11129554" cy="2585323"/>
+          </a:xfrm>
+          <a:prstGeom prst="rect">
+            <a:avLst/>
+          </a:prstGeom>
+          <a:noFill/>
+        </p:spPr>
+        <p:txBody>
+          <a:bodyPr wrap="square" rtlCol="0">
+            <a:spAutoFit/>
+          </a:bodyPr>
+          <a:lstStyle/>
+          <a:p>
+            <a:pPr algn="just">
+              <a:lnSpc>
+                <a:spcPct val="150000"/>
+              </a:lnSpc>
+            </a:pPr>
+            <a:r>
+              <a:rPr lang="zh-TW" altLang="en-US" sz="5400" b="1" dirty="0" smtClean="0">
+                <a:latin typeface="Microsoft JhengHei" panose="020B0604030504040204" pitchFamily="34" charset="-120"/>
+                <a:ea typeface="Microsoft JhengHei" panose="020B0604030504040204" pitchFamily="34" charset="-120"/>
+              </a:rPr>
+              <a:t>也要常思想，晝夜數算</a:t>
+            </a:r>
+            <a:endParaRPr lang="en-US" altLang="zh-TW" sz="5400" b="1" dirty="0" smtClean="0">
+              <a:latin typeface="Microsoft JhengHei" panose="020B0604030504040204" pitchFamily="34" charset="-120"/>
+              <a:ea typeface="Microsoft JhengHei" panose="020B0604030504040204" pitchFamily="34" charset="-120"/>
+            </a:endParaRPr>
+          </a:p>
+          <a:p>
+            <a:pPr algn="just">
+              <a:lnSpc>
+                <a:spcPct val="150000"/>
+              </a:lnSpc>
+            </a:pPr>
+            <a:r>
+              <a:rPr lang="zh-TW" altLang="en-US" sz="5400" b="1" dirty="0" smtClean="0">
+                <a:latin typeface="Microsoft JhengHei" panose="020B0604030504040204" pitchFamily="34" charset="-120"/>
+                <a:ea typeface="Microsoft JhengHei" panose="020B0604030504040204" pitchFamily="34" charset="-120"/>
+              </a:rPr>
+              <a:t>藉愛見證祢大能</a:t>
+            </a:r>
+            <a:endParaRPr lang="en-GB" sz="5400" b="1" dirty="0">
+              <a:latin typeface="Microsoft JhengHei" panose="020B0604030504040204" pitchFamily="34" charset="-120"/>
+              <a:ea typeface="Microsoft JhengHei" panose="020B0604030504040204" pitchFamily="34" charset="-120"/>
+            </a:endParaRPr>
+          </a:p>
+        </p:txBody>
+      </p:sp>
+      <p:pic>
+        <p:nvPicPr>
+          <p:cNvPr id="5" name="圖片 4"/>
+          <p:cNvPicPr>
+            <a:picLocks noChangeAspect="1"/>
+          </p:cNvPicPr>
+          <p:nvPr/>
+        </p:nvPicPr>
+        <p:blipFill>
+          <a:blip r:embed="rId2" cstate="print">
+            <a:extLst>
+              <a:ext uri="{BEBA8EAE-BF5A-486C-A8C5-ECC9F3942E4B}">
+                <a14:imgProps xmlns:a14="http://schemas.microsoft.com/office/drawing/2010/main">
+                  <a14:imgLayer r:embed="rId3">
+                    <a14:imgEffect>
+                      <a14:saturation sat="99000"/>
+                    </a14:imgEffect>
+                  </a14:imgLayer>
+                </a14:imgProps>
+              </a:ext>
+              <a:ext uri="{28A0092B-C50C-407E-A947-70E740481C1C}">
+                <a14:useLocalDpi xmlns:a14="http://schemas.microsoft.com/office/drawing/2010/main" val="0"/>
+              </a:ext>
+            </a:extLst>
+          </a:blip>
+          <a:stretch>
+            <a:fillRect/>
+          </a:stretch>
+        </p:blipFill>
+        <p:spPr>
+          <a:xfrm>
+            <a:off x="513806" y="5322854"/>
+            <a:ext cx="5840812" cy="1274802"/>
+          </a:xfrm>
+          <a:prstGeom prst="rect">
+            <a:avLst/>
+          </a:prstGeom>
+          <a:effectLst>
+            <a:outerShdw blurRad="63500" dist="63500" dir="5400000" algn="ctr" rotWithShape="0">
+              <a:srgbClr val="000000">
+                <a:alpha val="50000"/>
+              </a:srgbClr>
+            </a:outerShdw>
+          </a:effectLst>
+        </p:spPr>
+      </p:pic>
+      <p:sp>
+        <p:nvSpPr>
+          <p:cNvPr id="6" name="文字方塊 5"/>
+          <p:cNvSpPr txBox="1"/>
+          <p:nvPr/>
+        </p:nvSpPr>
+        <p:spPr>
+          <a:xfrm>
+            <a:off x="6287588" y="5274217"/>
+            <a:ext cx="5355771" cy="1323439"/>
+          </a:xfrm>
+          <a:prstGeom prst="rect">
+            <a:avLst/>
+          </a:prstGeom>
+          <a:noFill/>
+        </p:spPr>
+        <p:txBody>
+          <a:bodyPr wrap="square" rtlCol="0">
+            <a:spAutoFit/>
+          </a:bodyPr>
+          <a:lstStyle/>
+          <a:p>
+            <a:r>
+              <a:rPr lang="zh-TW" altLang="en-US" sz="8000" dirty="0" smtClean="0">
+                <a:solidFill>
+                  <a:schemeClr val="bg1">
+                    <a:lumMod val="75000"/>
+                  </a:schemeClr>
+                </a:solidFill>
+              </a:rPr>
+              <a:t>以感恩為祭</a:t>
+            </a:r>
+            <a:endParaRPr lang="en-GB" sz="8000" dirty="0">
+              <a:solidFill>
+                <a:schemeClr val="bg1">
+                  <a:lumMod val="75000"/>
+                </a:schemeClr>
+              </a:solidFill>
+            </a:endParaRPr>
+          </a:p>
+        </p:txBody>
+      </p:sp>
+    </p:spTree>
+    <p:extLst>
+      <p:ext uri="{BB962C8B-B14F-4D97-AF65-F5344CB8AC3E}">
+        <p14:creationId xmlns:p14="http://schemas.microsoft.com/office/powerpoint/2010/main" val="3844469160"/>
+      </p:ext>
+    </p:extLst>
+  </p:cSld>
+  <p:clrMapOvr>
+    <a:masterClrMapping/>
+  </p:clrMapOvr>
+  <p:timing>
+    <p:tnLst>
+      <p:par>
+        <p:cTn id="1" dur="indefinite" restart="never" nodeType="tmRoot"/>
+      </p:par>
+    </p:tnLst>
+  </p:timing>
+</p:sld>
+</file>
+
+<file path=ppt/slides/slide26.xml><?xml version="1.0" encoding="utf-8"?>
+<p:sld xmlns:a="http://schemas.openxmlformats.org/drawingml/2006/main" xmlns:r="http://schemas.openxmlformats.org/officeDocument/2006/relationships" xmlns:p="http://schemas.openxmlformats.org/presentationml/2006/main">
+  <p:cSld>
+    <p:spTree>
+      <p:nvGrpSpPr>
+        <p:cNvPr id="1" name=""/>
+        <p:cNvGrpSpPr/>
+        <p:nvPr/>
+      </p:nvGrpSpPr>
+      <p:grpSpPr>
+        <a:xfrm>
+          <a:off x="0" y="0"/>
+          <a:ext cx="0" cy="0"/>
+          <a:chOff x="0" y="0"/>
+          <a:chExt cx="0" cy="0"/>
+        </a:xfrm>
+      </p:grpSpPr>
+      <p:sp>
+        <p:nvSpPr>
+          <p:cNvPr id="4" name="文字方塊 3"/>
+          <p:cNvSpPr txBox="1"/>
+          <p:nvPr/>
+        </p:nvSpPr>
+        <p:spPr>
+          <a:xfrm>
+            <a:off x="513806" y="339634"/>
+            <a:ext cx="11129554" cy="2432589"/>
+          </a:xfrm>
+          <a:prstGeom prst="rect">
+            <a:avLst/>
+          </a:prstGeom>
+          <a:noFill/>
+        </p:spPr>
+        <p:txBody>
+          <a:bodyPr wrap="square" rtlCol="0">
+            <a:spAutoFit/>
+          </a:bodyPr>
+          <a:lstStyle/>
+          <a:p>
+            <a:pPr algn="just">
+              <a:lnSpc>
+                <a:spcPct val="150000"/>
+              </a:lnSpc>
+            </a:pPr>
+            <a:r>
+              <a:rPr lang="zh-TW" altLang="en-US" sz="5400" b="1" dirty="0" smtClean="0">
+                <a:latin typeface="Microsoft JhengHei" panose="020B0604030504040204" pitchFamily="34" charset="-120"/>
+                <a:ea typeface="Microsoft JhengHei" panose="020B0604030504040204" pitchFamily="34" charset="-120"/>
+              </a:rPr>
+              <a:t>祢的安排往往多新意</a:t>
+            </a:r>
+            <a:endParaRPr lang="en-US" altLang="zh-TW" sz="5400" b="1" dirty="0" smtClean="0">
+              <a:latin typeface="Microsoft JhengHei" panose="020B0604030504040204" pitchFamily="34" charset="-120"/>
+              <a:ea typeface="Microsoft JhengHei" panose="020B0604030504040204" pitchFamily="34" charset="-120"/>
+            </a:endParaRPr>
+          </a:p>
+          <a:p>
+            <a:pPr algn="just">
+              <a:lnSpc>
+                <a:spcPct val="150000"/>
+              </a:lnSpc>
+            </a:pPr>
+            <a:r>
+              <a:rPr lang="zh-TW" altLang="en-US" sz="5400" b="1" dirty="0" smtClean="0">
+                <a:latin typeface="Microsoft JhengHei" panose="020B0604030504040204" pitchFamily="34" charset="-120"/>
+                <a:ea typeface="Microsoft JhengHei" panose="020B0604030504040204" pitchFamily="34" charset="-120"/>
+              </a:rPr>
+              <a:t>祢有豐賞亦會收取</a:t>
+            </a:r>
+            <a:endParaRPr lang="en-GB" sz="5400" b="1" dirty="0">
+              <a:latin typeface="Microsoft JhengHei" panose="020B0604030504040204" pitchFamily="34" charset="-120"/>
+              <a:ea typeface="Microsoft JhengHei" panose="020B0604030504040204" pitchFamily="34" charset="-120"/>
+            </a:endParaRPr>
+          </a:p>
+        </p:txBody>
+      </p:sp>
+      <p:pic>
+        <p:nvPicPr>
+          <p:cNvPr id="5" name="圖片 4"/>
+          <p:cNvPicPr>
+            <a:picLocks noChangeAspect="1"/>
+          </p:cNvPicPr>
+          <p:nvPr/>
+        </p:nvPicPr>
+        <p:blipFill>
+          <a:blip r:embed="rId2" cstate="print">
+            <a:extLst>
+              <a:ext uri="{BEBA8EAE-BF5A-486C-A8C5-ECC9F3942E4B}">
+                <a14:imgProps xmlns:a14="http://schemas.microsoft.com/office/drawing/2010/main">
+                  <a14:imgLayer r:embed="rId3">
+                    <a14:imgEffect>
+                      <a14:saturation sat="99000"/>
+                    </a14:imgEffect>
+                  </a14:imgLayer>
+                </a14:imgProps>
+              </a:ext>
+              <a:ext uri="{28A0092B-C50C-407E-A947-70E740481C1C}">
+                <a14:useLocalDpi xmlns:a14="http://schemas.microsoft.com/office/drawing/2010/main" val="0"/>
+              </a:ext>
+            </a:extLst>
+          </a:blip>
+          <a:stretch>
+            <a:fillRect/>
+          </a:stretch>
+        </p:blipFill>
+        <p:spPr>
+          <a:xfrm>
+            <a:off x="513806" y="5322854"/>
+            <a:ext cx="5840812" cy="1274802"/>
+          </a:xfrm>
+          <a:prstGeom prst="rect">
+            <a:avLst/>
+          </a:prstGeom>
+          <a:effectLst>
+            <a:outerShdw blurRad="63500" dist="63500" dir="5400000" algn="ctr" rotWithShape="0">
+              <a:srgbClr val="000000">
+                <a:alpha val="50000"/>
+              </a:srgbClr>
+            </a:outerShdw>
+          </a:effectLst>
+        </p:spPr>
+      </p:pic>
+      <p:sp>
+        <p:nvSpPr>
+          <p:cNvPr id="6" name="文字方塊 5"/>
+          <p:cNvSpPr txBox="1"/>
+          <p:nvPr/>
+        </p:nvSpPr>
+        <p:spPr>
+          <a:xfrm>
+            <a:off x="6287588" y="5274217"/>
+            <a:ext cx="5355771" cy="1323439"/>
+          </a:xfrm>
+          <a:prstGeom prst="rect">
+            <a:avLst/>
+          </a:prstGeom>
+          <a:noFill/>
+        </p:spPr>
+        <p:txBody>
+          <a:bodyPr wrap="square" rtlCol="0">
+            <a:spAutoFit/>
+          </a:bodyPr>
+          <a:lstStyle/>
+          <a:p>
+            <a:r>
+              <a:rPr lang="zh-TW" altLang="en-US" sz="8000" dirty="0" smtClean="0">
+                <a:solidFill>
+                  <a:schemeClr val="bg1">
+                    <a:lumMod val="75000"/>
+                  </a:schemeClr>
+                </a:solidFill>
+              </a:rPr>
+              <a:t>以感恩為祭</a:t>
+            </a:r>
+            <a:endParaRPr lang="en-GB" sz="8000" dirty="0">
+              <a:solidFill>
+                <a:schemeClr val="bg1">
+                  <a:lumMod val="75000"/>
+                </a:schemeClr>
+              </a:solidFill>
+            </a:endParaRPr>
+          </a:p>
+        </p:txBody>
+      </p:sp>
+    </p:spTree>
+    <p:extLst>
+      <p:ext uri="{BB962C8B-B14F-4D97-AF65-F5344CB8AC3E}">
+        <p14:creationId xmlns:p14="http://schemas.microsoft.com/office/powerpoint/2010/main" val="2347812511"/>
+      </p:ext>
+    </p:extLst>
+  </p:cSld>
+  <p:clrMapOvr>
+    <a:masterClrMapping/>
+  </p:clrMapOvr>
+  <p:timing>
+    <p:tnLst>
+      <p:par>
+        <p:cTn id="1" dur="indefinite" restart="never" nodeType="tmRoot"/>
+      </p:par>
+    </p:tnLst>
+  </p:timing>
+</p:sld>
+</file>
+
+<file path=ppt/slides/slide27.xml><?xml version="1.0" encoding="utf-8"?>
+<p:sld xmlns:a="http://schemas.openxmlformats.org/drawingml/2006/main" xmlns:r="http://schemas.openxmlformats.org/officeDocument/2006/relationships" xmlns:p="http://schemas.openxmlformats.org/presentationml/2006/main">
+  <p:cSld>
+    <p:spTree>
+      <p:nvGrpSpPr>
+        <p:cNvPr id="1" name=""/>
+        <p:cNvGrpSpPr/>
+        <p:nvPr/>
+      </p:nvGrpSpPr>
+      <p:grpSpPr>
+        <a:xfrm>
+          <a:off x="0" y="0"/>
+          <a:ext cx="0" cy="0"/>
+          <a:chOff x="0" y="0"/>
+          <a:chExt cx="0" cy="0"/>
+        </a:xfrm>
+      </p:grpSpPr>
+      <p:sp>
+        <p:nvSpPr>
+          <p:cNvPr id="4" name="文字方塊 3"/>
+          <p:cNvSpPr txBox="1"/>
+          <p:nvPr/>
+        </p:nvSpPr>
+        <p:spPr>
+          <a:xfrm>
+            <a:off x="513806" y="339634"/>
+            <a:ext cx="11129554" cy="2585323"/>
+          </a:xfrm>
+          <a:prstGeom prst="rect">
+            <a:avLst/>
+          </a:prstGeom>
+          <a:noFill/>
+        </p:spPr>
+        <p:txBody>
+          <a:bodyPr wrap="square" rtlCol="0">
+            <a:spAutoFit/>
+          </a:bodyPr>
+          <a:lstStyle/>
+          <a:p>
+            <a:pPr algn="just">
+              <a:lnSpc>
+                <a:spcPct val="150000"/>
+              </a:lnSpc>
+            </a:pPr>
+            <a:r>
+              <a:rPr lang="zh-TW" altLang="en-US" sz="5400" b="1" dirty="0" smtClean="0">
+                <a:latin typeface="Microsoft JhengHei" panose="020B0604030504040204" pitchFamily="34" charset="-120"/>
+                <a:ea typeface="Microsoft JhengHei" panose="020B0604030504040204" pitchFamily="34" charset="-120"/>
+              </a:rPr>
+              <a:t>微細調配中讓我得益處</a:t>
+            </a:r>
+            <a:endParaRPr lang="en-US" altLang="zh-TW" sz="5400" b="1" dirty="0" smtClean="0">
+              <a:latin typeface="Microsoft JhengHei" panose="020B0604030504040204" pitchFamily="34" charset="-120"/>
+              <a:ea typeface="Microsoft JhengHei" panose="020B0604030504040204" pitchFamily="34" charset="-120"/>
+            </a:endParaRPr>
+          </a:p>
+          <a:p>
+            <a:pPr algn="just">
+              <a:lnSpc>
+                <a:spcPct val="150000"/>
+              </a:lnSpc>
+            </a:pPr>
+            <a:r>
+              <a:rPr lang="zh-TW" altLang="en-US" sz="5400" b="1" dirty="0" smtClean="0">
+                <a:latin typeface="Microsoft JhengHei" panose="020B0604030504040204" pitchFamily="34" charset="-120"/>
+                <a:ea typeface="Microsoft JhengHei" panose="020B0604030504040204" pitchFamily="34" charset="-120"/>
+              </a:rPr>
+              <a:t>現我再見天恩處處</a:t>
+            </a:r>
+            <a:endParaRPr lang="en-GB" sz="5400" b="1" dirty="0">
+              <a:latin typeface="Microsoft JhengHei" panose="020B0604030504040204" pitchFamily="34" charset="-120"/>
+              <a:ea typeface="Microsoft JhengHei" panose="020B0604030504040204" pitchFamily="34" charset="-120"/>
+            </a:endParaRPr>
+          </a:p>
+        </p:txBody>
+      </p:sp>
+      <p:pic>
+        <p:nvPicPr>
+          <p:cNvPr id="5" name="圖片 4"/>
+          <p:cNvPicPr>
+            <a:picLocks noChangeAspect="1"/>
+          </p:cNvPicPr>
+          <p:nvPr/>
+        </p:nvPicPr>
+        <p:blipFill>
+          <a:blip r:embed="rId2" cstate="print">
+            <a:extLst>
+              <a:ext uri="{BEBA8EAE-BF5A-486C-A8C5-ECC9F3942E4B}">
+                <a14:imgProps xmlns:a14="http://schemas.microsoft.com/office/drawing/2010/main">
+                  <a14:imgLayer r:embed="rId3">
+                    <a14:imgEffect>
+                      <a14:saturation sat="99000"/>
+                    </a14:imgEffect>
+                  </a14:imgLayer>
+                </a14:imgProps>
+              </a:ext>
+              <a:ext uri="{28A0092B-C50C-407E-A947-70E740481C1C}">
+                <a14:useLocalDpi xmlns:a14="http://schemas.microsoft.com/office/drawing/2010/main" val="0"/>
+              </a:ext>
+            </a:extLst>
+          </a:blip>
+          <a:stretch>
+            <a:fillRect/>
+          </a:stretch>
+        </p:blipFill>
+        <p:spPr>
+          <a:xfrm>
+            <a:off x="513806" y="5322854"/>
+            <a:ext cx="5840812" cy="1274802"/>
+          </a:xfrm>
+          <a:prstGeom prst="rect">
+            <a:avLst/>
+          </a:prstGeom>
+          <a:effectLst>
+            <a:outerShdw blurRad="63500" dist="63500" dir="5400000" algn="ctr" rotWithShape="0">
+              <a:srgbClr val="000000">
+                <a:alpha val="50000"/>
+              </a:srgbClr>
+            </a:outerShdw>
+          </a:effectLst>
+        </p:spPr>
+      </p:pic>
+      <p:sp>
+        <p:nvSpPr>
+          <p:cNvPr id="6" name="文字方塊 5"/>
+          <p:cNvSpPr txBox="1"/>
+          <p:nvPr/>
+        </p:nvSpPr>
+        <p:spPr>
+          <a:xfrm>
+            <a:off x="6287588" y="5274217"/>
+            <a:ext cx="5355771" cy="1323439"/>
+          </a:xfrm>
+          <a:prstGeom prst="rect">
+            <a:avLst/>
+          </a:prstGeom>
+          <a:noFill/>
+        </p:spPr>
+        <p:txBody>
+          <a:bodyPr wrap="square" rtlCol="0">
+            <a:spAutoFit/>
+          </a:bodyPr>
+          <a:lstStyle/>
+          <a:p>
+            <a:r>
+              <a:rPr lang="zh-TW" altLang="en-US" sz="8000" dirty="0" smtClean="0">
+                <a:solidFill>
+                  <a:schemeClr val="bg1">
+                    <a:lumMod val="75000"/>
+                  </a:schemeClr>
+                </a:solidFill>
+              </a:rPr>
+              <a:t>以感恩為祭</a:t>
+            </a:r>
+            <a:endParaRPr lang="en-GB" sz="8000" dirty="0">
+              <a:solidFill>
+                <a:schemeClr val="bg1">
+                  <a:lumMod val="75000"/>
+                </a:schemeClr>
+              </a:solidFill>
+            </a:endParaRPr>
+          </a:p>
+        </p:txBody>
+      </p:sp>
+    </p:spTree>
+    <p:extLst>
+      <p:ext uri="{BB962C8B-B14F-4D97-AF65-F5344CB8AC3E}">
+        <p14:creationId xmlns:p14="http://schemas.microsoft.com/office/powerpoint/2010/main" val="251208866"/>
+      </p:ext>
+    </p:extLst>
+  </p:cSld>
+  <p:clrMapOvr>
+    <a:masterClrMapping/>
+  </p:clrMapOvr>
+  <p:timing>
+    <p:tnLst>
+      <p:par>
+        <p:cTn id="1" dur="indefinite" restart="never" nodeType="tmRoot"/>
+      </p:par>
+    </p:tnLst>
+  </p:timing>
+</p:sld>
+</file>
+
+<file path=ppt/slides/slide28.xml><?xml version="1.0" encoding="utf-8"?>
+<p:sld xmlns:a="http://schemas.openxmlformats.org/drawingml/2006/main" xmlns:r="http://schemas.openxmlformats.org/officeDocument/2006/relationships" xmlns:p="http://schemas.openxmlformats.org/presentationml/2006/main">
+  <p:cSld>
+    <p:spTree>
+      <p:nvGrpSpPr>
+        <p:cNvPr id="1" name=""/>
+        <p:cNvGrpSpPr/>
+        <p:nvPr/>
+      </p:nvGrpSpPr>
+      <p:grpSpPr>
+        <a:xfrm>
+          <a:off x="0" y="0"/>
+          <a:ext cx="0" cy="0"/>
+          <a:chOff x="0" y="0"/>
+          <a:chExt cx="0" cy="0"/>
+        </a:xfrm>
+      </p:grpSpPr>
+      <p:sp>
+        <p:nvSpPr>
+          <p:cNvPr id="4" name="文字方塊 3"/>
+          <p:cNvSpPr txBox="1"/>
+          <p:nvPr/>
+        </p:nvSpPr>
+        <p:spPr>
+          <a:xfrm>
+            <a:off x="513806" y="339634"/>
+            <a:ext cx="11129554" cy="2432589"/>
+          </a:xfrm>
+          <a:prstGeom prst="rect">
+            <a:avLst/>
+          </a:prstGeom>
+          <a:noFill/>
+        </p:spPr>
+        <p:txBody>
+          <a:bodyPr wrap="square" rtlCol="0">
+            <a:spAutoFit/>
+          </a:bodyPr>
+          <a:lstStyle/>
+          <a:p>
+            <a:pPr algn="just">
+              <a:lnSpc>
+                <a:spcPct val="150000"/>
+              </a:lnSpc>
+            </a:pPr>
+            <a:r>
+              <a:rPr lang="zh-TW" altLang="en-US" sz="5400" b="1" dirty="0" smtClean="0">
+                <a:latin typeface="Microsoft JhengHei" panose="020B0604030504040204" pitchFamily="34" charset="-120"/>
+                <a:ea typeface="Microsoft JhengHei" panose="020B0604030504040204" pitchFamily="34" charset="-120"/>
+              </a:rPr>
+              <a:t>神呀！祢恩典太美妙神奇</a:t>
+            </a:r>
+            <a:endParaRPr lang="en-US" altLang="zh-TW" sz="5400" b="1" dirty="0" smtClean="0">
+              <a:latin typeface="Microsoft JhengHei" panose="020B0604030504040204" pitchFamily="34" charset="-120"/>
+              <a:ea typeface="Microsoft JhengHei" panose="020B0604030504040204" pitchFamily="34" charset="-120"/>
+            </a:endParaRPr>
+          </a:p>
+          <a:p>
+            <a:pPr algn="just">
+              <a:lnSpc>
+                <a:spcPct val="150000"/>
+              </a:lnSpc>
+            </a:pPr>
+            <a:r>
+              <a:rPr lang="zh-TW" altLang="en-US" sz="5400" b="1" dirty="0" smtClean="0">
+                <a:latin typeface="Microsoft JhengHei" panose="020B0604030504040204" pitchFamily="34" charset="-120"/>
+                <a:ea typeface="Microsoft JhengHei" panose="020B0604030504040204" pitchFamily="34" charset="-120"/>
+              </a:rPr>
+              <a:t>配得萬眾稱善</a:t>
+            </a:r>
+            <a:endParaRPr lang="en-GB" sz="5400" b="1" dirty="0">
+              <a:latin typeface="Microsoft JhengHei" panose="020B0604030504040204" pitchFamily="34" charset="-120"/>
+              <a:ea typeface="Microsoft JhengHei" panose="020B0604030504040204" pitchFamily="34" charset="-120"/>
+            </a:endParaRPr>
+          </a:p>
+        </p:txBody>
+      </p:sp>
+      <p:pic>
+        <p:nvPicPr>
+          <p:cNvPr id="5" name="圖片 4"/>
+          <p:cNvPicPr>
+            <a:picLocks noChangeAspect="1"/>
+          </p:cNvPicPr>
+          <p:nvPr/>
+        </p:nvPicPr>
+        <p:blipFill>
+          <a:blip r:embed="rId2" cstate="print">
+            <a:extLst>
+              <a:ext uri="{BEBA8EAE-BF5A-486C-A8C5-ECC9F3942E4B}">
+                <a14:imgProps xmlns:a14="http://schemas.microsoft.com/office/drawing/2010/main">
+                  <a14:imgLayer r:embed="rId3">
+                    <a14:imgEffect>
+                      <a14:saturation sat="99000"/>
+                    </a14:imgEffect>
+                  </a14:imgLayer>
+                </a14:imgProps>
+              </a:ext>
+              <a:ext uri="{28A0092B-C50C-407E-A947-70E740481C1C}">
+                <a14:useLocalDpi xmlns:a14="http://schemas.microsoft.com/office/drawing/2010/main" val="0"/>
+              </a:ext>
+            </a:extLst>
+          </a:blip>
+          <a:stretch>
+            <a:fillRect/>
+          </a:stretch>
+        </p:blipFill>
+        <p:spPr>
+          <a:xfrm>
+            <a:off x="513806" y="5322854"/>
+            <a:ext cx="5840812" cy="1274802"/>
+          </a:xfrm>
+          <a:prstGeom prst="rect">
+            <a:avLst/>
+          </a:prstGeom>
+          <a:effectLst>
+            <a:outerShdw blurRad="63500" dist="63500" dir="5400000" algn="ctr" rotWithShape="0">
+              <a:srgbClr val="000000">
+                <a:alpha val="50000"/>
+              </a:srgbClr>
+            </a:outerShdw>
+          </a:effectLst>
+        </p:spPr>
+      </p:pic>
+      <p:sp>
+        <p:nvSpPr>
+          <p:cNvPr id="6" name="文字方塊 5"/>
+          <p:cNvSpPr txBox="1"/>
+          <p:nvPr/>
+        </p:nvSpPr>
+        <p:spPr>
+          <a:xfrm>
+            <a:off x="6287588" y="5274217"/>
+            <a:ext cx="5355771" cy="1323439"/>
+          </a:xfrm>
+          <a:prstGeom prst="rect">
+            <a:avLst/>
+          </a:prstGeom>
+          <a:noFill/>
+        </p:spPr>
+        <p:txBody>
+          <a:bodyPr wrap="square" rtlCol="0">
+            <a:spAutoFit/>
+          </a:bodyPr>
+          <a:lstStyle/>
+          <a:p>
+            <a:r>
+              <a:rPr lang="zh-TW" altLang="en-US" sz="8000" dirty="0" smtClean="0">
+                <a:solidFill>
+                  <a:schemeClr val="bg1">
+                    <a:lumMod val="75000"/>
+                  </a:schemeClr>
+                </a:solidFill>
+              </a:rPr>
+              <a:t>以感恩為祭</a:t>
+            </a:r>
+            <a:endParaRPr lang="en-GB" sz="8000" dirty="0">
+              <a:solidFill>
+                <a:schemeClr val="bg1">
+                  <a:lumMod val="75000"/>
+                </a:schemeClr>
+              </a:solidFill>
+            </a:endParaRPr>
+          </a:p>
+        </p:txBody>
+      </p:sp>
+    </p:spTree>
+    <p:extLst>
+      <p:ext uri="{BB962C8B-B14F-4D97-AF65-F5344CB8AC3E}">
+        <p14:creationId xmlns:p14="http://schemas.microsoft.com/office/powerpoint/2010/main" val="3763693655"/>
+      </p:ext>
+    </p:extLst>
+  </p:cSld>
+  <p:clrMapOvr>
+    <a:masterClrMapping/>
+  </p:clrMapOvr>
+  <p:timing>
+    <p:tnLst>
+      <p:par>
+        <p:cTn id="1" dur="indefinite" restart="never" nodeType="tmRoot"/>
+      </p:par>
+    </p:tnLst>
+  </p:timing>
+</p:sld>
+</file>
+
+<file path=ppt/slides/slide29.xml><?xml version="1.0" encoding="utf-8"?>
+<p:sld xmlns:a="http://schemas.openxmlformats.org/drawingml/2006/main" xmlns:r="http://schemas.openxmlformats.org/officeDocument/2006/relationships" xmlns:p="http://schemas.openxmlformats.org/presentationml/2006/main">
+  <p:cSld>
+    <p:spTree>
+      <p:nvGrpSpPr>
+        <p:cNvPr id="1" name=""/>
+        <p:cNvGrpSpPr/>
+        <p:nvPr/>
+      </p:nvGrpSpPr>
+      <p:grpSpPr>
+        <a:xfrm>
+          <a:off x="0" y="0"/>
+          <a:ext cx="0" cy="0"/>
+          <a:chOff x="0" y="0"/>
+          <a:chExt cx="0" cy="0"/>
+        </a:xfrm>
+      </p:grpSpPr>
+      <p:sp>
+        <p:nvSpPr>
+          <p:cNvPr id="4" name="文字方塊 3"/>
+          <p:cNvSpPr txBox="1"/>
+          <p:nvPr/>
+        </p:nvSpPr>
+        <p:spPr>
+          <a:xfrm>
+            <a:off x="513806" y="339634"/>
+            <a:ext cx="11129554" cy="2432589"/>
+          </a:xfrm>
+          <a:prstGeom prst="rect">
+            <a:avLst/>
+          </a:prstGeom>
+          <a:noFill/>
+        </p:spPr>
+        <p:txBody>
+          <a:bodyPr wrap="square" rtlCol="0">
+            <a:spAutoFit/>
+          </a:bodyPr>
+          <a:lstStyle/>
+          <a:p>
+            <a:pPr algn="just">
+              <a:lnSpc>
+                <a:spcPct val="150000"/>
+              </a:lnSpc>
+            </a:pPr>
+            <a:r>
+              <a:rPr lang="zh-TW" altLang="en-US" sz="5400" b="1" dirty="0" smtClean="0">
+                <a:latin typeface="Microsoft JhengHei" panose="020B0604030504040204" pitchFamily="34" charset="-120"/>
+                <a:ea typeface="Microsoft JhengHei" panose="020B0604030504040204" pitchFamily="34" charset="-120"/>
+              </a:rPr>
+              <a:t>我要以感恩為祭獻給祢</a:t>
+            </a:r>
+            <a:endParaRPr lang="en-US" altLang="zh-TW" sz="5400" b="1" dirty="0" smtClean="0">
+              <a:latin typeface="Microsoft JhengHei" panose="020B0604030504040204" pitchFamily="34" charset="-120"/>
+              <a:ea typeface="Microsoft JhengHei" panose="020B0604030504040204" pitchFamily="34" charset="-120"/>
+            </a:endParaRPr>
+          </a:p>
+          <a:p>
+            <a:pPr algn="just">
+              <a:lnSpc>
+                <a:spcPct val="150000"/>
+              </a:lnSpc>
+            </a:pPr>
+            <a:r>
+              <a:rPr lang="zh-TW" altLang="en-US" sz="5400" b="1" dirty="0" smtClean="0">
+                <a:latin typeface="Microsoft JhengHei" panose="020B0604030504040204" pitchFamily="34" charset="-120"/>
+                <a:ea typeface="Microsoft JhengHei" panose="020B0604030504040204" pitchFamily="34" charset="-120"/>
+              </a:rPr>
+              <a:t>並永記念祢作為</a:t>
+            </a:r>
+            <a:endParaRPr lang="en-GB" sz="5400" b="1" dirty="0">
+              <a:latin typeface="Microsoft JhengHei" panose="020B0604030504040204" pitchFamily="34" charset="-120"/>
+              <a:ea typeface="Microsoft JhengHei" panose="020B0604030504040204" pitchFamily="34" charset="-120"/>
+            </a:endParaRPr>
+          </a:p>
+        </p:txBody>
+      </p:sp>
+      <p:pic>
+        <p:nvPicPr>
+          <p:cNvPr id="5" name="圖片 4"/>
+          <p:cNvPicPr>
+            <a:picLocks noChangeAspect="1"/>
+          </p:cNvPicPr>
+          <p:nvPr/>
+        </p:nvPicPr>
+        <p:blipFill>
+          <a:blip r:embed="rId2" cstate="print">
+            <a:extLst>
+              <a:ext uri="{BEBA8EAE-BF5A-486C-A8C5-ECC9F3942E4B}">
+                <a14:imgProps xmlns:a14="http://schemas.microsoft.com/office/drawing/2010/main">
+                  <a14:imgLayer r:embed="rId3">
+                    <a14:imgEffect>
+                      <a14:saturation sat="99000"/>
+                    </a14:imgEffect>
+                  </a14:imgLayer>
+                </a14:imgProps>
+              </a:ext>
+              <a:ext uri="{28A0092B-C50C-407E-A947-70E740481C1C}">
+                <a14:useLocalDpi xmlns:a14="http://schemas.microsoft.com/office/drawing/2010/main" val="0"/>
+              </a:ext>
+            </a:extLst>
+          </a:blip>
+          <a:stretch>
+            <a:fillRect/>
+          </a:stretch>
+        </p:blipFill>
+        <p:spPr>
+          <a:xfrm>
+            <a:off x="513806" y="5322854"/>
+            <a:ext cx="5840812" cy="1274802"/>
+          </a:xfrm>
+          <a:prstGeom prst="rect">
+            <a:avLst/>
+          </a:prstGeom>
+          <a:effectLst>
+            <a:outerShdw blurRad="63500" dist="63500" dir="5400000" algn="ctr" rotWithShape="0">
+              <a:srgbClr val="000000">
+                <a:alpha val="50000"/>
+              </a:srgbClr>
+            </a:outerShdw>
+          </a:effectLst>
+        </p:spPr>
+      </p:pic>
+      <p:sp>
+        <p:nvSpPr>
+          <p:cNvPr id="6" name="文字方塊 5"/>
+          <p:cNvSpPr txBox="1"/>
+          <p:nvPr/>
+        </p:nvSpPr>
+        <p:spPr>
+          <a:xfrm>
+            <a:off x="6287588" y="5274217"/>
+            <a:ext cx="5355771" cy="1323439"/>
+          </a:xfrm>
+          <a:prstGeom prst="rect">
+            <a:avLst/>
+          </a:prstGeom>
+          <a:noFill/>
+        </p:spPr>
+        <p:txBody>
+          <a:bodyPr wrap="square" rtlCol="0">
+            <a:spAutoFit/>
+          </a:bodyPr>
+          <a:lstStyle/>
+          <a:p>
+            <a:r>
+              <a:rPr lang="zh-TW" altLang="en-US" sz="8000" dirty="0" smtClean="0">
+                <a:solidFill>
+                  <a:schemeClr val="bg1">
+                    <a:lumMod val="75000"/>
+                  </a:schemeClr>
+                </a:solidFill>
+              </a:rPr>
+              <a:t>以感恩為祭</a:t>
+            </a:r>
+            <a:endParaRPr lang="en-GB" sz="8000" dirty="0">
+              <a:solidFill>
+                <a:schemeClr val="bg1">
+                  <a:lumMod val="75000"/>
+                </a:schemeClr>
+              </a:solidFill>
+            </a:endParaRPr>
+          </a:p>
+        </p:txBody>
+      </p:sp>
+    </p:spTree>
+    <p:extLst>
+      <p:ext uri="{BB962C8B-B14F-4D97-AF65-F5344CB8AC3E}">
+        <p14:creationId xmlns:p14="http://schemas.microsoft.com/office/powerpoint/2010/main" val="3970651136"/>
       </p:ext>
     </p:extLst>
   </p:cSld>
@@ -3754,6 +7283,1849 @@
     <p:extLst>
       <p:ext uri="{BB962C8B-B14F-4D97-AF65-F5344CB8AC3E}">
         <p14:creationId xmlns:p14="http://schemas.microsoft.com/office/powerpoint/2010/main" val="3173069983"/>
+      </p:ext>
+    </p:extLst>
+  </p:cSld>
+  <p:clrMapOvr>
+    <a:masterClrMapping/>
+  </p:clrMapOvr>
+  <p:timing>
+    <p:tnLst>
+      <p:par>
+        <p:cTn id="1" dur="indefinite" restart="never" nodeType="tmRoot"/>
+      </p:par>
+    </p:tnLst>
+  </p:timing>
+</p:sld>
+</file>
+
+<file path=ppt/slides/slide30.xml><?xml version="1.0" encoding="utf-8"?>
+<p:sld xmlns:a="http://schemas.openxmlformats.org/drawingml/2006/main" xmlns:r="http://schemas.openxmlformats.org/officeDocument/2006/relationships" xmlns:p="http://schemas.openxmlformats.org/presentationml/2006/main">
+  <p:cSld>
+    <p:spTree>
+      <p:nvGrpSpPr>
+        <p:cNvPr id="1" name=""/>
+        <p:cNvGrpSpPr/>
+        <p:nvPr/>
+      </p:nvGrpSpPr>
+      <p:grpSpPr>
+        <a:xfrm>
+          <a:off x="0" y="0"/>
+          <a:ext cx="0" cy="0"/>
+          <a:chOff x="0" y="0"/>
+          <a:chExt cx="0" cy="0"/>
+        </a:xfrm>
+      </p:grpSpPr>
+      <p:sp>
+        <p:nvSpPr>
+          <p:cNvPr id="4" name="文字方塊 3"/>
+          <p:cNvSpPr txBox="1"/>
+          <p:nvPr/>
+        </p:nvSpPr>
+        <p:spPr>
+          <a:xfrm>
+            <a:off x="513806" y="339634"/>
+            <a:ext cx="11129554" cy="2432589"/>
+          </a:xfrm>
+          <a:prstGeom prst="rect">
+            <a:avLst/>
+          </a:prstGeom>
+          <a:noFill/>
+        </p:spPr>
+        <p:txBody>
+          <a:bodyPr wrap="square" rtlCol="0">
+            <a:spAutoFit/>
+          </a:bodyPr>
+          <a:lstStyle/>
+          <a:p>
+            <a:pPr algn="just">
+              <a:lnSpc>
+                <a:spcPct val="150000"/>
+              </a:lnSpc>
+            </a:pPr>
+            <a:r>
+              <a:rPr lang="zh-TW" altLang="en-US" sz="5400" b="1" dirty="0" smtClean="0">
+                <a:latin typeface="Microsoft JhengHei" panose="020B0604030504040204" pitchFamily="34" charset="-120"/>
+                <a:ea typeface="Microsoft JhengHei" panose="020B0604030504040204" pitchFamily="34" charset="-120"/>
+              </a:rPr>
+              <a:t>和撒那，和撒那</a:t>
+            </a:r>
+            <a:endParaRPr lang="en-US" altLang="zh-TW" sz="5400" b="1" dirty="0" smtClean="0">
+              <a:latin typeface="Microsoft JhengHei" panose="020B0604030504040204" pitchFamily="34" charset="-120"/>
+              <a:ea typeface="Microsoft JhengHei" panose="020B0604030504040204" pitchFamily="34" charset="-120"/>
+            </a:endParaRPr>
+          </a:p>
+          <a:p>
+            <a:pPr algn="just">
+              <a:lnSpc>
+                <a:spcPct val="150000"/>
+              </a:lnSpc>
+            </a:pPr>
+            <a:r>
+              <a:rPr lang="zh-TW" altLang="en-US" sz="5400" b="1" dirty="0" smtClean="0">
+                <a:latin typeface="Microsoft JhengHei" panose="020B0604030504040204" pitchFamily="34" charset="-120"/>
+                <a:ea typeface="Microsoft JhengHei" panose="020B0604030504040204" pitchFamily="34" charset="-120"/>
+              </a:rPr>
+              <a:t>和撒那在那至高處</a:t>
+            </a:r>
+            <a:endParaRPr lang="en-GB" sz="5400" b="1" dirty="0">
+              <a:latin typeface="Microsoft JhengHei" panose="020B0604030504040204" pitchFamily="34" charset="-120"/>
+              <a:ea typeface="Microsoft JhengHei" panose="020B0604030504040204" pitchFamily="34" charset="-120"/>
+            </a:endParaRPr>
+          </a:p>
+        </p:txBody>
+      </p:sp>
+      <p:pic>
+        <p:nvPicPr>
+          <p:cNvPr id="5" name="圖片 4"/>
+          <p:cNvPicPr>
+            <a:picLocks noChangeAspect="1"/>
+          </p:cNvPicPr>
+          <p:nvPr/>
+        </p:nvPicPr>
+        <p:blipFill>
+          <a:blip r:embed="rId2" cstate="print">
+            <a:extLst>
+              <a:ext uri="{BEBA8EAE-BF5A-486C-A8C5-ECC9F3942E4B}">
+                <a14:imgProps xmlns:a14="http://schemas.microsoft.com/office/drawing/2010/main">
+                  <a14:imgLayer r:embed="rId3">
+                    <a14:imgEffect>
+                      <a14:saturation sat="99000"/>
+                    </a14:imgEffect>
+                  </a14:imgLayer>
+                </a14:imgProps>
+              </a:ext>
+              <a:ext uri="{28A0092B-C50C-407E-A947-70E740481C1C}">
+                <a14:useLocalDpi xmlns:a14="http://schemas.microsoft.com/office/drawing/2010/main" val="0"/>
+              </a:ext>
+            </a:extLst>
+          </a:blip>
+          <a:stretch>
+            <a:fillRect/>
+          </a:stretch>
+        </p:blipFill>
+        <p:spPr>
+          <a:xfrm>
+            <a:off x="513806" y="5322854"/>
+            <a:ext cx="5840812" cy="1274802"/>
+          </a:xfrm>
+          <a:prstGeom prst="rect">
+            <a:avLst/>
+          </a:prstGeom>
+          <a:effectLst>
+            <a:outerShdw blurRad="63500" dist="63500" dir="5400000" algn="ctr" rotWithShape="0">
+              <a:srgbClr val="000000">
+                <a:alpha val="50000"/>
+              </a:srgbClr>
+            </a:outerShdw>
+          </a:effectLst>
+        </p:spPr>
+      </p:pic>
+      <p:sp>
+        <p:nvSpPr>
+          <p:cNvPr id="6" name="文字方塊 5"/>
+          <p:cNvSpPr txBox="1"/>
+          <p:nvPr/>
+        </p:nvSpPr>
+        <p:spPr>
+          <a:xfrm>
+            <a:off x="8212183" y="5274217"/>
+            <a:ext cx="3431176" cy="1323439"/>
+          </a:xfrm>
+          <a:prstGeom prst="rect">
+            <a:avLst/>
+          </a:prstGeom>
+          <a:noFill/>
+        </p:spPr>
+        <p:txBody>
+          <a:bodyPr wrap="square" rtlCol="0">
+            <a:spAutoFit/>
+          </a:bodyPr>
+          <a:lstStyle/>
+          <a:p>
+            <a:r>
+              <a:rPr lang="zh-TW" altLang="en-US" sz="8000" dirty="0" smtClean="0">
+                <a:solidFill>
+                  <a:schemeClr val="bg1">
+                    <a:lumMod val="75000"/>
+                  </a:schemeClr>
+                </a:solidFill>
+              </a:rPr>
+              <a:t>和撒那</a:t>
+            </a:r>
+            <a:endParaRPr lang="en-GB" sz="8000" dirty="0">
+              <a:solidFill>
+                <a:schemeClr val="bg1">
+                  <a:lumMod val="75000"/>
+                </a:schemeClr>
+              </a:solidFill>
+            </a:endParaRPr>
+          </a:p>
+        </p:txBody>
+      </p:sp>
+    </p:spTree>
+    <p:extLst>
+      <p:ext uri="{BB962C8B-B14F-4D97-AF65-F5344CB8AC3E}">
+        <p14:creationId xmlns:p14="http://schemas.microsoft.com/office/powerpoint/2010/main" val="4092662040"/>
+      </p:ext>
+    </p:extLst>
+  </p:cSld>
+  <p:clrMapOvr>
+    <a:masterClrMapping/>
+  </p:clrMapOvr>
+  <p:timing>
+    <p:tnLst>
+      <p:par>
+        <p:cTn id="1" dur="indefinite" restart="never" nodeType="tmRoot"/>
+      </p:par>
+    </p:tnLst>
+  </p:timing>
+</p:sld>
+</file>
+
+<file path=ppt/slides/slide31.xml><?xml version="1.0" encoding="utf-8"?>
+<p:sld xmlns:a="http://schemas.openxmlformats.org/drawingml/2006/main" xmlns:r="http://schemas.openxmlformats.org/officeDocument/2006/relationships" xmlns:p="http://schemas.openxmlformats.org/presentationml/2006/main">
+  <p:cSld>
+    <p:spTree>
+      <p:nvGrpSpPr>
+        <p:cNvPr id="1" name=""/>
+        <p:cNvGrpSpPr/>
+        <p:nvPr/>
+      </p:nvGrpSpPr>
+      <p:grpSpPr>
+        <a:xfrm>
+          <a:off x="0" y="0"/>
+          <a:ext cx="0" cy="0"/>
+          <a:chOff x="0" y="0"/>
+          <a:chExt cx="0" cy="0"/>
+        </a:xfrm>
+      </p:grpSpPr>
+      <p:sp>
+        <p:nvSpPr>
+          <p:cNvPr id="4" name="文字方塊 3"/>
+          <p:cNvSpPr txBox="1"/>
+          <p:nvPr/>
+        </p:nvSpPr>
+        <p:spPr>
+          <a:xfrm>
+            <a:off x="513806" y="339634"/>
+            <a:ext cx="11129554" cy="2432589"/>
+          </a:xfrm>
+          <a:prstGeom prst="rect">
+            <a:avLst/>
+          </a:prstGeom>
+          <a:noFill/>
+        </p:spPr>
+        <p:txBody>
+          <a:bodyPr wrap="square" rtlCol="0">
+            <a:spAutoFit/>
+          </a:bodyPr>
+          <a:lstStyle/>
+          <a:p>
+            <a:pPr algn="just">
+              <a:lnSpc>
+                <a:spcPct val="150000"/>
+              </a:lnSpc>
+            </a:pPr>
+            <a:r>
+              <a:rPr lang="zh-TW" altLang="en-US" sz="5400" b="1" dirty="0" smtClean="0">
+                <a:latin typeface="Microsoft JhengHei" panose="020B0604030504040204" pitchFamily="34" charset="-120"/>
+                <a:ea typeface="Microsoft JhengHei" panose="020B0604030504040204" pitchFamily="34" charset="-120"/>
+              </a:rPr>
+              <a:t>和撒那，和撒那</a:t>
+            </a:r>
+            <a:endParaRPr lang="en-US" altLang="zh-TW" sz="5400" b="1" dirty="0" smtClean="0">
+              <a:latin typeface="Microsoft JhengHei" panose="020B0604030504040204" pitchFamily="34" charset="-120"/>
+              <a:ea typeface="Microsoft JhengHei" panose="020B0604030504040204" pitchFamily="34" charset="-120"/>
+            </a:endParaRPr>
+          </a:p>
+          <a:p>
+            <a:pPr algn="just">
+              <a:lnSpc>
+                <a:spcPct val="150000"/>
+              </a:lnSpc>
+            </a:pPr>
+            <a:r>
+              <a:rPr lang="zh-TW" altLang="en-US" sz="5400" b="1" dirty="0" smtClean="0">
+                <a:latin typeface="Microsoft JhengHei" panose="020B0604030504040204" pitchFamily="34" charset="-120"/>
+                <a:ea typeface="Microsoft JhengHei" panose="020B0604030504040204" pitchFamily="34" charset="-120"/>
+              </a:rPr>
+              <a:t>和撒那在那至高處</a:t>
+            </a:r>
+            <a:endParaRPr lang="en-GB" sz="5400" b="1" dirty="0">
+              <a:latin typeface="Microsoft JhengHei" panose="020B0604030504040204" pitchFamily="34" charset="-120"/>
+              <a:ea typeface="Microsoft JhengHei" panose="020B0604030504040204" pitchFamily="34" charset="-120"/>
+            </a:endParaRPr>
+          </a:p>
+        </p:txBody>
+      </p:sp>
+      <p:pic>
+        <p:nvPicPr>
+          <p:cNvPr id="5" name="圖片 4"/>
+          <p:cNvPicPr>
+            <a:picLocks noChangeAspect="1"/>
+          </p:cNvPicPr>
+          <p:nvPr/>
+        </p:nvPicPr>
+        <p:blipFill>
+          <a:blip r:embed="rId2" cstate="print">
+            <a:extLst>
+              <a:ext uri="{BEBA8EAE-BF5A-486C-A8C5-ECC9F3942E4B}">
+                <a14:imgProps xmlns:a14="http://schemas.microsoft.com/office/drawing/2010/main">
+                  <a14:imgLayer r:embed="rId3">
+                    <a14:imgEffect>
+                      <a14:saturation sat="99000"/>
+                    </a14:imgEffect>
+                  </a14:imgLayer>
+                </a14:imgProps>
+              </a:ext>
+              <a:ext uri="{28A0092B-C50C-407E-A947-70E740481C1C}">
+                <a14:useLocalDpi xmlns:a14="http://schemas.microsoft.com/office/drawing/2010/main" val="0"/>
+              </a:ext>
+            </a:extLst>
+          </a:blip>
+          <a:stretch>
+            <a:fillRect/>
+          </a:stretch>
+        </p:blipFill>
+        <p:spPr>
+          <a:xfrm>
+            <a:off x="513806" y="5322854"/>
+            <a:ext cx="5840812" cy="1274802"/>
+          </a:xfrm>
+          <a:prstGeom prst="rect">
+            <a:avLst/>
+          </a:prstGeom>
+          <a:effectLst>
+            <a:outerShdw blurRad="63500" dist="63500" dir="5400000" algn="ctr" rotWithShape="0">
+              <a:srgbClr val="000000">
+                <a:alpha val="50000"/>
+              </a:srgbClr>
+            </a:outerShdw>
+          </a:effectLst>
+        </p:spPr>
+      </p:pic>
+      <p:sp>
+        <p:nvSpPr>
+          <p:cNvPr id="6" name="文字方塊 5"/>
+          <p:cNvSpPr txBox="1"/>
+          <p:nvPr/>
+        </p:nvSpPr>
+        <p:spPr>
+          <a:xfrm>
+            <a:off x="8212183" y="5274217"/>
+            <a:ext cx="3431176" cy="1323439"/>
+          </a:xfrm>
+          <a:prstGeom prst="rect">
+            <a:avLst/>
+          </a:prstGeom>
+          <a:noFill/>
+        </p:spPr>
+        <p:txBody>
+          <a:bodyPr wrap="square" rtlCol="0">
+            <a:spAutoFit/>
+          </a:bodyPr>
+          <a:lstStyle/>
+          <a:p>
+            <a:r>
+              <a:rPr lang="zh-TW" altLang="en-US" sz="8000" dirty="0" smtClean="0">
+                <a:solidFill>
+                  <a:schemeClr val="bg1">
+                    <a:lumMod val="75000"/>
+                  </a:schemeClr>
+                </a:solidFill>
+              </a:rPr>
+              <a:t>和撒那</a:t>
+            </a:r>
+            <a:endParaRPr lang="en-GB" sz="8000" dirty="0">
+              <a:solidFill>
+                <a:schemeClr val="bg1">
+                  <a:lumMod val="75000"/>
+                </a:schemeClr>
+              </a:solidFill>
+            </a:endParaRPr>
+          </a:p>
+        </p:txBody>
+      </p:sp>
+    </p:spTree>
+    <p:extLst>
+      <p:ext uri="{BB962C8B-B14F-4D97-AF65-F5344CB8AC3E}">
+        <p14:creationId xmlns:p14="http://schemas.microsoft.com/office/powerpoint/2010/main" val="1850610529"/>
+      </p:ext>
+    </p:extLst>
+  </p:cSld>
+  <p:clrMapOvr>
+    <a:masterClrMapping/>
+  </p:clrMapOvr>
+  <p:timing>
+    <p:tnLst>
+      <p:par>
+        <p:cTn id="1" dur="indefinite" restart="never" nodeType="tmRoot"/>
+      </p:par>
+    </p:tnLst>
+  </p:timing>
+</p:sld>
+</file>
+
+<file path=ppt/slides/slide32.xml><?xml version="1.0" encoding="utf-8"?>
+<p:sld xmlns:a="http://schemas.openxmlformats.org/drawingml/2006/main" xmlns:r="http://schemas.openxmlformats.org/officeDocument/2006/relationships" xmlns:p="http://schemas.openxmlformats.org/presentationml/2006/main">
+  <p:cSld>
+    <p:spTree>
+      <p:nvGrpSpPr>
+        <p:cNvPr id="1" name=""/>
+        <p:cNvGrpSpPr/>
+        <p:nvPr/>
+      </p:nvGrpSpPr>
+      <p:grpSpPr>
+        <a:xfrm>
+          <a:off x="0" y="0"/>
+          <a:ext cx="0" cy="0"/>
+          <a:chOff x="0" y="0"/>
+          <a:chExt cx="0" cy="0"/>
+        </a:xfrm>
+      </p:grpSpPr>
+      <p:sp>
+        <p:nvSpPr>
+          <p:cNvPr id="4" name="文字方塊 3"/>
+          <p:cNvSpPr txBox="1"/>
+          <p:nvPr/>
+        </p:nvSpPr>
+        <p:spPr>
+          <a:xfrm>
+            <a:off x="513806" y="339634"/>
+            <a:ext cx="11129554" cy="2432589"/>
+          </a:xfrm>
+          <a:prstGeom prst="rect">
+            <a:avLst/>
+          </a:prstGeom>
+          <a:noFill/>
+        </p:spPr>
+        <p:txBody>
+          <a:bodyPr wrap="square" rtlCol="0">
+            <a:spAutoFit/>
+          </a:bodyPr>
+          <a:lstStyle/>
+          <a:p>
+            <a:pPr algn="just">
+              <a:lnSpc>
+                <a:spcPct val="150000"/>
+              </a:lnSpc>
+            </a:pPr>
+            <a:r>
+              <a:rPr lang="zh-TW" altLang="en-US" sz="5400" b="1" dirty="0" smtClean="0">
+                <a:latin typeface="Microsoft JhengHei" panose="020B0604030504040204" pitchFamily="34" charset="-120"/>
+                <a:ea typeface="Microsoft JhengHei" panose="020B0604030504040204" pitchFamily="34" charset="-120"/>
+              </a:rPr>
+              <a:t>我們高舉祢名</a:t>
+            </a:r>
+            <a:endParaRPr lang="en-US" altLang="zh-TW" sz="5400" b="1" dirty="0" smtClean="0">
+              <a:latin typeface="Microsoft JhengHei" panose="020B0604030504040204" pitchFamily="34" charset="-120"/>
+              <a:ea typeface="Microsoft JhengHei" panose="020B0604030504040204" pitchFamily="34" charset="-120"/>
+            </a:endParaRPr>
+          </a:p>
+          <a:p>
+            <a:pPr algn="just">
+              <a:lnSpc>
+                <a:spcPct val="150000"/>
+              </a:lnSpc>
+            </a:pPr>
+            <a:r>
+              <a:rPr lang="zh-TW" altLang="en-US" sz="5400" b="1" dirty="0" smtClean="0">
+                <a:latin typeface="Microsoft JhengHei" panose="020B0604030504040204" pitchFamily="34" charset="-120"/>
+                <a:ea typeface="Microsoft JhengHei" panose="020B0604030504040204" pitchFamily="34" charset="-120"/>
+              </a:rPr>
+              <a:t>心中充滿讚美</a:t>
+            </a:r>
+            <a:endParaRPr lang="en-GB" sz="5400" b="1" dirty="0">
+              <a:latin typeface="Microsoft JhengHei" panose="020B0604030504040204" pitchFamily="34" charset="-120"/>
+              <a:ea typeface="Microsoft JhengHei" panose="020B0604030504040204" pitchFamily="34" charset="-120"/>
+            </a:endParaRPr>
+          </a:p>
+        </p:txBody>
+      </p:sp>
+      <p:pic>
+        <p:nvPicPr>
+          <p:cNvPr id="5" name="圖片 4"/>
+          <p:cNvPicPr>
+            <a:picLocks noChangeAspect="1"/>
+          </p:cNvPicPr>
+          <p:nvPr/>
+        </p:nvPicPr>
+        <p:blipFill>
+          <a:blip r:embed="rId2" cstate="print">
+            <a:extLst>
+              <a:ext uri="{BEBA8EAE-BF5A-486C-A8C5-ECC9F3942E4B}">
+                <a14:imgProps xmlns:a14="http://schemas.microsoft.com/office/drawing/2010/main">
+                  <a14:imgLayer r:embed="rId3">
+                    <a14:imgEffect>
+                      <a14:saturation sat="99000"/>
+                    </a14:imgEffect>
+                  </a14:imgLayer>
+                </a14:imgProps>
+              </a:ext>
+              <a:ext uri="{28A0092B-C50C-407E-A947-70E740481C1C}">
+                <a14:useLocalDpi xmlns:a14="http://schemas.microsoft.com/office/drawing/2010/main" val="0"/>
+              </a:ext>
+            </a:extLst>
+          </a:blip>
+          <a:stretch>
+            <a:fillRect/>
+          </a:stretch>
+        </p:blipFill>
+        <p:spPr>
+          <a:xfrm>
+            <a:off x="513806" y="5322854"/>
+            <a:ext cx="5840812" cy="1274802"/>
+          </a:xfrm>
+          <a:prstGeom prst="rect">
+            <a:avLst/>
+          </a:prstGeom>
+          <a:effectLst>
+            <a:outerShdw blurRad="63500" dist="63500" dir="5400000" algn="ctr" rotWithShape="0">
+              <a:srgbClr val="000000">
+                <a:alpha val="50000"/>
+              </a:srgbClr>
+            </a:outerShdw>
+          </a:effectLst>
+        </p:spPr>
+      </p:pic>
+      <p:sp>
+        <p:nvSpPr>
+          <p:cNvPr id="6" name="文字方塊 5"/>
+          <p:cNvSpPr txBox="1"/>
+          <p:nvPr/>
+        </p:nvSpPr>
+        <p:spPr>
+          <a:xfrm>
+            <a:off x="8212183" y="5274217"/>
+            <a:ext cx="3431176" cy="1323439"/>
+          </a:xfrm>
+          <a:prstGeom prst="rect">
+            <a:avLst/>
+          </a:prstGeom>
+          <a:noFill/>
+        </p:spPr>
+        <p:txBody>
+          <a:bodyPr wrap="square" rtlCol="0">
+            <a:spAutoFit/>
+          </a:bodyPr>
+          <a:lstStyle/>
+          <a:p>
+            <a:r>
+              <a:rPr lang="zh-TW" altLang="en-US" sz="8000" dirty="0" smtClean="0">
+                <a:solidFill>
+                  <a:schemeClr val="bg1">
+                    <a:lumMod val="75000"/>
+                  </a:schemeClr>
+                </a:solidFill>
+              </a:rPr>
+              <a:t>和撒那</a:t>
+            </a:r>
+            <a:endParaRPr lang="en-GB" sz="8000" dirty="0">
+              <a:solidFill>
+                <a:schemeClr val="bg1">
+                  <a:lumMod val="75000"/>
+                </a:schemeClr>
+              </a:solidFill>
+            </a:endParaRPr>
+          </a:p>
+        </p:txBody>
+      </p:sp>
+    </p:spTree>
+    <p:extLst>
+      <p:ext uri="{BB962C8B-B14F-4D97-AF65-F5344CB8AC3E}">
+        <p14:creationId xmlns:p14="http://schemas.microsoft.com/office/powerpoint/2010/main" val="3226823422"/>
+      </p:ext>
+    </p:extLst>
+  </p:cSld>
+  <p:clrMapOvr>
+    <a:masterClrMapping/>
+  </p:clrMapOvr>
+  <p:timing>
+    <p:tnLst>
+      <p:par>
+        <p:cTn id="1" dur="indefinite" restart="never" nodeType="tmRoot"/>
+      </p:par>
+    </p:tnLst>
+  </p:timing>
+</p:sld>
+</file>
+
+<file path=ppt/slides/slide33.xml><?xml version="1.0" encoding="utf-8"?>
+<p:sld xmlns:a="http://schemas.openxmlformats.org/drawingml/2006/main" xmlns:r="http://schemas.openxmlformats.org/officeDocument/2006/relationships" xmlns:p="http://schemas.openxmlformats.org/presentationml/2006/main">
+  <p:cSld>
+    <p:spTree>
+      <p:nvGrpSpPr>
+        <p:cNvPr id="1" name=""/>
+        <p:cNvGrpSpPr/>
+        <p:nvPr/>
+      </p:nvGrpSpPr>
+      <p:grpSpPr>
+        <a:xfrm>
+          <a:off x="0" y="0"/>
+          <a:ext cx="0" cy="0"/>
+          <a:chOff x="0" y="0"/>
+          <a:chExt cx="0" cy="0"/>
+        </a:xfrm>
+      </p:grpSpPr>
+      <p:sp>
+        <p:nvSpPr>
+          <p:cNvPr id="4" name="文字方塊 3"/>
+          <p:cNvSpPr txBox="1"/>
+          <p:nvPr/>
+        </p:nvSpPr>
+        <p:spPr>
+          <a:xfrm>
+            <a:off x="513806" y="339634"/>
+            <a:ext cx="11129554" cy="2585323"/>
+          </a:xfrm>
+          <a:prstGeom prst="rect">
+            <a:avLst/>
+          </a:prstGeom>
+          <a:noFill/>
+        </p:spPr>
+        <p:txBody>
+          <a:bodyPr wrap="square" rtlCol="0">
+            <a:spAutoFit/>
+          </a:bodyPr>
+          <a:lstStyle/>
+          <a:p>
+            <a:pPr algn="just">
+              <a:lnSpc>
+                <a:spcPct val="150000"/>
+              </a:lnSpc>
+            </a:pPr>
+            <a:r>
+              <a:rPr lang="zh-TW" altLang="en-US" sz="5400" b="1" dirty="0" smtClean="0">
+                <a:latin typeface="Microsoft JhengHei" panose="020B0604030504040204" pitchFamily="34" charset="-120"/>
+                <a:ea typeface="Microsoft JhengHei" panose="020B0604030504040204" pitchFamily="34" charset="-120"/>
+              </a:rPr>
+              <a:t>齊來高舉我主我神</a:t>
+            </a:r>
+            <a:endParaRPr lang="en-US" altLang="zh-TW" sz="5400" b="1" dirty="0" smtClean="0">
+              <a:latin typeface="Microsoft JhengHei" panose="020B0604030504040204" pitchFamily="34" charset="-120"/>
+              <a:ea typeface="Microsoft JhengHei" panose="020B0604030504040204" pitchFamily="34" charset="-120"/>
+            </a:endParaRPr>
+          </a:p>
+          <a:p>
+            <a:pPr algn="just">
+              <a:lnSpc>
+                <a:spcPct val="150000"/>
+              </a:lnSpc>
+            </a:pPr>
+            <a:r>
+              <a:rPr lang="zh-TW" altLang="en-US" sz="5400" b="1" dirty="0" smtClean="0">
+                <a:latin typeface="Microsoft JhengHei" panose="020B0604030504040204" pitchFamily="34" charset="-120"/>
+                <a:ea typeface="Microsoft JhengHei" panose="020B0604030504040204" pitchFamily="34" charset="-120"/>
+              </a:rPr>
+              <a:t>和撒那</a:t>
+            </a:r>
+            <a:r>
+              <a:rPr lang="zh-TW" altLang="en-US" sz="5400" b="1" dirty="0" smtClean="0">
+                <a:latin typeface="Microsoft JhengHei" panose="020B0604030504040204" pitchFamily="34" charset="-120"/>
+                <a:ea typeface="Microsoft JhengHei" panose="020B0604030504040204" pitchFamily="34" charset="-120"/>
+              </a:rPr>
+              <a:t>歸萬王之王</a:t>
+            </a:r>
+            <a:endParaRPr lang="en-GB" sz="5400" b="1" dirty="0">
+              <a:latin typeface="Microsoft JhengHei" panose="020B0604030504040204" pitchFamily="34" charset="-120"/>
+              <a:ea typeface="Microsoft JhengHei" panose="020B0604030504040204" pitchFamily="34" charset="-120"/>
+            </a:endParaRPr>
+          </a:p>
+        </p:txBody>
+      </p:sp>
+      <p:pic>
+        <p:nvPicPr>
+          <p:cNvPr id="5" name="圖片 4"/>
+          <p:cNvPicPr>
+            <a:picLocks noChangeAspect="1"/>
+          </p:cNvPicPr>
+          <p:nvPr/>
+        </p:nvPicPr>
+        <p:blipFill>
+          <a:blip r:embed="rId2" cstate="print">
+            <a:extLst>
+              <a:ext uri="{BEBA8EAE-BF5A-486C-A8C5-ECC9F3942E4B}">
+                <a14:imgProps xmlns:a14="http://schemas.microsoft.com/office/drawing/2010/main">
+                  <a14:imgLayer r:embed="rId3">
+                    <a14:imgEffect>
+                      <a14:saturation sat="99000"/>
+                    </a14:imgEffect>
+                  </a14:imgLayer>
+                </a14:imgProps>
+              </a:ext>
+              <a:ext uri="{28A0092B-C50C-407E-A947-70E740481C1C}">
+                <a14:useLocalDpi xmlns:a14="http://schemas.microsoft.com/office/drawing/2010/main" val="0"/>
+              </a:ext>
+            </a:extLst>
+          </a:blip>
+          <a:stretch>
+            <a:fillRect/>
+          </a:stretch>
+        </p:blipFill>
+        <p:spPr>
+          <a:xfrm>
+            <a:off x="513806" y="5322854"/>
+            <a:ext cx="5840812" cy="1274802"/>
+          </a:xfrm>
+          <a:prstGeom prst="rect">
+            <a:avLst/>
+          </a:prstGeom>
+          <a:effectLst>
+            <a:outerShdw blurRad="63500" dist="63500" dir="5400000" algn="ctr" rotWithShape="0">
+              <a:srgbClr val="000000">
+                <a:alpha val="50000"/>
+              </a:srgbClr>
+            </a:outerShdw>
+          </a:effectLst>
+        </p:spPr>
+      </p:pic>
+      <p:sp>
+        <p:nvSpPr>
+          <p:cNvPr id="6" name="文字方塊 5"/>
+          <p:cNvSpPr txBox="1"/>
+          <p:nvPr/>
+        </p:nvSpPr>
+        <p:spPr>
+          <a:xfrm>
+            <a:off x="8212183" y="5274217"/>
+            <a:ext cx="3431176" cy="1323439"/>
+          </a:xfrm>
+          <a:prstGeom prst="rect">
+            <a:avLst/>
+          </a:prstGeom>
+          <a:noFill/>
+        </p:spPr>
+        <p:txBody>
+          <a:bodyPr wrap="square" rtlCol="0">
+            <a:spAutoFit/>
+          </a:bodyPr>
+          <a:lstStyle/>
+          <a:p>
+            <a:r>
+              <a:rPr lang="zh-TW" altLang="en-US" sz="8000" dirty="0" smtClean="0">
+                <a:solidFill>
+                  <a:schemeClr val="bg1">
+                    <a:lumMod val="75000"/>
+                  </a:schemeClr>
+                </a:solidFill>
+              </a:rPr>
+              <a:t>和撒那</a:t>
+            </a:r>
+            <a:endParaRPr lang="en-GB" sz="8000" dirty="0">
+              <a:solidFill>
+                <a:schemeClr val="bg1">
+                  <a:lumMod val="75000"/>
+                </a:schemeClr>
+              </a:solidFill>
+            </a:endParaRPr>
+          </a:p>
+        </p:txBody>
+      </p:sp>
+    </p:spTree>
+    <p:extLst>
+      <p:ext uri="{BB962C8B-B14F-4D97-AF65-F5344CB8AC3E}">
+        <p14:creationId xmlns:p14="http://schemas.microsoft.com/office/powerpoint/2010/main" val="2472607914"/>
+      </p:ext>
+    </p:extLst>
+  </p:cSld>
+  <p:clrMapOvr>
+    <a:masterClrMapping/>
+  </p:clrMapOvr>
+  <p:timing>
+    <p:tnLst>
+      <p:par>
+        <p:cTn id="1" dur="indefinite" restart="never" nodeType="tmRoot"/>
+      </p:par>
+    </p:tnLst>
+  </p:timing>
+</p:sld>
+</file>
+
+<file path=ppt/slides/slide34.xml><?xml version="1.0" encoding="utf-8"?>
+<p:sld xmlns:a="http://schemas.openxmlformats.org/drawingml/2006/main" xmlns:r="http://schemas.openxmlformats.org/officeDocument/2006/relationships" xmlns:p="http://schemas.openxmlformats.org/presentationml/2006/main">
+  <p:cSld>
+    <p:spTree>
+      <p:nvGrpSpPr>
+        <p:cNvPr id="1" name=""/>
+        <p:cNvGrpSpPr/>
+        <p:nvPr/>
+      </p:nvGrpSpPr>
+      <p:grpSpPr>
+        <a:xfrm>
+          <a:off x="0" y="0"/>
+          <a:ext cx="0" cy="0"/>
+          <a:chOff x="0" y="0"/>
+          <a:chExt cx="0" cy="0"/>
+        </a:xfrm>
+      </p:grpSpPr>
+      <p:sp>
+        <p:nvSpPr>
+          <p:cNvPr id="4" name="文字方塊 3"/>
+          <p:cNvSpPr txBox="1"/>
+          <p:nvPr/>
+        </p:nvSpPr>
+        <p:spPr>
+          <a:xfrm>
+            <a:off x="513806" y="339634"/>
+            <a:ext cx="11129554" cy="2585323"/>
+          </a:xfrm>
+          <a:prstGeom prst="rect">
+            <a:avLst/>
+          </a:prstGeom>
+          <a:noFill/>
+        </p:spPr>
+        <p:txBody>
+          <a:bodyPr wrap="square" rtlCol="0">
+            <a:spAutoFit/>
+          </a:bodyPr>
+          <a:lstStyle/>
+          <a:p>
+            <a:pPr algn="just">
+              <a:lnSpc>
+                <a:spcPct val="150000"/>
+              </a:lnSpc>
+            </a:pPr>
+            <a:r>
+              <a:rPr lang="zh-TW" altLang="en-US" sz="5400" b="1" dirty="0" smtClean="0">
+                <a:latin typeface="Microsoft JhengHei" panose="020B0604030504040204" pitchFamily="34" charset="-120"/>
+                <a:ea typeface="Microsoft JhengHei" panose="020B0604030504040204" pitchFamily="34" charset="-120"/>
+              </a:rPr>
+              <a:t>榮耀，榮耀</a:t>
+            </a:r>
+            <a:endParaRPr lang="en-US" altLang="zh-TW" sz="5400" b="1" dirty="0" smtClean="0">
+              <a:latin typeface="Microsoft JhengHei" panose="020B0604030504040204" pitchFamily="34" charset="-120"/>
+              <a:ea typeface="Microsoft JhengHei" panose="020B0604030504040204" pitchFamily="34" charset="-120"/>
+            </a:endParaRPr>
+          </a:p>
+          <a:p>
+            <a:pPr algn="just">
+              <a:lnSpc>
+                <a:spcPct val="150000"/>
+              </a:lnSpc>
+            </a:pPr>
+            <a:r>
+              <a:rPr lang="zh-TW" altLang="en-US" sz="5400" b="1" dirty="0" smtClean="0">
+                <a:latin typeface="Microsoft JhengHei" panose="020B0604030504040204" pitchFamily="34" charset="-120"/>
+                <a:ea typeface="Microsoft JhengHei" panose="020B0604030504040204" pitchFamily="34" charset="-120"/>
+              </a:rPr>
+              <a:t>榮耀歸萬王之王</a:t>
+            </a:r>
+            <a:endParaRPr lang="en-GB" sz="5400" b="1" dirty="0">
+              <a:latin typeface="Microsoft JhengHei" panose="020B0604030504040204" pitchFamily="34" charset="-120"/>
+              <a:ea typeface="Microsoft JhengHei" panose="020B0604030504040204" pitchFamily="34" charset="-120"/>
+            </a:endParaRPr>
+          </a:p>
+        </p:txBody>
+      </p:sp>
+      <p:pic>
+        <p:nvPicPr>
+          <p:cNvPr id="5" name="圖片 4"/>
+          <p:cNvPicPr>
+            <a:picLocks noChangeAspect="1"/>
+          </p:cNvPicPr>
+          <p:nvPr/>
+        </p:nvPicPr>
+        <p:blipFill>
+          <a:blip r:embed="rId2" cstate="print">
+            <a:extLst>
+              <a:ext uri="{BEBA8EAE-BF5A-486C-A8C5-ECC9F3942E4B}">
+                <a14:imgProps xmlns:a14="http://schemas.microsoft.com/office/drawing/2010/main">
+                  <a14:imgLayer r:embed="rId3">
+                    <a14:imgEffect>
+                      <a14:saturation sat="99000"/>
+                    </a14:imgEffect>
+                  </a14:imgLayer>
+                </a14:imgProps>
+              </a:ext>
+              <a:ext uri="{28A0092B-C50C-407E-A947-70E740481C1C}">
+                <a14:useLocalDpi xmlns:a14="http://schemas.microsoft.com/office/drawing/2010/main" val="0"/>
+              </a:ext>
+            </a:extLst>
+          </a:blip>
+          <a:stretch>
+            <a:fillRect/>
+          </a:stretch>
+        </p:blipFill>
+        <p:spPr>
+          <a:xfrm>
+            <a:off x="513806" y="5322854"/>
+            <a:ext cx="5840812" cy="1274802"/>
+          </a:xfrm>
+          <a:prstGeom prst="rect">
+            <a:avLst/>
+          </a:prstGeom>
+          <a:effectLst>
+            <a:outerShdw blurRad="63500" dist="63500" dir="5400000" algn="ctr" rotWithShape="0">
+              <a:srgbClr val="000000">
+                <a:alpha val="50000"/>
+              </a:srgbClr>
+            </a:outerShdw>
+          </a:effectLst>
+        </p:spPr>
+      </p:pic>
+      <p:sp>
+        <p:nvSpPr>
+          <p:cNvPr id="6" name="文字方塊 5"/>
+          <p:cNvSpPr txBox="1"/>
+          <p:nvPr/>
+        </p:nvSpPr>
+        <p:spPr>
+          <a:xfrm>
+            <a:off x="8212183" y="5274217"/>
+            <a:ext cx="3431176" cy="1323439"/>
+          </a:xfrm>
+          <a:prstGeom prst="rect">
+            <a:avLst/>
+          </a:prstGeom>
+          <a:noFill/>
+        </p:spPr>
+        <p:txBody>
+          <a:bodyPr wrap="square" rtlCol="0">
+            <a:spAutoFit/>
+          </a:bodyPr>
+          <a:lstStyle/>
+          <a:p>
+            <a:r>
+              <a:rPr lang="zh-TW" altLang="en-US" sz="8000" dirty="0" smtClean="0">
+                <a:solidFill>
+                  <a:schemeClr val="bg1">
+                    <a:lumMod val="75000"/>
+                  </a:schemeClr>
+                </a:solidFill>
+              </a:rPr>
+              <a:t>和撒那</a:t>
+            </a:r>
+            <a:endParaRPr lang="en-GB" sz="8000" dirty="0">
+              <a:solidFill>
+                <a:schemeClr val="bg1">
+                  <a:lumMod val="75000"/>
+                </a:schemeClr>
+              </a:solidFill>
+            </a:endParaRPr>
+          </a:p>
+        </p:txBody>
+      </p:sp>
+    </p:spTree>
+    <p:extLst>
+      <p:ext uri="{BB962C8B-B14F-4D97-AF65-F5344CB8AC3E}">
+        <p14:creationId xmlns:p14="http://schemas.microsoft.com/office/powerpoint/2010/main" val="2794781147"/>
+      </p:ext>
+    </p:extLst>
+  </p:cSld>
+  <p:clrMapOvr>
+    <a:masterClrMapping/>
+  </p:clrMapOvr>
+  <p:timing>
+    <p:tnLst>
+      <p:par>
+        <p:cTn id="1" dur="indefinite" restart="never" nodeType="tmRoot"/>
+      </p:par>
+    </p:tnLst>
+  </p:timing>
+</p:sld>
+</file>
+
+<file path=ppt/slides/slide35.xml><?xml version="1.0" encoding="utf-8"?>
+<p:sld xmlns:a="http://schemas.openxmlformats.org/drawingml/2006/main" xmlns:r="http://schemas.openxmlformats.org/officeDocument/2006/relationships" xmlns:p="http://schemas.openxmlformats.org/presentationml/2006/main">
+  <p:cSld>
+    <p:spTree>
+      <p:nvGrpSpPr>
+        <p:cNvPr id="1" name=""/>
+        <p:cNvGrpSpPr/>
+        <p:nvPr/>
+      </p:nvGrpSpPr>
+      <p:grpSpPr>
+        <a:xfrm>
+          <a:off x="0" y="0"/>
+          <a:ext cx="0" cy="0"/>
+          <a:chOff x="0" y="0"/>
+          <a:chExt cx="0" cy="0"/>
+        </a:xfrm>
+      </p:grpSpPr>
+      <p:sp>
+        <p:nvSpPr>
+          <p:cNvPr id="4" name="文字方塊 3"/>
+          <p:cNvSpPr txBox="1"/>
+          <p:nvPr/>
+        </p:nvSpPr>
+        <p:spPr>
+          <a:xfrm>
+            <a:off x="513806" y="339634"/>
+            <a:ext cx="11129554" cy="2585323"/>
+          </a:xfrm>
+          <a:prstGeom prst="rect">
+            <a:avLst/>
+          </a:prstGeom>
+          <a:noFill/>
+        </p:spPr>
+        <p:txBody>
+          <a:bodyPr wrap="square" rtlCol="0">
+            <a:spAutoFit/>
+          </a:bodyPr>
+          <a:lstStyle/>
+          <a:p>
+            <a:pPr algn="just">
+              <a:lnSpc>
+                <a:spcPct val="150000"/>
+              </a:lnSpc>
+            </a:pPr>
+            <a:r>
+              <a:rPr lang="zh-TW" altLang="en-US" sz="5400" b="1" dirty="0" smtClean="0">
+                <a:latin typeface="Microsoft JhengHei" panose="020B0604030504040204" pitchFamily="34" charset="-120"/>
+                <a:ea typeface="Microsoft JhengHei" panose="020B0604030504040204" pitchFamily="34" charset="-120"/>
+              </a:rPr>
+              <a:t>榮耀，榮耀</a:t>
+            </a:r>
+            <a:endParaRPr lang="en-US" altLang="zh-TW" sz="5400" b="1" dirty="0" smtClean="0">
+              <a:latin typeface="Microsoft JhengHei" panose="020B0604030504040204" pitchFamily="34" charset="-120"/>
+              <a:ea typeface="Microsoft JhengHei" panose="020B0604030504040204" pitchFamily="34" charset="-120"/>
+            </a:endParaRPr>
+          </a:p>
+          <a:p>
+            <a:pPr algn="just">
+              <a:lnSpc>
+                <a:spcPct val="150000"/>
+              </a:lnSpc>
+            </a:pPr>
+            <a:r>
+              <a:rPr lang="zh-TW" altLang="en-US" sz="5400" b="1" dirty="0" smtClean="0">
+                <a:latin typeface="Microsoft JhengHei" panose="020B0604030504040204" pitchFamily="34" charset="-120"/>
+                <a:ea typeface="Microsoft JhengHei" panose="020B0604030504040204" pitchFamily="34" charset="-120"/>
+              </a:rPr>
+              <a:t>榮耀歸萬王之王</a:t>
+            </a:r>
+            <a:endParaRPr lang="en-GB" sz="5400" b="1" dirty="0">
+              <a:latin typeface="Microsoft JhengHei" panose="020B0604030504040204" pitchFamily="34" charset="-120"/>
+              <a:ea typeface="Microsoft JhengHei" panose="020B0604030504040204" pitchFamily="34" charset="-120"/>
+            </a:endParaRPr>
+          </a:p>
+        </p:txBody>
+      </p:sp>
+      <p:pic>
+        <p:nvPicPr>
+          <p:cNvPr id="5" name="圖片 4"/>
+          <p:cNvPicPr>
+            <a:picLocks noChangeAspect="1"/>
+          </p:cNvPicPr>
+          <p:nvPr/>
+        </p:nvPicPr>
+        <p:blipFill>
+          <a:blip r:embed="rId2" cstate="print">
+            <a:extLst>
+              <a:ext uri="{BEBA8EAE-BF5A-486C-A8C5-ECC9F3942E4B}">
+                <a14:imgProps xmlns:a14="http://schemas.microsoft.com/office/drawing/2010/main">
+                  <a14:imgLayer r:embed="rId3">
+                    <a14:imgEffect>
+                      <a14:saturation sat="99000"/>
+                    </a14:imgEffect>
+                  </a14:imgLayer>
+                </a14:imgProps>
+              </a:ext>
+              <a:ext uri="{28A0092B-C50C-407E-A947-70E740481C1C}">
+                <a14:useLocalDpi xmlns:a14="http://schemas.microsoft.com/office/drawing/2010/main" val="0"/>
+              </a:ext>
+            </a:extLst>
+          </a:blip>
+          <a:stretch>
+            <a:fillRect/>
+          </a:stretch>
+        </p:blipFill>
+        <p:spPr>
+          <a:xfrm>
+            <a:off x="513806" y="5322854"/>
+            <a:ext cx="5840812" cy="1274802"/>
+          </a:xfrm>
+          <a:prstGeom prst="rect">
+            <a:avLst/>
+          </a:prstGeom>
+          <a:effectLst>
+            <a:outerShdw blurRad="63500" dist="63500" dir="5400000" algn="ctr" rotWithShape="0">
+              <a:srgbClr val="000000">
+                <a:alpha val="50000"/>
+              </a:srgbClr>
+            </a:outerShdw>
+          </a:effectLst>
+        </p:spPr>
+      </p:pic>
+      <p:sp>
+        <p:nvSpPr>
+          <p:cNvPr id="6" name="文字方塊 5"/>
+          <p:cNvSpPr txBox="1"/>
+          <p:nvPr/>
+        </p:nvSpPr>
+        <p:spPr>
+          <a:xfrm>
+            <a:off x="8212183" y="5274217"/>
+            <a:ext cx="3431176" cy="1323439"/>
+          </a:xfrm>
+          <a:prstGeom prst="rect">
+            <a:avLst/>
+          </a:prstGeom>
+          <a:noFill/>
+        </p:spPr>
+        <p:txBody>
+          <a:bodyPr wrap="square" rtlCol="0">
+            <a:spAutoFit/>
+          </a:bodyPr>
+          <a:lstStyle/>
+          <a:p>
+            <a:r>
+              <a:rPr lang="zh-TW" altLang="en-US" sz="8000" dirty="0" smtClean="0">
+                <a:solidFill>
+                  <a:schemeClr val="bg1">
+                    <a:lumMod val="75000"/>
+                  </a:schemeClr>
+                </a:solidFill>
+              </a:rPr>
+              <a:t>和撒那</a:t>
+            </a:r>
+            <a:endParaRPr lang="en-GB" sz="8000" dirty="0">
+              <a:solidFill>
+                <a:schemeClr val="bg1">
+                  <a:lumMod val="75000"/>
+                </a:schemeClr>
+              </a:solidFill>
+            </a:endParaRPr>
+          </a:p>
+        </p:txBody>
+      </p:sp>
+    </p:spTree>
+    <p:extLst>
+      <p:ext uri="{BB962C8B-B14F-4D97-AF65-F5344CB8AC3E}">
+        <p14:creationId xmlns:p14="http://schemas.microsoft.com/office/powerpoint/2010/main" val="3503814712"/>
+      </p:ext>
+    </p:extLst>
+  </p:cSld>
+  <p:clrMapOvr>
+    <a:masterClrMapping/>
+  </p:clrMapOvr>
+  <p:timing>
+    <p:tnLst>
+      <p:par>
+        <p:cTn id="1" dur="indefinite" restart="never" nodeType="tmRoot"/>
+      </p:par>
+    </p:tnLst>
+  </p:timing>
+</p:sld>
+</file>
+
+<file path=ppt/slides/slide36.xml><?xml version="1.0" encoding="utf-8"?>
+<p:sld xmlns:a="http://schemas.openxmlformats.org/drawingml/2006/main" xmlns:r="http://schemas.openxmlformats.org/officeDocument/2006/relationships" xmlns:p="http://schemas.openxmlformats.org/presentationml/2006/main">
+  <p:cSld>
+    <p:spTree>
+      <p:nvGrpSpPr>
+        <p:cNvPr id="1" name=""/>
+        <p:cNvGrpSpPr/>
+        <p:nvPr/>
+      </p:nvGrpSpPr>
+      <p:grpSpPr>
+        <a:xfrm>
+          <a:off x="0" y="0"/>
+          <a:ext cx="0" cy="0"/>
+          <a:chOff x="0" y="0"/>
+          <a:chExt cx="0" cy="0"/>
+        </a:xfrm>
+      </p:grpSpPr>
+      <p:sp>
+        <p:nvSpPr>
+          <p:cNvPr id="4" name="文字方塊 3"/>
+          <p:cNvSpPr txBox="1"/>
+          <p:nvPr/>
+        </p:nvSpPr>
+        <p:spPr>
+          <a:xfrm>
+            <a:off x="513806" y="339634"/>
+            <a:ext cx="11129554" cy="2432589"/>
+          </a:xfrm>
+          <a:prstGeom prst="rect">
+            <a:avLst/>
+          </a:prstGeom>
+          <a:noFill/>
+        </p:spPr>
+        <p:txBody>
+          <a:bodyPr wrap="square" rtlCol="0">
+            <a:spAutoFit/>
+          </a:bodyPr>
+          <a:lstStyle/>
+          <a:p>
+            <a:pPr algn="just">
+              <a:lnSpc>
+                <a:spcPct val="150000"/>
+              </a:lnSpc>
+            </a:pPr>
+            <a:r>
+              <a:rPr lang="zh-TW" altLang="en-US" sz="5400" b="1" dirty="0" smtClean="0">
+                <a:latin typeface="Microsoft JhengHei" panose="020B0604030504040204" pitchFamily="34" charset="-120"/>
+                <a:ea typeface="Microsoft JhengHei" panose="020B0604030504040204" pitchFamily="34" charset="-120"/>
+              </a:rPr>
+              <a:t>我們高舉祢名</a:t>
+            </a:r>
+            <a:endParaRPr lang="en-US" altLang="zh-TW" sz="5400" b="1" dirty="0" smtClean="0">
+              <a:latin typeface="Microsoft JhengHei" panose="020B0604030504040204" pitchFamily="34" charset="-120"/>
+              <a:ea typeface="Microsoft JhengHei" panose="020B0604030504040204" pitchFamily="34" charset="-120"/>
+            </a:endParaRPr>
+          </a:p>
+          <a:p>
+            <a:pPr algn="just">
+              <a:lnSpc>
+                <a:spcPct val="150000"/>
+              </a:lnSpc>
+            </a:pPr>
+            <a:r>
+              <a:rPr lang="zh-TW" altLang="en-US" sz="5400" b="1" dirty="0" smtClean="0">
+                <a:latin typeface="Microsoft JhengHei" panose="020B0604030504040204" pitchFamily="34" charset="-120"/>
+                <a:ea typeface="Microsoft JhengHei" panose="020B0604030504040204" pitchFamily="34" charset="-120"/>
+              </a:rPr>
+              <a:t>心中充滿讚美</a:t>
+            </a:r>
+            <a:endParaRPr lang="en-GB" sz="5400" b="1" dirty="0">
+              <a:latin typeface="Microsoft JhengHei" panose="020B0604030504040204" pitchFamily="34" charset="-120"/>
+              <a:ea typeface="Microsoft JhengHei" panose="020B0604030504040204" pitchFamily="34" charset="-120"/>
+            </a:endParaRPr>
+          </a:p>
+        </p:txBody>
+      </p:sp>
+      <p:pic>
+        <p:nvPicPr>
+          <p:cNvPr id="5" name="圖片 4"/>
+          <p:cNvPicPr>
+            <a:picLocks noChangeAspect="1"/>
+          </p:cNvPicPr>
+          <p:nvPr/>
+        </p:nvPicPr>
+        <p:blipFill>
+          <a:blip r:embed="rId2" cstate="print">
+            <a:extLst>
+              <a:ext uri="{BEBA8EAE-BF5A-486C-A8C5-ECC9F3942E4B}">
+                <a14:imgProps xmlns:a14="http://schemas.microsoft.com/office/drawing/2010/main">
+                  <a14:imgLayer r:embed="rId3">
+                    <a14:imgEffect>
+                      <a14:saturation sat="99000"/>
+                    </a14:imgEffect>
+                  </a14:imgLayer>
+                </a14:imgProps>
+              </a:ext>
+              <a:ext uri="{28A0092B-C50C-407E-A947-70E740481C1C}">
+                <a14:useLocalDpi xmlns:a14="http://schemas.microsoft.com/office/drawing/2010/main" val="0"/>
+              </a:ext>
+            </a:extLst>
+          </a:blip>
+          <a:stretch>
+            <a:fillRect/>
+          </a:stretch>
+        </p:blipFill>
+        <p:spPr>
+          <a:xfrm>
+            <a:off x="513806" y="5322854"/>
+            <a:ext cx="5840812" cy="1274802"/>
+          </a:xfrm>
+          <a:prstGeom prst="rect">
+            <a:avLst/>
+          </a:prstGeom>
+          <a:effectLst>
+            <a:outerShdw blurRad="63500" dist="63500" dir="5400000" algn="ctr" rotWithShape="0">
+              <a:srgbClr val="000000">
+                <a:alpha val="50000"/>
+              </a:srgbClr>
+            </a:outerShdw>
+          </a:effectLst>
+        </p:spPr>
+      </p:pic>
+      <p:sp>
+        <p:nvSpPr>
+          <p:cNvPr id="6" name="文字方塊 5"/>
+          <p:cNvSpPr txBox="1"/>
+          <p:nvPr/>
+        </p:nvSpPr>
+        <p:spPr>
+          <a:xfrm>
+            <a:off x="8212183" y="5274217"/>
+            <a:ext cx="3431176" cy="1323439"/>
+          </a:xfrm>
+          <a:prstGeom prst="rect">
+            <a:avLst/>
+          </a:prstGeom>
+          <a:noFill/>
+        </p:spPr>
+        <p:txBody>
+          <a:bodyPr wrap="square" rtlCol="0">
+            <a:spAutoFit/>
+          </a:bodyPr>
+          <a:lstStyle/>
+          <a:p>
+            <a:r>
+              <a:rPr lang="zh-TW" altLang="en-US" sz="8000" dirty="0" smtClean="0">
+                <a:solidFill>
+                  <a:schemeClr val="bg1">
+                    <a:lumMod val="75000"/>
+                  </a:schemeClr>
+                </a:solidFill>
+              </a:rPr>
+              <a:t>和撒那</a:t>
+            </a:r>
+            <a:endParaRPr lang="en-GB" sz="8000" dirty="0">
+              <a:solidFill>
+                <a:schemeClr val="bg1">
+                  <a:lumMod val="75000"/>
+                </a:schemeClr>
+              </a:solidFill>
+            </a:endParaRPr>
+          </a:p>
+        </p:txBody>
+      </p:sp>
+    </p:spTree>
+    <p:extLst>
+      <p:ext uri="{BB962C8B-B14F-4D97-AF65-F5344CB8AC3E}">
+        <p14:creationId xmlns:p14="http://schemas.microsoft.com/office/powerpoint/2010/main" val="1170338676"/>
+      </p:ext>
+    </p:extLst>
+  </p:cSld>
+  <p:clrMapOvr>
+    <a:masterClrMapping/>
+  </p:clrMapOvr>
+  <p:timing>
+    <p:tnLst>
+      <p:par>
+        <p:cTn id="1" dur="indefinite" restart="never" nodeType="tmRoot"/>
+      </p:par>
+    </p:tnLst>
+  </p:timing>
+</p:sld>
+</file>
+
+<file path=ppt/slides/slide37.xml><?xml version="1.0" encoding="utf-8"?>
+<p:sld xmlns:a="http://schemas.openxmlformats.org/drawingml/2006/main" xmlns:r="http://schemas.openxmlformats.org/officeDocument/2006/relationships" xmlns:p="http://schemas.openxmlformats.org/presentationml/2006/main">
+  <p:cSld>
+    <p:spTree>
+      <p:nvGrpSpPr>
+        <p:cNvPr id="1" name=""/>
+        <p:cNvGrpSpPr/>
+        <p:nvPr/>
+      </p:nvGrpSpPr>
+      <p:grpSpPr>
+        <a:xfrm>
+          <a:off x="0" y="0"/>
+          <a:ext cx="0" cy="0"/>
+          <a:chOff x="0" y="0"/>
+          <a:chExt cx="0" cy="0"/>
+        </a:xfrm>
+      </p:grpSpPr>
+      <p:sp>
+        <p:nvSpPr>
+          <p:cNvPr id="4" name="文字方塊 3"/>
+          <p:cNvSpPr txBox="1"/>
+          <p:nvPr/>
+        </p:nvSpPr>
+        <p:spPr>
+          <a:xfrm>
+            <a:off x="513806" y="339634"/>
+            <a:ext cx="11129554" cy="2585323"/>
+          </a:xfrm>
+          <a:prstGeom prst="rect">
+            <a:avLst/>
+          </a:prstGeom>
+          <a:noFill/>
+        </p:spPr>
+        <p:txBody>
+          <a:bodyPr wrap="square" rtlCol="0">
+            <a:spAutoFit/>
+          </a:bodyPr>
+          <a:lstStyle/>
+          <a:p>
+            <a:pPr algn="just">
+              <a:lnSpc>
+                <a:spcPct val="150000"/>
+              </a:lnSpc>
+            </a:pPr>
+            <a:r>
+              <a:rPr lang="zh-TW" altLang="en-US" sz="5400" b="1" dirty="0" smtClean="0">
+                <a:latin typeface="Microsoft JhengHei" panose="020B0604030504040204" pitchFamily="34" charset="-120"/>
+                <a:ea typeface="Microsoft JhengHei" panose="020B0604030504040204" pitchFamily="34" charset="-120"/>
+              </a:rPr>
+              <a:t>齊來高舉我主我神</a:t>
+            </a:r>
+            <a:endParaRPr lang="en-US" altLang="zh-TW" sz="5400" b="1" dirty="0" smtClean="0">
+              <a:latin typeface="Microsoft JhengHei" panose="020B0604030504040204" pitchFamily="34" charset="-120"/>
+              <a:ea typeface="Microsoft JhengHei" panose="020B0604030504040204" pitchFamily="34" charset="-120"/>
+            </a:endParaRPr>
+          </a:p>
+          <a:p>
+            <a:pPr algn="just">
+              <a:lnSpc>
+                <a:spcPct val="150000"/>
+              </a:lnSpc>
+            </a:pPr>
+            <a:r>
+              <a:rPr lang="zh-TW" altLang="en-US" sz="5400" b="1" dirty="0" smtClean="0">
+                <a:latin typeface="Microsoft JhengHei" panose="020B0604030504040204" pitchFamily="34" charset="-120"/>
+                <a:ea typeface="Microsoft JhengHei" panose="020B0604030504040204" pitchFamily="34" charset="-120"/>
+              </a:rPr>
+              <a:t>願榮耀歸萬王之王</a:t>
+            </a:r>
+            <a:endParaRPr lang="en-GB" sz="5400" b="1" dirty="0">
+              <a:latin typeface="Microsoft JhengHei" panose="020B0604030504040204" pitchFamily="34" charset="-120"/>
+              <a:ea typeface="Microsoft JhengHei" panose="020B0604030504040204" pitchFamily="34" charset="-120"/>
+            </a:endParaRPr>
+          </a:p>
+        </p:txBody>
+      </p:sp>
+      <p:pic>
+        <p:nvPicPr>
+          <p:cNvPr id="5" name="圖片 4"/>
+          <p:cNvPicPr>
+            <a:picLocks noChangeAspect="1"/>
+          </p:cNvPicPr>
+          <p:nvPr/>
+        </p:nvPicPr>
+        <p:blipFill>
+          <a:blip r:embed="rId2" cstate="print">
+            <a:extLst>
+              <a:ext uri="{BEBA8EAE-BF5A-486C-A8C5-ECC9F3942E4B}">
+                <a14:imgProps xmlns:a14="http://schemas.microsoft.com/office/drawing/2010/main">
+                  <a14:imgLayer r:embed="rId3">
+                    <a14:imgEffect>
+                      <a14:saturation sat="99000"/>
+                    </a14:imgEffect>
+                  </a14:imgLayer>
+                </a14:imgProps>
+              </a:ext>
+              <a:ext uri="{28A0092B-C50C-407E-A947-70E740481C1C}">
+                <a14:useLocalDpi xmlns:a14="http://schemas.microsoft.com/office/drawing/2010/main" val="0"/>
+              </a:ext>
+            </a:extLst>
+          </a:blip>
+          <a:stretch>
+            <a:fillRect/>
+          </a:stretch>
+        </p:blipFill>
+        <p:spPr>
+          <a:xfrm>
+            <a:off x="513806" y="5322854"/>
+            <a:ext cx="5840812" cy="1274802"/>
+          </a:xfrm>
+          <a:prstGeom prst="rect">
+            <a:avLst/>
+          </a:prstGeom>
+          <a:effectLst>
+            <a:outerShdw blurRad="63500" dist="63500" dir="5400000" algn="ctr" rotWithShape="0">
+              <a:srgbClr val="000000">
+                <a:alpha val="50000"/>
+              </a:srgbClr>
+            </a:outerShdw>
+          </a:effectLst>
+        </p:spPr>
+      </p:pic>
+      <p:sp>
+        <p:nvSpPr>
+          <p:cNvPr id="6" name="文字方塊 5"/>
+          <p:cNvSpPr txBox="1"/>
+          <p:nvPr/>
+        </p:nvSpPr>
+        <p:spPr>
+          <a:xfrm>
+            <a:off x="8212183" y="5274217"/>
+            <a:ext cx="3431176" cy="1323439"/>
+          </a:xfrm>
+          <a:prstGeom prst="rect">
+            <a:avLst/>
+          </a:prstGeom>
+          <a:noFill/>
+        </p:spPr>
+        <p:txBody>
+          <a:bodyPr wrap="square" rtlCol="0">
+            <a:spAutoFit/>
+          </a:bodyPr>
+          <a:lstStyle/>
+          <a:p>
+            <a:r>
+              <a:rPr lang="zh-TW" altLang="en-US" sz="8000" dirty="0" smtClean="0">
+                <a:solidFill>
+                  <a:schemeClr val="bg1">
+                    <a:lumMod val="75000"/>
+                  </a:schemeClr>
+                </a:solidFill>
+              </a:rPr>
+              <a:t>和撒那</a:t>
+            </a:r>
+            <a:endParaRPr lang="en-GB" sz="8000" dirty="0">
+              <a:solidFill>
+                <a:schemeClr val="bg1">
+                  <a:lumMod val="75000"/>
+                </a:schemeClr>
+              </a:solidFill>
+            </a:endParaRPr>
+          </a:p>
+        </p:txBody>
+      </p:sp>
+    </p:spTree>
+    <p:extLst>
+      <p:ext uri="{BB962C8B-B14F-4D97-AF65-F5344CB8AC3E}">
+        <p14:creationId xmlns:p14="http://schemas.microsoft.com/office/powerpoint/2010/main" val="1532775745"/>
+      </p:ext>
+    </p:extLst>
+  </p:cSld>
+  <p:clrMapOvr>
+    <a:masterClrMapping/>
+  </p:clrMapOvr>
+  <p:timing>
+    <p:tnLst>
+      <p:par>
+        <p:cTn id="1" dur="indefinite" restart="never" nodeType="tmRoot"/>
+      </p:par>
+    </p:tnLst>
+  </p:timing>
+</p:sld>
+</file>
+
+<file path=ppt/slides/slide38.xml><?xml version="1.0" encoding="utf-8"?>
+<p:sld xmlns:a="http://schemas.openxmlformats.org/drawingml/2006/main" xmlns:r="http://schemas.openxmlformats.org/officeDocument/2006/relationships" xmlns:p="http://schemas.openxmlformats.org/presentationml/2006/main">
+  <p:cSld>
+    <p:spTree>
+      <p:nvGrpSpPr>
+        <p:cNvPr id="1" name=""/>
+        <p:cNvGrpSpPr/>
+        <p:nvPr/>
+      </p:nvGrpSpPr>
+      <p:grpSpPr>
+        <a:xfrm>
+          <a:off x="0" y="0"/>
+          <a:ext cx="0" cy="0"/>
+          <a:chOff x="0" y="0"/>
+          <a:chExt cx="0" cy="0"/>
+        </a:xfrm>
+      </p:grpSpPr>
+      <p:sp>
+        <p:nvSpPr>
+          <p:cNvPr id="4" name="文字方塊 3"/>
+          <p:cNvSpPr txBox="1"/>
+          <p:nvPr/>
+        </p:nvSpPr>
+        <p:spPr>
+          <a:xfrm>
+            <a:off x="513806" y="339634"/>
+            <a:ext cx="11129554" cy="3416320"/>
+          </a:xfrm>
+          <a:prstGeom prst="rect">
+            <a:avLst/>
+          </a:prstGeom>
+          <a:noFill/>
+        </p:spPr>
+        <p:txBody>
+          <a:bodyPr wrap="square" rtlCol="0">
+            <a:spAutoFit/>
+          </a:bodyPr>
+          <a:lstStyle/>
+          <a:p>
+            <a:pPr algn="just">
+              <a:lnSpc>
+                <a:spcPct val="150000"/>
+              </a:lnSpc>
+            </a:pPr>
+            <a:r>
+              <a:rPr lang="zh-TW" altLang="en-US" sz="4800" b="1" dirty="0" smtClean="0">
+                <a:latin typeface="Microsoft JhengHei" panose="020B0604030504040204" pitchFamily="34" charset="-120"/>
+                <a:ea typeface="Microsoft JhengHei" panose="020B0604030504040204" pitchFamily="34" charset="-120"/>
+              </a:rPr>
+              <a:t>當用各樣的智慧、把基督的道理、豐豐富富的存在心裏、（或作當把基督的道理豐豐富富的存在心裏以各樣的智慧）</a:t>
+            </a:r>
+            <a:endParaRPr lang="en-US" altLang="zh-TW" sz="4800" b="1" dirty="0" smtClean="0">
+              <a:latin typeface="Microsoft JhengHei" panose="020B0604030504040204" pitchFamily="34" charset="-120"/>
+              <a:ea typeface="Microsoft JhengHei" panose="020B0604030504040204" pitchFamily="34" charset="-120"/>
+            </a:endParaRPr>
+          </a:p>
+        </p:txBody>
+      </p:sp>
+      <p:pic>
+        <p:nvPicPr>
+          <p:cNvPr id="5" name="圖片 4"/>
+          <p:cNvPicPr>
+            <a:picLocks noChangeAspect="1"/>
+          </p:cNvPicPr>
+          <p:nvPr/>
+        </p:nvPicPr>
+        <p:blipFill>
+          <a:blip r:embed="rId2" cstate="print">
+            <a:extLst>
+              <a:ext uri="{BEBA8EAE-BF5A-486C-A8C5-ECC9F3942E4B}">
+                <a14:imgProps xmlns:a14="http://schemas.microsoft.com/office/drawing/2010/main">
+                  <a14:imgLayer r:embed="rId3">
+                    <a14:imgEffect>
+                      <a14:saturation sat="99000"/>
+                    </a14:imgEffect>
+                  </a14:imgLayer>
+                </a14:imgProps>
+              </a:ext>
+              <a:ext uri="{28A0092B-C50C-407E-A947-70E740481C1C}">
+                <a14:useLocalDpi xmlns:a14="http://schemas.microsoft.com/office/drawing/2010/main" val="0"/>
+              </a:ext>
+            </a:extLst>
+          </a:blip>
+          <a:stretch>
+            <a:fillRect/>
+          </a:stretch>
+        </p:blipFill>
+        <p:spPr>
+          <a:xfrm>
+            <a:off x="513806" y="5322854"/>
+            <a:ext cx="5840812" cy="1274802"/>
+          </a:xfrm>
+          <a:prstGeom prst="rect">
+            <a:avLst/>
+          </a:prstGeom>
+          <a:effectLst>
+            <a:outerShdw blurRad="63500" dist="63500" dir="5400000" algn="ctr" rotWithShape="0">
+              <a:srgbClr val="000000">
+                <a:alpha val="50000"/>
+              </a:srgbClr>
+            </a:outerShdw>
+          </a:effectLst>
+        </p:spPr>
+      </p:pic>
+      <p:sp>
+        <p:nvSpPr>
+          <p:cNvPr id="6" name="文字方塊 5"/>
+          <p:cNvSpPr txBox="1"/>
+          <p:nvPr/>
+        </p:nvSpPr>
+        <p:spPr>
+          <a:xfrm>
+            <a:off x="9222377" y="5274217"/>
+            <a:ext cx="2420982" cy="1323439"/>
+          </a:xfrm>
+          <a:prstGeom prst="rect">
+            <a:avLst/>
+          </a:prstGeom>
+          <a:noFill/>
+        </p:spPr>
+        <p:txBody>
+          <a:bodyPr wrap="square" rtlCol="0">
+            <a:spAutoFit/>
+          </a:bodyPr>
+          <a:lstStyle/>
+          <a:p>
+            <a:r>
+              <a:rPr lang="zh-TW" altLang="en-US" sz="8000" dirty="0" smtClean="0">
+                <a:solidFill>
+                  <a:schemeClr val="bg1">
+                    <a:lumMod val="75000"/>
+                  </a:schemeClr>
+                </a:solidFill>
+              </a:rPr>
+              <a:t>團訓</a:t>
+            </a:r>
+            <a:endParaRPr lang="en-GB" sz="8000" dirty="0">
+              <a:solidFill>
+                <a:schemeClr val="bg1">
+                  <a:lumMod val="75000"/>
+                </a:schemeClr>
+              </a:solidFill>
+            </a:endParaRPr>
+          </a:p>
+        </p:txBody>
+      </p:sp>
+    </p:spTree>
+    <p:extLst>
+      <p:ext uri="{BB962C8B-B14F-4D97-AF65-F5344CB8AC3E}">
+        <p14:creationId xmlns:p14="http://schemas.microsoft.com/office/powerpoint/2010/main" val="3857000306"/>
+      </p:ext>
+    </p:extLst>
+  </p:cSld>
+  <p:clrMapOvr>
+    <a:masterClrMapping/>
+  </p:clrMapOvr>
+  <p:timing>
+    <p:tnLst>
+      <p:par>
+        <p:cTn id="1" dur="indefinite" restart="never" nodeType="tmRoot"/>
+      </p:par>
+    </p:tnLst>
+  </p:timing>
+</p:sld>
+</file>
+
+<file path=ppt/slides/slide39.xml><?xml version="1.0" encoding="utf-8"?>
+<p:sld xmlns:a="http://schemas.openxmlformats.org/drawingml/2006/main" xmlns:r="http://schemas.openxmlformats.org/officeDocument/2006/relationships" xmlns:p="http://schemas.openxmlformats.org/presentationml/2006/main">
+  <p:cSld>
+    <p:spTree>
+      <p:nvGrpSpPr>
+        <p:cNvPr id="1" name=""/>
+        <p:cNvGrpSpPr/>
+        <p:nvPr/>
+      </p:nvGrpSpPr>
+      <p:grpSpPr>
+        <a:xfrm>
+          <a:off x="0" y="0"/>
+          <a:ext cx="0" cy="0"/>
+          <a:chOff x="0" y="0"/>
+          <a:chExt cx="0" cy="0"/>
+        </a:xfrm>
+      </p:grpSpPr>
+      <p:sp>
+        <p:nvSpPr>
+          <p:cNvPr id="4" name="文字方塊 3"/>
+          <p:cNvSpPr txBox="1"/>
+          <p:nvPr/>
+        </p:nvSpPr>
+        <p:spPr>
+          <a:xfrm>
+            <a:off x="513806" y="339634"/>
+            <a:ext cx="11129554" cy="4524315"/>
+          </a:xfrm>
+          <a:prstGeom prst="rect">
+            <a:avLst/>
+          </a:prstGeom>
+          <a:noFill/>
+        </p:spPr>
+        <p:txBody>
+          <a:bodyPr wrap="square" rtlCol="0">
+            <a:spAutoFit/>
+          </a:bodyPr>
+          <a:lstStyle/>
+          <a:p>
+            <a:pPr algn="just">
+              <a:lnSpc>
+                <a:spcPct val="150000"/>
+              </a:lnSpc>
+            </a:pPr>
+            <a:r>
+              <a:rPr lang="zh-TW" altLang="en-US" sz="4800" b="1" dirty="0" smtClean="0">
+                <a:latin typeface="Microsoft JhengHei" panose="020B0604030504040204" pitchFamily="34" charset="-120"/>
+                <a:ea typeface="Microsoft JhengHei" panose="020B0604030504040204" pitchFamily="34" charset="-120"/>
+              </a:rPr>
+              <a:t>用詩章、頌詞、靈歌、彼此教導、互相勸戒、心被恩感歌頌神</a:t>
+            </a:r>
+            <a:endParaRPr lang="en-US" altLang="zh-TW" sz="4800" b="1" dirty="0" smtClean="0">
+              <a:latin typeface="Microsoft JhengHei" panose="020B0604030504040204" pitchFamily="34" charset="-120"/>
+              <a:ea typeface="Microsoft JhengHei" panose="020B0604030504040204" pitchFamily="34" charset="-120"/>
+            </a:endParaRPr>
+          </a:p>
+          <a:p>
+            <a:pPr algn="just">
+              <a:lnSpc>
+                <a:spcPct val="150000"/>
+              </a:lnSpc>
+            </a:pPr>
+            <a:endParaRPr lang="en-US" altLang="zh-TW" sz="4800" b="1" dirty="0">
+              <a:latin typeface="Microsoft JhengHei" panose="020B0604030504040204" pitchFamily="34" charset="-120"/>
+              <a:ea typeface="Microsoft JhengHei" panose="020B0604030504040204" pitchFamily="34" charset="-120"/>
+            </a:endParaRPr>
+          </a:p>
+          <a:p>
+            <a:pPr algn="r">
+              <a:lnSpc>
+                <a:spcPct val="150000"/>
+              </a:lnSpc>
+            </a:pPr>
+            <a:r>
+              <a:rPr lang="zh-TW" altLang="en-US" sz="4800" b="1" dirty="0" smtClean="0">
+                <a:latin typeface="Microsoft JhengHei" panose="020B0604030504040204" pitchFamily="34" charset="-120"/>
+                <a:ea typeface="Microsoft JhengHei" panose="020B0604030504040204" pitchFamily="34" charset="-120"/>
+              </a:rPr>
+              <a:t>歌羅西書 </a:t>
+            </a:r>
+            <a:r>
+              <a:rPr lang="en-US" altLang="zh-TW" sz="4800" b="1" dirty="0" smtClean="0">
+                <a:latin typeface="Microsoft JhengHei" panose="020B0604030504040204" pitchFamily="34" charset="-120"/>
+                <a:ea typeface="Microsoft JhengHei" panose="020B0604030504040204" pitchFamily="34" charset="-120"/>
+              </a:rPr>
+              <a:t>3:16</a:t>
+            </a:r>
+          </a:p>
+        </p:txBody>
+      </p:sp>
+      <p:pic>
+        <p:nvPicPr>
+          <p:cNvPr id="5" name="圖片 4"/>
+          <p:cNvPicPr>
+            <a:picLocks noChangeAspect="1"/>
+          </p:cNvPicPr>
+          <p:nvPr/>
+        </p:nvPicPr>
+        <p:blipFill>
+          <a:blip r:embed="rId2" cstate="print">
+            <a:extLst>
+              <a:ext uri="{BEBA8EAE-BF5A-486C-A8C5-ECC9F3942E4B}">
+                <a14:imgProps xmlns:a14="http://schemas.microsoft.com/office/drawing/2010/main">
+                  <a14:imgLayer r:embed="rId3">
+                    <a14:imgEffect>
+                      <a14:saturation sat="99000"/>
+                    </a14:imgEffect>
+                  </a14:imgLayer>
+                </a14:imgProps>
+              </a:ext>
+              <a:ext uri="{28A0092B-C50C-407E-A947-70E740481C1C}">
+                <a14:useLocalDpi xmlns:a14="http://schemas.microsoft.com/office/drawing/2010/main" val="0"/>
+              </a:ext>
+            </a:extLst>
+          </a:blip>
+          <a:stretch>
+            <a:fillRect/>
+          </a:stretch>
+        </p:blipFill>
+        <p:spPr>
+          <a:xfrm>
+            <a:off x="513806" y="5322854"/>
+            <a:ext cx="5840812" cy="1274802"/>
+          </a:xfrm>
+          <a:prstGeom prst="rect">
+            <a:avLst/>
+          </a:prstGeom>
+          <a:effectLst>
+            <a:outerShdw blurRad="63500" dist="63500" dir="5400000" algn="ctr" rotWithShape="0">
+              <a:srgbClr val="000000">
+                <a:alpha val="50000"/>
+              </a:srgbClr>
+            </a:outerShdw>
+          </a:effectLst>
+        </p:spPr>
+      </p:pic>
+      <p:sp>
+        <p:nvSpPr>
+          <p:cNvPr id="6" name="文字方塊 5"/>
+          <p:cNvSpPr txBox="1"/>
+          <p:nvPr/>
+        </p:nvSpPr>
+        <p:spPr>
+          <a:xfrm>
+            <a:off x="9222377" y="5274217"/>
+            <a:ext cx="2420982" cy="1323439"/>
+          </a:xfrm>
+          <a:prstGeom prst="rect">
+            <a:avLst/>
+          </a:prstGeom>
+          <a:noFill/>
+        </p:spPr>
+        <p:txBody>
+          <a:bodyPr wrap="square" rtlCol="0">
+            <a:spAutoFit/>
+          </a:bodyPr>
+          <a:lstStyle/>
+          <a:p>
+            <a:r>
+              <a:rPr lang="zh-TW" altLang="en-US" sz="8000" dirty="0" smtClean="0">
+                <a:solidFill>
+                  <a:schemeClr val="bg1">
+                    <a:lumMod val="75000"/>
+                  </a:schemeClr>
+                </a:solidFill>
+              </a:rPr>
+              <a:t>團訓</a:t>
+            </a:r>
+            <a:endParaRPr lang="en-GB" sz="8000" dirty="0">
+              <a:solidFill>
+                <a:schemeClr val="bg1">
+                  <a:lumMod val="75000"/>
+                </a:schemeClr>
+              </a:solidFill>
+            </a:endParaRPr>
+          </a:p>
+        </p:txBody>
+      </p:sp>
+    </p:spTree>
+    <p:extLst>
+      <p:ext uri="{BB962C8B-B14F-4D97-AF65-F5344CB8AC3E}">
+        <p14:creationId xmlns:p14="http://schemas.microsoft.com/office/powerpoint/2010/main" val="2499537162"/>
       </p:ext>
     </p:extLst>
   </p:cSld>

--- a/hymns/20171008.pptx
+++ b/hymns/20171008.pptx
@@ -13,37 +13,56 @@
     <p:sldId id="261" r:id="rId7"/>
     <p:sldId id="262" r:id="rId8"/>
     <p:sldId id="263" r:id="rId9"/>
-    <p:sldId id="264" r:id="rId10"/>
-    <p:sldId id="267" r:id="rId11"/>
-    <p:sldId id="270" r:id="rId12"/>
-    <p:sldId id="271" r:id="rId13"/>
-    <p:sldId id="272" r:id="rId14"/>
-    <p:sldId id="273" r:id="rId15"/>
-    <p:sldId id="274" r:id="rId16"/>
-    <p:sldId id="268" r:id="rId17"/>
-    <p:sldId id="275" r:id="rId18"/>
-    <p:sldId id="276" r:id="rId19"/>
-    <p:sldId id="277" r:id="rId20"/>
-    <p:sldId id="278" r:id="rId21"/>
-    <p:sldId id="279" r:id="rId22"/>
-    <p:sldId id="280" r:id="rId23"/>
-    <p:sldId id="281" r:id="rId24"/>
-    <p:sldId id="282" r:id="rId25"/>
-    <p:sldId id="283" r:id="rId26"/>
-    <p:sldId id="284" r:id="rId27"/>
-    <p:sldId id="285" r:id="rId28"/>
-    <p:sldId id="286" r:id="rId29"/>
-    <p:sldId id="287" r:id="rId30"/>
-    <p:sldId id="269" r:id="rId31"/>
-    <p:sldId id="288" r:id="rId32"/>
-    <p:sldId id="289" r:id="rId33"/>
-    <p:sldId id="290" r:id="rId34"/>
-    <p:sldId id="291" r:id="rId35"/>
-    <p:sldId id="292" r:id="rId36"/>
-    <p:sldId id="293" r:id="rId37"/>
-    <p:sldId id="294" r:id="rId38"/>
-    <p:sldId id="265" r:id="rId39"/>
-    <p:sldId id="266" r:id="rId40"/>
+    <p:sldId id="295" r:id="rId10"/>
+    <p:sldId id="296" r:id="rId11"/>
+    <p:sldId id="297" r:id="rId12"/>
+    <p:sldId id="298" r:id="rId13"/>
+    <p:sldId id="299" r:id="rId14"/>
+    <p:sldId id="300" r:id="rId15"/>
+    <p:sldId id="301" r:id="rId16"/>
+    <p:sldId id="302" r:id="rId17"/>
+    <p:sldId id="303" r:id="rId18"/>
+    <p:sldId id="304" r:id="rId19"/>
+    <p:sldId id="305" r:id="rId20"/>
+    <p:sldId id="306" r:id="rId21"/>
+    <p:sldId id="264" r:id="rId22"/>
+    <p:sldId id="267" r:id="rId23"/>
+    <p:sldId id="270" r:id="rId24"/>
+    <p:sldId id="271" r:id="rId25"/>
+    <p:sldId id="272" r:id="rId26"/>
+    <p:sldId id="273" r:id="rId27"/>
+    <p:sldId id="274" r:id="rId28"/>
+    <p:sldId id="307" r:id="rId29"/>
+    <p:sldId id="308" r:id="rId30"/>
+    <p:sldId id="309" r:id="rId31"/>
+    <p:sldId id="310" r:id="rId32"/>
+    <p:sldId id="311" r:id="rId33"/>
+    <p:sldId id="312" r:id="rId34"/>
+    <p:sldId id="313" r:id="rId35"/>
+    <p:sldId id="268" r:id="rId36"/>
+    <p:sldId id="275" r:id="rId37"/>
+    <p:sldId id="276" r:id="rId38"/>
+    <p:sldId id="277" r:id="rId39"/>
+    <p:sldId id="278" r:id="rId40"/>
+    <p:sldId id="279" r:id="rId41"/>
+    <p:sldId id="280" r:id="rId42"/>
+    <p:sldId id="281" r:id="rId43"/>
+    <p:sldId id="282" r:id="rId44"/>
+    <p:sldId id="283" r:id="rId45"/>
+    <p:sldId id="284" r:id="rId46"/>
+    <p:sldId id="285" r:id="rId47"/>
+    <p:sldId id="286" r:id="rId48"/>
+    <p:sldId id="287" r:id="rId49"/>
+    <p:sldId id="269" r:id="rId50"/>
+    <p:sldId id="288" r:id="rId51"/>
+    <p:sldId id="289" r:id="rId52"/>
+    <p:sldId id="290" r:id="rId53"/>
+    <p:sldId id="291" r:id="rId54"/>
+    <p:sldId id="292" r:id="rId55"/>
+    <p:sldId id="293" r:id="rId56"/>
+    <p:sldId id="294" r:id="rId57"/>
+    <p:sldId id="265" r:id="rId58"/>
+    <p:sldId id="266" r:id="rId59"/>
   </p:sldIdLst>
   <p:sldSz cx="12192000" cy="6858000"/>
   <p:notesSz cx="6858000" cy="9144000"/>
@@ -281,7 +300,7 @@
           <a:p>
             <a:fld id="{4E49E4DB-0175-4FFA-90B3-3105566DB41D}" type="datetimeFigureOut">
               <a:rPr lang="en-GB" smtClean="0"/>
-              <a:t>21/09/2017</a:t>
+              <a:t>23/09/2017</a:t>
             </a:fld>
             <a:endParaRPr lang="en-GB"/>
           </a:p>
@@ -451,7 +470,7 @@
           <a:p>
             <a:fld id="{4E49E4DB-0175-4FFA-90B3-3105566DB41D}" type="datetimeFigureOut">
               <a:rPr lang="en-GB" smtClean="0"/>
-              <a:t>21/09/2017</a:t>
+              <a:t>23/09/2017</a:t>
             </a:fld>
             <a:endParaRPr lang="en-GB"/>
           </a:p>
@@ -631,7 +650,7 @@
           <a:p>
             <a:fld id="{4E49E4DB-0175-4FFA-90B3-3105566DB41D}" type="datetimeFigureOut">
               <a:rPr lang="en-GB" smtClean="0"/>
-              <a:t>21/09/2017</a:t>
+              <a:t>23/09/2017</a:t>
             </a:fld>
             <a:endParaRPr lang="en-GB"/>
           </a:p>
@@ -801,7 +820,7 @@
           <a:p>
             <a:fld id="{4E49E4DB-0175-4FFA-90B3-3105566DB41D}" type="datetimeFigureOut">
               <a:rPr lang="en-GB" smtClean="0"/>
-              <a:t>21/09/2017</a:t>
+              <a:t>23/09/2017</a:t>
             </a:fld>
             <a:endParaRPr lang="en-GB"/>
           </a:p>
@@ -1047,7 +1066,7 @@
           <a:p>
             <a:fld id="{4E49E4DB-0175-4FFA-90B3-3105566DB41D}" type="datetimeFigureOut">
               <a:rPr lang="en-GB" smtClean="0"/>
-              <a:t>21/09/2017</a:t>
+              <a:t>23/09/2017</a:t>
             </a:fld>
             <a:endParaRPr lang="en-GB"/>
           </a:p>
@@ -1279,7 +1298,7 @@
           <a:p>
             <a:fld id="{4E49E4DB-0175-4FFA-90B3-3105566DB41D}" type="datetimeFigureOut">
               <a:rPr lang="en-GB" smtClean="0"/>
-              <a:t>21/09/2017</a:t>
+              <a:t>23/09/2017</a:t>
             </a:fld>
             <a:endParaRPr lang="en-GB"/>
           </a:p>
@@ -1646,7 +1665,7 @@
           <a:p>
             <a:fld id="{4E49E4DB-0175-4FFA-90B3-3105566DB41D}" type="datetimeFigureOut">
               <a:rPr lang="en-GB" smtClean="0"/>
-              <a:t>21/09/2017</a:t>
+              <a:t>23/09/2017</a:t>
             </a:fld>
             <a:endParaRPr lang="en-GB"/>
           </a:p>
@@ -1764,7 +1783,7 @@
           <a:p>
             <a:fld id="{4E49E4DB-0175-4FFA-90B3-3105566DB41D}" type="datetimeFigureOut">
               <a:rPr lang="en-GB" smtClean="0"/>
-              <a:t>21/09/2017</a:t>
+              <a:t>23/09/2017</a:t>
             </a:fld>
             <a:endParaRPr lang="en-GB"/>
           </a:p>
@@ -1859,7 +1878,7 @@
           <a:p>
             <a:fld id="{4E49E4DB-0175-4FFA-90B3-3105566DB41D}" type="datetimeFigureOut">
               <a:rPr lang="en-GB" smtClean="0"/>
-              <a:t>21/09/2017</a:t>
+              <a:t>23/09/2017</a:t>
             </a:fld>
             <a:endParaRPr lang="en-GB"/>
           </a:p>
@@ -2136,7 +2155,7 @@
           <a:p>
             <a:fld id="{4E49E4DB-0175-4FFA-90B3-3105566DB41D}" type="datetimeFigureOut">
               <a:rPr lang="en-GB" smtClean="0"/>
-              <a:t>21/09/2017</a:t>
+              <a:t>23/09/2017</a:t>
             </a:fld>
             <a:endParaRPr lang="en-GB"/>
           </a:p>
@@ -2389,7 +2408,7 @@
           <a:p>
             <a:fld id="{4E49E4DB-0175-4FFA-90B3-3105566DB41D}" type="datetimeFigureOut">
               <a:rPr lang="en-GB" smtClean="0"/>
-              <a:t>21/09/2017</a:t>
+              <a:t>23/09/2017</a:t>
             </a:fld>
             <a:endParaRPr lang="en-GB"/>
           </a:p>
@@ -2602,7 +2621,7 @@
           <a:p>
             <a:fld id="{4E49E4DB-0175-4FFA-90B3-3105566DB41D}" type="datetimeFigureOut">
               <a:rPr lang="en-GB" smtClean="0"/>
-              <a:t>21/09/2017</a:t>
+              <a:t>23/09/2017</a:t>
             </a:fld>
             <a:endParaRPr lang="en-GB"/>
           </a:p>
@@ -3168,7 +3187,7 @@
         <p:spPr>
           <a:xfrm>
             <a:off x="513806" y="339634"/>
-            <a:ext cx="11129554" cy="5078313"/>
+            <a:ext cx="11129554" cy="2169825"/>
           </a:xfrm>
           <a:prstGeom prst="rect">
             <a:avLst/>
@@ -3191,7 +3210,7 @@
                 <a:latin typeface="Microsoft JhengHei" panose="020B0604030504040204" pitchFamily="34" charset="-120"/>
                 <a:ea typeface="Microsoft JhengHei" panose="020B0604030504040204" pitchFamily="34" charset="-120"/>
               </a:rPr>
-              <a:t>我要向高山舉目</a:t>
+              <a:t>萬族萬國高唱，讚美祢名字</a:t>
             </a:r>
             <a:endParaRPr lang="en-US" altLang="zh-TW" sz="5400" b="1" dirty="0" smtClean="0">
               <a:latin typeface="Microsoft JhengHei" panose="020B0604030504040204" pitchFamily="34" charset="-120"/>
@@ -3199,40 +3218,14 @@
             </a:endParaRPr>
           </a:p>
           <a:p>
-            <a:pPr algn="just">
-              <a:lnSpc>
-                <a:spcPct val="150000"/>
-              </a:lnSpc>
-            </a:pPr>
+            <a:pPr algn="just"/>
             <a:r>
               <a:rPr lang="zh-TW" altLang="en-US" sz="5400" b="1" dirty="0" smtClean="0">
                 <a:latin typeface="Microsoft JhengHei" panose="020B0604030504040204" pitchFamily="34" charset="-120"/>
                 <a:ea typeface="Microsoft JhengHei" panose="020B0604030504040204" pitchFamily="34" charset="-120"/>
               </a:rPr>
-              <a:t>我的幫助從何來</a:t>
-            </a:r>
-            <a:endParaRPr lang="en-US" altLang="zh-TW" sz="5400" b="1" dirty="0" smtClean="0">
-              <a:latin typeface="Microsoft JhengHei" panose="020B0604030504040204" pitchFamily="34" charset="-120"/>
-              <a:ea typeface="Microsoft JhengHei" panose="020B0604030504040204" pitchFamily="34" charset="-120"/>
-            </a:endParaRPr>
-          </a:p>
-          <a:p>
-            <a:pPr algn="just">
-              <a:lnSpc>
-                <a:spcPct val="150000"/>
-              </a:lnSpc>
-            </a:pPr>
-            <a:endParaRPr lang="en-US" altLang="zh-TW" sz="5400" b="1" dirty="0" smtClean="0">
-              <a:latin typeface="Microsoft JhengHei" panose="020B0604030504040204" pitchFamily="34" charset="-120"/>
-              <a:ea typeface="Microsoft JhengHei" panose="020B0604030504040204" pitchFamily="34" charset="-120"/>
-            </a:endParaRPr>
-          </a:p>
-          <a:p>
-            <a:pPr algn="just">
-              <a:lnSpc>
-                <a:spcPct val="150000"/>
-              </a:lnSpc>
-            </a:pPr>
+              <a:t>從永遠到永遠，祢超過諸天</a:t>
+            </a:r>
             <a:endParaRPr lang="en-GB" sz="5400" b="1" dirty="0">
               <a:latin typeface="Microsoft JhengHei" panose="020B0604030504040204" pitchFamily="34" charset="-120"/>
               <a:ea typeface="Microsoft JhengHei" panose="020B0604030504040204" pitchFamily="34" charset="-120"/>
@@ -3288,14 +3281,14 @@
       </p:pic>
       <p:sp>
         <p:nvSpPr>
-          <p:cNvPr id="6" name="文字方塊 5"/>
+          <p:cNvPr id="2" name="文字方塊 1"/>
           <p:cNvSpPr txBox="1"/>
           <p:nvPr/>
         </p:nvSpPr>
         <p:spPr>
           <a:xfrm>
-            <a:off x="4267200" y="5274217"/>
-            <a:ext cx="7376160" cy="1323439"/>
+            <a:off x="7293033" y="5274217"/>
+            <a:ext cx="4350327" cy="1323439"/>
           </a:xfrm>
           <a:prstGeom prst="rect">
             <a:avLst/>
@@ -3316,7 +3309,7 @@
                   </a:schemeClr>
                 </a:solidFill>
               </a:rPr>
-              <a:t>我要向高山舉目</a:t>
+              <a:t>除祢以外</a:t>
             </a:r>
             <a:endParaRPr lang="en-GB" sz="8000" dirty="0">
               <a:solidFill>
@@ -3331,7 +3324,7 @@
     </p:spTree>
     <p:extLst>
       <p:ext uri="{BB962C8B-B14F-4D97-AF65-F5344CB8AC3E}">
-        <p14:creationId xmlns:p14="http://schemas.microsoft.com/office/powerpoint/2010/main" val="959913990"/>
+        <p14:creationId xmlns:p14="http://schemas.microsoft.com/office/powerpoint/2010/main" val="2572542171"/>
       </p:ext>
     </p:extLst>
   </p:cSld>
@@ -3393,18 +3386,18 @@
               </a:lnSpc>
             </a:pPr>
             <a:r>
-              <a:rPr lang="zh-TW" altLang="en-US" sz="5400" b="1" dirty="0">
-                <a:latin typeface="Microsoft JhengHei" panose="020B0604030504040204" pitchFamily="34" charset="-120"/>
-                <a:ea typeface="Microsoft JhengHei" panose="020B0604030504040204" pitchFamily="34" charset="-120"/>
-              </a:rPr>
-              <a:t>我的</a:t>
-            </a:r>
-            <a:r>
               <a:rPr lang="zh-TW" altLang="en-US" sz="5400" b="1" dirty="0" smtClean="0">
                 <a:latin typeface="Microsoft JhengHei" panose="020B0604030504040204" pitchFamily="34" charset="-120"/>
                 <a:ea typeface="Microsoft JhengHei" panose="020B0604030504040204" pitchFamily="34" charset="-120"/>
               </a:rPr>
-              <a:t>幫助從造天地的耶和華而來</a:t>
+              <a:t>除祢以外，找不到尊貴</a:t>
+            </a:r>
+            <a:r>
+              <a:rPr lang="zh-TW" altLang="en-US" sz="5400" b="1" dirty="0" smtClean="0">
+                <a:latin typeface="Microsoft JhengHei" panose="020B0604030504040204" pitchFamily="34" charset="-120"/>
+                <a:ea typeface="Microsoft JhengHei" panose="020B0604030504040204" pitchFamily="34" charset="-120"/>
+              </a:rPr>
+              <a:t>像祢</a:t>
             </a:r>
             <a:endParaRPr lang="en-US" altLang="zh-TW" sz="5400" b="1" dirty="0" smtClean="0">
               <a:latin typeface="Microsoft JhengHei" panose="020B0604030504040204" pitchFamily="34" charset="-120"/>
@@ -3489,8 +3482,8 @@
         </p:nvSpPr>
         <p:spPr>
           <a:xfrm>
-            <a:off x="4267200" y="5274217"/>
-            <a:ext cx="7376160" cy="1323439"/>
+            <a:off x="7293033" y="5274217"/>
+            <a:ext cx="4350327" cy="1323439"/>
           </a:xfrm>
           <a:prstGeom prst="rect">
             <a:avLst/>
@@ -3511,7 +3504,7 @@
                   </a:schemeClr>
                 </a:solidFill>
               </a:rPr>
-              <a:t>我要向高山舉目</a:t>
+              <a:t>除祢以外</a:t>
             </a:r>
             <a:endParaRPr lang="en-GB" sz="8000" dirty="0">
               <a:solidFill>
@@ -3526,7 +3519,7 @@
     </p:spTree>
     <p:extLst>
       <p:ext uri="{BB962C8B-B14F-4D97-AF65-F5344CB8AC3E}">
-        <p14:creationId xmlns:p14="http://schemas.microsoft.com/office/powerpoint/2010/main" val="3423050636"/>
+        <p14:creationId xmlns:p14="http://schemas.microsoft.com/office/powerpoint/2010/main" val="2048621195"/>
       </p:ext>
     </p:extLst>
   </p:cSld>
@@ -3569,7 +3562,7 @@
         <p:spPr>
           <a:xfrm>
             <a:off x="513806" y="339634"/>
-            <a:ext cx="11129554" cy="5078313"/>
+            <a:ext cx="11129554" cy="3831818"/>
           </a:xfrm>
           <a:prstGeom prst="rect">
             <a:avLst/>
@@ -3592,25 +3585,7 @@
                 <a:latin typeface="Microsoft JhengHei" panose="020B0604030504040204" pitchFamily="34" charset="-120"/>
                 <a:ea typeface="Microsoft JhengHei" panose="020B0604030504040204" pitchFamily="34" charset="-120"/>
               </a:rPr>
-              <a:t>我要向高山舉目</a:t>
-            </a:r>
-            <a:endParaRPr lang="en-US" altLang="zh-TW" sz="5400" b="1" dirty="0" smtClean="0">
-              <a:latin typeface="Microsoft JhengHei" panose="020B0604030504040204" pitchFamily="34" charset="-120"/>
-              <a:ea typeface="Microsoft JhengHei" panose="020B0604030504040204" pitchFamily="34" charset="-120"/>
-            </a:endParaRPr>
-          </a:p>
-          <a:p>
-            <a:pPr algn="just">
-              <a:lnSpc>
-                <a:spcPct val="150000"/>
-              </a:lnSpc>
-            </a:pPr>
-            <a:r>
-              <a:rPr lang="zh-TW" altLang="en-US" sz="5400" b="1" dirty="0" smtClean="0">
-                <a:latin typeface="Microsoft JhengHei" panose="020B0604030504040204" pitchFamily="34" charset="-120"/>
-                <a:ea typeface="Microsoft JhengHei" panose="020B0604030504040204" pitchFamily="34" charset="-120"/>
-              </a:rPr>
-              <a:t>我的幫助從何來</a:t>
+              <a:t>除祢以外，找不到更美名字</a:t>
             </a:r>
             <a:endParaRPr lang="en-US" altLang="zh-TW" sz="5400" b="1" dirty="0" smtClean="0">
               <a:latin typeface="Microsoft JhengHei" panose="020B0604030504040204" pitchFamily="34" charset="-120"/>
@@ -3695,8 +3670,8 @@
         </p:nvSpPr>
         <p:spPr>
           <a:xfrm>
-            <a:off x="4267200" y="5274217"/>
-            <a:ext cx="7376160" cy="1323439"/>
+            <a:off x="7293033" y="5274217"/>
+            <a:ext cx="4350327" cy="1323439"/>
           </a:xfrm>
           <a:prstGeom prst="rect">
             <a:avLst/>
@@ -3717,7 +3692,7 @@
                   </a:schemeClr>
                 </a:solidFill>
               </a:rPr>
-              <a:t>我要向高山舉目</a:t>
+              <a:t>除祢以外</a:t>
             </a:r>
             <a:endParaRPr lang="en-GB" sz="8000" dirty="0">
               <a:solidFill>
@@ -3732,7 +3707,7 @@
     </p:spTree>
     <p:extLst>
       <p:ext uri="{BB962C8B-B14F-4D97-AF65-F5344CB8AC3E}">
-        <p14:creationId xmlns:p14="http://schemas.microsoft.com/office/powerpoint/2010/main" val="1826322486"/>
+        <p14:creationId xmlns:p14="http://schemas.microsoft.com/office/powerpoint/2010/main" val="3174027"/>
       </p:ext>
     </p:extLst>
   </p:cSld>
@@ -3794,18 +3769,11 @@
               </a:lnSpc>
             </a:pPr>
             <a:r>
-              <a:rPr lang="zh-TW" altLang="en-US" sz="5400" b="1" dirty="0">
-                <a:latin typeface="Microsoft JhengHei" panose="020B0604030504040204" pitchFamily="34" charset="-120"/>
-                <a:ea typeface="Microsoft JhengHei" panose="020B0604030504040204" pitchFamily="34" charset="-120"/>
-              </a:rPr>
-              <a:t>我的</a:t>
-            </a:r>
-            <a:r>
               <a:rPr lang="zh-TW" altLang="en-US" sz="5400" b="1" dirty="0" smtClean="0">
                 <a:latin typeface="Microsoft JhengHei" panose="020B0604030504040204" pitchFamily="34" charset="-120"/>
                 <a:ea typeface="Microsoft JhengHei" panose="020B0604030504040204" pitchFamily="34" charset="-120"/>
               </a:rPr>
-              <a:t>幫助從造天地的耶和華而來</a:t>
+              <a:t>除祢以外，並沒有，沒有別名</a:t>
             </a:r>
             <a:endParaRPr lang="en-US" altLang="zh-TW" sz="5400" b="1" dirty="0" smtClean="0">
               <a:latin typeface="Microsoft JhengHei" panose="020B0604030504040204" pitchFamily="34" charset="-120"/>
@@ -3890,8 +3858,8 @@
         </p:nvSpPr>
         <p:spPr>
           <a:xfrm>
-            <a:off x="4267200" y="5274217"/>
-            <a:ext cx="7376160" cy="1323439"/>
+            <a:off x="7293033" y="5274217"/>
+            <a:ext cx="4350327" cy="1323439"/>
           </a:xfrm>
           <a:prstGeom prst="rect">
             <a:avLst/>
@@ -3912,7 +3880,7 @@
                   </a:schemeClr>
                 </a:solidFill>
               </a:rPr>
-              <a:t>我要向高山舉目</a:t>
+              <a:t>除祢以外</a:t>
             </a:r>
             <a:endParaRPr lang="en-GB" sz="8000" dirty="0">
               <a:solidFill>
@@ -3927,7 +3895,7 @@
     </p:spTree>
     <p:extLst>
       <p:ext uri="{BB962C8B-B14F-4D97-AF65-F5344CB8AC3E}">
-        <p14:creationId xmlns:p14="http://schemas.microsoft.com/office/powerpoint/2010/main" val="1809898459"/>
+        <p14:creationId xmlns:p14="http://schemas.microsoft.com/office/powerpoint/2010/main" val="1793697559"/>
       </p:ext>
     </p:extLst>
   </p:cSld>
@@ -3970,7 +3938,7 @@
         <p:spPr>
           <a:xfrm>
             <a:off x="513806" y="339634"/>
-            <a:ext cx="11129554" cy="5078313"/>
+            <a:ext cx="11129554" cy="3831818"/>
           </a:xfrm>
           <a:prstGeom prst="rect">
             <a:avLst/>
@@ -3993,25 +3961,21 @@
                 <a:latin typeface="Microsoft JhengHei" panose="020B0604030504040204" pitchFamily="34" charset="-120"/>
                 <a:ea typeface="Microsoft JhengHei" panose="020B0604030504040204" pitchFamily="34" charset="-120"/>
               </a:rPr>
-              <a:t>哈利路亞，哈利路亞</a:t>
-            </a:r>
-            <a:endParaRPr lang="en-US" altLang="zh-TW" sz="5400" b="1" dirty="0" smtClean="0">
-              <a:latin typeface="Microsoft JhengHei" panose="020B0604030504040204" pitchFamily="34" charset="-120"/>
-              <a:ea typeface="Microsoft JhengHei" panose="020B0604030504040204" pitchFamily="34" charset="-120"/>
-            </a:endParaRPr>
-          </a:p>
-          <a:p>
-            <a:pPr algn="just">
-              <a:lnSpc>
-                <a:spcPct val="150000"/>
-              </a:lnSpc>
-            </a:pPr>
+              <a:t>可以配受權柄</a:t>
+            </a:r>
+            <a:r>
+              <a:rPr lang="zh-TW" altLang="en-US" sz="5400" b="1" dirty="0">
+                <a:latin typeface="Microsoft JhengHei" panose="020B0604030504040204" pitchFamily="34" charset="-120"/>
+                <a:ea typeface="Microsoft JhengHei" panose="020B0604030504040204" pitchFamily="34" charset="-120"/>
+              </a:rPr>
+              <a:t>、</a:t>
+            </a:r>
             <a:r>
               <a:rPr lang="zh-TW" altLang="en-US" sz="5400" b="1" dirty="0" smtClean="0">
                 <a:latin typeface="Microsoft JhengHei" panose="020B0604030504040204" pitchFamily="34" charset="-120"/>
                 <a:ea typeface="Microsoft JhengHei" panose="020B0604030504040204" pitchFamily="34" charset="-120"/>
               </a:rPr>
-              <a:t>哈利路亞，哈利路</a:t>
+              <a:t>讚美以及崇敬</a:t>
             </a:r>
             <a:endParaRPr lang="en-US" altLang="zh-TW" sz="5400" b="1" dirty="0" smtClean="0">
               <a:latin typeface="Microsoft JhengHei" panose="020B0604030504040204" pitchFamily="34" charset="-120"/>
@@ -4096,8 +4060,8 @@
         </p:nvSpPr>
         <p:spPr>
           <a:xfrm>
-            <a:off x="4267200" y="5274217"/>
-            <a:ext cx="7376160" cy="1323439"/>
+            <a:off x="7293033" y="5274217"/>
+            <a:ext cx="4350327" cy="1323439"/>
           </a:xfrm>
           <a:prstGeom prst="rect">
             <a:avLst/>
@@ -4118,7 +4082,7 @@
                   </a:schemeClr>
                 </a:solidFill>
               </a:rPr>
-              <a:t>我要向高山舉目</a:t>
+              <a:t>除祢以外</a:t>
             </a:r>
             <a:endParaRPr lang="en-GB" sz="8000" dirty="0">
               <a:solidFill>
@@ -4133,7 +4097,7 @@
     </p:spTree>
     <p:extLst>
       <p:ext uri="{BB962C8B-B14F-4D97-AF65-F5344CB8AC3E}">
-        <p14:creationId xmlns:p14="http://schemas.microsoft.com/office/powerpoint/2010/main" val="2921656991"/>
+        <p14:creationId xmlns:p14="http://schemas.microsoft.com/office/powerpoint/2010/main" val="2802755225"/>
       </p:ext>
     </p:extLst>
   </p:cSld>
@@ -4176,7 +4140,7 @@
         <p:spPr>
           <a:xfrm>
             <a:off x="513806" y="339634"/>
-            <a:ext cx="11129554" cy="5078313"/>
+            <a:ext cx="11129554" cy="3831818"/>
           </a:xfrm>
           <a:prstGeom prst="rect">
             <a:avLst/>
@@ -4199,25 +4163,7 @@
                 <a:latin typeface="Microsoft JhengHei" panose="020B0604030504040204" pitchFamily="34" charset="-120"/>
                 <a:ea typeface="Microsoft JhengHei" panose="020B0604030504040204" pitchFamily="34" charset="-120"/>
               </a:rPr>
-              <a:t>哈利路亞，哈利路亞</a:t>
-            </a:r>
-            <a:endParaRPr lang="en-US" altLang="zh-TW" sz="5400" b="1" dirty="0" smtClean="0">
-              <a:latin typeface="Microsoft JhengHei" panose="020B0604030504040204" pitchFamily="34" charset="-120"/>
-              <a:ea typeface="Microsoft JhengHei" panose="020B0604030504040204" pitchFamily="34" charset="-120"/>
-            </a:endParaRPr>
-          </a:p>
-          <a:p>
-            <a:pPr algn="just">
-              <a:lnSpc>
-                <a:spcPct val="150000"/>
-              </a:lnSpc>
-            </a:pPr>
-            <a:r>
-              <a:rPr lang="zh-TW" altLang="en-US" sz="5400" b="1" dirty="0" smtClean="0">
-                <a:latin typeface="Microsoft JhengHei" panose="020B0604030504040204" pitchFamily="34" charset="-120"/>
-                <a:ea typeface="Microsoft JhengHei" panose="020B0604030504040204" pitchFamily="34" charset="-120"/>
-              </a:rPr>
-              <a:t>哈利路亞，哈利路</a:t>
+              <a:t>聖潔國度、榮耀全屬祢</a:t>
             </a:r>
             <a:endParaRPr lang="en-US" altLang="zh-TW" sz="5400" b="1" dirty="0" smtClean="0">
               <a:latin typeface="Microsoft JhengHei" panose="020B0604030504040204" pitchFamily="34" charset="-120"/>
@@ -4302,8 +4248,8 @@
         </p:nvSpPr>
         <p:spPr>
           <a:xfrm>
-            <a:off x="4267200" y="5274217"/>
-            <a:ext cx="7376160" cy="1323439"/>
+            <a:off x="7293033" y="5274217"/>
+            <a:ext cx="4350327" cy="1323439"/>
           </a:xfrm>
           <a:prstGeom prst="rect">
             <a:avLst/>
@@ -4324,7 +4270,7 @@
                   </a:schemeClr>
                 </a:solidFill>
               </a:rPr>
-              <a:t>我要向高山舉目</a:t>
+              <a:t>除祢以外</a:t>
             </a:r>
             <a:endParaRPr lang="en-GB" sz="8000" dirty="0">
               <a:solidFill>
@@ -4339,7 +4285,7 @@
     </p:spTree>
     <p:extLst>
       <p:ext uri="{BB962C8B-B14F-4D97-AF65-F5344CB8AC3E}">
-        <p14:creationId xmlns:p14="http://schemas.microsoft.com/office/powerpoint/2010/main" val="496938587"/>
+        <p14:creationId xmlns:p14="http://schemas.microsoft.com/office/powerpoint/2010/main" val="3408262796"/>
       </p:ext>
     </p:extLst>
   </p:cSld>
@@ -4382,7 +4328,7 @@
         <p:spPr>
           <a:xfrm>
             <a:off x="513806" y="339634"/>
-            <a:ext cx="11129554" cy="2585323"/>
+            <a:ext cx="11129554" cy="3831818"/>
           </a:xfrm>
           <a:prstGeom prst="rect">
             <a:avLst/>
@@ -4405,7 +4351,7 @@
                 <a:latin typeface="Microsoft JhengHei" panose="020B0604030504040204" pitchFamily="34" charset="-120"/>
                 <a:ea typeface="Microsoft JhengHei" panose="020B0604030504040204" pitchFamily="34" charset="-120"/>
               </a:rPr>
-              <a:t>主，為祢的恩典</a:t>
+              <a:t>除祢以外，找不到尊貴像你</a:t>
             </a:r>
             <a:endParaRPr lang="en-US" altLang="zh-TW" sz="5400" b="1" dirty="0" smtClean="0">
               <a:latin typeface="Microsoft JhengHei" panose="020B0604030504040204" pitchFamily="34" charset="-120"/>
@@ -4418,13 +4364,17 @@
                 <a:spcPct val="150000"/>
               </a:lnSpc>
             </a:pPr>
-            <a:r>
-              <a:rPr lang="zh-TW" altLang="en-US" sz="5400" b="1" dirty="0" smtClean="0">
-                <a:latin typeface="Microsoft JhengHei" panose="020B0604030504040204" pitchFamily="34" charset="-120"/>
-                <a:ea typeface="Microsoft JhengHei" panose="020B0604030504040204" pitchFamily="34" charset="-120"/>
-              </a:rPr>
-              <a:t>我要滿心感謝</a:t>
-            </a:r>
+            <a:endParaRPr lang="en-US" altLang="zh-TW" sz="5400" b="1" dirty="0" smtClean="0">
+              <a:latin typeface="Microsoft JhengHei" panose="020B0604030504040204" pitchFamily="34" charset="-120"/>
+              <a:ea typeface="Microsoft JhengHei" panose="020B0604030504040204" pitchFamily="34" charset="-120"/>
+            </a:endParaRPr>
+          </a:p>
+          <a:p>
+            <a:pPr algn="just">
+              <a:lnSpc>
+                <a:spcPct val="150000"/>
+              </a:lnSpc>
+            </a:pPr>
             <a:endParaRPr lang="en-GB" sz="5400" b="1" dirty="0">
               <a:latin typeface="Microsoft JhengHei" panose="020B0604030504040204" pitchFamily="34" charset="-120"/>
               <a:ea typeface="Microsoft JhengHei" panose="020B0604030504040204" pitchFamily="34" charset="-120"/>
@@ -4486,8 +4436,8 @@
         </p:nvSpPr>
         <p:spPr>
           <a:xfrm>
-            <a:off x="6287588" y="5274217"/>
-            <a:ext cx="5355771" cy="1323439"/>
+            <a:off x="7293033" y="5274217"/>
+            <a:ext cx="4350327" cy="1323439"/>
           </a:xfrm>
           <a:prstGeom prst="rect">
             <a:avLst/>
@@ -4508,7 +4458,7 @@
                   </a:schemeClr>
                 </a:solidFill>
               </a:rPr>
-              <a:t>以感恩為祭</a:t>
+              <a:t>除祢以外</a:t>
             </a:r>
             <a:endParaRPr lang="en-GB" sz="8000" dirty="0">
               <a:solidFill>
@@ -4523,7 +4473,7 @@
     </p:spTree>
     <p:extLst>
       <p:ext uri="{BB962C8B-B14F-4D97-AF65-F5344CB8AC3E}">
-        <p14:creationId xmlns:p14="http://schemas.microsoft.com/office/powerpoint/2010/main" val="3691938758"/>
+        <p14:creationId xmlns:p14="http://schemas.microsoft.com/office/powerpoint/2010/main" val="2516726265"/>
       </p:ext>
     </p:extLst>
   </p:cSld>
@@ -4566,7 +4516,7 @@
         <p:spPr>
           <a:xfrm>
             <a:off x="513806" y="339634"/>
-            <a:ext cx="11129554" cy="2585323"/>
+            <a:ext cx="11129554" cy="3831818"/>
           </a:xfrm>
           <a:prstGeom prst="rect">
             <a:avLst/>
@@ -4589,7 +4539,7 @@
                 <a:latin typeface="Microsoft JhengHei" panose="020B0604030504040204" pitchFamily="34" charset="-120"/>
                 <a:ea typeface="Microsoft JhengHei" panose="020B0604030504040204" pitchFamily="34" charset="-120"/>
               </a:rPr>
-              <a:t>由泥內生機到變幻天氣</a:t>
+              <a:t>除祢以外，找不到更美名字</a:t>
             </a:r>
             <a:endParaRPr lang="en-US" altLang="zh-TW" sz="5400" b="1" dirty="0" smtClean="0">
               <a:latin typeface="Microsoft JhengHei" panose="020B0604030504040204" pitchFamily="34" charset="-120"/>
@@ -4602,13 +4552,17 @@
                 <a:spcPct val="150000"/>
               </a:lnSpc>
             </a:pPr>
-            <a:r>
-              <a:rPr lang="zh-TW" altLang="en-US" sz="5400" b="1" dirty="0" smtClean="0">
-                <a:latin typeface="Microsoft JhengHei" panose="020B0604030504040204" pitchFamily="34" charset="-120"/>
-                <a:ea typeface="Microsoft JhengHei" panose="020B0604030504040204" pitchFamily="34" charset="-120"/>
-              </a:rPr>
-              <a:t>讓這世界各樣完備</a:t>
-            </a:r>
+            <a:endParaRPr lang="en-US" altLang="zh-TW" sz="5400" b="1" dirty="0" smtClean="0">
+              <a:latin typeface="Microsoft JhengHei" panose="020B0604030504040204" pitchFamily="34" charset="-120"/>
+              <a:ea typeface="Microsoft JhengHei" panose="020B0604030504040204" pitchFamily="34" charset="-120"/>
+            </a:endParaRPr>
+          </a:p>
+          <a:p>
+            <a:pPr algn="just">
+              <a:lnSpc>
+                <a:spcPct val="150000"/>
+              </a:lnSpc>
+            </a:pPr>
             <a:endParaRPr lang="en-GB" sz="5400" b="1" dirty="0">
               <a:latin typeface="Microsoft JhengHei" panose="020B0604030504040204" pitchFamily="34" charset="-120"/>
               <a:ea typeface="Microsoft JhengHei" panose="020B0604030504040204" pitchFamily="34" charset="-120"/>
@@ -4670,8 +4624,8 @@
         </p:nvSpPr>
         <p:spPr>
           <a:xfrm>
-            <a:off x="6287588" y="5274217"/>
-            <a:ext cx="5355771" cy="1323439"/>
+            <a:off x="7293033" y="5274217"/>
+            <a:ext cx="4350327" cy="1323439"/>
           </a:xfrm>
           <a:prstGeom prst="rect">
             <a:avLst/>
@@ -4692,7 +4646,7 @@
                   </a:schemeClr>
                 </a:solidFill>
               </a:rPr>
-              <a:t>以感恩為祭</a:t>
+              <a:t>除祢以外</a:t>
             </a:r>
             <a:endParaRPr lang="en-GB" sz="8000" dirty="0">
               <a:solidFill>
@@ -4707,7 +4661,7 @@
     </p:spTree>
     <p:extLst>
       <p:ext uri="{BB962C8B-B14F-4D97-AF65-F5344CB8AC3E}">
-        <p14:creationId xmlns:p14="http://schemas.microsoft.com/office/powerpoint/2010/main" val="1862200869"/>
+        <p14:creationId xmlns:p14="http://schemas.microsoft.com/office/powerpoint/2010/main" val="1437826298"/>
       </p:ext>
     </p:extLst>
   </p:cSld>
@@ -4750,7 +4704,7 @@
         <p:spPr>
           <a:xfrm>
             <a:off x="513806" y="339634"/>
-            <a:ext cx="11129554" cy="2585323"/>
+            <a:ext cx="11129554" cy="3831818"/>
           </a:xfrm>
           <a:prstGeom prst="rect">
             <a:avLst/>
@@ -4773,7 +4727,7 @@
                 <a:latin typeface="Microsoft JhengHei" panose="020B0604030504040204" pitchFamily="34" charset="-120"/>
                 <a:ea typeface="Microsoft JhengHei" panose="020B0604030504040204" pitchFamily="34" charset="-120"/>
               </a:rPr>
-              <a:t>主，為祢的恩手</a:t>
+              <a:t>除祢以外，並沒有，沒有別名</a:t>
             </a:r>
             <a:endParaRPr lang="en-US" altLang="zh-TW" sz="5400" b="1" dirty="0" smtClean="0">
               <a:latin typeface="Microsoft JhengHei" panose="020B0604030504040204" pitchFamily="34" charset="-120"/>
@@ -4786,13 +4740,17 @@
                 <a:spcPct val="150000"/>
               </a:lnSpc>
             </a:pPr>
-            <a:r>
-              <a:rPr lang="zh-TW" altLang="en-US" sz="5400" b="1" dirty="0" smtClean="0">
-                <a:latin typeface="Microsoft JhengHei" panose="020B0604030504040204" pitchFamily="34" charset="-120"/>
-                <a:ea typeface="Microsoft JhengHei" panose="020B0604030504040204" pitchFamily="34" charset="-120"/>
-              </a:rPr>
-              <a:t>我要滿心感謝</a:t>
-            </a:r>
+            <a:endParaRPr lang="en-US" altLang="zh-TW" sz="5400" b="1" dirty="0" smtClean="0">
+              <a:latin typeface="Microsoft JhengHei" panose="020B0604030504040204" pitchFamily="34" charset="-120"/>
+              <a:ea typeface="Microsoft JhengHei" panose="020B0604030504040204" pitchFamily="34" charset="-120"/>
+            </a:endParaRPr>
+          </a:p>
+          <a:p>
+            <a:pPr algn="just">
+              <a:lnSpc>
+                <a:spcPct val="150000"/>
+              </a:lnSpc>
+            </a:pPr>
             <a:endParaRPr lang="en-GB" sz="5400" b="1" dirty="0">
               <a:latin typeface="Microsoft JhengHei" panose="020B0604030504040204" pitchFamily="34" charset="-120"/>
               <a:ea typeface="Microsoft JhengHei" panose="020B0604030504040204" pitchFamily="34" charset="-120"/>
@@ -4854,8 +4812,8 @@
         </p:nvSpPr>
         <p:spPr>
           <a:xfrm>
-            <a:off x="6287588" y="5274217"/>
-            <a:ext cx="5355771" cy="1323439"/>
+            <a:off x="7293033" y="5274217"/>
+            <a:ext cx="4350327" cy="1323439"/>
           </a:xfrm>
           <a:prstGeom prst="rect">
             <a:avLst/>
@@ -4876,7 +4834,7 @@
                   </a:schemeClr>
                 </a:solidFill>
               </a:rPr>
-              <a:t>以感恩為祭</a:t>
+              <a:t>除祢以外</a:t>
             </a:r>
             <a:endParaRPr lang="en-GB" sz="8000" dirty="0">
               <a:solidFill>
@@ -4891,7 +4849,7 @@
     </p:spTree>
     <p:extLst>
       <p:ext uri="{BB962C8B-B14F-4D97-AF65-F5344CB8AC3E}">
-        <p14:creationId xmlns:p14="http://schemas.microsoft.com/office/powerpoint/2010/main" val="1050890184"/>
+        <p14:creationId xmlns:p14="http://schemas.microsoft.com/office/powerpoint/2010/main" val="2656960115"/>
       </p:ext>
     </p:extLst>
   </p:cSld>
@@ -4934,7 +4892,7 @@
         <p:spPr>
           <a:xfrm>
             <a:off x="513806" y="339634"/>
-            <a:ext cx="11129554" cy="2585323"/>
+            <a:ext cx="11129554" cy="3831818"/>
           </a:xfrm>
           <a:prstGeom prst="rect">
             <a:avLst/>
@@ -4957,26 +4915,44 @@
                 <a:latin typeface="Microsoft JhengHei" panose="020B0604030504040204" pitchFamily="34" charset="-120"/>
                 <a:ea typeface="Microsoft JhengHei" panose="020B0604030504040204" pitchFamily="34" charset="-120"/>
               </a:rPr>
-              <a:t>由扶助拯救到試煉阻攔</a:t>
-            </a:r>
-            <a:endParaRPr lang="en-US" altLang="zh-TW" sz="5400" b="1" dirty="0" smtClean="0">
-              <a:latin typeface="Microsoft JhengHei" panose="020B0604030504040204" pitchFamily="34" charset="-120"/>
-              <a:ea typeface="Microsoft JhengHei" panose="020B0604030504040204" pitchFamily="34" charset="-120"/>
-            </a:endParaRPr>
-          </a:p>
-          <a:p>
-            <a:pPr algn="just">
-              <a:lnSpc>
-                <a:spcPct val="150000"/>
-              </a:lnSpc>
-            </a:pPr>
+              <a:t>可以配受權柄</a:t>
+            </a:r>
+            <a:r>
+              <a:rPr lang="zh-TW" altLang="en-US" sz="5400" b="1" dirty="0">
+                <a:latin typeface="Microsoft JhengHei" panose="020B0604030504040204" pitchFamily="34" charset="-120"/>
+                <a:ea typeface="Microsoft JhengHei" panose="020B0604030504040204" pitchFamily="34" charset="-120"/>
+              </a:rPr>
+              <a:t>、</a:t>
+            </a:r>
             <a:r>
               <a:rPr lang="zh-TW" altLang="en-US" sz="5400" b="1" dirty="0" smtClean="0">
                 <a:latin typeface="Microsoft JhengHei" panose="020B0604030504040204" pitchFamily="34" charset="-120"/>
                 <a:ea typeface="Microsoft JhengHei" panose="020B0604030504040204" pitchFamily="34" charset="-120"/>
               </a:rPr>
-              <a:t>導我按祢正路前行</a:t>
-            </a:r>
+              <a:t>讚美以及崇敬</a:t>
+            </a:r>
+            <a:endParaRPr lang="en-US" altLang="zh-TW" sz="5400" b="1" dirty="0" smtClean="0">
+              <a:latin typeface="Microsoft JhengHei" panose="020B0604030504040204" pitchFamily="34" charset="-120"/>
+              <a:ea typeface="Microsoft JhengHei" panose="020B0604030504040204" pitchFamily="34" charset="-120"/>
+            </a:endParaRPr>
+          </a:p>
+          <a:p>
+            <a:pPr algn="just">
+              <a:lnSpc>
+                <a:spcPct val="150000"/>
+              </a:lnSpc>
+            </a:pPr>
+            <a:endParaRPr lang="en-US" altLang="zh-TW" sz="5400" b="1" dirty="0" smtClean="0">
+              <a:latin typeface="Microsoft JhengHei" panose="020B0604030504040204" pitchFamily="34" charset="-120"/>
+              <a:ea typeface="Microsoft JhengHei" panose="020B0604030504040204" pitchFamily="34" charset="-120"/>
+            </a:endParaRPr>
+          </a:p>
+          <a:p>
+            <a:pPr algn="just">
+              <a:lnSpc>
+                <a:spcPct val="150000"/>
+              </a:lnSpc>
+            </a:pPr>
             <a:endParaRPr lang="en-GB" sz="5400" b="1" dirty="0">
               <a:latin typeface="Microsoft JhengHei" panose="020B0604030504040204" pitchFamily="34" charset="-120"/>
               <a:ea typeface="Microsoft JhengHei" panose="020B0604030504040204" pitchFamily="34" charset="-120"/>
@@ -5038,8 +5014,8 @@
         </p:nvSpPr>
         <p:spPr>
           <a:xfrm>
-            <a:off x="6287588" y="5274217"/>
-            <a:ext cx="5355771" cy="1323439"/>
+            <a:off x="7293033" y="5274217"/>
+            <a:ext cx="4350327" cy="1323439"/>
           </a:xfrm>
           <a:prstGeom prst="rect">
             <a:avLst/>
@@ -5060,7 +5036,7 @@
                   </a:schemeClr>
                 </a:solidFill>
               </a:rPr>
-              <a:t>以感恩為祭</a:t>
+              <a:t>除祢以外</a:t>
             </a:r>
             <a:endParaRPr lang="en-GB" sz="8000" dirty="0">
               <a:solidFill>
@@ -5075,7 +5051,7 @@
     </p:spTree>
     <p:extLst>
       <p:ext uri="{BB962C8B-B14F-4D97-AF65-F5344CB8AC3E}">
-        <p14:creationId xmlns:p14="http://schemas.microsoft.com/office/powerpoint/2010/main" val="3830866081"/>
+        <p14:creationId xmlns:p14="http://schemas.microsoft.com/office/powerpoint/2010/main" val="4014555328"/>
       </p:ext>
     </p:extLst>
   </p:cSld>
@@ -5141,7 +5117,21 @@
                 <a:latin typeface="Microsoft JhengHei" panose="020B0604030504040204" pitchFamily="34" charset="-120"/>
                 <a:ea typeface="Microsoft JhengHei" panose="020B0604030504040204" pitchFamily="34" charset="-120"/>
               </a:rPr>
-              <a:t>大地頌讚歌唱，讚美祢名字</a:t>
+              <a:t>大地</a:t>
+            </a:r>
+            <a:r>
+              <a:rPr lang="zh-TW" altLang="en-US" sz="5400" b="1" dirty="0" smtClean="0">
+                <a:latin typeface="Microsoft JhengHei" panose="020B0604030504040204" pitchFamily="34" charset="-120"/>
+                <a:ea typeface="Microsoft JhengHei" panose="020B0604030504040204" pitchFamily="34" charset="-120"/>
+              </a:rPr>
+              <a:t>頌讚歡唱</a:t>
+            </a:r>
+            <a:r>
+              <a:rPr lang="zh-TW" altLang="en-US" sz="5400" b="1" dirty="0" smtClean="0">
+                <a:latin typeface="Microsoft JhengHei" panose="020B0604030504040204" pitchFamily="34" charset="-120"/>
+                <a:ea typeface="Microsoft JhengHei" panose="020B0604030504040204" pitchFamily="34" charset="-120"/>
+              </a:rPr>
+              <a:t>，讚美祢名字</a:t>
             </a:r>
             <a:endParaRPr lang="en-US" altLang="zh-TW" sz="5400" b="1" dirty="0" smtClean="0">
               <a:latin typeface="Microsoft JhengHei" panose="020B0604030504040204" pitchFamily="34" charset="-120"/>
@@ -5298,7 +5288,7 @@
         <p:spPr>
           <a:xfrm>
             <a:off x="513806" y="339634"/>
-            <a:ext cx="11129554" cy="2585323"/>
+            <a:ext cx="11129554" cy="3831818"/>
           </a:xfrm>
           <a:prstGeom prst="rect">
             <a:avLst/>
@@ -5321,7 +5311,7 @@
                 <a:latin typeface="Microsoft JhengHei" panose="020B0604030504040204" pitchFamily="34" charset="-120"/>
                 <a:ea typeface="Microsoft JhengHei" panose="020B0604030504040204" pitchFamily="34" charset="-120"/>
               </a:rPr>
-              <a:t>我出生前祢已深知我</a:t>
+              <a:t>聖潔國度、榮耀全屬祢</a:t>
             </a:r>
             <a:endParaRPr lang="en-US" altLang="zh-TW" sz="5400" b="1" dirty="0" smtClean="0">
               <a:latin typeface="Microsoft JhengHei" panose="020B0604030504040204" pitchFamily="34" charset="-120"/>
@@ -5334,13 +5324,17 @@
                 <a:spcPct val="150000"/>
               </a:lnSpc>
             </a:pPr>
-            <a:r>
-              <a:rPr lang="zh-TW" altLang="en-US" sz="5400" b="1" dirty="0" smtClean="0">
-                <a:latin typeface="Microsoft JhengHei" panose="020B0604030504040204" pitchFamily="34" charset="-120"/>
-                <a:ea typeface="Microsoft JhengHei" panose="020B0604030504040204" pitchFamily="34" charset="-120"/>
-              </a:rPr>
-              <a:t>到了今天亦有幫助</a:t>
-            </a:r>
+            <a:endParaRPr lang="en-US" altLang="zh-TW" sz="5400" b="1" dirty="0" smtClean="0">
+              <a:latin typeface="Microsoft JhengHei" panose="020B0604030504040204" pitchFamily="34" charset="-120"/>
+              <a:ea typeface="Microsoft JhengHei" panose="020B0604030504040204" pitchFamily="34" charset="-120"/>
+            </a:endParaRPr>
+          </a:p>
+          <a:p>
+            <a:pPr algn="just">
+              <a:lnSpc>
+                <a:spcPct val="150000"/>
+              </a:lnSpc>
+            </a:pPr>
             <a:endParaRPr lang="en-GB" sz="5400" b="1" dirty="0">
               <a:latin typeface="Microsoft JhengHei" panose="020B0604030504040204" pitchFamily="34" charset="-120"/>
               <a:ea typeface="Microsoft JhengHei" panose="020B0604030504040204" pitchFamily="34" charset="-120"/>
@@ -5402,8 +5396,8 @@
         </p:nvSpPr>
         <p:spPr>
           <a:xfrm>
-            <a:off x="6287588" y="5274217"/>
-            <a:ext cx="5355771" cy="1323439"/>
+            <a:off x="7293033" y="5274217"/>
+            <a:ext cx="4350327" cy="1323439"/>
           </a:xfrm>
           <a:prstGeom prst="rect">
             <a:avLst/>
@@ -5424,7 +5418,7 @@
                   </a:schemeClr>
                 </a:solidFill>
               </a:rPr>
-              <a:t>以感恩為祭</a:t>
+              <a:t>除祢以外</a:t>
             </a:r>
             <a:endParaRPr lang="en-GB" sz="8000" dirty="0">
               <a:solidFill>
@@ -5439,7 +5433,7 @@
     </p:spTree>
     <p:extLst>
       <p:ext uri="{BB962C8B-B14F-4D97-AF65-F5344CB8AC3E}">
-        <p14:creationId xmlns:p14="http://schemas.microsoft.com/office/powerpoint/2010/main" val="3271360519"/>
+        <p14:creationId xmlns:p14="http://schemas.microsoft.com/office/powerpoint/2010/main" val="162183774"/>
       </p:ext>
     </p:extLst>
   </p:cSld>
@@ -5482,7 +5476,7 @@
         <p:spPr>
           <a:xfrm>
             <a:off x="513806" y="339634"/>
-            <a:ext cx="11129554" cy="2585323"/>
+            <a:ext cx="11129554" cy="5632311"/>
           </a:xfrm>
           <a:prstGeom prst="rect">
             <a:avLst/>
@@ -5501,41 +5495,108 @@
               </a:lnSpc>
             </a:pPr>
             <a:r>
-              <a:rPr lang="zh-TW" altLang="en-US" sz="5400" b="1" dirty="0" smtClean="0">
+              <a:rPr lang="en-US" altLang="zh-TW" sz="4800" b="1" dirty="0" smtClean="0">
                 <a:latin typeface="Microsoft JhengHei" panose="020B0604030504040204" pitchFamily="34" charset="-120"/>
                 <a:ea typeface="Microsoft JhengHei" panose="020B0604030504040204" pitchFamily="34" charset="-120"/>
               </a:rPr>
-              <a:t>為我備救恩召我出黑暗</a:t>
-            </a:r>
-            <a:endParaRPr lang="en-US" altLang="zh-TW" sz="5400" b="1" dirty="0" smtClean="0">
-              <a:latin typeface="Microsoft JhengHei" panose="020B0604030504040204" pitchFamily="34" charset="-120"/>
-              <a:ea typeface="Microsoft JhengHei" panose="020B0604030504040204" pitchFamily="34" charset="-120"/>
-            </a:endParaRPr>
-          </a:p>
-          <a:p>
-            <a:pPr algn="just">
-              <a:lnSpc>
-                <a:spcPct val="150000"/>
-              </a:lnSpc>
-            </a:pPr>
-            <a:r>
-              <a:rPr lang="zh-TW" altLang="en-US" sz="5400" b="1" dirty="0" smtClean="0">
+              <a:t>〔</a:t>
+            </a:r>
+            <a:r>
+              <a:rPr lang="zh-TW" altLang="en-US" sz="4800" b="1" dirty="0" smtClean="0">
                 <a:latin typeface="Microsoft JhengHei" panose="020B0604030504040204" pitchFamily="34" charset="-120"/>
                 <a:ea typeface="Microsoft JhengHei" panose="020B0604030504040204" pitchFamily="34" charset="-120"/>
               </a:rPr>
-              <a:t>做祢聖潔國度</a:t>
-            </a:r>
-            <a:r>
-              <a:rPr lang="zh-TW" altLang="en-US" sz="5400" b="1" dirty="0" smtClean="0">
+              <a:t>上行</a:t>
+            </a:r>
+            <a:r>
+              <a:rPr lang="zh-TW" altLang="en-US" sz="4800" b="1" dirty="0" smtClean="0">
                 <a:latin typeface="Microsoft JhengHei" panose="020B0604030504040204" pitchFamily="34" charset="-120"/>
                 <a:ea typeface="Microsoft JhengHei" panose="020B0604030504040204" pitchFamily="34" charset="-120"/>
               </a:rPr>
-              <a:t>人民</a:t>
-            </a:r>
-            <a:endParaRPr lang="en-GB" sz="5400" b="1" dirty="0">
-              <a:latin typeface="Microsoft JhengHei" panose="020B0604030504040204" pitchFamily="34" charset="-120"/>
-              <a:ea typeface="Microsoft JhengHei" panose="020B0604030504040204" pitchFamily="34" charset="-120"/>
-            </a:endParaRPr>
+              <a:t>之</a:t>
+            </a:r>
+            <a:r>
+              <a:rPr lang="zh-TW" altLang="en-US" sz="4800" b="1" dirty="0" smtClean="0">
+                <a:latin typeface="Microsoft JhengHei" panose="020B0604030504040204" pitchFamily="34" charset="-120"/>
+                <a:ea typeface="Microsoft JhengHei" panose="020B0604030504040204" pitchFamily="34" charset="-120"/>
+              </a:rPr>
+              <a:t>詩。</a:t>
+            </a:r>
+            <a:r>
+              <a:rPr lang="en-US" altLang="zh-TW" sz="4800" b="1" dirty="0" smtClean="0">
+                <a:latin typeface="Microsoft JhengHei" panose="020B0604030504040204" pitchFamily="34" charset="-120"/>
+                <a:ea typeface="Microsoft JhengHei" panose="020B0604030504040204" pitchFamily="34" charset="-120"/>
+              </a:rPr>
+              <a:t>〕</a:t>
+            </a:r>
+            <a:r>
+              <a:rPr lang="zh-TW" altLang="en-US" sz="4800" b="1" dirty="0" smtClean="0">
+                <a:latin typeface="Microsoft JhengHei" panose="020B0604030504040204" pitchFamily="34" charset="-120"/>
+                <a:ea typeface="Microsoft JhengHei" panose="020B0604030504040204" pitchFamily="34" charset="-120"/>
+              </a:rPr>
+              <a:t>我</a:t>
+            </a:r>
+            <a:r>
+              <a:rPr lang="zh-TW" altLang="en-US" sz="4800" b="1" dirty="0" smtClean="0">
+                <a:latin typeface="Microsoft JhengHei" panose="020B0604030504040204" pitchFamily="34" charset="-120"/>
+                <a:ea typeface="Microsoft JhengHei" panose="020B0604030504040204" pitchFamily="34" charset="-120"/>
+              </a:rPr>
+              <a:t>要向山舉目。我的幫助從何而來。</a:t>
+            </a:r>
+            <a:endParaRPr lang="en-US" altLang="zh-TW" sz="4800" b="1" dirty="0" smtClean="0">
+              <a:latin typeface="Microsoft JhengHei" panose="020B0604030504040204" pitchFamily="34" charset="-120"/>
+              <a:ea typeface="Microsoft JhengHei" panose="020B0604030504040204" pitchFamily="34" charset="-120"/>
+            </a:endParaRPr>
+          </a:p>
+          <a:p>
+            <a:pPr algn="just">
+              <a:lnSpc>
+                <a:spcPct val="150000"/>
+              </a:lnSpc>
+            </a:pPr>
+            <a:r>
+              <a:rPr lang="zh-TW" altLang="en-US" sz="4800" b="1" dirty="0" smtClean="0">
+                <a:latin typeface="Microsoft JhengHei" panose="020B0604030504040204" pitchFamily="34" charset="-120"/>
+                <a:ea typeface="Microsoft JhengHei" panose="020B0604030504040204" pitchFamily="34" charset="-120"/>
+              </a:rPr>
+              <a:t>我的幫助從造天地的耶和華而來。</a:t>
+            </a:r>
+            <a:endParaRPr lang="en-US" altLang="zh-TW" sz="4800" b="1" dirty="0" smtClean="0">
+              <a:latin typeface="Microsoft JhengHei" panose="020B0604030504040204" pitchFamily="34" charset="-120"/>
+              <a:ea typeface="Microsoft JhengHei" panose="020B0604030504040204" pitchFamily="34" charset="-120"/>
+            </a:endParaRPr>
+          </a:p>
+          <a:p>
+            <a:pPr algn="just">
+              <a:lnSpc>
+                <a:spcPct val="150000"/>
+              </a:lnSpc>
+            </a:pPr>
+            <a:endParaRPr lang="en-US" altLang="zh-TW" sz="4800" b="1" dirty="0">
+              <a:latin typeface="Microsoft JhengHei" panose="020B0604030504040204" pitchFamily="34" charset="-120"/>
+              <a:ea typeface="Microsoft JhengHei" panose="020B0604030504040204" pitchFamily="34" charset="-120"/>
+            </a:endParaRPr>
+          </a:p>
+          <a:p>
+            <a:pPr algn="r">
+              <a:lnSpc>
+                <a:spcPct val="150000"/>
+              </a:lnSpc>
+            </a:pPr>
+            <a:r>
+              <a:rPr lang="zh-TW" altLang="en-US" sz="4800" b="1" dirty="0" smtClean="0">
+                <a:latin typeface="Microsoft JhengHei" panose="020B0604030504040204" pitchFamily="34" charset="-120"/>
+                <a:ea typeface="Microsoft JhengHei" panose="020B0604030504040204" pitchFamily="34" charset="-120"/>
+              </a:rPr>
+              <a:t>詩篇 </a:t>
+            </a:r>
+            <a:r>
+              <a:rPr lang="en-US" altLang="zh-TW" sz="4800" b="1" dirty="0" smtClean="0">
+                <a:latin typeface="Microsoft JhengHei" panose="020B0604030504040204" pitchFamily="34" charset="-120"/>
+                <a:ea typeface="Microsoft JhengHei" panose="020B0604030504040204" pitchFamily="34" charset="-120"/>
+              </a:rPr>
+              <a:t>121:1-2</a:t>
+            </a:r>
           </a:p>
         </p:txBody>
       </p:sp>
@@ -5585,52 +5646,10 @@
           </a:effectLst>
         </p:spPr>
       </p:pic>
-      <p:sp>
-        <p:nvSpPr>
-          <p:cNvPr id="6" name="文字方塊 5"/>
-          <p:cNvSpPr txBox="1"/>
-          <p:nvPr/>
-        </p:nvSpPr>
-        <p:spPr>
-          <a:xfrm>
-            <a:off x="6287588" y="5274217"/>
-            <a:ext cx="5355771" cy="1323439"/>
-          </a:xfrm>
-          <a:prstGeom prst="rect">
-            <a:avLst/>
-          </a:prstGeom>
-          <a:noFill/>
-        </p:spPr>
-        <p:txBody>
-          <a:bodyPr wrap="square" rtlCol="0">
-            <a:spAutoFit/>
-          </a:bodyPr>
-          <a:lstStyle/>
-          <a:p>
-            <a:r>
-              <a:rPr lang="zh-TW" altLang="en-US" sz="8000" dirty="0" smtClean="0">
-                <a:solidFill>
-                  <a:schemeClr val="bg1">
-                    <a:lumMod val="75000"/>
-                  </a:schemeClr>
-                </a:solidFill>
-              </a:rPr>
-              <a:t>以感恩為祭</a:t>
-            </a:r>
-            <a:endParaRPr lang="en-GB" sz="8000" dirty="0">
-              <a:solidFill>
-                <a:schemeClr val="bg1">
-                  <a:lumMod val="75000"/>
-                </a:schemeClr>
-              </a:solidFill>
-            </a:endParaRPr>
-          </a:p>
-        </p:txBody>
-      </p:sp>
     </p:spTree>
     <p:extLst>
       <p:ext uri="{BB962C8B-B14F-4D97-AF65-F5344CB8AC3E}">
-        <p14:creationId xmlns:p14="http://schemas.microsoft.com/office/powerpoint/2010/main" val="2869663311"/>
+        <p14:creationId xmlns:p14="http://schemas.microsoft.com/office/powerpoint/2010/main" val="4087967780"/>
       </p:ext>
     </p:extLst>
   </p:cSld>
@@ -5673,7 +5692,7 @@
         <p:spPr>
           <a:xfrm>
             <a:off x="513806" y="339634"/>
-            <a:ext cx="11129554" cy="2585323"/>
+            <a:ext cx="11129554" cy="5078313"/>
           </a:xfrm>
           <a:prstGeom prst="rect">
             <a:avLst/>
@@ -5696,7 +5715,7 @@
                 <a:latin typeface="Microsoft JhengHei" panose="020B0604030504040204" pitchFamily="34" charset="-120"/>
                 <a:ea typeface="Microsoft JhengHei" panose="020B0604030504040204" pitchFamily="34" charset="-120"/>
               </a:rPr>
-              <a:t>主，為祢的恩言</a:t>
+              <a:t>我要向高山舉目</a:t>
             </a:r>
             <a:endParaRPr lang="en-US" altLang="zh-TW" sz="5400" b="1" dirty="0" smtClean="0">
               <a:latin typeface="Microsoft JhengHei" panose="020B0604030504040204" pitchFamily="34" charset="-120"/>
@@ -5714,8 +5733,30 @@
                 <a:latin typeface="Microsoft JhengHei" panose="020B0604030504040204" pitchFamily="34" charset="-120"/>
                 <a:ea typeface="Microsoft JhengHei" panose="020B0604030504040204" pitchFamily="34" charset="-120"/>
               </a:rPr>
-              <a:t>我要滿心感謝</a:t>
-            </a:r>
+              <a:t>我的幫助從何來</a:t>
+            </a:r>
+            <a:endParaRPr lang="en-US" altLang="zh-TW" sz="5400" b="1" dirty="0" smtClean="0">
+              <a:latin typeface="Microsoft JhengHei" panose="020B0604030504040204" pitchFamily="34" charset="-120"/>
+              <a:ea typeface="Microsoft JhengHei" panose="020B0604030504040204" pitchFamily="34" charset="-120"/>
+            </a:endParaRPr>
+          </a:p>
+          <a:p>
+            <a:pPr algn="just">
+              <a:lnSpc>
+                <a:spcPct val="150000"/>
+              </a:lnSpc>
+            </a:pPr>
+            <a:endParaRPr lang="en-US" altLang="zh-TW" sz="5400" b="1" dirty="0" smtClean="0">
+              <a:latin typeface="Microsoft JhengHei" panose="020B0604030504040204" pitchFamily="34" charset="-120"/>
+              <a:ea typeface="Microsoft JhengHei" panose="020B0604030504040204" pitchFamily="34" charset="-120"/>
+            </a:endParaRPr>
+          </a:p>
+          <a:p>
+            <a:pPr algn="just">
+              <a:lnSpc>
+                <a:spcPct val="150000"/>
+              </a:lnSpc>
+            </a:pPr>
             <a:endParaRPr lang="en-GB" sz="5400" b="1" dirty="0">
               <a:latin typeface="Microsoft JhengHei" panose="020B0604030504040204" pitchFamily="34" charset="-120"/>
               <a:ea typeface="Microsoft JhengHei" panose="020B0604030504040204" pitchFamily="34" charset="-120"/>
@@ -5777,8 +5818,8 @@
         </p:nvSpPr>
         <p:spPr>
           <a:xfrm>
-            <a:off x="6287588" y="5274217"/>
-            <a:ext cx="5355771" cy="1323439"/>
+            <a:off x="4267200" y="5274217"/>
+            <a:ext cx="7376160" cy="1323439"/>
           </a:xfrm>
           <a:prstGeom prst="rect">
             <a:avLst/>
@@ -5799,7 +5840,7 @@
                   </a:schemeClr>
                 </a:solidFill>
               </a:rPr>
-              <a:t>以感恩為祭</a:t>
+              <a:t>我要向高山舉目</a:t>
             </a:r>
             <a:endParaRPr lang="en-GB" sz="8000" dirty="0">
               <a:solidFill>
@@ -5814,7 +5855,7 @@
     </p:spTree>
     <p:extLst>
       <p:ext uri="{BB962C8B-B14F-4D97-AF65-F5344CB8AC3E}">
-        <p14:creationId xmlns:p14="http://schemas.microsoft.com/office/powerpoint/2010/main" val="1988325500"/>
+        <p14:creationId xmlns:p14="http://schemas.microsoft.com/office/powerpoint/2010/main" val="959913990"/>
       </p:ext>
     </p:extLst>
   </p:cSld>
@@ -5857,7 +5898,7 @@
         <p:spPr>
           <a:xfrm>
             <a:off x="513806" y="339634"/>
-            <a:ext cx="11129554" cy="2585323"/>
+            <a:ext cx="11129554" cy="3831818"/>
           </a:xfrm>
           <a:prstGeom prst="rect">
             <a:avLst/>
@@ -5876,11 +5917,18 @@
               </a:lnSpc>
             </a:pPr>
             <a:r>
+              <a:rPr lang="zh-TW" altLang="en-US" sz="5400" b="1" dirty="0">
+                <a:latin typeface="Microsoft JhengHei" panose="020B0604030504040204" pitchFamily="34" charset="-120"/>
+                <a:ea typeface="Microsoft JhengHei" panose="020B0604030504040204" pitchFamily="34" charset="-120"/>
+              </a:rPr>
+              <a:t>我的</a:t>
+            </a:r>
+            <a:r>
               <a:rPr lang="zh-TW" altLang="en-US" sz="5400" b="1" dirty="0" smtClean="0">
                 <a:latin typeface="Microsoft JhengHei" panose="020B0604030504040204" pitchFamily="34" charset="-120"/>
                 <a:ea typeface="Microsoft JhengHei" panose="020B0604030504040204" pitchFamily="34" charset="-120"/>
               </a:rPr>
-              <a:t>由提示安慰到責備管教</a:t>
+              <a:t>幫助從造天地的耶和華而來</a:t>
             </a:r>
             <a:endParaRPr lang="en-US" altLang="zh-TW" sz="5400" b="1" dirty="0" smtClean="0">
               <a:latin typeface="Microsoft JhengHei" panose="020B0604030504040204" pitchFamily="34" charset="-120"/>
@@ -5893,13 +5941,17 @@
                 <a:spcPct val="150000"/>
               </a:lnSpc>
             </a:pPr>
-            <a:r>
-              <a:rPr lang="zh-TW" altLang="en-US" sz="5400" b="1" dirty="0" smtClean="0">
-                <a:latin typeface="Microsoft JhengHei" panose="020B0604030504040204" pitchFamily="34" charset="-120"/>
-                <a:ea typeface="Microsoft JhengHei" panose="020B0604030504040204" pitchFamily="34" charset="-120"/>
-              </a:rPr>
-              <a:t>內裏有祢愛念呈現</a:t>
-            </a:r>
+            <a:endParaRPr lang="en-US" altLang="zh-TW" sz="5400" b="1" dirty="0" smtClean="0">
+              <a:latin typeface="Microsoft JhengHei" panose="020B0604030504040204" pitchFamily="34" charset="-120"/>
+              <a:ea typeface="Microsoft JhengHei" panose="020B0604030504040204" pitchFamily="34" charset="-120"/>
+            </a:endParaRPr>
+          </a:p>
+          <a:p>
+            <a:pPr algn="just">
+              <a:lnSpc>
+                <a:spcPct val="150000"/>
+              </a:lnSpc>
+            </a:pPr>
             <a:endParaRPr lang="en-GB" sz="5400" b="1" dirty="0">
               <a:latin typeface="Microsoft JhengHei" panose="020B0604030504040204" pitchFamily="34" charset="-120"/>
               <a:ea typeface="Microsoft JhengHei" panose="020B0604030504040204" pitchFamily="34" charset="-120"/>
@@ -5961,8 +6013,8 @@
         </p:nvSpPr>
         <p:spPr>
           <a:xfrm>
-            <a:off x="6287588" y="5274217"/>
-            <a:ext cx="5355771" cy="1323439"/>
+            <a:off x="4267200" y="5274217"/>
+            <a:ext cx="7376160" cy="1323439"/>
           </a:xfrm>
           <a:prstGeom prst="rect">
             <a:avLst/>
@@ -5983,7 +6035,7 @@
                   </a:schemeClr>
                 </a:solidFill>
               </a:rPr>
-              <a:t>以感恩為祭</a:t>
+              <a:t>我要向高山舉目</a:t>
             </a:r>
             <a:endParaRPr lang="en-GB" sz="8000" dirty="0">
               <a:solidFill>
@@ -5998,7 +6050,7 @@
     </p:spTree>
     <p:extLst>
       <p:ext uri="{BB962C8B-B14F-4D97-AF65-F5344CB8AC3E}">
-        <p14:creationId xmlns:p14="http://schemas.microsoft.com/office/powerpoint/2010/main" val="2829885952"/>
+        <p14:creationId xmlns:p14="http://schemas.microsoft.com/office/powerpoint/2010/main" val="3423050636"/>
       </p:ext>
     </p:extLst>
   </p:cSld>
@@ -6041,7 +6093,7 @@
         <p:spPr>
           <a:xfrm>
             <a:off x="513806" y="339634"/>
-            <a:ext cx="11129554" cy="2432589"/>
+            <a:ext cx="11129554" cy="5078313"/>
           </a:xfrm>
           <a:prstGeom prst="rect">
             <a:avLst/>
@@ -6064,7 +6116,7 @@
                 <a:latin typeface="Microsoft JhengHei" panose="020B0604030504040204" pitchFamily="34" charset="-120"/>
                 <a:ea typeface="Microsoft JhengHei" panose="020B0604030504040204" pitchFamily="34" charset="-120"/>
               </a:rPr>
-              <a:t>主，為祢的恩情</a:t>
+              <a:t>我要向高山舉目</a:t>
             </a:r>
             <a:endParaRPr lang="en-US" altLang="zh-TW" sz="5400" b="1" dirty="0" smtClean="0">
               <a:latin typeface="Microsoft JhengHei" panose="020B0604030504040204" pitchFamily="34" charset="-120"/>
@@ -6082,8 +6134,30 @@
                 <a:latin typeface="Microsoft JhengHei" panose="020B0604030504040204" pitchFamily="34" charset="-120"/>
                 <a:ea typeface="Microsoft JhengHei" panose="020B0604030504040204" pitchFamily="34" charset="-120"/>
               </a:rPr>
-              <a:t>我要滿心感謝</a:t>
-            </a:r>
+              <a:t>我的幫助從何來</a:t>
+            </a:r>
+            <a:endParaRPr lang="en-US" altLang="zh-TW" sz="5400" b="1" dirty="0" smtClean="0">
+              <a:latin typeface="Microsoft JhengHei" panose="020B0604030504040204" pitchFamily="34" charset="-120"/>
+              <a:ea typeface="Microsoft JhengHei" panose="020B0604030504040204" pitchFamily="34" charset="-120"/>
+            </a:endParaRPr>
+          </a:p>
+          <a:p>
+            <a:pPr algn="just">
+              <a:lnSpc>
+                <a:spcPct val="150000"/>
+              </a:lnSpc>
+            </a:pPr>
+            <a:endParaRPr lang="en-US" altLang="zh-TW" sz="5400" b="1" dirty="0" smtClean="0">
+              <a:latin typeface="Microsoft JhengHei" panose="020B0604030504040204" pitchFamily="34" charset="-120"/>
+              <a:ea typeface="Microsoft JhengHei" panose="020B0604030504040204" pitchFamily="34" charset="-120"/>
+            </a:endParaRPr>
+          </a:p>
+          <a:p>
+            <a:pPr algn="just">
+              <a:lnSpc>
+                <a:spcPct val="150000"/>
+              </a:lnSpc>
+            </a:pPr>
             <a:endParaRPr lang="en-GB" sz="5400" b="1" dirty="0">
               <a:latin typeface="Microsoft JhengHei" panose="020B0604030504040204" pitchFamily="34" charset="-120"/>
               <a:ea typeface="Microsoft JhengHei" panose="020B0604030504040204" pitchFamily="34" charset="-120"/>
@@ -6145,8 +6219,8 @@
         </p:nvSpPr>
         <p:spPr>
           <a:xfrm>
-            <a:off x="6287588" y="5274217"/>
-            <a:ext cx="5355771" cy="1323439"/>
+            <a:off x="4267200" y="5274217"/>
+            <a:ext cx="7376160" cy="1323439"/>
           </a:xfrm>
           <a:prstGeom prst="rect">
             <a:avLst/>
@@ -6167,7 +6241,7 @@
                   </a:schemeClr>
                 </a:solidFill>
               </a:rPr>
-              <a:t>以感恩為祭</a:t>
+              <a:t>我要向高山舉目</a:t>
             </a:r>
             <a:endParaRPr lang="en-GB" sz="8000" dirty="0">
               <a:solidFill>
@@ -6182,7 +6256,7 @@
     </p:spTree>
     <p:extLst>
       <p:ext uri="{BB962C8B-B14F-4D97-AF65-F5344CB8AC3E}">
-        <p14:creationId xmlns:p14="http://schemas.microsoft.com/office/powerpoint/2010/main" val="3164632426"/>
+        <p14:creationId xmlns:p14="http://schemas.microsoft.com/office/powerpoint/2010/main" val="1826322486"/>
       </p:ext>
     </p:extLst>
   </p:cSld>
@@ -6225,7 +6299,7 @@
         <p:spPr>
           <a:xfrm>
             <a:off x="513806" y="339634"/>
-            <a:ext cx="11129554" cy="2585323"/>
+            <a:ext cx="11129554" cy="3831818"/>
           </a:xfrm>
           <a:prstGeom prst="rect">
             <a:avLst/>
@@ -6244,11 +6318,18 @@
               </a:lnSpc>
             </a:pPr>
             <a:r>
+              <a:rPr lang="zh-TW" altLang="en-US" sz="5400" b="1" dirty="0">
+                <a:latin typeface="Microsoft JhengHei" panose="020B0604030504040204" pitchFamily="34" charset="-120"/>
+                <a:ea typeface="Microsoft JhengHei" panose="020B0604030504040204" pitchFamily="34" charset="-120"/>
+              </a:rPr>
+              <a:t>我的</a:t>
+            </a:r>
+            <a:r>
               <a:rPr lang="zh-TW" altLang="en-US" sz="5400" b="1" dirty="0" smtClean="0">
                 <a:latin typeface="Microsoft JhengHei" panose="020B0604030504040204" pitchFamily="34" charset="-120"/>
                 <a:ea typeface="Microsoft JhengHei" panose="020B0604030504040204" pitchFamily="34" charset="-120"/>
               </a:rPr>
-              <a:t>也要常思想，晝夜數算</a:t>
+              <a:t>幫助從造天地的耶和華而來</a:t>
             </a:r>
             <a:endParaRPr lang="en-US" altLang="zh-TW" sz="5400" b="1" dirty="0" smtClean="0">
               <a:latin typeface="Microsoft JhengHei" panose="020B0604030504040204" pitchFamily="34" charset="-120"/>
@@ -6261,13 +6342,17 @@
                 <a:spcPct val="150000"/>
               </a:lnSpc>
             </a:pPr>
-            <a:r>
-              <a:rPr lang="zh-TW" altLang="en-US" sz="5400" b="1" dirty="0" smtClean="0">
-                <a:latin typeface="Microsoft JhengHei" panose="020B0604030504040204" pitchFamily="34" charset="-120"/>
-                <a:ea typeface="Microsoft JhengHei" panose="020B0604030504040204" pitchFamily="34" charset="-120"/>
-              </a:rPr>
-              <a:t>藉愛見證祢大能</a:t>
-            </a:r>
+            <a:endParaRPr lang="en-US" altLang="zh-TW" sz="5400" b="1" dirty="0" smtClean="0">
+              <a:latin typeface="Microsoft JhengHei" panose="020B0604030504040204" pitchFamily="34" charset="-120"/>
+              <a:ea typeface="Microsoft JhengHei" panose="020B0604030504040204" pitchFamily="34" charset="-120"/>
+            </a:endParaRPr>
+          </a:p>
+          <a:p>
+            <a:pPr algn="just">
+              <a:lnSpc>
+                <a:spcPct val="150000"/>
+              </a:lnSpc>
+            </a:pPr>
             <a:endParaRPr lang="en-GB" sz="5400" b="1" dirty="0">
               <a:latin typeface="Microsoft JhengHei" panose="020B0604030504040204" pitchFamily="34" charset="-120"/>
               <a:ea typeface="Microsoft JhengHei" panose="020B0604030504040204" pitchFamily="34" charset="-120"/>
@@ -6329,8 +6414,8 @@
         </p:nvSpPr>
         <p:spPr>
           <a:xfrm>
-            <a:off x="6287588" y="5274217"/>
-            <a:ext cx="5355771" cy="1323439"/>
+            <a:off x="4267200" y="5274217"/>
+            <a:ext cx="7376160" cy="1323439"/>
           </a:xfrm>
           <a:prstGeom prst="rect">
             <a:avLst/>
@@ -6351,7 +6436,7 @@
                   </a:schemeClr>
                 </a:solidFill>
               </a:rPr>
-              <a:t>以感恩為祭</a:t>
+              <a:t>我要向高山舉目</a:t>
             </a:r>
             <a:endParaRPr lang="en-GB" sz="8000" dirty="0">
               <a:solidFill>
@@ -6366,7 +6451,7 @@
     </p:spTree>
     <p:extLst>
       <p:ext uri="{BB962C8B-B14F-4D97-AF65-F5344CB8AC3E}">
-        <p14:creationId xmlns:p14="http://schemas.microsoft.com/office/powerpoint/2010/main" val="3844469160"/>
+        <p14:creationId xmlns:p14="http://schemas.microsoft.com/office/powerpoint/2010/main" val="1809898459"/>
       </p:ext>
     </p:extLst>
   </p:cSld>
@@ -6409,7 +6494,7 @@
         <p:spPr>
           <a:xfrm>
             <a:off x="513806" y="339634"/>
-            <a:ext cx="11129554" cy="2432589"/>
+            <a:ext cx="11129554" cy="5078313"/>
           </a:xfrm>
           <a:prstGeom prst="rect">
             <a:avLst/>
@@ -6432,7 +6517,7 @@
                 <a:latin typeface="Microsoft JhengHei" panose="020B0604030504040204" pitchFamily="34" charset="-120"/>
                 <a:ea typeface="Microsoft JhengHei" panose="020B0604030504040204" pitchFamily="34" charset="-120"/>
               </a:rPr>
-              <a:t>祢的安排往往多新意</a:t>
+              <a:t>哈利路亞，哈利路亞</a:t>
             </a:r>
             <a:endParaRPr lang="en-US" altLang="zh-TW" sz="5400" b="1" dirty="0" smtClean="0">
               <a:latin typeface="Microsoft JhengHei" panose="020B0604030504040204" pitchFamily="34" charset="-120"/>
@@ -6450,8 +6535,30 @@
                 <a:latin typeface="Microsoft JhengHei" panose="020B0604030504040204" pitchFamily="34" charset="-120"/>
                 <a:ea typeface="Microsoft JhengHei" panose="020B0604030504040204" pitchFamily="34" charset="-120"/>
               </a:rPr>
-              <a:t>祢有豐賞亦會收取</a:t>
-            </a:r>
+              <a:t>哈利路亞，哈利路</a:t>
+            </a:r>
+            <a:endParaRPr lang="en-US" altLang="zh-TW" sz="5400" b="1" dirty="0" smtClean="0">
+              <a:latin typeface="Microsoft JhengHei" panose="020B0604030504040204" pitchFamily="34" charset="-120"/>
+              <a:ea typeface="Microsoft JhengHei" panose="020B0604030504040204" pitchFamily="34" charset="-120"/>
+            </a:endParaRPr>
+          </a:p>
+          <a:p>
+            <a:pPr algn="just">
+              <a:lnSpc>
+                <a:spcPct val="150000"/>
+              </a:lnSpc>
+            </a:pPr>
+            <a:endParaRPr lang="en-US" altLang="zh-TW" sz="5400" b="1" dirty="0" smtClean="0">
+              <a:latin typeface="Microsoft JhengHei" panose="020B0604030504040204" pitchFamily="34" charset="-120"/>
+              <a:ea typeface="Microsoft JhengHei" panose="020B0604030504040204" pitchFamily="34" charset="-120"/>
+            </a:endParaRPr>
+          </a:p>
+          <a:p>
+            <a:pPr algn="just">
+              <a:lnSpc>
+                <a:spcPct val="150000"/>
+              </a:lnSpc>
+            </a:pPr>
             <a:endParaRPr lang="en-GB" sz="5400" b="1" dirty="0">
               <a:latin typeface="Microsoft JhengHei" panose="020B0604030504040204" pitchFamily="34" charset="-120"/>
               <a:ea typeface="Microsoft JhengHei" panose="020B0604030504040204" pitchFamily="34" charset="-120"/>
@@ -6513,8 +6620,8 @@
         </p:nvSpPr>
         <p:spPr>
           <a:xfrm>
-            <a:off x="6287588" y="5274217"/>
-            <a:ext cx="5355771" cy="1323439"/>
+            <a:off x="4267200" y="5274217"/>
+            <a:ext cx="7376160" cy="1323439"/>
           </a:xfrm>
           <a:prstGeom prst="rect">
             <a:avLst/>
@@ -6535,7 +6642,7 @@
                   </a:schemeClr>
                 </a:solidFill>
               </a:rPr>
-              <a:t>以感恩為祭</a:t>
+              <a:t>我要向高山舉目</a:t>
             </a:r>
             <a:endParaRPr lang="en-GB" sz="8000" dirty="0">
               <a:solidFill>
@@ -6550,7 +6657,7 @@
     </p:spTree>
     <p:extLst>
       <p:ext uri="{BB962C8B-B14F-4D97-AF65-F5344CB8AC3E}">
-        <p14:creationId xmlns:p14="http://schemas.microsoft.com/office/powerpoint/2010/main" val="2347812511"/>
+        <p14:creationId xmlns:p14="http://schemas.microsoft.com/office/powerpoint/2010/main" val="2921656991"/>
       </p:ext>
     </p:extLst>
   </p:cSld>
@@ -6593,7 +6700,7 @@
         <p:spPr>
           <a:xfrm>
             <a:off x="513806" y="339634"/>
-            <a:ext cx="11129554" cy="2585323"/>
+            <a:ext cx="11129554" cy="5078313"/>
           </a:xfrm>
           <a:prstGeom prst="rect">
             <a:avLst/>
@@ -6616,7 +6723,7 @@
                 <a:latin typeface="Microsoft JhengHei" panose="020B0604030504040204" pitchFamily="34" charset="-120"/>
                 <a:ea typeface="Microsoft JhengHei" panose="020B0604030504040204" pitchFamily="34" charset="-120"/>
               </a:rPr>
-              <a:t>微細調配中讓我得益處</a:t>
+              <a:t>哈利路亞，哈利路亞</a:t>
             </a:r>
             <a:endParaRPr lang="en-US" altLang="zh-TW" sz="5400" b="1" dirty="0" smtClean="0">
               <a:latin typeface="Microsoft JhengHei" panose="020B0604030504040204" pitchFamily="34" charset="-120"/>
@@ -6634,8 +6741,30 @@
                 <a:latin typeface="Microsoft JhengHei" panose="020B0604030504040204" pitchFamily="34" charset="-120"/>
                 <a:ea typeface="Microsoft JhengHei" panose="020B0604030504040204" pitchFamily="34" charset="-120"/>
               </a:rPr>
-              <a:t>現我再見天恩處處</a:t>
-            </a:r>
+              <a:t>哈利路亞，哈利路</a:t>
+            </a:r>
+            <a:endParaRPr lang="en-US" altLang="zh-TW" sz="5400" b="1" dirty="0" smtClean="0">
+              <a:latin typeface="Microsoft JhengHei" panose="020B0604030504040204" pitchFamily="34" charset="-120"/>
+              <a:ea typeface="Microsoft JhengHei" panose="020B0604030504040204" pitchFamily="34" charset="-120"/>
+            </a:endParaRPr>
+          </a:p>
+          <a:p>
+            <a:pPr algn="just">
+              <a:lnSpc>
+                <a:spcPct val="150000"/>
+              </a:lnSpc>
+            </a:pPr>
+            <a:endParaRPr lang="en-US" altLang="zh-TW" sz="5400" b="1" dirty="0" smtClean="0">
+              <a:latin typeface="Microsoft JhengHei" panose="020B0604030504040204" pitchFamily="34" charset="-120"/>
+              <a:ea typeface="Microsoft JhengHei" panose="020B0604030504040204" pitchFamily="34" charset="-120"/>
+            </a:endParaRPr>
+          </a:p>
+          <a:p>
+            <a:pPr algn="just">
+              <a:lnSpc>
+                <a:spcPct val="150000"/>
+              </a:lnSpc>
+            </a:pPr>
             <a:endParaRPr lang="en-GB" sz="5400" b="1" dirty="0">
               <a:latin typeface="Microsoft JhengHei" panose="020B0604030504040204" pitchFamily="34" charset="-120"/>
               <a:ea typeface="Microsoft JhengHei" panose="020B0604030504040204" pitchFamily="34" charset="-120"/>
@@ -6697,8 +6826,8 @@
         </p:nvSpPr>
         <p:spPr>
           <a:xfrm>
-            <a:off x="6287588" y="5274217"/>
-            <a:ext cx="5355771" cy="1323439"/>
+            <a:off x="4267200" y="5274217"/>
+            <a:ext cx="7376160" cy="1323439"/>
           </a:xfrm>
           <a:prstGeom prst="rect">
             <a:avLst/>
@@ -6719,7 +6848,7 @@
                   </a:schemeClr>
                 </a:solidFill>
               </a:rPr>
-              <a:t>以感恩為祭</a:t>
+              <a:t>我要向高山舉目</a:t>
             </a:r>
             <a:endParaRPr lang="en-GB" sz="8000" dirty="0">
               <a:solidFill>
@@ -6734,7 +6863,7 @@
     </p:spTree>
     <p:extLst>
       <p:ext uri="{BB962C8B-B14F-4D97-AF65-F5344CB8AC3E}">
-        <p14:creationId xmlns:p14="http://schemas.microsoft.com/office/powerpoint/2010/main" val="251208866"/>
+        <p14:creationId xmlns:p14="http://schemas.microsoft.com/office/powerpoint/2010/main" val="496938587"/>
       </p:ext>
     </p:extLst>
   </p:cSld>
@@ -6777,7 +6906,7 @@
         <p:spPr>
           <a:xfrm>
             <a:off x="513806" y="339634"/>
-            <a:ext cx="11129554" cy="2432589"/>
+            <a:ext cx="11129554" cy="5078313"/>
           </a:xfrm>
           <a:prstGeom prst="rect">
             <a:avLst/>
@@ -6800,7 +6929,7 @@
                 <a:latin typeface="Microsoft JhengHei" panose="020B0604030504040204" pitchFamily="34" charset="-120"/>
                 <a:ea typeface="Microsoft JhengHei" panose="020B0604030504040204" pitchFamily="34" charset="-120"/>
               </a:rPr>
-              <a:t>神呀！祢恩典太美妙神奇</a:t>
+              <a:t>我要向高山舉目</a:t>
             </a:r>
             <a:endParaRPr lang="en-US" altLang="zh-TW" sz="5400" b="1" dirty="0" smtClean="0">
               <a:latin typeface="Microsoft JhengHei" panose="020B0604030504040204" pitchFamily="34" charset="-120"/>
@@ -6818,8 +6947,30 @@
                 <a:latin typeface="Microsoft JhengHei" panose="020B0604030504040204" pitchFamily="34" charset="-120"/>
                 <a:ea typeface="Microsoft JhengHei" panose="020B0604030504040204" pitchFamily="34" charset="-120"/>
               </a:rPr>
-              <a:t>配得萬眾稱善</a:t>
-            </a:r>
+              <a:t>我的幫助從何來</a:t>
+            </a:r>
+            <a:endParaRPr lang="en-US" altLang="zh-TW" sz="5400" b="1" dirty="0" smtClean="0">
+              <a:latin typeface="Microsoft JhengHei" panose="020B0604030504040204" pitchFamily="34" charset="-120"/>
+              <a:ea typeface="Microsoft JhengHei" panose="020B0604030504040204" pitchFamily="34" charset="-120"/>
+            </a:endParaRPr>
+          </a:p>
+          <a:p>
+            <a:pPr algn="just">
+              <a:lnSpc>
+                <a:spcPct val="150000"/>
+              </a:lnSpc>
+            </a:pPr>
+            <a:endParaRPr lang="en-US" altLang="zh-TW" sz="5400" b="1" dirty="0" smtClean="0">
+              <a:latin typeface="Microsoft JhengHei" panose="020B0604030504040204" pitchFamily="34" charset="-120"/>
+              <a:ea typeface="Microsoft JhengHei" panose="020B0604030504040204" pitchFamily="34" charset="-120"/>
+            </a:endParaRPr>
+          </a:p>
+          <a:p>
+            <a:pPr algn="just">
+              <a:lnSpc>
+                <a:spcPct val="150000"/>
+              </a:lnSpc>
+            </a:pPr>
             <a:endParaRPr lang="en-GB" sz="5400" b="1" dirty="0">
               <a:latin typeface="Microsoft JhengHei" panose="020B0604030504040204" pitchFamily="34" charset="-120"/>
               <a:ea typeface="Microsoft JhengHei" panose="020B0604030504040204" pitchFamily="34" charset="-120"/>
@@ -6881,8 +7032,8 @@
         </p:nvSpPr>
         <p:spPr>
           <a:xfrm>
-            <a:off x="6287588" y="5274217"/>
-            <a:ext cx="5355771" cy="1323439"/>
+            <a:off x="4267200" y="5274217"/>
+            <a:ext cx="7376160" cy="1323439"/>
           </a:xfrm>
           <a:prstGeom prst="rect">
             <a:avLst/>
@@ -6903,7 +7054,7 @@
                   </a:schemeClr>
                 </a:solidFill>
               </a:rPr>
-              <a:t>以感恩為祭</a:t>
+              <a:t>我要向高山舉目</a:t>
             </a:r>
             <a:endParaRPr lang="en-GB" sz="8000" dirty="0">
               <a:solidFill>
@@ -6918,7 +7069,7 @@
     </p:spTree>
     <p:extLst>
       <p:ext uri="{BB962C8B-B14F-4D97-AF65-F5344CB8AC3E}">
-        <p14:creationId xmlns:p14="http://schemas.microsoft.com/office/powerpoint/2010/main" val="3763693655"/>
+        <p14:creationId xmlns:p14="http://schemas.microsoft.com/office/powerpoint/2010/main" val="315155855"/>
       </p:ext>
     </p:extLst>
   </p:cSld>
@@ -6961,7 +7112,7 @@
         <p:spPr>
           <a:xfrm>
             <a:off x="513806" y="339634"/>
-            <a:ext cx="11129554" cy="2432589"/>
+            <a:ext cx="11129554" cy="3831818"/>
           </a:xfrm>
           <a:prstGeom prst="rect">
             <a:avLst/>
@@ -6980,11 +7131,18 @@
               </a:lnSpc>
             </a:pPr>
             <a:r>
+              <a:rPr lang="zh-TW" altLang="en-US" sz="5400" b="1" dirty="0">
+                <a:latin typeface="Microsoft JhengHei" panose="020B0604030504040204" pitchFamily="34" charset="-120"/>
+                <a:ea typeface="Microsoft JhengHei" panose="020B0604030504040204" pitchFamily="34" charset="-120"/>
+              </a:rPr>
+              <a:t>我的</a:t>
+            </a:r>
+            <a:r>
               <a:rPr lang="zh-TW" altLang="en-US" sz="5400" b="1" dirty="0" smtClean="0">
                 <a:latin typeface="Microsoft JhengHei" panose="020B0604030504040204" pitchFamily="34" charset="-120"/>
                 <a:ea typeface="Microsoft JhengHei" panose="020B0604030504040204" pitchFamily="34" charset="-120"/>
               </a:rPr>
-              <a:t>我要以感恩為祭獻給祢</a:t>
+              <a:t>幫助從造天地的耶和華而來</a:t>
             </a:r>
             <a:endParaRPr lang="en-US" altLang="zh-TW" sz="5400" b="1" dirty="0" smtClean="0">
               <a:latin typeface="Microsoft JhengHei" panose="020B0604030504040204" pitchFamily="34" charset="-120"/>
@@ -6997,13 +7155,17 @@
                 <a:spcPct val="150000"/>
               </a:lnSpc>
             </a:pPr>
-            <a:r>
-              <a:rPr lang="zh-TW" altLang="en-US" sz="5400" b="1" dirty="0" smtClean="0">
-                <a:latin typeface="Microsoft JhengHei" panose="020B0604030504040204" pitchFamily="34" charset="-120"/>
-                <a:ea typeface="Microsoft JhengHei" panose="020B0604030504040204" pitchFamily="34" charset="-120"/>
-              </a:rPr>
-              <a:t>並永記念祢作為</a:t>
-            </a:r>
+            <a:endParaRPr lang="en-US" altLang="zh-TW" sz="5400" b="1" dirty="0" smtClean="0">
+              <a:latin typeface="Microsoft JhengHei" panose="020B0604030504040204" pitchFamily="34" charset="-120"/>
+              <a:ea typeface="Microsoft JhengHei" panose="020B0604030504040204" pitchFamily="34" charset="-120"/>
+            </a:endParaRPr>
+          </a:p>
+          <a:p>
+            <a:pPr algn="just">
+              <a:lnSpc>
+                <a:spcPct val="150000"/>
+              </a:lnSpc>
+            </a:pPr>
             <a:endParaRPr lang="en-GB" sz="5400" b="1" dirty="0">
               <a:latin typeface="Microsoft JhengHei" panose="020B0604030504040204" pitchFamily="34" charset="-120"/>
               <a:ea typeface="Microsoft JhengHei" panose="020B0604030504040204" pitchFamily="34" charset="-120"/>
@@ -7065,8 +7227,8 @@
         </p:nvSpPr>
         <p:spPr>
           <a:xfrm>
-            <a:off x="6287588" y="5274217"/>
-            <a:ext cx="5355771" cy="1323439"/>
+            <a:off x="4267200" y="5274217"/>
+            <a:ext cx="7376160" cy="1323439"/>
           </a:xfrm>
           <a:prstGeom prst="rect">
             <a:avLst/>
@@ -7087,7 +7249,7 @@
                   </a:schemeClr>
                 </a:solidFill>
               </a:rPr>
-              <a:t>以感恩為祭</a:t>
+              <a:t>我要向高山舉目</a:t>
             </a:r>
             <a:endParaRPr lang="en-GB" sz="8000" dirty="0">
               <a:solidFill>
@@ -7102,7 +7264,7 @@
     </p:spTree>
     <p:extLst>
       <p:ext uri="{BB962C8B-B14F-4D97-AF65-F5344CB8AC3E}">
-        <p14:creationId xmlns:p14="http://schemas.microsoft.com/office/powerpoint/2010/main" val="3970651136"/>
+        <p14:creationId xmlns:p14="http://schemas.microsoft.com/office/powerpoint/2010/main" val="4083432724"/>
       </p:ext>
     </p:extLst>
   </p:cSld>
@@ -7325,7 +7487,7 @@
         <p:spPr>
           <a:xfrm>
             <a:off x="513806" y="339634"/>
-            <a:ext cx="11129554" cy="2432589"/>
+            <a:ext cx="11129554" cy="5078313"/>
           </a:xfrm>
           <a:prstGeom prst="rect">
             <a:avLst/>
@@ -7348,7 +7510,7 @@
                 <a:latin typeface="Microsoft JhengHei" panose="020B0604030504040204" pitchFamily="34" charset="-120"/>
                 <a:ea typeface="Microsoft JhengHei" panose="020B0604030504040204" pitchFamily="34" charset="-120"/>
               </a:rPr>
-              <a:t>和撒那，和撒那</a:t>
+              <a:t>我要向高山舉目</a:t>
             </a:r>
             <a:endParaRPr lang="en-US" altLang="zh-TW" sz="5400" b="1" dirty="0" smtClean="0">
               <a:latin typeface="Microsoft JhengHei" panose="020B0604030504040204" pitchFamily="34" charset="-120"/>
@@ -7366,8 +7528,30 @@
                 <a:latin typeface="Microsoft JhengHei" panose="020B0604030504040204" pitchFamily="34" charset="-120"/>
                 <a:ea typeface="Microsoft JhengHei" panose="020B0604030504040204" pitchFamily="34" charset="-120"/>
               </a:rPr>
-              <a:t>和撒那在那至高處</a:t>
-            </a:r>
+              <a:t>我的幫助從何來</a:t>
+            </a:r>
+            <a:endParaRPr lang="en-US" altLang="zh-TW" sz="5400" b="1" dirty="0" smtClean="0">
+              <a:latin typeface="Microsoft JhengHei" panose="020B0604030504040204" pitchFamily="34" charset="-120"/>
+              <a:ea typeface="Microsoft JhengHei" panose="020B0604030504040204" pitchFamily="34" charset="-120"/>
+            </a:endParaRPr>
+          </a:p>
+          <a:p>
+            <a:pPr algn="just">
+              <a:lnSpc>
+                <a:spcPct val="150000"/>
+              </a:lnSpc>
+            </a:pPr>
+            <a:endParaRPr lang="en-US" altLang="zh-TW" sz="5400" b="1" dirty="0" smtClean="0">
+              <a:latin typeface="Microsoft JhengHei" panose="020B0604030504040204" pitchFamily="34" charset="-120"/>
+              <a:ea typeface="Microsoft JhengHei" panose="020B0604030504040204" pitchFamily="34" charset="-120"/>
+            </a:endParaRPr>
+          </a:p>
+          <a:p>
+            <a:pPr algn="just">
+              <a:lnSpc>
+                <a:spcPct val="150000"/>
+              </a:lnSpc>
+            </a:pPr>
             <a:endParaRPr lang="en-GB" sz="5400" b="1" dirty="0">
               <a:latin typeface="Microsoft JhengHei" panose="020B0604030504040204" pitchFamily="34" charset="-120"/>
               <a:ea typeface="Microsoft JhengHei" panose="020B0604030504040204" pitchFamily="34" charset="-120"/>
@@ -7429,8 +7613,8 @@
         </p:nvSpPr>
         <p:spPr>
           <a:xfrm>
-            <a:off x="8212183" y="5274217"/>
-            <a:ext cx="3431176" cy="1323439"/>
+            <a:off x="4267200" y="5274217"/>
+            <a:ext cx="7376160" cy="1323439"/>
           </a:xfrm>
           <a:prstGeom prst="rect">
             <a:avLst/>
@@ -7451,7 +7635,7 @@
                   </a:schemeClr>
                 </a:solidFill>
               </a:rPr>
-              <a:t>和撒那</a:t>
+              <a:t>我要向高山舉目</a:t>
             </a:r>
             <a:endParaRPr lang="en-GB" sz="8000" dirty="0">
               <a:solidFill>
@@ -7466,7 +7650,7 @@
     </p:spTree>
     <p:extLst>
       <p:ext uri="{BB962C8B-B14F-4D97-AF65-F5344CB8AC3E}">
-        <p14:creationId xmlns:p14="http://schemas.microsoft.com/office/powerpoint/2010/main" val="4092662040"/>
+        <p14:creationId xmlns:p14="http://schemas.microsoft.com/office/powerpoint/2010/main" val="148522817"/>
       </p:ext>
     </p:extLst>
   </p:cSld>
@@ -7509,7 +7693,7 @@
         <p:spPr>
           <a:xfrm>
             <a:off x="513806" y="339634"/>
-            <a:ext cx="11129554" cy="2432589"/>
+            <a:ext cx="11129554" cy="3831818"/>
           </a:xfrm>
           <a:prstGeom prst="rect">
             <a:avLst/>
@@ -7528,11 +7712,18 @@
               </a:lnSpc>
             </a:pPr>
             <a:r>
+              <a:rPr lang="zh-TW" altLang="en-US" sz="5400" b="1" dirty="0">
+                <a:latin typeface="Microsoft JhengHei" panose="020B0604030504040204" pitchFamily="34" charset="-120"/>
+                <a:ea typeface="Microsoft JhengHei" panose="020B0604030504040204" pitchFamily="34" charset="-120"/>
+              </a:rPr>
+              <a:t>我的</a:t>
+            </a:r>
+            <a:r>
               <a:rPr lang="zh-TW" altLang="en-US" sz="5400" b="1" dirty="0" smtClean="0">
                 <a:latin typeface="Microsoft JhengHei" panose="020B0604030504040204" pitchFamily="34" charset="-120"/>
                 <a:ea typeface="Microsoft JhengHei" panose="020B0604030504040204" pitchFamily="34" charset="-120"/>
               </a:rPr>
-              <a:t>和撒那，和撒那</a:t>
+              <a:t>幫助從造天地的耶和華而來</a:t>
             </a:r>
             <a:endParaRPr lang="en-US" altLang="zh-TW" sz="5400" b="1" dirty="0" smtClean="0">
               <a:latin typeface="Microsoft JhengHei" panose="020B0604030504040204" pitchFamily="34" charset="-120"/>
@@ -7545,13 +7736,17 @@
                 <a:spcPct val="150000"/>
               </a:lnSpc>
             </a:pPr>
-            <a:r>
-              <a:rPr lang="zh-TW" altLang="en-US" sz="5400" b="1" dirty="0" smtClean="0">
-                <a:latin typeface="Microsoft JhengHei" panose="020B0604030504040204" pitchFamily="34" charset="-120"/>
-                <a:ea typeface="Microsoft JhengHei" panose="020B0604030504040204" pitchFamily="34" charset="-120"/>
-              </a:rPr>
-              <a:t>和撒那在那至高處</a:t>
-            </a:r>
+            <a:endParaRPr lang="en-US" altLang="zh-TW" sz="5400" b="1" dirty="0" smtClean="0">
+              <a:latin typeface="Microsoft JhengHei" panose="020B0604030504040204" pitchFamily="34" charset="-120"/>
+              <a:ea typeface="Microsoft JhengHei" panose="020B0604030504040204" pitchFamily="34" charset="-120"/>
+            </a:endParaRPr>
+          </a:p>
+          <a:p>
+            <a:pPr algn="just">
+              <a:lnSpc>
+                <a:spcPct val="150000"/>
+              </a:lnSpc>
+            </a:pPr>
             <a:endParaRPr lang="en-GB" sz="5400" b="1" dirty="0">
               <a:latin typeface="Microsoft JhengHei" panose="020B0604030504040204" pitchFamily="34" charset="-120"/>
               <a:ea typeface="Microsoft JhengHei" panose="020B0604030504040204" pitchFamily="34" charset="-120"/>
@@ -7613,8 +7808,8 @@
         </p:nvSpPr>
         <p:spPr>
           <a:xfrm>
-            <a:off x="8212183" y="5274217"/>
-            <a:ext cx="3431176" cy="1323439"/>
+            <a:off x="4267200" y="5274217"/>
+            <a:ext cx="7376160" cy="1323439"/>
           </a:xfrm>
           <a:prstGeom prst="rect">
             <a:avLst/>
@@ -7635,7 +7830,7 @@
                   </a:schemeClr>
                 </a:solidFill>
               </a:rPr>
-              <a:t>和撒那</a:t>
+              <a:t>我要向高山舉目</a:t>
             </a:r>
             <a:endParaRPr lang="en-GB" sz="8000" dirty="0">
               <a:solidFill>
@@ -7650,7 +7845,7 @@
     </p:spTree>
     <p:extLst>
       <p:ext uri="{BB962C8B-B14F-4D97-AF65-F5344CB8AC3E}">
-        <p14:creationId xmlns:p14="http://schemas.microsoft.com/office/powerpoint/2010/main" val="1850610529"/>
+        <p14:creationId xmlns:p14="http://schemas.microsoft.com/office/powerpoint/2010/main" val="2832151981"/>
       </p:ext>
     </p:extLst>
   </p:cSld>
@@ -7693,7 +7888,7 @@
         <p:spPr>
           <a:xfrm>
             <a:off x="513806" y="339634"/>
-            <a:ext cx="11129554" cy="2432589"/>
+            <a:ext cx="11129554" cy="5078313"/>
           </a:xfrm>
           <a:prstGeom prst="rect">
             <a:avLst/>
@@ -7716,7 +7911,7 @@
                 <a:latin typeface="Microsoft JhengHei" panose="020B0604030504040204" pitchFamily="34" charset="-120"/>
                 <a:ea typeface="Microsoft JhengHei" panose="020B0604030504040204" pitchFamily="34" charset="-120"/>
               </a:rPr>
-              <a:t>我們高舉祢名</a:t>
+              <a:t>哈利路亞，哈利路亞</a:t>
             </a:r>
             <a:endParaRPr lang="en-US" altLang="zh-TW" sz="5400" b="1" dirty="0" smtClean="0">
               <a:latin typeface="Microsoft JhengHei" panose="020B0604030504040204" pitchFamily="34" charset="-120"/>
@@ -7734,8 +7929,30 @@
                 <a:latin typeface="Microsoft JhengHei" panose="020B0604030504040204" pitchFamily="34" charset="-120"/>
                 <a:ea typeface="Microsoft JhengHei" panose="020B0604030504040204" pitchFamily="34" charset="-120"/>
               </a:rPr>
-              <a:t>心中充滿讚美</a:t>
-            </a:r>
+              <a:t>哈利路亞，哈利路</a:t>
+            </a:r>
+            <a:endParaRPr lang="en-US" altLang="zh-TW" sz="5400" b="1" dirty="0" smtClean="0">
+              <a:latin typeface="Microsoft JhengHei" panose="020B0604030504040204" pitchFamily="34" charset="-120"/>
+              <a:ea typeface="Microsoft JhengHei" panose="020B0604030504040204" pitchFamily="34" charset="-120"/>
+            </a:endParaRPr>
+          </a:p>
+          <a:p>
+            <a:pPr algn="just">
+              <a:lnSpc>
+                <a:spcPct val="150000"/>
+              </a:lnSpc>
+            </a:pPr>
+            <a:endParaRPr lang="en-US" altLang="zh-TW" sz="5400" b="1" dirty="0" smtClean="0">
+              <a:latin typeface="Microsoft JhengHei" panose="020B0604030504040204" pitchFamily="34" charset="-120"/>
+              <a:ea typeface="Microsoft JhengHei" panose="020B0604030504040204" pitchFamily="34" charset="-120"/>
+            </a:endParaRPr>
+          </a:p>
+          <a:p>
+            <a:pPr algn="just">
+              <a:lnSpc>
+                <a:spcPct val="150000"/>
+              </a:lnSpc>
+            </a:pPr>
             <a:endParaRPr lang="en-GB" sz="5400" b="1" dirty="0">
               <a:latin typeface="Microsoft JhengHei" panose="020B0604030504040204" pitchFamily="34" charset="-120"/>
               <a:ea typeface="Microsoft JhengHei" panose="020B0604030504040204" pitchFamily="34" charset="-120"/>
@@ -7797,8 +8014,8 @@
         </p:nvSpPr>
         <p:spPr>
           <a:xfrm>
-            <a:off x="8212183" y="5274217"/>
-            <a:ext cx="3431176" cy="1323439"/>
+            <a:off x="4267200" y="5274217"/>
+            <a:ext cx="7376160" cy="1323439"/>
           </a:xfrm>
           <a:prstGeom prst="rect">
             <a:avLst/>
@@ -7819,7 +8036,7 @@
                   </a:schemeClr>
                 </a:solidFill>
               </a:rPr>
-              <a:t>和撒那</a:t>
+              <a:t>我要向高山舉目</a:t>
             </a:r>
             <a:endParaRPr lang="en-GB" sz="8000" dirty="0">
               <a:solidFill>
@@ -7834,7 +8051,7 @@
     </p:spTree>
     <p:extLst>
       <p:ext uri="{BB962C8B-B14F-4D97-AF65-F5344CB8AC3E}">
-        <p14:creationId xmlns:p14="http://schemas.microsoft.com/office/powerpoint/2010/main" val="3226823422"/>
+        <p14:creationId xmlns:p14="http://schemas.microsoft.com/office/powerpoint/2010/main" val="3954154391"/>
       </p:ext>
     </p:extLst>
   </p:cSld>
@@ -7877,7 +8094,7 @@
         <p:spPr>
           <a:xfrm>
             <a:off x="513806" y="339634"/>
-            <a:ext cx="11129554" cy="2585323"/>
+            <a:ext cx="11129554" cy="5078313"/>
           </a:xfrm>
           <a:prstGeom prst="rect">
             <a:avLst/>
@@ -7900,7 +8117,7 @@
                 <a:latin typeface="Microsoft JhengHei" panose="020B0604030504040204" pitchFamily="34" charset="-120"/>
                 <a:ea typeface="Microsoft JhengHei" panose="020B0604030504040204" pitchFamily="34" charset="-120"/>
               </a:rPr>
-              <a:t>齊來高舉我主我神</a:t>
+              <a:t>哈利路亞，哈利路亞</a:t>
             </a:r>
             <a:endParaRPr lang="en-US" altLang="zh-TW" sz="5400" b="1" dirty="0" smtClean="0">
               <a:latin typeface="Microsoft JhengHei" panose="020B0604030504040204" pitchFamily="34" charset="-120"/>
@@ -7918,15 +8135,30 @@
                 <a:latin typeface="Microsoft JhengHei" panose="020B0604030504040204" pitchFamily="34" charset="-120"/>
                 <a:ea typeface="Microsoft JhengHei" panose="020B0604030504040204" pitchFamily="34" charset="-120"/>
               </a:rPr>
-              <a:t>和撒那</a:t>
-            </a:r>
-            <a:r>
-              <a:rPr lang="zh-TW" altLang="en-US" sz="5400" b="1" dirty="0" smtClean="0">
-                <a:latin typeface="Microsoft JhengHei" panose="020B0604030504040204" pitchFamily="34" charset="-120"/>
-                <a:ea typeface="Microsoft JhengHei" panose="020B0604030504040204" pitchFamily="34" charset="-120"/>
-              </a:rPr>
-              <a:t>歸萬王之王</a:t>
-            </a:r>
+              <a:t>哈利路亞，哈利路</a:t>
+            </a:r>
+            <a:endParaRPr lang="en-US" altLang="zh-TW" sz="5400" b="1" dirty="0" smtClean="0">
+              <a:latin typeface="Microsoft JhengHei" panose="020B0604030504040204" pitchFamily="34" charset="-120"/>
+              <a:ea typeface="Microsoft JhengHei" panose="020B0604030504040204" pitchFamily="34" charset="-120"/>
+            </a:endParaRPr>
+          </a:p>
+          <a:p>
+            <a:pPr algn="just">
+              <a:lnSpc>
+                <a:spcPct val="150000"/>
+              </a:lnSpc>
+            </a:pPr>
+            <a:endParaRPr lang="en-US" altLang="zh-TW" sz="5400" b="1" dirty="0" smtClean="0">
+              <a:latin typeface="Microsoft JhengHei" panose="020B0604030504040204" pitchFamily="34" charset="-120"/>
+              <a:ea typeface="Microsoft JhengHei" panose="020B0604030504040204" pitchFamily="34" charset="-120"/>
+            </a:endParaRPr>
+          </a:p>
+          <a:p>
+            <a:pPr algn="just">
+              <a:lnSpc>
+                <a:spcPct val="150000"/>
+              </a:lnSpc>
+            </a:pPr>
             <a:endParaRPr lang="en-GB" sz="5400" b="1" dirty="0">
               <a:latin typeface="Microsoft JhengHei" panose="020B0604030504040204" pitchFamily="34" charset="-120"/>
               <a:ea typeface="Microsoft JhengHei" panose="020B0604030504040204" pitchFamily="34" charset="-120"/>
@@ -7988,8 +8220,8 @@
         </p:nvSpPr>
         <p:spPr>
           <a:xfrm>
-            <a:off x="8212183" y="5274217"/>
-            <a:ext cx="3431176" cy="1323439"/>
+            <a:off x="4267200" y="5274217"/>
+            <a:ext cx="7376160" cy="1323439"/>
           </a:xfrm>
           <a:prstGeom prst="rect">
             <a:avLst/>
@@ -8010,7 +8242,7 @@
                   </a:schemeClr>
                 </a:solidFill>
               </a:rPr>
-              <a:t>和撒那</a:t>
+              <a:t>我要向高山舉目</a:t>
             </a:r>
             <a:endParaRPr lang="en-GB" sz="8000" dirty="0">
               <a:solidFill>
@@ -8025,7 +8257,7 @@
     </p:spTree>
     <p:extLst>
       <p:ext uri="{BB962C8B-B14F-4D97-AF65-F5344CB8AC3E}">
-        <p14:creationId xmlns:p14="http://schemas.microsoft.com/office/powerpoint/2010/main" val="2472607914"/>
+        <p14:creationId xmlns:p14="http://schemas.microsoft.com/office/powerpoint/2010/main" val="2858253820"/>
       </p:ext>
     </p:extLst>
   </p:cSld>
@@ -8068,7 +8300,7 @@
         <p:spPr>
           <a:xfrm>
             <a:off x="513806" y="339634"/>
-            <a:ext cx="11129554" cy="2585323"/>
+            <a:ext cx="11129554" cy="3831818"/>
           </a:xfrm>
           <a:prstGeom prst="rect">
             <a:avLst/>
@@ -8087,11 +8319,18 @@
               </a:lnSpc>
             </a:pPr>
             <a:r>
+              <a:rPr lang="zh-TW" altLang="en-US" sz="5400" b="1" dirty="0">
+                <a:latin typeface="Microsoft JhengHei" panose="020B0604030504040204" pitchFamily="34" charset="-120"/>
+                <a:ea typeface="Microsoft JhengHei" panose="020B0604030504040204" pitchFamily="34" charset="-120"/>
+              </a:rPr>
+              <a:t>我的</a:t>
+            </a:r>
+            <a:r>
               <a:rPr lang="zh-TW" altLang="en-US" sz="5400" b="1" dirty="0" smtClean="0">
                 <a:latin typeface="Microsoft JhengHei" panose="020B0604030504040204" pitchFamily="34" charset="-120"/>
                 <a:ea typeface="Microsoft JhengHei" panose="020B0604030504040204" pitchFamily="34" charset="-120"/>
               </a:rPr>
-              <a:t>榮耀，榮耀</a:t>
+              <a:t>幫助從造天地的耶和華而來</a:t>
             </a:r>
             <a:endParaRPr lang="en-US" altLang="zh-TW" sz="5400" b="1" dirty="0" smtClean="0">
               <a:latin typeface="Microsoft JhengHei" panose="020B0604030504040204" pitchFamily="34" charset="-120"/>
@@ -8104,13 +8343,17 @@
                 <a:spcPct val="150000"/>
               </a:lnSpc>
             </a:pPr>
-            <a:r>
-              <a:rPr lang="zh-TW" altLang="en-US" sz="5400" b="1" dirty="0" smtClean="0">
-                <a:latin typeface="Microsoft JhengHei" panose="020B0604030504040204" pitchFamily="34" charset="-120"/>
-                <a:ea typeface="Microsoft JhengHei" panose="020B0604030504040204" pitchFamily="34" charset="-120"/>
-              </a:rPr>
-              <a:t>榮耀歸萬王之王</a:t>
-            </a:r>
+            <a:endParaRPr lang="en-US" altLang="zh-TW" sz="5400" b="1" dirty="0" smtClean="0">
+              <a:latin typeface="Microsoft JhengHei" panose="020B0604030504040204" pitchFamily="34" charset="-120"/>
+              <a:ea typeface="Microsoft JhengHei" panose="020B0604030504040204" pitchFamily="34" charset="-120"/>
+            </a:endParaRPr>
+          </a:p>
+          <a:p>
+            <a:pPr algn="just">
+              <a:lnSpc>
+                <a:spcPct val="150000"/>
+              </a:lnSpc>
+            </a:pPr>
             <a:endParaRPr lang="en-GB" sz="5400" b="1" dirty="0">
               <a:latin typeface="Microsoft JhengHei" panose="020B0604030504040204" pitchFamily="34" charset="-120"/>
               <a:ea typeface="Microsoft JhengHei" panose="020B0604030504040204" pitchFamily="34" charset="-120"/>
@@ -8172,8 +8415,8 @@
         </p:nvSpPr>
         <p:spPr>
           <a:xfrm>
-            <a:off x="8212183" y="5274217"/>
-            <a:ext cx="3431176" cy="1323439"/>
+            <a:off x="4267200" y="5274217"/>
+            <a:ext cx="7376160" cy="1323439"/>
           </a:xfrm>
           <a:prstGeom prst="rect">
             <a:avLst/>
@@ -8194,7 +8437,7 @@
                   </a:schemeClr>
                 </a:solidFill>
               </a:rPr>
-              <a:t>和撒那</a:t>
+              <a:t>我要向高山舉目</a:t>
             </a:r>
             <a:endParaRPr lang="en-GB" sz="8000" dirty="0">
               <a:solidFill>
@@ -8209,7 +8452,7 @@
     </p:spTree>
     <p:extLst>
       <p:ext uri="{BB962C8B-B14F-4D97-AF65-F5344CB8AC3E}">
-        <p14:creationId xmlns:p14="http://schemas.microsoft.com/office/powerpoint/2010/main" val="2794781147"/>
+        <p14:creationId xmlns:p14="http://schemas.microsoft.com/office/powerpoint/2010/main" val="3068631302"/>
       </p:ext>
     </p:extLst>
   </p:cSld>
@@ -8275,7 +8518,7 @@
                 <a:latin typeface="Microsoft JhengHei" panose="020B0604030504040204" pitchFamily="34" charset="-120"/>
                 <a:ea typeface="Microsoft JhengHei" panose="020B0604030504040204" pitchFamily="34" charset="-120"/>
               </a:rPr>
-              <a:t>榮耀，榮耀</a:t>
+              <a:t>主，為祢的恩典</a:t>
             </a:r>
             <a:endParaRPr lang="en-US" altLang="zh-TW" sz="5400" b="1" dirty="0" smtClean="0">
               <a:latin typeface="Microsoft JhengHei" panose="020B0604030504040204" pitchFamily="34" charset="-120"/>
@@ -8293,7 +8536,7 @@
                 <a:latin typeface="Microsoft JhengHei" panose="020B0604030504040204" pitchFamily="34" charset="-120"/>
                 <a:ea typeface="Microsoft JhengHei" panose="020B0604030504040204" pitchFamily="34" charset="-120"/>
               </a:rPr>
-              <a:t>榮耀歸萬王之王</a:t>
+              <a:t>我要滿心感謝</a:t>
             </a:r>
             <a:endParaRPr lang="en-GB" sz="5400" b="1" dirty="0">
               <a:latin typeface="Microsoft JhengHei" panose="020B0604030504040204" pitchFamily="34" charset="-120"/>
@@ -8356,8 +8599,8 @@
         </p:nvSpPr>
         <p:spPr>
           <a:xfrm>
-            <a:off x="8212183" y="5274217"/>
-            <a:ext cx="3431176" cy="1323439"/>
+            <a:off x="6287588" y="5274217"/>
+            <a:ext cx="5355771" cy="1323439"/>
           </a:xfrm>
           <a:prstGeom prst="rect">
             <a:avLst/>
@@ -8378,7 +8621,7 @@
                   </a:schemeClr>
                 </a:solidFill>
               </a:rPr>
-              <a:t>和撒那</a:t>
+              <a:t>以感恩為祭</a:t>
             </a:r>
             <a:endParaRPr lang="en-GB" sz="8000" dirty="0">
               <a:solidFill>
@@ -8393,7 +8636,7 @@
     </p:spTree>
     <p:extLst>
       <p:ext uri="{BB962C8B-B14F-4D97-AF65-F5344CB8AC3E}">
-        <p14:creationId xmlns:p14="http://schemas.microsoft.com/office/powerpoint/2010/main" val="3503814712"/>
+        <p14:creationId xmlns:p14="http://schemas.microsoft.com/office/powerpoint/2010/main" val="3691938758"/>
       </p:ext>
     </p:extLst>
   </p:cSld>
@@ -8436,7 +8679,7 @@
         <p:spPr>
           <a:xfrm>
             <a:off x="513806" y="339634"/>
-            <a:ext cx="11129554" cy="2432589"/>
+            <a:ext cx="11129554" cy="2585323"/>
           </a:xfrm>
           <a:prstGeom prst="rect">
             <a:avLst/>
@@ -8459,7 +8702,7 @@
                 <a:latin typeface="Microsoft JhengHei" panose="020B0604030504040204" pitchFamily="34" charset="-120"/>
                 <a:ea typeface="Microsoft JhengHei" panose="020B0604030504040204" pitchFamily="34" charset="-120"/>
               </a:rPr>
-              <a:t>我們高舉祢名</a:t>
+              <a:t>由泥內生機到變幻天氣</a:t>
             </a:r>
             <a:endParaRPr lang="en-US" altLang="zh-TW" sz="5400" b="1" dirty="0" smtClean="0">
               <a:latin typeface="Microsoft JhengHei" panose="020B0604030504040204" pitchFamily="34" charset="-120"/>
@@ -8477,7 +8720,7 @@
                 <a:latin typeface="Microsoft JhengHei" panose="020B0604030504040204" pitchFamily="34" charset="-120"/>
                 <a:ea typeface="Microsoft JhengHei" panose="020B0604030504040204" pitchFamily="34" charset="-120"/>
               </a:rPr>
-              <a:t>心中充滿讚美</a:t>
+              <a:t>讓這世界各樣完備</a:t>
             </a:r>
             <a:endParaRPr lang="en-GB" sz="5400" b="1" dirty="0">
               <a:latin typeface="Microsoft JhengHei" panose="020B0604030504040204" pitchFamily="34" charset="-120"/>
@@ -8540,8 +8783,8 @@
         </p:nvSpPr>
         <p:spPr>
           <a:xfrm>
-            <a:off x="8212183" y="5274217"/>
-            <a:ext cx="3431176" cy="1323439"/>
+            <a:off x="6287588" y="5274217"/>
+            <a:ext cx="5355771" cy="1323439"/>
           </a:xfrm>
           <a:prstGeom prst="rect">
             <a:avLst/>
@@ -8562,7 +8805,7 @@
                   </a:schemeClr>
                 </a:solidFill>
               </a:rPr>
-              <a:t>和撒那</a:t>
+              <a:t>以感恩為祭</a:t>
             </a:r>
             <a:endParaRPr lang="en-GB" sz="8000" dirty="0">
               <a:solidFill>
@@ -8577,7 +8820,7 @@
     </p:spTree>
     <p:extLst>
       <p:ext uri="{BB962C8B-B14F-4D97-AF65-F5344CB8AC3E}">
-        <p14:creationId xmlns:p14="http://schemas.microsoft.com/office/powerpoint/2010/main" val="1170338676"/>
+        <p14:creationId xmlns:p14="http://schemas.microsoft.com/office/powerpoint/2010/main" val="1862200869"/>
       </p:ext>
     </p:extLst>
   </p:cSld>
@@ -8643,7 +8886,7 @@
                 <a:latin typeface="Microsoft JhengHei" panose="020B0604030504040204" pitchFamily="34" charset="-120"/>
                 <a:ea typeface="Microsoft JhengHei" panose="020B0604030504040204" pitchFamily="34" charset="-120"/>
               </a:rPr>
-              <a:t>齊來高舉我主我神</a:t>
+              <a:t>主，為祢的恩手</a:t>
             </a:r>
             <a:endParaRPr lang="en-US" altLang="zh-TW" sz="5400" b="1" dirty="0" smtClean="0">
               <a:latin typeface="Microsoft JhengHei" panose="020B0604030504040204" pitchFamily="34" charset="-120"/>
@@ -8661,7 +8904,7 @@
                 <a:latin typeface="Microsoft JhengHei" panose="020B0604030504040204" pitchFamily="34" charset="-120"/>
                 <a:ea typeface="Microsoft JhengHei" panose="020B0604030504040204" pitchFamily="34" charset="-120"/>
               </a:rPr>
-              <a:t>願榮耀歸萬王之王</a:t>
+              <a:t>我要滿心感謝</a:t>
             </a:r>
             <a:endParaRPr lang="en-GB" sz="5400" b="1" dirty="0">
               <a:latin typeface="Microsoft JhengHei" panose="020B0604030504040204" pitchFamily="34" charset="-120"/>
@@ -8724,8 +8967,8 @@
         </p:nvSpPr>
         <p:spPr>
           <a:xfrm>
-            <a:off x="8212183" y="5274217"/>
-            <a:ext cx="3431176" cy="1323439"/>
+            <a:off x="6287588" y="5274217"/>
+            <a:ext cx="5355771" cy="1323439"/>
           </a:xfrm>
           <a:prstGeom prst="rect">
             <a:avLst/>
@@ -8746,7 +8989,7 @@
                   </a:schemeClr>
                 </a:solidFill>
               </a:rPr>
-              <a:t>和撒那</a:t>
+              <a:t>以感恩為祭</a:t>
             </a:r>
             <a:endParaRPr lang="en-GB" sz="8000" dirty="0">
               <a:solidFill>
@@ -8761,7 +9004,7 @@
     </p:spTree>
     <p:extLst>
       <p:ext uri="{BB962C8B-B14F-4D97-AF65-F5344CB8AC3E}">
-        <p14:creationId xmlns:p14="http://schemas.microsoft.com/office/powerpoint/2010/main" val="1532775745"/>
+        <p14:creationId xmlns:p14="http://schemas.microsoft.com/office/powerpoint/2010/main" val="1050890184"/>
       </p:ext>
     </p:extLst>
   </p:cSld>
@@ -8804,7 +9047,7 @@
         <p:spPr>
           <a:xfrm>
             <a:off x="513806" y="339634"/>
-            <a:ext cx="11129554" cy="3416320"/>
+            <a:ext cx="11129554" cy="2585323"/>
           </a:xfrm>
           <a:prstGeom prst="rect">
             <a:avLst/>
@@ -8823,13 +9066,31 @@
               </a:lnSpc>
             </a:pPr>
             <a:r>
-              <a:rPr lang="zh-TW" altLang="en-US" sz="4800" b="1" dirty="0" smtClean="0">
+              <a:rPr lang="zh-TW" altLang="en-US" sz="5400" b="1" dirty="0" smtClean="0">
                 <a:latin typeface="Microsoft JhengHei" panose="020B0604030504040204" pitchFamily="34" charset="-120"/>
                 <a:ea typeface="Microsoft JhengHei" panose="020B0604030504040204" pitchFamily="34" charset="-120"/>
               </a:rPr>
-              <a:t>當用各樣的智慧、把基督的道理、豐豐富富的存在心裏、（或作當把基督的道理豐豐富富的存在心裏以各樣的智慧）</a:t>
-            </a:r>
-            <a:endParaRPr lang="en-US" altLang="zh-TW" sz="4800" b="1" dirty="0" smtClean="0">
+              <a:t>由扶助拯救到試煉阻攔</a:t>
+            </a:r>
+            <a:endParaRPr lang="en-US" altLang="zh-TW" sz="5400" b="1" dirty="0" smtClean="0">
+              <a:latin typeface="Microsoft JhengHei" panose="020B0604030504040204" pitchFamily="34" charset="-120"/>
+              <a:ea typeface="Microsoft JhengHei" panose="020B0604030504040204" pitchFamily="34" charset="-120"/>
+            </a:endParaRPr>
+          </a:p>
+          <a:p>
+            <a:pPr algn="just">
+              <a:lnSpc>
+                <a:spcPct val="150000"/>
+              </a:lnSpc>
+            </a:pPr>
+            <a:r>
+              <a:rPr lang="zh-TW" altLang="en-US" sz="5400" b="1" dirty="0" smtClean="0">
+                <a:latin typeface="Microsoft JhengHei" panose="020B0604030504040204" pitchFamily="34" charset="-120"/>
+                <a:ea typeface="Microsoft JhengHei" panose="020B0604030504040204" pitchFamily="34" charset="-120"/>
+              </a:rPr>
+              <a:t>導我按祢正路前行</a:t>
+            </a:r>
+            <a:endParaRPr lang="en-GB" sz="5400" b="1" dirty="0">
               <a:latin typeface="Microsoft JhengHei" panose="020B0604030504040204" pitchFamily="34" charset="-120"/>
               <a:ea typeface="Microsoft JhengHei" panose="020B0604030504040204" pitchFamily="34" charset="-120"/>
             </a:endParaRPr>
@@ -8890,8 +9151,8 @@
         </p:nvSpPr>
         <p:spPr>
           <a:xfrm>
-            <a:off x="9222377" y="5274217"/>
-            <a:ext cx="2420982" cy="1323439"/>
+            <a:off x="6287588" y="5274217"/>
+            <a:ext cx="5355771" cy="1323439"/>
           </a:xfrm>
           <a:prstGeom prst="rect">
             <a:avLst/>
@@ -8912,7 +9173,7 @@
                   </a:schemeClr>
                 </a:solidFill>
               </a:rPr>
-              <a:t>團訓</a:t>
+              <a:t>以感恩為祭</a:t>
             </a:r>
             <a:endParaRPr lang="en-GB" sz="8000" dirty="0">
               <a:solidFill>
@@ -8927,7 +9188,7 @@
     </p:spTree>
     <p:extLst>
       <p:ext uri="{BB962C8B-B14F-4D97-AF65-F5344CB8AC3E}">
-        <p14:creationId xmlns:p14="http://schemas.microsoft.com/office/powerpoint/2010/main" val="3857000306"/>
+        <p14:creationId xmlns:p14="http://schemas.microsoft.com/office/powerpoint/2010/main" val="3830866081"/>
       </p:ext>
     </p:extLst>
   </p:cSld>
@@ -8970,7 +9231,7 @@
         <p:spPr>
           <a:xfrm>
             <a:off x="513806" y="339634"/>
-            <a:ext cx="11129554" cy="4524315"/>
+            <a:ext cx="11129554" cy="2585323"/>
           </a:xfrm>
           <a:prstGeom prst="rect">
             <a:avLst/>
@@ -8989,48 +9250,34 @@
               </a:lnSpc>
             </a:pPr>
             <a:r>
-              <a:rPr lang="zh-TW" altLang="en-US" sz="4800" b="1" dirty="0" smtClean="0">
+              <a:rPr lang="zh-TW" altLang="en-US" sz="5400" b="1" dirty="0" smtClean="0">
                 <a:latin typeface="Microsoft JhengHei" panose="020B0604030504040204" pitchFamily="34" charset="-120"/>
                 <a:ea typeface="Microsoft JhengHei" panose="020B0604030504040204" pitchFamily="34" charset="-120"/>
               </a:rPr>
-              <a:t>用詩章、頌詞、靈歌、彼此教導、互相勸戒、心被恩感歌頌神</a:t>
-            </a:r>
-            <a:endParaRPr lang="en-US" altLang="zh-TW" sz="4800" b="1" dirty="0" smtClean="0">
-              <a:latin typeface="Microsoft JhengHei" panose="020B0604030504040204" pitchFamily="34" charset="-120"/>
-              <a:ea typeface="Microsoft JhengHei" panose="020B0604030504040204" pitchFamily="34" charset="-120"/>
-            </a:endParaRPr>
-          </a:p>
-          <a:p>
-            <a:pPr algn="just">
-              <a:lnSpc>
-                <a:spcPct val="150000"/>
-              </a:lnSpc>
-            </a:pPr>
-            <a:endParaRPr lang="en-US" altLang="zh-TW" sz="4800" b="1" dirty="0">
-              <a:latin typeface="Microsoft JhengHei" panose="020B0604030504040204" pitchFamily="34" charset="-120"/>
-              <a:ea typeface="Microsoft JhengHei" panose="020B0604030504040204" pitchFamily="34" charset="-120"/>
-            </a:endParaRPr>
-          </a:p>
-          <a:p>
-            <a:pPr algn="r">
-              <a:lnSpc>
-                <a:spcPct val="150000"/>
-              </a:lnSpc>
-            </a:pPr>
-            <a:r>
-              <a:rPr lang="zh-TW" altLang="en-US" sz="4800" b="1" dirty="0" smtClean="0">
+              <a:t>我出生前祢已深知我</a:t>
+            </a:r>
+            <a:endParaRPr lang="en-US" altLang="zh-TW" sz="5400" b="1" dirty="0" smtClean="0">
+              <a:latin typeface="Microsoft JhengHei" panose="020B0604030504040204" pitchFamily="34" charset="-120"/>
+              <a:ea typeface="Microsoft JhengHei" panose="020B0604030504040204" pitchFamily="34" charset="-120"/>
+            </a:endParaRPr>
+          </a:p>
+          <a:p>
+            <a:pPr algn="just">
+              <a:lnSpc>
+                <a:spcPct val="150000"/>
+              </a:lnSpc>
+            </a:pPr>
+            <a:r>
+              <a:rPr lang="zh-TW" altLang="en-US" sz="5400" b="1" dirty="0" smtClean="0">
                 <a:latin typeface="Microsoft JhengHei" panose="020B0604030504040204" pitchFamily="34" charset="-120"/>
                 <a:ea typeface="Microsoft JhengHei" panose="020B0604030504040204" pitchFamily="34" charset="-120"/>
               </a:rPr>
-              <a:t>歌羅西書 </a:t>
-            </a:r>
-            <a:r>
-              <a:rPr lang="en-US" altLang="zh-TW" sz="4800" b="1" dirty="0" smtClean="0">
-                <a:latin typeface="Microsoft JhengHei" panose="020B0604030504040204" pitchFamily="34" charset="-120"/>
-                <a:ea typeface="Microsoft JhengHei" panose="020B0604030504040204" pitchFamily="34" charset="-120"/>
-              </a:rPr>
-              <a:t>3:16</a:t>
-            </a:r>
+              <a:t>到了今天亦有幫助</a:t>
+            </a:r>
+            <a:endParaRPr lang="en-GB" sz="5400" b="1" dirty="0">
+              <a:latin typeface="Microsoft JhengHei" panose="020B0604030504040204" pitchFamily="34" charset="-120"/>
+              <a:ea typeface="Microsoft JhengHei" panose="020B0604030504040204" pitchFamily="34" charset="-120"/>
+            </a:endParaRPr>
           </a:p>
         </p:txBody>
       </p:sp>
@@ -9088,8 +9335,8 @@
         </p:nvSpPr>
         <p:spPr>
           <a:xfrm>
-            <a:off x="9222377" y="5274217"/>
-            <a:ext cx="2420982" cy="1323439"/>
+            <a:off x="6287588" y="5274217"/>
+            <a:ext cx="5355771" cy="1323439"/>
           </a:xfrm>
           <a:prstGeom prst="rect">
             <a:avLst/>
@@ -9110,7 +9357,7 @@
                   </a:schemeClr>
                 </a:solidFill>
               </a:rPr>
-              <a:t>團訓</a:t>
+              <a:t>以感恩為祭</a:t>
             </a:r>
             <a:endParaRPr lang="en-GB" sz="8000" dirty="0">
               <a:solidFill>
@@ -9125,7 +9372,7 @@
     </p:spTree>
     <p:extLst>
       <p:ext uri="{BB962C8B-B14F-4D97-AF65-F5344CB8AC3E}">
-        <p14:creationId xmlns:p14="http://schemas.microsoft.com/office/powerpoint/2010/main" val="2499537162"/>
+        <p14:creationId xmlns:p14="http://schemas.microsoft.com/office/powerpoint/2010/main" val="3271360519"/>
       </p:ext>
     </p:extLst>
   </p:cSld>
@@ -9191,7 +9438,14 @@
                 <a:latin typeface="Microsoft JhengHei" panose="020B0604030504040204" pitchFamily="34" charset="-120"/>
                 <a:ea typeface="Microsoft JhengHei" panose="020B0604030504040204" pitchFamily="34" charset="-120"/>
               </a:rPr>
-              <a:t>除祢以外，找不到尊貴像你</a:t>
+              <a:t>除祢以外，找不到尊貴</a:t>
+            </a:r>
+            <a:r>
+              <a:rPr lang="zh-TW" altLang="en-US" sz="5400" b="1" dirty="0" smtClean="0">
+                <a:latin typeface="Microsoft JhengHei" panose="020B0604030504040204" pitchFamily="34" charset="-120"/>
+                <a:ea typeface="Microsoft JhengHei" panose="020B0604030504040204" pitchFamily="34" charset="-120"/>
+              </a:rPr>
+              <a:t>像祢</a:t>
             </a:r>
             <a:endParaRPr lang="en-US" altLang="zh-TW" sz="5400" b="1" dirty="0" smtClean="0">
               <a:latin typeface="Microsoft JhengHei" panose="020B0604030504040204" pitchFamily="34" charset="-120"/>
@@ -9314,6 +9568,1846 @@
     <p:extLst>
       <p:ext uri="{BB962C8B-B14F-4D97-AF65-F5344CB8AC3E}">
         <p14:creationId xmlns:p14="http://schemas.microsoft.com/office/powerpoint/2010/main" val="600821913"/>
+      </p:ext>
+    </p:extLst>
+  </p:cSld>
+  <p:clrMapOvr>
+    <a:masterClrMapping/>
+  </p:clrMapOvr>
+  <p:timing>
+    <p:tnLst>
+      <p:par>
+        <p:cTn id="1" dur="indefinite" restart="never" nodeType="tmRoot"/>
+      </p:par>
+    </p:tnLst>
+  </p:timing>
+</p:sld>
+</file>
+
+<file path=ppt/slides/slide40.xml><?xml version="1.0" encoding="utf-8"?>
+<p:sld xmlns:a="http://schemas.openxmlformats.org/drawingml/2006/main" xmlns:r="http://schemas.openxmlformats.org/officeDocument/2006/relationships" xmlns:p="http://schemas.openxmlformats.org/presentationml/2006/main">
+  <p:cSld>
+    <p:spTree>
+      <p:nvGrpSpPr>
+        <p:cNvPr id="1" name=""/>
+        <p:cNvGrpSpPr/>
+        <p:nvPr/>
+      </p:nvGrpSpPr>
+      <p:grpSpPr>
+        <a:xfrm>
+          <a:off x="0" y="0"/>
+          <a:ext cx="0" cy="0"/>
+          <a:chOff x="0" y="0"/>
+          <a:chExt cx="0" cy="0"/>
+        </a:xfrm>
+      </p:grpSpPr>
+      <p:sp>
+        <p:nvSpPr>
+          <p:cNvPr id="4" name="文字方塊 3"/>
+          <p:cNvSpPr txBox="1"/>
+          <p:nvPr/>
+        </p:nvSpPr>
+        <p:spPr>
+          <a:xfrm>
+            <a:off x="513806" y="339634"/>
+            <a:ext cx="11129554" cy="2585323"/>
+          </a:xfrm>
+          <a:prstGeom prst="rect">
+            <a:avLst/>
+          </a:prstGeom>
+          <a:noFill/>
+        </p:spPr>
+        <p:txBody>
+          <a:bodyPr wrap="square" rtlCol="0">
+            <a:spAutoFit/>
+          </a:bodyPr>
+          <a:lstStyle/>
+          <a:p>
+            <a:pPr algn="just">
+              <a:lnSpc>
+                <a:spcPct val="150000"/>
+              </a:lnSpc>
+            </a:pPr>
+            <a:r>
+              <a:rPr lang="zh-TW" altLang="en-US" sz="5400" b="1" dirty="0" smtClean="0">
+                <a:latin typeface="Microsoft JhengHei" panose="020B0604030504040204" pitchFamily="34" charset="-120"/>
+                <a:ea typeface="Microsoft JhengHei" panose="020B0604030504040204" pitchFamily="34" charset="-120"/>
+              </a:rPr>
+              <a:t>為我備救恩召我出黑暗</a:t>
+            </a:r>
+            <a:endParaRPr lang="en-US" altLang="zh-TW" sz="5400" b="1" dirty="0" smtClean="0">
+              <a:latin typeface="Microsoft JhengHei" panose="020B0604030504040204" pitchFamily="34" charset="-120"/>
+              <a:ea typeface="Microsoft JhengHei" panose="020B0604030504040204" pitchFamily="34" charset="-120"/>
+            </a:endParaRPr>
+          </a:p>
+          <a:p>
+            <a:pPr algn="just">
+              <a:lnSpc>
+                <a:spcPct val="150000"/>
+              </a:lnSpc>
+            </a:pPr>
+            <a:r>
+              <a:rPr lang="zh-TW" altLang="en-US" sz="5400" b="1" dirty="0" smtClean="0">
+                <a:latin typeface="Microsoft JhengHei" panose="020B0604030504040204" pitchFamily="34" charset="-120"/>
+                <a:ea typeface="Microsoft JhengHei" panose="020B0604030504040204" pitchFamily="34" charset="-120"/>
+              </a:rPr>
+              <a:t>做祢聖潔國度人民</a:t>
+            </a:r>
+            <a:endParaRPr lang="en-GB" sz="5400" b="1" dirty="0">
+              <a:latin typeface="Microsoft JhengHei" panose="020B0604030504040204" pitchFamily="34" charset="-120"/>
+              <a:ea typeface="Microsoft JhengHei" panose="020B0604030504040204" pitchFamily="34" charset="-120"/>
+            </a:endParaRPr>
+          </a:p>
+        </p:txBody>
+      </p:sp>
+      <p:pic>
+        <p:nvPicPr>
+          <p:cNvPr id="5" name="圖片 4"/>
+          <p:cNvPicPr>
+            <a:picLocks noChangeAspect="1"/>
+          </p:cNvPicPr>
+          <p:nvPr/>
+        </p:nvPicPr>
+        <p:blipFill>
+          <a:blip r:embed="rId2" cstate="print">
+            <a:extLst>
+              <a:ext uri="{BEBA8EAE-BF5A-486C-A8C5-ECC9F3942E4B}">
+                <a14:imgProps xmlns:a14="http://schemas.microsoft.com/office/drawing/2010/main">
+                  <a14:imgLayer r:embed="rId3">
+                    <a14:imgEffect>
+                      <a14:saturation sat="99000"/>
+                    </a14:imgEffect>
+                  </a14:imgLayer>
+                </a14:imgProps>
+              </a:ext>
+              <a:ext uri="{28A0092B-C50C-407E-A947-70E740481C1C}">
+                <a14:useLocalDpi xmlns:a14="http://schemas.microsoft.com/office/drawing/2010/main" val="0"/>
+              </a:ext>
+            </a:extLst>
+          </a:blip>
+          <a:stretch>
+            <a:fillRect/>
+          </a:stretch>
+        </p:blipFill>
+        <p:spPr>
+          <a:xfrm>
+            <a:off x="513806" y="5322854"/>
+            <a:ext cx="5840812" cy="1274802"/>
+          </a:xfrm>
+          <a:prstGeom prst="rect">
+            <a:avLst/>
+          </a:prstGeom>
+          <a:effectLst>
+            <a:outerShdw blurRad="63500" dist="63500" dir="5400000" algn="ctr" rotWithShape="0">
+              <a:srgbClr val="000000">
+                <a:alpha val="50000"/>
+              </a:srgbClr>
+            </a:outerShdw>
+          </a:effectLst>
+        </p:spPr>
+      </p:pic>
+      <p:sp>
+        <p:nvSpPr>
+          <p:cNvPr id="6" name="文字方塊 5"/>
+          <p:cNvSpPr txBox="1"/>
+          <p:nvPr/>
+        </p:nvSpPr>
+        <p:spPr>
+          <a:xfrm>
+            <a:off x="6287588" y="5274217"/>
+            <a:ext cx="5355771" cy="1323439"/>
+          </a:xfrm>
+          <a:prstGeom prst="rect">
+            <a:avLst/>
+          </a:prstGeom>
+          <a:noFill/>
+        </p:spPr>
+        <p:txBody>
+          <a:bodyPr wrap="square" rtlCol="0">
+            <a:spAutoFit/>
+          </a:bodyPr>
+          <a:lstStyle/>
+          <a:p>
+            <a:r>
+              <a:rPr lang="zh-TW" altLang="en-US" sz="8000" dirty="0" smtClean="0">
+                <a:solidFill>
+                  <a:schemeClr val="bg1">
+                    <a:lumMod val="75000"/>
+                  </a:schemeClr>
+                </a:solidFill>
+              </a:rPr>
+              <a:t>以感恩為祭</a:t>
+            </a:r>
+            <a:endParaRPr lang="en-GB" sz="8000" dirty="0">
+              <a:solidFill>
+                <a:schemeClr val="bg1">
+                  <a:lumMod val="75000"/>
+                </a:schemeClr>
+              </a:solidFill>
+            </a:endParaRPr>
+          </a:p>
+        </p:txBody>
+      </p:sp>
+    </p:spTree>
+    <p:extLst>
+      <p:ext uri="{BB962C8B-B14F-4D97-AF65-F5344CB8AC3E}">
+        <p14:creationId xmlns:p14="http://schemas.microsoft.com/office/powerpoint/2010/main" val="2869663311"/>
+      </p:ext>
+    </p:extLst>
+  </p:cSld>
+  <p:clrMapOvr>
+    <a:masterClrMapping/>
+  </p:clrMapOvr>
+  <p:timing>
+    <p:tnLst>
+      <p:par>
+        <p:cTn id="1" dur="indefinite" restart="never" nodeType="tmRoot"/>
+      </p:par>
+    </p:tnLst>
+  </p:timing>
+</p:sld>
+</file>
+
+<file path=ppt/slides/slide41.xml><?xml version="1.0" encoding="utf-8"?>
+<p:sld xmlns:a="http://schemas.openxmlformats.org/drawingml/2006/main" xmlns:r="http://schemas.openxmlformats.org/officeDocument/2006/relationships" xmlns:p="http://schemas.openxmlformats.org/presentationml/2006/main">
+  <p:cSld>
+    <p:spTree>
+      <p:nvGrpSpPr>
+        <p:cNvPr id="1" name=""/>
+        <p:cNvGrpSpPr/>
+        <p:nvPr/>
+      </p:nvGrpSpPr>
+      <p:grpSpPr>
+        <a:xfrm>
+          <a:off x="0" y="0"/>
+          <a:ext cx="0" cy="0"/>
+          <a:chOff x="0" y="0"/>
+          <a:chExt cx="0" cy="0"/>
+        </a:xfrm>
+      </p:grpSpPr>
+      <p:sp>
+        <p:nvSpPr>
+          <p:cNvPr id="4" name="文字方塊 3"/>
+          <p:cNvSpPr txBox="1"/>
+          <p:nvPr/>
+        </p:nvSpPr>
+        <p:spPr>
+          <a:xfrm>
+            <a:off x="513806" y="339634"/>
+            <a:ext cx="11129554" cy="2585323"/>
+          </a:xfrm>
+          <a:prstGeom prst="rect">
+            <a:avLst/>
+          </a:prstGeom>
+          <a:noFill/>
+        </p:spPr>
+        <p:txBody>
+          <a:bodyPr wrap="square" rtlCol="0">
+            <a:spAutoFit/>
+          </a:bodyPr>
+          <a:lstStyle/>
+          <a:p>
+            <a:pPr algn="just">
+              <a:lnSpc>
+                <a:spcPct val="150000"/>
+              </a:lnSpc>
+            </a:pPr>
+            <a:r>
+              <a:rPr lang="zh-TW" altLang="en-US" sz="5400" b="1" dirty="0" smtClean="0">
+                <a:latin typeface="Microsoft JhengHei" panose="020B0604030504040204" pitchFamily="34" charset="-120"/>
+                <a:ea typeface="Microsoft JhengHei" panose="020B0604030504040204" pitchFamily="34" charset="-120"/>
+              </a:rPr>
+              <a:t>主，為祢的恩言</a:t>
+            </a:r>
+            <a:endParaRPr lang="en-US" altLang="zh-TW" sz="5400" b="1" dirty="0" smtClean="0">
+              <a:latin typeface="Microsoft JhengHei" panose="020B0604030504040204" pitchFamily="34" charset="-120"/>
+              <a:ea typeface="Microsoft JhengHei" panose="020B0604030504040204" pitchFamily="34" charset="-120"/>
+            </a:endParaRPr>
+          </a:p>
+          <a:p>
+            <a:pPr algn="just">
+              <a:lnSpc>
+                <a:spcPct val="150000"/>
+              </a:lnSpc>
+            </a:pPr>
+            <a:r>
+              <a:rPr lang="zh-TW" altLang="en-US" sz="5400" b="1" dirty="0" smtClean="0">
+                <a:latin typeface="Microsoft JhengHei" panose="020B0604030504040204" pitchFamily="34" charset="-120"/>
+                <a:ea typeface="Microsoft JhengHei" panose="020B0604030504040204" pitchFamily="34" charset="-120"/>
+              </a:rPr>
+              <a:t>我要滿心感謝</a:t>
+            </a:r>
+            <a:endParaRPr lang="en-GB" sz="5400" b="1" dirty="0">
+              <a:latin typeface="Microsoft JhengHei" panose="020B0604030504040204" pitchFamily="34" charset="-120"/>
+              <a:ea typeface="Microsoft JhengHei" panose="020B0604030504040204" pitchFamily="34" charset="-120"/>
+            </a:endParaRPr>
+          </a:p>
+        </p:txBody>
+      </p:sp>
+      <p:pic>
+        <p:nvPicPr>
+          <p:cNvPr id="5" name="圖片 4"/>
+          <p:cNvPicPr>
+            <a:picLocks noChangeAspect="1"/>
+          </p:cNvPicPr>
+          <p:nvPr/>
+        </p:nvPicPr>
+        <p:blipFill>
+          <a:blip r:embed="rId2" cstate="print">
+            <a:extLst>
+              <a:ext uri="{BEBA8EAE-BF5A-486C-A8C5-ECC9F3942E4B}">
+                <a14:imgProps xmlns:a14="http://schemas.microsoft.com/office/drawing/2010/main">
+                  <a14:imgLayer r:embed="rId3">
+                    <a14:imgEffect>
+                      <a14:saturation sat="99000"/>
+                    </a14:imgEffect>
+                  </a14:imgLayer>
+                </a14:imgProps>
+              </a:ext>
+              <a:ext uri="{28A0092B-C50C-407E-A947-70E740481C1C}">
+                <a14:useLocalDpi xmlns:a14="http://schemas.microsoft.com/office/drawing/2010/main" val="0"/>
+              </a:ext>
+            </a:extLst>
+          </a:blip>
+          <a:stretch>
+            <a:fillRect/>
+          </a:stretch>
+        </p:blipFill>
+        <p:spPr>
+          <a:xfrm>
+            <a:off x="513806" y="5322854"/>
+            <a:ext cx="5840812" cy="1274802"/>
+          </a:xfrm>
+          <a:prstGeom prst="rect">
+            <a:avLst/>
+          </a:prstGeom>
+          <a:effectLst>
+            <a:outerShdw blurRad="63500" dist="63500" dir="5400000" algn="ctr" rotWithShape="0">
+              <a:srgbClr val="000000">
+                <a:alpha val="50000"/>
+              </a:srgbClr>
+            </a:outerShdw>
+          </a:effectLst>
+        </p:spPr>
+      </p:pic>
+      <p:sp>
+        <p:nvSpPr>
+          <p:cNvPr id="6" name="文字方塊 5"/>
+          <p:cNvSpPr txBox="1"/>
+          <p:nvPr/>
+        </p:nvSpPr>
+        <p:spPr>
+          <a:xfrm>
+            <a:off x="6287588" y="5274217"/>
+            <a:ext cx="5355771" cy="1323439"/>
+          </a:xfrm>
+          <a:prstGeom prst="rect">
+            <a:avLst/>
+          </a:prstGeom>
+          <a:noFill/>
+        </p:spPr>
+        <p:txBody>
+          <a:bodyPr wrap="square" rtlCol="0">
+            <a:spAutoFit/>
+          </a:bodyPr>
+          <a:lstStyle/>
+          <a:p>
+            <a:r>
+              <a:rPr lang="zh-TW" altLang="en-US" sz="8000" dirty="0" smtClean="0">
+                <a:solidFill>
+                  <a:schemeClr val="bg1">
+                    <a:lumMod val="75000"/>
+                  </a:schemeClr>
+                </a:solidFill>
+              </a:rPr>
+              <a:t>以感恩為祭</a:t>
+            </a:r>
+            <a:endParaRPr lang="en-GB" sz="8000" dirty="0">
+              <a:solidFill>
+                <a:schemeClr val="bg1">
+                  <a:lumMod val="75000"/>
+                </a:schemeClr>
+              </a:solidFill>
+            </a:endParaRPr>
+          </a:p>
+        </p:txBody>
+      </p:sp>
+    </p:spTree>
+    <p:extLst>
+      <p:ext uri="{BB962C8B-B14F-4D97-AF65-F5344CB8AC3E}">
+        <p14:creationId xmlns:p14="http://schemas.microsoft.com/office/powerpoint/2010/main" val="1988325500"/>
+      </p:ext>
+    </p:extLst>
+  </p:cSld>
+  <p:clrMapOvr>
+    <a:masterClrMapping/>
+  </p:clrMapOvr>
+  <p:timing>
+    <p:tnLst>
+      <p:par>
+        <p:cTn id="1" dur="indefinite" restart="never" nodeType="tmRoot"/>
+      </p:par>
+    </p:tnLst>
+  </p:timing>
+</p:sld>
+</file>
+
+<file path=ppt/slides/slide42.xml><?xml version="1.0" encoding="utf-8"?>
+<p:sld xmlns:a="http://schemas.openxmlformats.org/drawingml/2006/main" xmlns:r="http://schemas.openxmlformats.org/officeDocument/2006/relationships" xmlns:p="http://schemas.openxmlformats.org/presentationml/2006/main">
+  <p:cSld>
+    <p:spTree>
+      <p:nvGrpSpPr>
+        <p:cNvPr id="1" name=""/>
+        <p:cNvGrpSpPr/>
+        <p:nvPr/>
+      </p:nvGrpSpPr>
+      <p:grpSpPr>
+        <a:xfrm>
+          <a:off x="0" y="0"/>
+          <a:ext cx="0" cy="0"/>
+          <a:chOff x="0" y="0"/>
+          <a:chExt cx="0" cy="0"/>
+        </a:xfrm>
+      </p:grpSpPr>
+      <p:sp>
+        <p:nvSpPr>
+          <p:cNvPr id="4" name="文字方塊 3"/>
+          <p:cNvSpPr txBox="1"/>
+          <p:nvPr/>
+        </p:nvSpPr>
+        <p:spPr>
+          <a:xfrm>
+            <a:off x="513806" y="339634"/>
+            <a:ext cx="11129554" cy="2585323"/>
+          </a:xfrm>
+          <a:prstGeom prst="rect">
+            <a:avLst/>
+          </a:prstGeom>
+          <a:noFill/>
+        </p:spPr>
+        <p:txBody>
+          <a:bodyPr wrap="square" rtlCol="0">
+            <a:spAutoFit/>
+          </a:bodyPr>
+          <a:lstStyle/>
+          <a:p>
+            <a:pPr algn="just">
+              <a:lnSpc>
+                <a:spcPct val="150000"/>
+              </a:lnSpc>
+            </a:pPr>
+            <a:r>
+              <a:rPr lang="zh-TW" altLang="en-US" sz="5400" b="1" dirty="0" smtClean="0">
+                <a:latin typeface="Microsoft JhengHei" panose="020B0604030504040204" pitchFamily="34" charset="-120"/>
+                <a:ea typeface="Microsoft JhengHei" panose="020B0604030504040204" pitchFamily="34" charset="-120"/>
+              </a:rPr>
+              <a:t>由提示安慰到責備管教</a:t>
+            </a:r>
+            <a:endParaRPr lang="en-US" altLang="zh-TW" sz="5400" b="1" dirty="0" smtClean="0">
+              <a:latin typeface="Microsoft JhengHei" panose="020B0604030504040204" pitchFamily="34" charset="-120"/>
+              <a:ea typeface="Microsoft JhengHei" panose="020B0604030504040204" pitchFamily="34" charset="-120"/>
+            </a:endParaRPr>
+          </a:p>
+          <a:p>
+            <a:pPr algn="just">
+              <a:lnSpc>
+                <a:spcPct val="150000"/>
+              </a:lnSpc>
+            </a:pPr>
+            <a:r>
+              <a:rPr lang="zh-TW" altLang="en-US" sz="5400" b="1" dirty="0" smtClean="0">
+                <a:latin typeface="Microsoft JhengHei" panose="020B0604030504040204" pitchFamily="34" charset="-120"/>
+                <a:ea typeface="Microsoft JhengHei" panose="020B0604030504040204" pitchFamily="34" charset="-120"/>
+              </a:rPr>
+              <a:t>內裏有祢愛念呈現</a:t>
+            </a:r>
+            <a:endParaRPr lang="en-GB" sz="5400" b="1" dirty="0">
+              <a:latin typeface="Microsoft JhengHei" panose="020B0604030504040204" pitchFamily="34" charset="-120"/>
+              <a:ea typeface="Microsoft JhengHei" panose="020B0604030504040204" pitchFamily="34" charset="-120"/>
+            </a:endParaRPr>
+          </a:p>
+        </p:txBody>
+      </p:sp>
+      <p:pic>
+        <p:nvPicPr>
+          <p:cNvPr id="5" name="圖片 4"/>
+          <p:cNvPicPr>
+            <a:picLocks noChangeAspect="1"/>
+          </p:cNvPicPr>
+          <p:nvPr/>
+        </p:nvPicPr>
+        <p:blipFill>
+          <a:blip r:embed="rId2" cstate="print">
+            <a:extLst>
+              <a:ext uri="{BEBA8EAE-BF5A-486C-A8C5-ECC9F3942E4B}">
+                <a14:imgProps xmlns:a14="http://schemas.microsoft.com/office/drawing/2010/main">
+                  <a14:imgLayer r:embed="rId3">
+                    <a14:imgEffect>
+                      <a14:saturation sat="99000"/>
+                    </a14:imgEffect>
+                  </a14:imgLayer>
+                </a14:imgProps>
+              </a:ext>
+              <a:ext uri="{28A0092B-C50C-407E-A947-70E740481C1C}">
+                <a14:useLocalDpi xmlns:a14="http://schemas.microsoft.com/office/drawing/2010/main" val="0"/>
+              </a:ext>
+            </a:extLst>
+          </a:blip>
+          <a:stretch>
+            <a:fillRect/>
+          </a:stretch>
+        </p:blipFill>
+        <p:spPr>
+          <a:xfrm>
+            <a:off x="513806" y="5322854"/>
+            <a:ext cx="5840812" cy="1274802"/>
+          </a:xfrm>
+          <a:prstGeom prst="rect">
+            <a:avLst/>
+          </a:prstGeom>
+          <a:effectLst>
+            <a:outerShdw blurRad="63500" dist="63500" dir="5400000" algn="ctr" rotWithShape="0">
+              <a:srgbClr val="000000">
+                <a:alpha val="50000"/>
+              </a:srgbClr>
+            </a:outerShdw>
+          </a:effectLst>
+        </p:spPr>
+      </p:pic>
+      <p:sp>
+        <p:nvSpPr>
+          <p:cNvPr id="6" name="文字方塊 5"/>
+          <p:cNvSpPr txBox="1"/>
+          <p:nvPr/>
+        </p:nvSpPr>
+        <p:spPr>
+          <a:xfrm>
+            <a:off x="6287588" y="5274217"/>
+            <a:ext cx="5355771" cy="1323439"/>
+          </a:xfrm>
+          <a:prstGeom prst="rect">
+            <a:avLst/>
+          </a:prstGeom>
+          <a:noFill/>
+        </p:spPr>
+        <p:txBody>
+          <a:bodyPr wrap="square" rtlCol="0">
+            <a:spAutoFit/>
+          </a:bodyPr>
+          <a:lstStyle/>
+          <a:p>
+            <a:r>
+              <a:rPr lang="zh-TW" altLang="en-US" sz="8000" dirty="0" smtClean="0">
+                <a:solidFill>
+                  <a:schemeClr val="bg1">
+                    <a:lumMod val="75000"/>
+                  </a:schemeClr>
+                </a:solidFill>
+              </a:rPr>
+              <a:t>以感恩為祭</a:t>
+            </a:r>
+            <a:endParaRPr lang="en-GB" sz="8000" dirty="0">
+              <a:solidFill>
+                <a:schemeClr val="bg1">
+                  <a:lumMod val="75000"/>
+                </a:schemeClr>
+              </a:solidFill>
+            </a:endParaRPr>
+          </a:p>
+        </p:txBody>
+      </p:sp>
+    </p:spTree>
+    <p:extLst>
+      <p:ext uri="{BB962C8B-B14F-4D97-AF65-F5344CB8AC3E}">
+        <p14:creationId xmlns:p14="http://schemas.microsoft.com/office/powerpoint/2010/main" val="2829885952"/>
+      </p:ext>
+    </p:extLst>
+  </p:cSld>
+  <p:clrMapOvr>
+    <a:masterClrMapping/>
+  </p:clrMapOvr>
+  <p:timing>
+    <p:tnLst>
+      <p:par>
+        <p:cTn id="1" dur="indefinite" restart="never" nodeType="tmRoot"/>
+      </p:par>
+    </p:tnLst>
+  </p:timing>
+</p:sld>
+</file>
+
+<file path=ppt/slides/slide43.xml><?xml version="1.0" encoding="utf-8"?>
+<p:sld xmlns:a="http://schemas.openxmlformats.org/drawingml/2006/main" xmlns:r="http://schemas.openxmlformats.org/officeDocument/2006/relationships" xmlns:p="http://schemas.openxmlformats.org/presentationml/2006/main">
+  <p:cSld>
+    <p:spTree>
+      <p:nvGrpSpPr>
+        <p:cNvPr id="1" name=""/>
+        <p:cNvGrpSpPr/>
+        <p:nvPr/>
+      </p:nvGrpSpPr>
+      <p:grpSpPr>
+        <a:xfrm>
+          <a:off x="0" y="0"/>
+          <a:ext cx="0" cy="0"/>
+          <a:chOff x="0" y="0"/>
+          <a:chExt cx="0" cy="0"/>
+        </a:xfrm>
+      </p:grpSpPr>
+      <p:sp>
+        <p:nvSpPr>
+          <p:cNvPr id="4" name="文字方塊 3"/>
+          <p:cNvSpPr txBox="1"/>
+          <p:nvPr/>
+        </p:nvSpPr>
+        <p:spPr>
+          <a:xfrm>
+            <a:off x="513806" y="339634"/>
+            <a:ext cx="11129554" cy="2432589"/>
+          </a:xfrm>
+          <a:prstGeom prst="rect">
+            <a:avLst/>
+          </a:prstGeom>
+          <a:noFill/>
+        </p:spPr>
+        <p:txBody>
+          <a:bodyPr wrap="square" rtlCol="0">
+            <a:spAutoFit/>
+          </a:bodyPr>
+          <a:lstStyle/>
+          <a:p>
+            <a:pPr algn="just">
+              <a:lnSpc>
+                <a:spcPct val="150000"/>
+              </a:lnSpc>
+            </a:pPr>
+            <a:r>
+              <a:rPr lang="zh-TW" altLang="en-US" sz="5400" b="1" dirty="0" smtClean="0">
+                <a:latin typeface="Microsoft JhengHei" panose="020B0604030504040204" pitchFamily="34" charset="-120"/>
+                <a:ea typeface="Microsoft JhengHei" panose="020B0604030504040204" pitchFamily="34" charset="-120"/>
+              </a:rPr>
+              <a:t>主，為祢的恩情</a:t>
+            </a:r>
+            <a:endParaRPr lang="en-US" altLang="zh-TW" sz="5400" b="1" dirty="0" smtClean="0">
+              <a:latin typeface="Microsoft JhengHei" panose="020B0604030504040204" pitchFamily="34" charset="-120"/>
+              <a:ea typeface="Microsoft JhengHei" panose="020B0604030504040204" pitchFamily="34" charset="-120"/>
+            </a:endParaRPr>
+          </a:p>
+          <a:p>
+            <a:pPr algn="just">
+              <a:lnSpc>
+                <a:spcPct val="150000"/>
+              </a:lnSpc>
+            </a:pPr>
+            <a:r>
+              <a:rPr lang="zh-TW" altLang="en-US" sz="5400" b="1" dirty="0" smtClean="0">
+                <a:latin typeface="Microsoft JhengHei" panose="020B0604030504040204" pitchFamily="34" charset="-120"/>
+                <a:ea typeface="Microsoft JhengHei" panose="020B0604030504040204" pitchFamily="34" charset="-120"/>
+              </a:rPr>
+              <a:t>我要滿心感謝</a:t>
+            </a:r>
+            <a:endParaRPr lang="en-GB" sz="5400" b="1" dirty="0">
+              <a:latin typeface="Microsoft JhengHei" panose="020B0604030504040204" pitchFamily="34" charset="-120"/>
+              <a:ea typeface="Microsoft JhengHei" panose="020B0604030504040204" pitchFamily="34" charset="-120"/>
+            </a:endParaRPr>
+          </a:p>
+        </p:txBody>
+      </p:sp>
+      <p:pic>
+        <p:nvPicPr>
+          <p:cNvPr id="5" name="圖片 4"/>
+          <p:cNvPicPr>
+            <a:picLocks noChangeAspect="1"/>
+          </p:cNvPicPr>
+          <p:nvPr/>
+        </p:nvPicPr>
+        <p:blipFill>
+          <a:blip r:embed="rId2" cstate="print">
+            <a:extLst>
+              <a:ext uri="{BEBA8EAE-BF5A-486C-A8C5-ECC9F3942E4B}">
+                <a14:imgProps xmlns:a14="http://schemas.microsoft.com/office/drawing/2010/main">
+                  <a14:imgLayer r:embed="rId3">
+                    <a14:imgEffect>
+                      <a14:saturation sat="99000"/>
+                    </a14:imgEffect>
+                  </a14:imgLayer>
+                </a14:imgProps>
+              </a:ext>
+              <a:ext uri="{28A0092B-C50C-407E-A947-70E740481C1C}">
+                <a14:useLocalDpi xmlns:a14="http://schemas.microsoft.com/office/drawing/2010/main" val="0"/>
+              </a:ext>
+            </a:extLst>
+          </a:blip>
+          <a:stretch>
+            <a:fillRect/>
+          </a:stretch>
+        </p:blipFill>
+        <p:spPr>
+          <a:xfrm>
+            <a:off x="513806" y="5322854"/>
+            <a:ext cx="5840812" cy="1274802"/>
+          </a:xfrm>
+          <a:prstGeom prst="rect">
+            <a:avLst/>
+          </a:prstGeom>
+          <a:effectLst>
+            <a:outerShdw blurRad="63500" dist="63500" dir="5400000" algn="ctr" rotWithShape="0">
+              <a:srgbClr val="000000">
+                <a:alpha val="50000"/>
+              </a:srgbClr>
+            </a:outerShdw>
+          </a:effectLst>
+        </p:spPr>
+      </p:pic>
+      <p:sp>
+        <p:nvSpPr>
+          <p:cNvPr id="6" name="文字方塊 5"/>
+          <p:cNvSpPr txBox="1"/>
+          <p:nvPr/>
+        </p:nvSpPr>
+        <p:spPr>
+          <a:xfrm>
+            <a:off x="6287588" y="5274217"/>
+            <a:ext cx="5355771" cy="1323439"/>
+          </a:xfrm>
+          <a:prstGeom prst="rect">
+            <a:avLst/>
+          </a:prstGeom>
+          <a:noFill/>
+        </p:spPr>
+        <p:txBody>
+          <a:bodyPr wrap="square" rtlCol="0">
+            <a:spAutoFit/>
+          </a:bodyPr>
+          <a:lstStyle/>
+          <a:p>
+            <a:r>
+              <a:rPr lang="zh-TW" altLang="en-US" sz="8000" dirty="0" smtClean="0">
+                <a:solidFill>
+                  <a:schemeClr val="bg1">
+                    <a:lumMod val="75000"/>
+                  </a:schemeClr>
+                </a:solidFill>
+              </a:rPr>
+              <a:t>以感恩為祭</a:t>
+            </a:r>
+            <a:endParaRPr lang="en-GB" sz="8000" dirty="0">
+              <a:solidFill>
+                <a:schemeClr val="bg1">
+                  <a:lumMod val="75000"/>
+                </a:schemeClr>
+              </a:solidFill>
+            </a:endParaRPr>
+          </a:p>
+        </p:txBody>
+      </p:sp>
+    </p:spTree>
+    <p:extLst>
+      <p:ext uri="{BB962C8B-B14F-4D97-AF65-F5344CB8AC3E}">
+        <p14:creationId xmlns:p14="http://schemas.microsoft.com/office/powerpoint/2010/main" val="3164632426"/>
+      </p:ext>
+    </p:extLst>
+  </p:cSld>
+  <p:clrMapOvr>
+    <a:masterClrMapping/>
+  </p:clrMapOvr>
+  <p:timing>
+    <p:tnLst>
+      <p:par>
+        <p:cTn id="1" dur="indefinite" restart="never" nodeType="tmRoot"/>
+      </p:par>
+    </p:tnLst>
+  </p:timing>
+</p:sld>
+</file>
+
+<file path=ppt/slides/slide44.xml><?xml version="1.0" encoding="utf-8"?>
+<p:sld xmlns:a="http://schemas.openxmlformats.org/drawingml/2006/main" xmlns:r="http://schemas.openxmlformats.org/officeDocument/2006/relationships" xmlns:p="http://schemas.openxmlformats.org/presentationml/2006/main">
+  <p:cSld>
+    <p:spTree>
+      <p:nvGrpSpPr>
+        <p:cNvPr id="1" name=""/>
+        <p:cNvGrpSpPr/>
+        <p:nvPr/>
+      </p:nvGrpSpPr>
+      <p:grpSpPr>
+        <a:xfrm>
+          <a:off x="0" y="0"/>
+          <a:ext cx="0" cy="0"/>
+          <a:chOff x="0" y="0"/>
+          <a:chExt cx="0" cy="0"/>
+        </a:xfrm>
+      </p:grpSpPr>
+      <p:sp>
+        <p:nvSpPr>
+          <p:cNvPr id="4" name="文字方塊 3"/>
+          <p:cNvSpPr txBox="1"/>
+          <p:nvPr/>
+        </p:nvSpPr>
+        <p:spPr>
+          <a:xfrm>
+            <a:off x="513806" y="339634"/>
+            <a:ext cx="11129554" cy="2585323"/>
+          </a:xfrm>
+          <a:prstGeom prst="rect">
+            <a:avLst/>
+          </a:prstGeom>
+          <a:noFill/>
+        </p:spPr>
+        <p:txBody>
+          <a:bodyPr wrap="square" rtlCol="0">
+            <a:spAutoFit/>
+          </a:bodyPr>
+          <a:lstStyle/>
+          <a:p>
+            <a:pPr algn="just">
+              <a:lnSpc>
+                <a:spcPct val="150000"/>
+              </a:lnSpc>
+            </a:pPr>
+            <a:r>
+              <a:rPr lang="zh-TW" altLang="en-US" sz="5400" b="1" dirty="0" smtClean="0">
+                <a:latin typeface="Microsoft JhengHei" panose="020B0604030504040204" pitchFamily="34" charset="-120"/>
+                <a:ea typeface="Microsoft JhengHei" panose="020B0604030504040204" pitchFamily="34" charset="-120"/>
+              </a:rPr>
+              <a:t>也要常思想，晝夜數算</a:t>
+            </a:r>
+            <a:endParaRPr lang="en-US" altLang="zh-TW" sz="5400" b="1" dirty="0" smtClean="0">
+              <a:latin typeface="Microsoft JhengHei" panose="020B0604030504040204" pitchFamily="34" charset="-120"/>
+              <a:ea typeface="Microsoft JhengHei" panose="020B0604030504040204" pitchFamily="34" charset="-120"/>
+            </a:endParaRPr>
+          </a:p>
+          <a:p>
+            <a:pPr algn="just">
+              <a:lnSpc>
+                <a:spcPct val="150000"/>
+              </a:lnSpc>
+            </a:pPr>
+            <a:r>
+              <a:rPr lang="zh-TW" altLang="en-US" sz="5400" b="1" dirty="0" smtClean="0">
+                <a:latin typeface="Microsoft JhengHei" panose="020B0604030504040204" pitchFamily="34" charset="-120"/>
+                <a:ea typeface="Microsoft JhengHei" panose="020B0604030504040204" pitchFamily="34" charset="-120"/>
+              </a:rPr>
+              <a:t>藉愛見證祢大能</a:t>
+            </a:r>
+            <a:endParaRPr lang="en-GB" sz="5400" b="1" dirty="0">
+              <a:latin typeface="Microsoft JhengHei" panose="020B0604030504040204" pitchFamily="34" charset="-120"/>
+              <a:ea typeface="Microsoft JhengHei" panose="020B0604030504040204" pitchFamily="34" charset="-120"/>
+            </a:endParaRPr>
+          </a:p>
+        </p:txBody>
+      </p:sp>
+      <p:pic>
+        <p:nvPicPr>
+          <p:cNvPr id="5" name="圖片 4"/>
+          <p:cNvPicPr>
+            <a:picLocks noChangeAspect="1"/>
+          </p:cNvPicPr>
+          <p:nvPr/>
+        </p:nvPicPr>
+        <p:blipFill>
+          <a:blip r:embed="rId2" cstate="print">
+            <a:extLst>
+              <a:ext uri="{BEBA8EAE-BF5A-486C-A8C5-ECC9F3942E4B}">
+                <a14:imgProps xmlns:a14="http://schemas.microsoft.com/office/drawing/2010/main">
+                  <a14:imgLayer r:embed="rId3">
+                    <a14:imgEffect>
+                      <a14:saturation sat="99000"/>
+                    </a14:imgEffect>
+                  </a14:imgLayer>
+                </a14:imgProps>
+              </a:ext>
+              <a:ext uri="{28A0092B-C50C-407E-A947-70E740481C1C}">
+                <a14:useLocalDpi xmlns:a14="http://schemas.microsoft.com/office/drawing/2010/main" val="0"/>
+              </a:ext>
+            </a:extLst>
+          </a:blip>
+          <a:stretch>
+            <a:fillRect/>
+          </a:stretch>
+        </p:blipFill>
+        <p:spPr>
+          <a:xfrm>
+            <a:off x="513806" y="5322854"/>
+            <a:ext cx="5840812" cy="1274802"/>
+          </a:xfrm>
+          <a:prstGeom prst="rect">
+            <a:avLst/>
+          </a:prstGeom>
+          <a:effectLst>
+            <a:outerShdw blurRad="63500" dist="63500" dir="5400000" algn="ctr" rotWithShape="0">
+              <a:srgbClr val="000000">
+                <a:alpha val="50000"/>
+              </a:srgbClr>
+            </a:outerShdw>
+          </a:effectLst>
+        </p:spPr>
+      </p:pic>
+      <p:sp>
+        <p:nvSpPr>
+          <p:cNvPr id="6" name="文字方塊 5"/>
+          <p:cNvSpPr txBox="1"/>
+          <p:nvPr/>
+        </p:nvSpPr>
+        <p:spPr>
+          <a:xfrm>
+            <a:off x="6287588" y="5274217"/>
+            <a:ext cx="5355771" cy="1323439"/>
+          </a:xfrm>
+          <a:prstGeom prst="rect">
+            <a:avLst/>
+          </a:prstGeom>
+          <a:noFill/>
+        </p:spPr>
+        <p:txBody>
+          <a:bodyPr wrap="square" rtlCol="0">
+            <a:spAutoFit/>
+          </a:bodyPr>
+          <a:lstStyle/>
+          <a:p>
+            <a:r>
+              <a:rPr lang="zh-TW" altLang="en-US" sz="8000" dirty="0" smtClean="0">
+                <a:solidFill>
+                  <a:schemeClr val="bg1">
+                    <a:lumMod val="75000"/>
+                  </a:schemeClr>
+                </a:solidFill>
+              </a:rPr>
+              <a:t>以感恩為祭</a:t>
+            </a:r>
+            <a:endParaRPr lang="en-GB" sz="8000" dirty="0">
+              <a:solidFill>
+                <a:schemeClr val="bg1">
+                  <a:lumMod val="75000"/>
+                </a:schemeClr>
+              </a:solidFill>
+            </a:endParaRPr>
+          </a:p>
+        </p:txBody>
+      </p:sp>
+    </p:spTree>
+    <p:extLst>
+      <p:ext uri="{BB962C8B-B14F-4D97-AF65-F5344CB8AC3E}">
+        <p14:creationId xmlns:p14="http://schemas.microsoft.com/office/powerpoint/2010/main" val="3844469160"/>
+      </p:ext>
+    </p:extLst>
+  </p:cSld>
+  <p:clrMapOvr>
+    <a:masterClrMapping/>
+  </p:clrMapOvr>
+  <p:timing>
+    <p:tnLst>
+      <p:par>
+        <p:cTn id="1" dur="indefinite" restart="never" nodeType="tmRoot"/>
+      </p:par>
+    </p:tnLst>
+  </p:timing>
+</p:sld>
+</file>
+
+<file path=ppt/slides/slide45.xml><?xml version="1.0" encoding="utf-8"?>
+<p:sld xmlns:a="http://schemas.openxmlformats.org/drawingml/2006/main" xmlns:r="http://schemas.openxmlformats.org/officeDocument/2006/relationships" xmlns:p="http://schemas.openxmlformats.org/presentationml/2006/main">
+  <p:cSld>
+    <p:spTree>
+      <p:nvGrpSpPr>
+        <p:cNvPr id="1" name=""/>
+        <p:cNvGrpSpPr/>
+        <p:nvPr/>
+      </p:nvGrpSpPr>
+      <p:grpSpPr>
+        <a:xfrm>
+          <a:off x="0" y="0"/>
+          <a:ext cx="0" cy="0"/>
+          <a:chOff x="0" y="0"/>
+          <a:chExt cx="0" cy="0"/>
+        </a:xfrm>
+      </p:grpSpPr>
+      <p:sp>
+        <p:nvSpPr>
+          <p:cNvPr id="4" name="文字方塊 3"/>
+          <p:cNvSpPr txBox="1"/>
+          <p:nvPr/>
+        </p:nvSpPr>
+        <p:spPr>
+          <a:xfrm>
+            <a:off x="513806" y="339634"/>
+            <a:ext cx="11129554" cy="2432589"/>
+          </a:xfrm>
+          <a:prstGeom prst="rect">
+            <a:avLst/>
+          </a:prstGeom>
+          <a:noFill/>
+        </p:spPr>
+        <p:txBody>
+          <a:bodyPr wrap="square" rtlCol="0">
+            <a:spAutoFit/>
+          </a:bodyPr>
+          <a:lstStyle/>
+          <a:p>
+            <a:pPr algn="just">
+              <a:lnSpc>
+                <a:spcPct val="150000"/>
+              </a:lnSpc>
+            </a:pPr>
+            <a:r>
+              <a:rPr lang="zh-TW" altLang="en-US" sz="5400" b="1" dirty="0" smtClean="0">
+                <a:latin typeface="Microsoft JhengHei" panose="020B0604030504040204" pitchFamily="34" charset="-120"/>
+                <a:ea typeface="Microsoft JhengHei" panose="020B0604030504040204" pitchFamily="34" charset="-120"/>
+              </a:rPr>
+              <a:t>祢的安排往往多新意</a:t>
+            </a:r>
+            <a:endParaRPr lang="en-US" altLang="zh-TW" sz="5400" b="1" dirty="0" smtClean="0">
+              <a:latin typeface="Microsoft JhengHei" panose="020B0604030504040204" pitchFamily="34" charset="-120"/>
+              <a:ea typeface="Microsoft JhengHei" panose="020B0604030504040204" pitchFamily="34" charset="-120"/>
+            </a:endParaRPr>
+          </a:p>
+          <a:p>
+            <a:pPr algn="just">
+              <a:lnSpc>
+                <a:spcPct val="150000"/>
+              </a:lnSpc>
+            </a:pPr>
+            <a:r>
+              <a:rPr lang="zh-TW" altLang="en-US" sz="5400" b="1" dirty="0" smtClean="0">
+                <a:latin typeface="Microsoft JhengHei" panose="020B0604030504040204" pitchFamily="34" charset="-120"/>
+                <a:ea typeface="Microsoft JhengHei" panose="020B0604030504040204" pitchFamily="34" charset="-120"/>
+              </a:rPr>
+              <a:t>祢有豐賞亦會收取</a:t>
+            </a:r>
+            <a:endParaRPr lang="en-GB" sz="5400" b="1" dirty="0">
+              <a:latin typeface="Microsoft JhengHei" panose="020B0604030504040204" pitchFamily="34" charset="-120"/>
+              <a:ea typeface="Microsoft JhengHei" panose="020B0604030504040204" pitchFamily="34" charset="-120"/>
+            </a:endParaRPr>
+          </a:p>
+        </p:txBody>
+      </p:sp>
+      <p:pic>
+        <p:nvPicPr>
+          <p:cNvPr id="5" name="圖片 4"/>
+          <p:cNvPicPr>
+            <a:picLocks noChangeAspect="1"/>
+          </p:cNvPicPr>
+          <p:nvPr/>
+        </p:nvPicPr>
+        <p:blipFill>
+          <a:blip r:embed="rId2" cstate="print">
+            <a:extLst>
+              <a:ext uri="{BEBA8EAE-BF5A-486C-A8C5-ECC9F3942E4B}">
+                <a14:imgProps xmlns:a14="http://schemas.microsoft.com/office/drawing/2010/main">
+                  <a14:imgLayer r:embed="rId3">
+                    <a14:imgEffect>
+                      <a14:saturation sat="99000"/>
+                    </a14:imgEffect>
+                  </a14:imgLayer>
+                </a14:imgProps>
+              </a:ext>
+              <a:ext uri="{28A0092B-C50C-407E-A947-70E740481C1C}">
+                <a14:useLocalDpi xmlns:a14="http://schemas.microsoft.com/office/drawing/2010/main" val="0"/>
+              </a:ext>
+            </a:extLst>
+          </a:blip>
+          <a:stretch>
+            <a:fillRect/>
+          </a:stretch>
+        </p:blipFill>
+        <p:spPr>
+          <a:xfrm>
+            <a:off x="513806" y="5322854"/>
+            <a:ext cx="5840812" cy="1274802"/>
+          </a:xfrm>
+          <a:prstGeom prst="rect">
+            <a:avLst/>
+          </a:prstGeom>
+          <a:effectLst>
+            <a:outerShdw blurRad="63500" dist="63500" dir="5400000" algn="ctr" rotWithShape="0">
+              <a:srgbClr val="000000">
+                <a:alpha val="50000"/>
+              </a:srgbClr>
+            </a:outerShdw>
+          </a:effectLst>
+        </p:spPr>
+      </p:pic>
+      <p:sp>
+        <p:nvSpPr>
+          <p:cNvPr id="6" name="文字方塊 5"/>
+          <p:cNvSpPr txBox="1"/>
+          <p:nvPr/>
+        </p:nvSpPr>
+        <p:spPr>
+          <a:xfrm>
+            <a:off x="6287588" y="5274217"/>
+            <a:ext cx="5355771" cy="1323439"/>
+          </a:xfrm>
+          <a:prstGeom prst="rect">
+            <a:avLst/>
+          </a:prstGeom>
+          <a:noFill/>
+        </p:spPr>
+        <p:txBody>
+          <a:bodyPr wrap="square" rtlCol="0">
+            <a:spAutoFit/>
+          </a:bodyPr>
+          <a:lstStyle/>
+          <a:p>
+            <a:r>
+              <a:rPr lang="zh-TW" altLang="en-US" sz="8000" dirty="0" smtClean="0">
+                <a:solidFill>
+                  <a:schemeClr val="bg1">
+                    <a:lumMod val="75000"/>
+                  </a:schemeClr>
+                </a:solidFill>
+              </a:rPr>
+              <a:t>以感恩為祭</a:t>
+            </a:r>
+            <a:endParaRPr lang="en-GB" sz="8000" dirty="0">
+              <a:solidFill>
+                <a:schemeClr val="bg1">
+                  <a:lumMod val="75000"/>
+                </a:schemeClr>
+              </a:solidFill>
+            </a:endParaRPr>
+          </a:p>
+        </p:txBody>
+      </p:sp>
+    </p:spTree>
+    <p:extLst>
+      <p:ext uri="{BB962C8B-B14F-4D97-AF65-F5344CB8AC3E}">
+        <p14:creationId xmlns:p14="http://schemas.microsoft.com/office/powerpoint/2010/main" val="2347812511"/>
+      </p:ext>
+    </p:extLst>
+  </p:cSld>
+  <p:clrMapOvr>
+    <a:masterClrMapping/>
+  </p:clrMapOvr>
+  <p:timing>
+    <p:tnLst>
+      <p:par>
+        <p:cTn id="1" dur="indefinite" restart="never" nodeType="tmRoot"/>
+      </p:par>
+    </p:tnLst>
+  </p:timing>
+</p:sld>
+</file>
+
+<file path=ppt/slides/slide46.xml><?xml version="1.0" encoding="utf-8"?>
+<p:sld xmlns:a="http://schemas.openxmlformats.org/drawingml/2006/main" xmlns:r="http://schemas.openxmlformats.org/officeDocument/2006/relationships" xmlns:p="http://schemas.openxmlformats.org/presentationml/2006/main">
+  <p:cSld>
+    <p:spTree>
+      <p:nvGrpSpPr>
+        <p:cNvPr id="1" name=""/>
+        <p:cNvGrpSpPr/>
+        <p:nvPr/>
+      </p:nvGrpSpPr>
+      <p:grpSpPr>
+        <a:xfrm>
+          <a:off x="0" y="0"/>
+          <a:ext cx="0" cy="0"/>
+          <a:chOff x="0" y="0"/>
+          <a:chExt cx="0" cy="0"/>
+        </a:xfrm>
+      </p:grpSpPr>
+      <p:sp>
+        <p:nvSpPr>
+          <p:cNvPr id="4" name="文字方塊 3"/>
+          <p:cNvSpPr txBox="1"/>
+          <p:nvPr/>
+        </p:nvSpPr>
+        <p:spPr>
+          <a:xfrm>
+            <a:off x="513806" y="339634"/>
+            <a:ext cx="11129554" cy="2585323"/>
+          </a:xfrm>
+          <a:prstGeom prst="rect">
+            <a:avLst/>
+          </a:prstGeom>
+          <a:noFill/>
+        </p:spPr>
+        <p:txBody>
+          <a:bodyPr wrap="square" rtlCol="0">
+            <a:spAutoFit/>
+          </a:bodyPr>
+          <a:lstStyle/>
+          <a:p>
+            <a:pPr algn="just">
+              <a:lnSpc>
+                <a:spcPct val="150000"/>
+              </a:lnSpc>
+            </a:pPr>
+            <a:r>
+              <a:rPr lang="zh-TW" altLang="en-US" sz="5400" b="1" dirty="0" smtClean="0">
+                <a:latin typeface="Microsoft JhengHei" panose="020B0604030504040204" pitchFamily="34" charset="-120"/>
+                <a:ea typeface="Microsoft JhengHei" panose="020B0604030504040204" pitchFamily="34" charset="-120"/>
+              </a:rPr>
+              <a:t>微細調配中讓我得益處</a:t>
+            </a:r>
+            <a:endParaRPr lang="en-US" altLang="zh-TW" sz="5400" b="1" dirty="0" smtClean="0">
+              <a:latin typeface="Microsoft JhengHei" panose="020B0604030504040204" pitchFamily="34" charset="-120"/>
+              <a:ea typeface="Microsoft JhengHei" panose="020B0604030504040204" pitchFamily="34" charset="-120"/>
+            </a:endParaRPr>
+          </a:p>
+          <a:p>
+            <a:pPr algn="just">
+              <a:lnSpc>
+                <a:spcPct val="150000"/>
+              </a:lnSpc>
+            </a:pPr>
+            <a:r>
+              <a:rPr lang="zh-TW" altLang="en-US" sz="5400" b="1" dirty="0" smtClean="0">
+                <a:latin typeface="Microsoft JhengHei" panose="020B0604030504040204" pitchFamily="34" charset="-120"/>
+                <a:ea typeface="Microsoft JhengHei" panose="020B0604030504040204" pitchFamily="34" charset="-120"/>
+              </a:rPr>
+              <a:t>現我再見天恩處處</a:t>
+            </a:r>
+            <a:endParaRPr lang="en-GB" sz="5400" b="1" dirty="0">
+              <a:latin typeface="Microsoft JhengHei" panose="020B0604030504040204" pitchFamily="34" charset="-120"/>
+              <a:ea typeface="Microsoft JhengHei" panose="020B0604030504040204" pitchFamily="34" charset="-120"/>
+            </a:endParaRPr>
+          </a:p>
+        </p:txBody>
+      </p:sp>
+      <p:pic>
+        <p:nvPicPr>
+          <p:cNvPr id="5" name="圖片 4"/>
+          <p:cNvPicPr>
+            <a:picLocks noChangeAspect="1"/>
+          </p:cNvPicPr>
+          <p:nvPr/>
+        </p:nvPicPr>
+        <p:blipFill>
+          <a:blip r:embed="rId2" cstate="print">
+            <a:extLst>
+              <a:ext uri="{BEBA8EAE-BF5A-486C-A8C5-ECC9F3942E4B}">
+                <a14:imgProps xmlns:a14="http://schemas.microsoft.com/office/drawing/2010/main">
+                  <a14:imgLayer r:embed="rId3">
+                    <a14:imgEffect>
+                      <a14:saturation sat="99000"/>
+                    </a14:imgEffect>
+                  </a14:imgLayer>
+                </a14:imgProps>
+              </a:ext>
+              <a:ext uri="{28A0092B-C50C-407E-A947-70E740481C1C}">
+                <a14:useLocalDpi xmlns:a14="http://schemas.microsoft.com/office/drawing/2010/main" val="0"/>
+              </a:ext>
+            </a:extLst>
+          </a:blip>
+          <a:stretch>
+            <a:fillRect/>
+          </a:stretch>
+        </p:blipFill>
+        <p:spPr>
+          <a:xfrm>
+            <a:off x="513806" y="5322854"/>
+            <a:ext cx="5840812" cy="1274802"/>
+          </a:xfrm>
+          <a:prstGeom prst="rect">
+            <a:avLst/>
+          </a:prstGeom>
+          <a:effectLst>
+            <a:outerShdw blurRad="63500" dist="63500" dir="5400000" algn="ctr" rotWithShape="0">
+              <a:srgbClr val="000000">
+                <a:alpha val="50000"/>
+              </a:srgbClr>
+            </a:outerShdw>
+          </a:effectLst>
+        </p:spPr>
+      </p:pic>
+      <p:sp>
+        <p:nvSpPr>
+          <p:cNvPr id="6" name="文字方塊 5"/>
+          <p:cNvSpPr txBox="1"/>
+          <p:nvPr/>
+        </p:nvSpPr>
+        <p:spPr>
+          <a:xfrm>
+            <a:off x="6287588" y="5274217"/>
+            <a:ext cx="5355771" cy="1323439"/>
+          </a:xfrm>
+          <a:prstGeom prst="rect">
+            <a:avLst/>
+          </a:prstGeom>
+          <a:noFill/>
+        </p:spPr>
+        <p:txBody>
+          <a:bodyPr wrap="square" rtlCol="0">
+            <a:spAutoFit/>
+          </a:bodyPr>
+          <a:lstStyle/>
+          <a:p>
+            <a:r>
+              <a:rPr lang="zh-TW" altLang="en-US" sz="8000" dirty="0" smtClean="0">
+                <a:solidFill>
+                  <a:schemeClr val="bg1">
+                    <a:lumMod val="75000"/>
+                  </a:schemeClr>
+                </a:solidFill>
+              </a:rPr>
+              <a:t>以感恩為祭</a:t>
+            </a:r>
+            <a:endParaRPr lang="en-GB" sz="8000" dirty="0">
+              <a:solidFill>
+                <a:schemeClr val="bg1">
+                  <a:lumMod val="75000"/>
+                </a:schemeClr>
+              </a:solidFill>
+            </a:endParaRPr>
+          </a:p>
+        </p:txBody>
+      </p:sp>
+    </p:spTree>
+    <p:extLst>
+      <p:ext uri="{BB962C8B-B14F-4D97-AF65-F5344CB8AC3E}">
+        <p14:creationId xmlns:p14="http://schemas.microsoft.com/office/powerpoint/2010/main" val="251208866"/>
+      </p:ext>
+    </p:extLst>
+  </p:cSld>
+  <p:clrMapOvr>
+    <a:masterClrMapping/>
+  </p:clrMapOvr>
+  <p:timing>
+    <p:tnLst>
+      <p:par>
+        <p:cTn id="1" dur="indefinite" restart="never" nodeType="tmRoot"/>
+      </p:par>
+    </p:tnLst>
+  </p:timing>
+</p:sld>
+</file>
+
+<file path=ppt/slides/slide47.xml><?xml version="1.0" encoding="utf-8"?>
+<p:sld xmlns:a="http://schemas.openxmlformats.org/drawingml/2006/main" xmlns:r="http://schemas.openxmlformats.org/officeDocument/2006/relationships" xmlns:p="http://schemas.openxmlformats.org/presentationml/2006/main">
+  <p:cSld>
+    <p:spTree>
+      <p:nvGrpSpPr>
+        <p:cNvPr id="1" name=""/>
+        <p:cNvGrpSpPr/>
+        <p:nvPr/>
+      </p:nvGrpSpPr>
+      <p:grpSpPr>
+        <a:xfrm>
+          <a:off x="0" y="0"/>
+          <a:ext cx="0" cy="0"/>
+          <a:chOff x="0" y="0"/>
+          <a:chExt cx="0" cy="0"/>
+        </a:xfrm>
+      </p:grpSpPr>
+      <p:sp>
+        <p:nvSpPr>
+          <p:cNvPr id="4" name="文字方塊 3"/>
+          <p:cNvSpPr txBox="1"/>
+          <p:nvPr/>
+        </p:nvSpPr>
+        <p:spPr>
+          <a:xfrm>
+            <a:off x="513806" y="339634"/>
+            <a:ext cx="11129554" cy="2432589"/>
+          </a:xfrm>
+          <a:prstGeom prst="rect">
+            <a:avLst/>
+          </a:prstGeom>
+          <a:noFill/>
+        </p:spPr>
+        <p:txBody>
+          <a:bodyPr wrap="square" rtlCol="0">
+            <a:spAutoFit/>
+          </a:bodyPr>
+          <a:lstStyle/>
+          <a:p>
+            <a:pPr algn="just">
+              <a:lnSpc>
+                <a:spcPct val="150000"/>
+              </a:lnSpc>
+            </a:pPr>
+            <a:r>
+              <a:rPr lang="zh-TW" altLang="en-US" sz="5400" b="1" dirty="0" smtClean="0">
+                <a:latin typeface="Microsoft JhengHei" panose="020B0604030504040204" pitchFamily="34" charset="-120"/>
+                <a:ea typeface="Microsoft JhengHei" panose="020B0604030504040204" pitchFamily="34" charset="-120"/>
+              </a:rPr>
+              <a:t>神呀！祢恩典太美妙神奇</a:t>
+            </a:r>
+            <a:endParaRPr lang="en-US" altLang="zh-TW" sz="5400" b="1" dirty="0" smtClean="0">
+              <a:latin typeface="Microsoft JhengHei" panose="020B0604030504040204" pitchFamily="34" charset="-120"/>
+              <a:ea typeface="Microsoft JhengHei" panose="020B0604030504040204" pitchFamily="34" charset="-120"/>
+            </a:endParaRPr>
+          </a:p>
+          <a:p>
+            <a:pPr algn="just">
+              <a:lnSpc>
+                <a:spcPct val="150000"/>
+              </a:lnSpc>
+            </a:pPr>
+            <a:r>
+              <a:rPr lang="zh-TW" altLang="en-US" sz="5400" b="1" dirty="0" smtClean="0">
+                <a:latin typeface="Microsoft JhengHei" panose="020B0604030504040204" pitchFamily="34" charset="-120"/>
+                <a:ea typeface="Microsoft JhengHei" panose="020B0604030504040204" pitchFamily="34" charset="-120"/>
+              </a:rPr>
+              <a:t>配得萬眾稱善</a:t>
+            </a:r>
+            <a:endParaRPr lang="en-GB" sz="5400" b="1" dirty="0">
+              <a:latin typeface="Microsoft JhengHei" panose="020B0604030504040204" pitchFamily="34" charset="-120"/>
+              <a:ea typeface="Microsoft JhengHei" panose="020B0604030504040204" pitchFamily="34" charset="-120"/>
+            </a:endParaRPr>
+          </a:p>
+        </p:txBody>
+      </p:sp>
+      <p:pic>
+        <p:nvPicPr>
+          <p:cNvPr id="5" name="圖片 4"/>
+          <p:cNvPicPr>
+            <a:picLocks noChangeAspect="1"/>
+          </p:cNvPicPr>
+          <p:nvPr/>
+        </p:nvPicPr>
+        <p:blipFill>
+          <a:blip r:embed="rId2" cstate="print">
+            <a:extLst>
+              <a:ext uri="{BEBA8EAE-BF5A-486C-A8C5-ECC9F3942E4B}">
+                <a14:imgProps xmlns:a14="http://schemas.microsoft.com/office/drawing/2010/main">
+                  <a14:imgLayer r:embed="rId3">
+                    <a14:imgEffect>
+                      <a14:saturation sat="99000"/>
+                    </a14:imgEffect>
+                  </a14:imgLayer>
+                </a14:imgProps>
+              </a:ext>
+              <a:ext uri="{28A0092B-C50C-407E-A947-70E740481C1C}">
+                <a14:useLocalDpi xmlns:a14="http://schemas.microsoft.com/office/drawing/2010/main" val="0"/>
+              </a:ext>
+            </a:extLst>
+          </a:blip>
+          <a:stretch>
+            <a:fillRect/>
+          </a:stretch>
+        </p:blipFill>
+        <p:spPr>
+          <a:xfrm>
+            <a:off x="513806" y="5322854"/>
+            <a:ext cx="5840812" cy="1274802"/>
+          </a:xfrm>
+          <a:prstGeom prst="rect">
+            <a:avLst/>
+          </a:prstGeom>
+          <a:effectLst>
+            <a:outerShdw blurRad="63500" dist="63500" dir="5400000" algn="ctr" rotWithShape="0">
+              <a:srgbClr val="000000">
+                <a:alpha val="50000"/>
+              </a:srgbClr>
+            </a:outerShdw>
+          </a:effectLst>
+        </p:spPr>
+      </p:pic>
+      <p:sp>
+        <p:nvSpPr>
+          <p:cNvPr id="6" name="文字方塊 5"/>
+          <p:cNvSpPr txBox="1"/>
+          <p:nvPr/>
+        </p:nvSpPr>
+        <p:spPr>
+          <a:xfrm>
+            <a:off x="6287588" y="5274217"/>
+            <a:ext cx="5355771" cy="1323439"/>
+          </a:xfrm>
+          <a:prstGeom prst="rect">
+            <a:avLst/>
+          </a:prstGeom>
+          <a:noFill/>
+        </p:spPr>
+        <p:txBody>
+          <a:bodyPr wrap="square" rtlCol="0">
+            <a:spAutoFit/>
+          </a:bodyPr>
+          <a:lstStyle/>
+          <a:p>
+            <a:r>
+              <a:rPr lang="zh-TW" altLang="en-US" sz="8000" dirty="0" smtClean="0">
+                <a:solidFill>
+                  <a:schemeClr val="bg1">
+                    <a:lumMod val="75000"/>
+                  </a:schemeClr>
+                </a:solidFill>
+              </a:rPr>
+              <a:t>以感恩為祭</a:t>
+            </a:r>
+            <a:endParaRPr lang="en-GB" sz="8000" dirty="0">
+              <a:solidFill>
+                <a:schemeClr val="bg1">
+                  <a:lumMod val="75000"/>
+                </a:schemeClr>
+              </a:solidFill>
+            </a:endParaRPr>
+          </a:p>
+        </p:txBody>
+      </p:sp>
+    </p:spTree>
+    <p:extLst>
+      <p:ext uri="{BB962C8B-B14F-4D97-AF65-F5344CB8AC3E}">
+        <p14:creationId xmlns:p14="http://schemas.microsoft.com/office/powerpoint/2010/main" val="3763693655"/>
+      </p:ext>
+    </p:extLst>
+  </p:cSld>
+  <p:clrMapOvr>
+    <a:masterClrMapping/>
+  </p:clrMapOvr>
+  <p:timing>
+    <p:tnLst>
+      <p:par>
+        <p:cTn id="1" dur="indefinite" restart="never" nodeType="tmRoot"/>
+      </p:par>
+    </p:tnLst>
+  </p:timing>
+</p:sld>
+</file>
+
+<file path=ppt/slides/slide48.xml><?xml version="1.0" encoding="utf-8"?>
+<p:sld xmlns:a="http://schemas.openxmlformats.org/drawingml/2006/main" xmlns:r="http://schemas.openxmlformats.org/officeDocument/2006/relationships" xmlns:p="http://schemas.openxmlformats.org/presentationml/2006/main">
+  <p:cSld>
+    <p:spTree>
+      <p:nvGrpSpPr>
+        <p:cNvPr id="1" name=""/>
+        <p:cNvGrpSpPr/>
+        <p:nvPr/>
+      </p:nvGrpSpPr>
+      <p:grpSpPr>
+        <a:xfrm>
+          <a:off x="0" y="0"/>
+          <a:ext cx="0" cy="0"/>
+          <a:chOff x="0" y="0"/>
+          <a:chExt cx="0" cy="0"/>
+        </a:xfrm>
+      </p:grpSpPr>
+      <p:sp>
+        <p:nvSpPr>
+          <p:cNvPr id="4" name="文字方塊 3"/>
+          <p:cNvSpPr txBox="1"/>
+          <p:nvPr/>
+        </p:nvSpPr>
+        <p:spPr>
+          <a:xfrm>
+            <a:off x="513806" y="339634"/>
+            <a:ext cx="11129554" cy="2432589"/>
+          </a:xfrm>
+          <a:prstGeom prst="rect">
+            <a:avLst/>
+          </a:prstGeom>
+          <a:noFill/>
+        </p:spPr>
+        <p:txBody>
+          <a:bodyPr wrap="square" rtlCol="0">
+            <a:spAutoFit/>
+          </a:bodyPr>
+          <a:lstStyle/>
+          <a:p>
+            <a:pPr algn="just">
+              <a:lnSpc>
+                <a:spcPct val="150000"/>
+              </a:lnSpc>
+            </a:pPr>
+            <a:r>
+              <a:rPr lang="zh-TW" altLang="en-US" sz="5400" b="1" dirty="0" smtClean="0">
+                <a:latin typeface="Microsoft JhengHei" panose="020B0604030504040204" pitchFamily="34" charset="-120"/>
+                <a:ea typeface="Microsoft JhengHei" panose="020B0604030504040204" pitchFamily="34" charset="-120"/>
+              </a:rPr>
+              <a:t>我要以感恩為祭獻給祢</a:t>
+            </a:r>
+            <a:endParaRPr lang="en-US" altLang="zh-TW" sz="5400" b="1" dirty="0" smtClean="0">
+              <a:latin typeface="Microsoft JhengHei" panose="020B0604030504040204" pitchFamily="34" charset="-120"/>
+              <a:ea typeface="Microsoft JhengHei" panose="020B0604030504040204" pitchFamily="34" charset="-120"/>
+            </a:endParaRPr>
+          </a:p>
+          <a:p>
+            <a:pPr algn="just">
+              <a:lnSpc>
+                <a:spcPct val="150000"/>
+              </a:lnSpc>
+            </a:pPr>
+            <a:r>
+              <a:rPr lang="zh-TW" altLang="en-US" sz="5400" b="1" dirty="0" smtClean="0">
+                <a:latin typeface="Microsoft JhengHei" panose="020B0604030504040204" pitchFamily="34" charset="-120"/>
+                <a:ea typeface="Microsoft JhengHei" panose="020B0604030504040204" pitchFamily="34" charset="-120"/>
+              </a:rPr>
+              <a:t>並永記念祢作為</a:t>
+            </a:r>
+            <a:endParaRPr lang="en-GB" sz="5400" b="1" dirty="0">
+              <a:latin typeface="Microsoft JhengHei" panose="020B0604030504040204" pitchFamily="34" charset="-120"/>
+              <a:ea typeface="Microsoft JhengHei" panose="020B0604030504040204" pitchFamily="34" charset="-120"/>
+            </a:endParaRPr>
+          </a:p>
+        </p:txBody>
+      </p:sp>
+      <p:pic>
+        <p:nvPicPr>
+          <p:cNvPr id="5" name="圖片 4"/>
+          <p:cNvPicPr>
+            <a:picLocks noChangeAspect="1"/>
+          </p:cNvPicPr>
+          <p:nvPr/>
+        </p:nvPicPr>
+        <p:blipFill>
+          <a:blip r:embed="rId2" cstate="print">
+            <a:extLst>
+              <a:ext uri="{BEBA8EAE-BF5A-486C-A8C5-ECC9F3942E4B}">
+                <a14:imgProps xmlns:a14="http://schemas.microsoft.com/office/drawing/2010/main">
+                  <a14:imgLayer r:embed="rId3">
+                    <a14:imgEffect>
+                      <a14:saturation sat="99000"/>
+                    </a14:imgEffect>
+                  </a14:imgLayer>
+                </a14:imgProps>
+              </a:ext>
+              <a:ext uri="{28A0092B-C50C-407E-A947-70E740481C1C}">
+                <a14:useLocalDpi xmlns:a14="http://schemas.microsoft.com/office/drawing/2010/main" val="0"/>
+              </a:ext>
+            </a:extLst>
+          </a:blip>
+          <a:stretch>
+            <a:fillRect/>
+          </a:stretch>
+        </p:blipFill>
+        <p:spPr>
+          <a:xfrm>
+            <a:off x="513806" y="5322854"/>
+            <a:ext cx="5840812" cy="1274802"/>
+          </a:xfrm>
+          <a:prstGeom prst="rect">
+            <a:avLst/>
+          </a:prstGeom>
+          <a:effectLst>
+            <a:outerShdw blurRad="63500" dist="63500" dir="5400000" algn="ctr" rotWithShape="0">
+              <a:srgbClr val="000000">
+                <a:alpha val="50000"/>
+              </a:srgbClr>
+            </a:outerShdw>
+          </a:effectLst>
+        </p:spPr>
+      </p:pic>
+      <p:sp>
+        <p:nvSpPr>
+          <p:cNvPr id="6" name="文字方塊 5"/>
+          <p:cNvSpPr txBox="1"/>
+          <p:nvPr/>
+        </p:nvSpPr>
+        <p:spPr>
+          <a:xfrm>
+            <a:off x="6287588" y="5274217"/>
+            <a:ext cx="5355771" cy="1323439"/>
+          </a:xfrm>
+          <a:prstGeom prst="rect">
+            <a:avLst/>
+          </a:prstGeom>
+          <a:noFill/>
+        </p:spPr>
+        <p:txBody>
+          <a:bodyPr wrap="square" rtlCol="0">
+            <a:spAutoFit/>
+          </a:bodyPr>
+          <a:lstStyle/>
+          <a:p>
+            <a:r>
+              <a:rPr lang="zh-TW" altLang="en-US" sz="8000" dirty="0" smtClean="0">
+                <a:solidFill>
+                  <a:schemeClr val="bg1">
+                    <a:lumMod val="75000"/>
+                  </a:schemeClr>
+                </a:solidFill>
+              </a:rPr>
+              <a:t>以感恩為祭</a:t>
+            </a:r>
+            <a:endParaRPr lang="en-GB" sz="8000" dirty="0">
+              <a:solidFill>
+                <a:schemeClr val="bg1">
+                  <a:lumMod val="75000"/>
+                </a:schemeClr>
+              </a:solidFill>
+            </a:endParaRPr>
+          </a:p>
+        </p:txBody>
+      </p:sp>
+    </p:spTree>
+    <p:extLst>
+      <p:ext uri="{BB962C8B-B14F-4D97-AF65-F5344CB8AC3E}">
+        <p14:creationId xmlns:p14="http://schemas.microsoft.com/office/powerpoint/2010/main" val="3970651136"/>
+      </p:ext>
+    </p:extLst>
+  </p:cSld>
+  <p:clrMapOvr>
+    <a:masterClrMapping/>
+  </p:clrMapOvr>
+  <p:timing>
+    <p:tnLst>
+      <p:par>
+        <p:cTn id="1" dur="indefinite" restart="never" nodeType="tmRoot"/>
+      </p:par>
+    </p:tnLst>
+  </p:timing>
+</p:sld>
+</file>
+
+<file path=ppt/slides/slide49.xml><?xml version="1.0" encoding="utf-8"?>
+<p:sld xmlns:a="http://schemas.openxmlformats.org/drawingml/2006/main" xmlns:r="http://schemas.openxmlformats.org/officeDocument/2006/relationships" xmlns:p="http://schemas.openxmlformats.org/presentationml/2006/main">
+  <p:cSld>
+    <p:spTree>
+      <p:nvGrpSpPr>
+        <p:cNvPr id="1" name=""/>
+        <p:cNvGrpSpPr/>
+        <p:nvPr/>
+      </p:nvGrpSpPr>
+      <p:grpSpPr>
+        <a:xfrm>
+          <a:off x="0" y="0"/>
+          <a:ext cx="0" cy="0"/>
+          <a:chOff x="0" y="0"/>
+          <a:chExt cx="0" cy="0"/>
+        </a:xfrm>
+      </p:grpSpPr>
+      <p:sp>
+        <p:nvSpPr>
+          <p:cNvPr id="4" name="文字方塊 3"/>
+          <p:cNvSpPr txBox="1"/>
+          <p:nvPr/>
+        </p:nvSpPr>
+        <p:spPr>
+          <a:xfrm>
+            <a:off x="513806" y="339634"/>
+            <a:ext cx="11129554" cy="2432589"/>
+          </a:xfrm>
+          <a:prstGeom prst="rect">
+            <a:avLst/>
+          </a:prstGeom>
+          <a:noFill/>
+        </p:spPr>
+        <p:txBody>
+          <a:bodyPr wrap="square" rtlCol="0">
+            <a:spAutoFit/>
+          </a:bodyPr>
+          <a:lstStyle/>
+          <a:p>
+            <a:pPr algn="just">
+              <a:lnSpc>
+                <a:spcPct val="150000"/>
+              </a:lnSpc>
+            </a:pPr>
+            <a:r>
+              <a:rPr lang="zh-TW" altLang="en-US" sz="5400" b="1" dirty="0" smtClean="0">
+                <a:latin typeface="Microsoft JhengHei" panose="020B0604030504040204" pitchFamily="34" charset="-120"/>
+                <a:ea typeface="Microsoft JhengHei" panose="020B0604030504040204" pitchFamily="34" charset="-120"/>
+              </a:rPr>
+              <a:t>和撒那，和撒那</a:t>
+            </a:r>
+            <a:endParaRPr lang="en-US" altLang="zh-TW" sz="5400" b="1" dirty="0" smtClean="0">
+              <a:latin typeface="Microsoft JhengHei" panose="020B0604030504040204" pitchFamily="34" charset="-120"/>
+              <a:ea typeface="Microsoft JhengHei" panose="020B0604030504040204" pitchFamily="34" charset="-120"/>
+            </a:endParaRPr>
+          </a:p>
+          <a:p>
+            <a:pPr algn="just">
+              <a:lnSpc>
+                <a:spcPct val="150000"/>
+              </a:lnSpc>
+            </a:pPr>
+            <a:r>
+              <a:rPr lang="zh-TW" altLang="en-US" sz="5400" b="1" dirty="0" smtClean="0">
+                <a:latin typeface="Microsoft JhengHei" panose="020B0604030504040204" pitchFamily="34" charset="-120"/>
+                <a:ea typeface="Microsoft JhengHei" panose="020B0604030504040204" pitchFamily="34" charset="-120"/>
+              </a:rPr>
+              <a:t>和撒那在那至高處</a:t>
+            </a:r>
+            <a:endParaRPr lang="en-GB" sz="5400" b="1" dirty="0">
+              <a:latin typeface="Microsoft JhengHei" panose="020B0604030504040204" pitchFamily="34" charset="-120"/>
+              <a:ea typeface="Microsoft JhengHei" panose="020B0604030504040204" pitchFamily="34" charset="-120"/>
+            </a:endParaRPr>
+          </a:p>
+        </p:txBody>
+      </p:sp>
+      <p:pic>
+        <p:nvPicPr>
+          <p:cNvPr id="5" name="圖片 4"/>
+          <p:cNvPicPr>
+            <a:picLocks noChangeAspect="1"/>
+          </p:cNvPicPr>
+          <p:nvPr/>
+        </p:nvPicPr>
+        <p:blipFill>
+          <a:blip r:embed="rId2" cstate="print">
+            <a:extLst>
+              <a:ext uri="{BEBA8EAE-BF5A-486C-A8C5-ECC9F3942E4B}">
+                <a14:imgProps xmlns:a14="http://schemas.microsoft.com/office/drawing/2010/main">
+                  <a14:imgLayer r:embed="rId3">
+                    <a14:imgEffect>
+                      <a14:saturation sat="99000"/>
+                    </a14:imgEffect>
+                  </a14:imgLayer>
+                </a14:imgProps>
+              </a:ext>
+              <a:ext uri="{28A0092B-C50C-407E-A947-70E740481C1C}">
+                <a14:useLocalDpi xmlns:a14="http://schemas.microsoft.com/office/drawing/2010/main" val="0"/>
+              </a:ext>
+            </a:extLst>
+          </a:blip>
+          <a:stretch>
+            <a:fillRect/>
+          </a:stretch>
+        </p:blipFill>
+        <p:spPr>
+          <a:xfrm>
+            <a:off x="513806" y="5322854"/>
+            <a:ext cx="5840812" cy="1274802"/>
+          </a:xfrm>
+          <a:prstGeom prst="rect">
+            <a:avLst/>
+          </a:prstGeom>
+          <a:effectLst>
+            <a:outerShdw blurRad="63500" dist="63500" dir="5400000" algn="ctr" rotWithShape="0">
+              <a:srgbClr val="000000">
+                <a:alpha val="50000"/>
+              </a:srgbClr>
+            </a:outerShdw>
+          </a:effectLst>
+        </p:spPr>
+      </p:pic>
+      <p:sp>
+        <p:nvSpPr>
+          <p:cNvPr id="6" name="文字方塊 5"/>
+          <p:cNvSpPr txBox="1"/>
+          <p:nvPr/>
+        </p:nvSpPr>
+        <p:spPr>
+          <a:xfrm>
+            <a:off x="8212183" y="5274217"/>
+            <a:ext cx="3431176" cy="1323439"/>
+          </a:xfrm>
+          <a:prstGeom prst="rect">
+            <a:avLst/>
+          </a:prstGeom>
+          <a:noFill/>
+        </p:spPr>
+        <p:txBody>
+          <a:bodyPr wrap="square" rtlCol="0">
+            <a:spAutoFit/>
+          </a:bodyPr>
+          <a:lstStyle/>
+          <a:p>
+            <a:r>
+              <a:rPr lang="zh-TW" altLang="en-US" sz="8000" dirty="0" smtClean="0">
+                <a:solidFill>
+                  <a:schemeClr val="bg1">
+                    <a:lumMod val="75000"/>
+                  </a:schemeClr>
+                </a:solidFill>
+              </a:rPr>
+              <a:t>和撒那</a:t>
+            </a:r>
+            <a:endParaRPr lang="en-GB" sz="8000" dirty="0">
+              <a:solidFill>
+                <a:schemeClr val="bg1">
+                  <a:lumMod val="75000"/>
+                </a:schemeClr>
+              </a:solidFill>
+            </a:endParaRPr>
+          </a:p>
+        </p:txBody>
+      </p:sp>
+    </p:spTree>
+    <p:extLst>
+      <p:ext uri="{BB962C8B-B14F-4D97-AF65-F5344CB8AC3E}">
+        <p14:creationId xmlns:p14="http://schemas.microsoft.com/office/powerpoint/2010/main" val="4092662040"/>
       </p:ext>
     </p:extLst>
   </p:cSld>
@@ -9502,6 +11596,1749 @@
     <p:extLst>
       <p:ext uri="{BB962C8B-B14F-4D97-AF65-F5344CB8AC3E}">
         <p14:creationId xmlns:p14="http://schemas.microsoft.com/office/powerpoint/2010/main" val="1531264358"/>
+      </p:ext>
+    </p:extLst>
+  </p:cSld>
+  <p:clrMapOvr>
+    <a:masterClrMapping/>
+  </p:clrMapOvr>
+  <p:timing>
+    <p:tnLst>
+      <p:par>
+        <p:cTn id="1" dur="indefinite" restart="never" nodeType="tmRoot"/>
+      </p:par>
+    </p:tnLst>
+  </p:timing>
+</p:sld>
+</file>
+
+<file path=ppt/slides/slide50.xml><?xml version="1.0" encoding="utf-8"?>
+<p:sld xmlns:a="http://schemas.openxmlformats.org/drawingml/2006/main" xmlns:r="http://schemas.openxmlformats.org/officeDocument/2006/relationships" xmlns:p="http://schemas.openxmlformats.org/presentationml/2006/main">
+  <p:cSld>
+    <p:spTree>
+      <p:nvGrpSpPr>
+        <p:cNvPr id="1" name=""/>
+        <p:cNvGrpSpPr/>
+        <p:nvPr/>
+      </p:nvGrpSpPr>
+      <p:grpSpPr>
+        <a:xfrm>
+          <a:off x="0" y="0"/>
+          <a:ext cx="0" cy="0"/>
+          <a:chOff x="0" y="0"/>
+          <a:chExt cx="0" cy="0"/>
+        </a:xfrm>
+      </p:grpSpPr>
+      <p:sp>
+        <p:nvSpPr>
+          <p:cNvPr id="4" name="文字方塊 3"/>
+          <p:cNvSpPr txBox="1"/>
+          <p:nvPr/>
+        </p:nvSpPr>
+        <p:spPr>
+          <a:xfrm>
+            <a:off x="513806" y="339634"/>
+            <a:ext cx="11129554" cy="2432589"/>
+          </a:xfrm>
+          <a:prstGeom prst="rect">
+            <a:avLst/>
+          </a:prstGeom>
+          <a:noFill/>
+        </p:spPr>
+        <p:txBody>
+          <a:bodyPr wrap="square" rtlCol="0">
+            <a:spAutoFit/>
+          </a:bodyPr>
+          <a:lstStyle/>
+          <a:p>
+            <a:pPr algn="just">
+              <a:lnSpc>
+                <a:spcPct val="150000"/>
+              </a:lnSpc>
+            </a:pPr>
+            <a:r>
+              <a:rPr lang="zh-TW" altLang="en-US" sz="5400" b="1" dirty="0" smtClean="0">
+                <a:latin typeface="Microsoft JhengHei" panose="020B0604030504040204" pitchFamily="34" charset="-120"/>
+                <a:ea typeface="Microsoft JhengHei" panose="020B0604030504040204" pitchFamily="34" charset="-120"/>
+              </a:rPr>
+              <a:t>和撒那，和撒那</a:t>
+            </a:r>
+            <a:endParaRPr lang="en-US" altLang="zh-TW" sz="5400" b="1" dirty="0" smtClean="0">
+              <a:latin typeface="Microsoft JhengHei" panose="020B0604030504040204" pitchFamily="34" charset="-120"/>
+              <a:ea typeface="Microsoft JhengHei" panose="020B0604030504040204" pitchFamily="34" charset="-120"/>
+            </a:endParaRPr>
+          </a:p>
+          <a:p>
+            <a:pPr algn="just">
+              <a:lnSpc>
+                <a:spcPct val="150000"/>
+              </a:lnSpc>
+            </a:pPr>
+            <a:r>
+              <a:rPr lang="zh-TW" altLang="en-US" sz="5400" b="1" dirty="0" smtClean="0">
+                <a:latin typeface="Microsoft JhengHei" panose="020B0604030504040204" pitchFamily="34" charset="-120"/>
+                <a:ea typeface="Microsoft JhengHei" panose="020B0604030504040204" pitchFamily="34" charset="-120"/>
+              </a:rPr>
+              <a:t>和撒那在那至高處</a:t>
+            </a:r>
+            <a:endParaRPr lang="en-GB" sz="5400" b="1" dirty="0">
+              <a:latin typeface="Microsoft JhengHei" panose="020B0604030504040204" pitchFamily="34" charset="-120"/>
+              <a:ea typeface="Microsoft JhengHei" panose="020B0604030504040204" pitchFamily="34" charset="-120"/>
+            </a:endParaRPr>
+          </a:p>
+        </p:txBody>
+      </p:sp>
+      <p:pic>
+        <p:nvPicPr>
+          <p:cNvPr id="5" name="圖片 4"/>
+          <p:cNvPicPr>
+            <a:picLocks noChangeAspect="1"/>
+          </p:cNvPicPr>
+          <p:nvPr/>
+        </p:nvPicPr>
+        <p:blipFill>
+          <a:blip r:embed="rId2" cstate="print">
+            <a:extLst>
+              <a:ext uri="{BEBA8EAE-BF5A-486C-A8C5-ECC9F3942E4B}">
+                <a14:imgProps xmlns:a14="http://schemas.microsoft.com/office/drawing/2010/main">
+                  <a14:imgLayer r:embed="rId3">
+                    <a14:imgEffect>
+                      <a14:saturation sat="99000"/>
+                    </a14:imgEffect>
+                  </a14:imgLayer>
+                </a14:imgProps>
+              </a:ext>
+              <a:ext uri="{28A0092B-C50C-407E-A947-70E740481C1C}">
+                <a14:useLocalDpi xmlns:a14="http://schemas.microsoft.com/office/drawing/2010/main" val="0"/>
+              </a:ext>
+            </a:extLst>
+          </a:blip>
+          <a:stretch>
+            <a:fillRect/>
+          </a:stretch>
+        </p:blipFill>
+        <p:spPr>
+          <a:xfrm>
+            <a:off x="513806" y="5322854"/>
+            <a:ext cx="5840812" cy="1274802"/>
+          </a:xfrm>
+          <a:prstGeom prst="rect">
+            <a:avLst/>
+          </a:prstGeom>
+          <a:effectLst>
+            <a:outerShdw blurRad="63500" dist="63500" dir="5400000" algn="ctr" rotWithShape="0">
+              <a:srgbClr val="000000">
+                <a:alpha val="50000"/>
+              </a:srgbClr>
+            </a:outerShdw>
+          </a:effectLst>
+        </p:spPr>
+      </p:pic>
+      <p:sp>
+        <p:nvSpPr>
+          <p:cNvPr id="6" name="文字方塊 5"/>
+          <p:cNvSpPr txBox="1"/>
+          <p:nvPr/>
+        </p:nvSpPr>
+        <p:spPr>
+          <a:xfrm>
+            <a:off x="8212183" y="5274217"/>
+            <a:ext cx="3431176" cy="1323439"/>
+          </a:xfrm>
+          <a:prstGeom prst="rect">
+            <a:avLst/>
+          </a:prstGeom>
+          <a:noFill/>
+        </p:spPr>
+        <p:txBody>
+          <a:bodyPr wrap="square" rtlCol="0">
+            <a:spAutoFit/>
+          </a:bodyPr>
+          <a:lstStyle/>
+          <a:p>
+            <a:r>
+              <a:rPr lang="zh-TW" altLang="en-US" sz="8000" dirty="0" smtClean="0">
+                <a:solidFill>
+                  <a:schemeClr val="bg1">
+                    <a:lumMod val="75000"/>
+                  </a:schemeClr>
+                </a:solidFill>
+              </a:rPr>
+              <a:t>和撒那</a:t>
+            </a:r>
+            <a:endParaRPr lang="en-GB" sz="8000" dirty="0">
+              <a:solidFill>
+                <a:schemeClr val="bg1">
+                  <a:lumMod val="75000"/>
+                </a:schemeClr>
+              </a:solidFill>
+            </a:endParaRPr>
+          </a:p>
+        </p:txBody>
+      </p:sp>
+    </p:spTree>
+    <p:extLst>
+      <p:ext uri="{BB962C8B-B14F-4D97-AF65-F5344CB8AC3E}">
+        <p14:creationId xmlns:p14="http://schemas.microsoft.com/office/powerpoint/2010/main" val="1850610529"/>
+      </p:ext>
+    </p:extLst>
+  </p:cSld>
+  <p:clrMapOvr>
+    <a:masterClrMapping/>
+  </p:clrMapOvr>
+  <p:timing>
+    <p:tnLst>
+      <p:par>
+        <p:cTn id="1" dur="indefinite" restart="never" nodeType="tmRoot"/>
+      </p:par>
+    </p:tnLst>
+  </p:timing>
+</p:sld>
+</file>
+
+<file path=ppt/slides/slide51.xml><?xml version="1.0" encoding="utf-8"?>
+<p:sld xmlns:a="http://schemas.openxmlformats.org/drawingml/2006/main" xmlns:r="http://schemas.openxmlformats.org/officeDocument/2006/relationships" xmlns:p="http://schemas.openxmlformats.org/presentationml/2006/main">
+  <p:cSld>
+    <p:spTree>
+      <p:nvGrpSpPr>
+        <p:cNvPr id="1" name=""/>
+        <p:cNvGrpSpPr/>
+        <p:nvPr/>
+      </p:nvGrpSpPr>
+      <p:grpSpPr>
+        <a:xfrm>
+          <a:off x="0" y="0"/>
+          <a:ext cx="0" cy="0"/>
+          <a:chOff x="0" y="0"/>
+          <a:chExt cx="0" cy="0"/>
+        </a:xfrm>
+      </p:grpSpPr>
+      <p:sp>
+        <p:nvSpPr>
+          <p:cNvPr id="4" name="文字方塊 3"/>
+          <p:cNvSpPr txBox="1"/>
+          <p:nvPr/>
+        </p:nvSpPr>
+        <p:spPr>
+          <a:xfrm>
+            <a:off x="513806" y="339634"/>
+            <a:ext cx="11129554" cy="2432589"/>
+          </a:xfrm>
+          <a:prstGeom prst="rect">
+            <a:avLst/>
+          </a:prstGeom>
+          <a:noFill/>
+        </p:spPr>
+        <p:txBody>
+          <a:bodyPr wrap="square" rtlCol="0">
+            <a:spAutoFit/>
+          </a:bodyPr>
+          <a:lstStyle/>
+          <a:p>
+            <a:pPr algn="just">
+              <a:lnSpc>
+                <a:spcPct val="150000"/>
+              </a:lnSpc>
+            </a:pPr>
+            <a:r>
+              <a:rPr lang="zh-TW" altLang="en-US" sz="5400" b="1" dirty="0" smtClean="0">
+                <a:latin typeface="Microsoft JhengHei" panose="020B0604030504040204" pitchFamily="34" charset="-120"/>
+                <a:ea typeface="Microsoft JhengHei" panose="020B0604030504040204" pitchFamily="34" charset="-120"/>
+              </a:rPr>
+              <a:t>我們高舉祢名</a:t>
+            </a:r>
+            <a:endParaRPr lang="en-US" altLang="zh-TW" sz="5400" b="1" dirty="0" smtClean="0">
+              <a:latin typeface="Microsoft JhengHei" panose="020B0604030504040204" pitchFamily="34" charset="-120"/>
+              <a:ea typeface="Microsoft JhengHei" panose="020B0604030504040204" pitchFamily="34" charset="-120"/>
+            </a:endParaRPr>
+          </a:p>
+          <a:p>
+            <a:pPr algn="just">
+              <a:lnSpc>
+                <a:spcPct val="150000"/>
+              </a:lnSpc>
+            </a:pPr>
+            <a:r>
+              <a:rPr lang="zh-TW" altLang="en-US" sz="5400" b="1" dirty="0" smtClean="0">
+                <a:latin typeface="Microsoft JhengHei" panose="020B0604030504040204" pitchFamily="34" charset="-120"/>
+                <a:ea typeface="Microsoft JhengHei" panose="020B0604030504040204" pitchFamily="34" charset="-120"/>
+              </a:rPr>
+              <a:t>心中充滿讚美</a:t>
+            </a:r>
+            <a:endParaRPr lang="en-GB" sz="5400" b="1" dirty="0">
+              <a:latin typeface="Microsoft JhengHei" panose="020B0604030504040204" pitchFamily="34" charset="-120"/>
+              <a:ea typeface="Microsoft JhengHei" panose="020B0604030504040204" pitchFamily="34" charset="-120"/>
+            </a:endParaRPr>
+          </a:p>
+        </p:txBody>
+      </p:sp>
+      <p:pic>
+        <p:nvPicPr>
+          <p:cNvPr id="5" name="圖片 4"/>
+          <p:cNvPicPr>
+            <a:picLocks noChangeAspect="1"/>
+          </p:cNvPicPr>
+          <p:nvPr/>
+        </p:nvPicPr>
+        <p:blipFill>
+          <a:blip r:embed="rId2" cstate="print">
+            <a:extLst>
+              <a:ext uri="{BEBA8EAE-BF5A-486C-A8C5-ECC9F3942E4B}">
+                <a14:imgProps xmlns:a14="http://schemas.microsoft.com/office/drawing/2010/main">
+                  <a14:imgLayer r:embed="rId3">
+                    <a14:imgEffect>
+                      <a14:saturation sat="99000"/>
+                    </a14:imgEffect>
+                  </a14:imgLayer>
+                </a14:imgProps>
+              </a:ext>
+              <a:ext uri="{28A0092B-C50C-407E-A947-70E740481C1C}">
+                <a14:useLocalDpi xmlns:a14="http://schemas.microsoft.com/office/drawing/2010/main" val="0"/>
+              </a:ext>
+            </a:extLst>
+          </a:blip>
+          <a:stretch>
+            <a:fillRect/>
+          </a:stretch>
+        </p:blipFill>
+        <p:spPr>
+          <a:xfrm>
+            <a:off x="513806" y="5322854"/>
+            <a:ext cx="5840812" cy="1274802"/>
+          </a:xfrm>
+          <a:prstGeom prst="rect">
+            <a:avLst/>
+          </a:prstGeom>
+          <a:effectLst>
+            <a:outerShdw blurRad="63500" dist="63500" dir="5400000" algn="ctr" rotWithShape="0">
+              <a:srgbClr val="000000">
+                <a:alpha val="50000"/>
+              </a:srgbClr>
+            </a:outerShdw>
+          </a:effectLst>
+        </p:spPr>
+      </p:pic>
+      <p:sp>
+        <p:nvSpPr>
+          <p:cNvPr id="6" name="文字方塊 5"/>
+          <p:cNvSpPr txBox="1"/>
+          <p:nvPr/>
+        </p:nvSpPr>
+        <p:spPr>
+          <a:xfrm>
+            <a:off x="8212183" y="5274217"/>
+            <a:ext cx="3431176" cy="1323439"/>
+          </a:xfrm>
+          <a:prstGeom prst="rect">
+            <a:avLst/>
+          </a:prstGeom>
+          <a:noFill/>
+        </p:spPr>
+        <p:txBody>
+          <a:bodyPr wrap="square" rtlCol="0">
+            <a:spAutoFit/>
+          </a:bodyPr>
+          <a:lstStyle/>
+          <a:p>
+            <a:r>
+              <a:rPr lang="zh-TW" altLang="en-US" sz="8000" dirty="0" smtClean="0">
+                <a:solidFill>
+                  <a:schemeClr val="bg1">
+                    <a:lumMod val="75000"/>
+                  </a:schemeClr>
+                </a:solidFill>
+              </a:rPr>
+              <a:t>和撒那</a:t>
+            </a:r>
+            <a:endParaRPr lang="en-GB" sz="8000" dirty="0">
+              <a:solidFill>
+                <a:schemeClr val="bg1">
+                  <a:lumMod val="75000"/>
+                </a:schemeClr>
+              </a:solidFill>
+            </a:endParaRPr>
+          </a:p>
+        </p:txBody>
+      </p:sp>
+    </p:spTree>
+    <p:extLst>
+      <p:ext uri="{BB962C8B-B14F-4D97-AF65-F5344CB8AC3E}">
+        <p14:creationId xmlns:p14="http://schemas.microsoft.com/office/powerpoint/2010/main" val="3226823422"/>
+      </p:ext>
+    </p:extLst>
+  </p:cSld>
+  <p:clrMapOvr>
+    <a:masterClrMapping/>
+  </p:clrMapOvr>
+  <p:timing>
+    <p:tnLst>
+      <p:par>
+        <p:cTn id="1" dur="indefinite" restart="never" nodeType="tmRoot"/>
+      </p:par>
+    </p:tnLst>
+  </p:timing>
+</p:sld>
+</file>
+
+<file path=ppt/slides/slide52.xml><?xml version="1.0" encoding="utf-8"?>
+<p:sld xmlns:a="http://schemas.openxmlformats.org/drawingml/2006/main" xmlns:r="http://schemas.openxmlformats.org/officeDocument/2006/relationships" xmlns:p="http://schemas.openxmlformats.org/presentationml/2006/main">
+  <p:cSld>
+    <p:spTree>
+      <p:nvGrpSpPr>
+        <p:cNvPr id="1" name=""/>
+        <p:cNvGrpSpPr/>
+        <p:nvPr/>
+      </p:nvGrpSpPr>
+      <p:grpSpPr>
+        <a:xfrm>
+          <a:off x="0" y="0"/>
+          <a:ext cx="0" cy="0"/>
+          <a:chOff x="0" y="0"/>
+          <a:chExt cx="0" cy="0"/>
+        </a:xfrm>
+      </p:grpSpPr>
+      <p:sp>
+        <p:nvSpPr>
+          <p:cNvPr id="4" name="文字方塊 3"/>
+          <p:cNvSpPr txBox="1"/>
+          <p:nvPr/>
+        </p:nvSpPr>
+        <p:spPr>
+          <a:xfrm>
+            <a:off x="513806" y="339634"/>
+            <a:ext cx="11129554" cy="2585323"/>
+          </a:xfrm>
+          <a:prstGeom prst="rect">
+            <a:avLst/>
+          </a:prstGeom>
+          <a:noFill/>
+        </p:spPr>
+        <p:txBody>
+          <a:bodyPr wrap="square" rtlCol="0">
+            <a:spAutoFit/>
+          </a:bodyPr>
+          <a:lstStyle/>
+          <a:p>
+            <a:pPr algn="just">
+              <a:lnSpc>
+                <a:spcPct val="150000"/>
+              </a:lnSpc>
+            </a:pPr>
+            <a:r>
+              <a:rPr lang="zh-TW" altLang="en-US" sz="5400" b="1" dirty="0" smtClean="0">
+                <a:latin typeface="Microsoft JhengHei" panose="020B0604030504040204" pitchFamily="34" charset="-120"/>
+                <a:ea typeface="Microsoft JhengHei" panose="020B0604030504040204" pitchFamily="34" charset="-120"/>
+              </a:rPr>
+              <a:t>齊來高舉我主我神</a:t>
+            </a:r>
+            <a:endParaRPr lang="en-US" altLang="zh-TW" sz="5400" b="1" dirty="0" smtClean="0">
+              <a:latin typeface="Microsoft JhengHei" panose="020B0604030504040204" pitchFamily="34" charset="-120"/>
+              <a:ea typeface="Microsoft JhengHei" panose="020B0604030504040204" pitchFamily="34" charset="-120"/>
+            </a:endParaRPr>
+          </a:p>
+          <a:p>
+            <a:pPr algn="just">
+              <a:lnSpc>
+                <a:spcPct val="150000"/>
+              </a:lnSpc>
+            </a:pPr>
+            <a:r>
+              <a:rPr lang="zh-TW" altLang="en-US" sz="5400" b="1" dirty="0" smtClean="0">
+                <a:latin typeface="Microsoft JhengHei" panose="020B0604030504040204" pitchFamily="34" charset="-120"/>
+                <a:ea typeface="Microsoft JhengHei" panose="020B0604030504040204" pitchFamily="34" charset="-120"/>
+              </a:rPr>
+              <a:t>和撒那歸萬王之王</a:t>
+            </a:r>
+            <a:endParaRPr lang="en-GB" sz="5400" b="1" dirty="0">
+              <a:latin typeface="Microsoft JhengHei" panose="020B0604030504040204" pitchFamily="34" charset="-120"/>
+              <a:ea typeface="Microsoft JhengHei" panose="020B0604030504040204" pitchFamily="34" charset="-120"/>
+            </a:endParaRPr>
+          </a:p>
+        </p:txBody>
+      </p:sp>
+      <p:pic>
+        <p:nvPicPr>
+          <p:cNvPr id="5" name="圖片 4"/>
+          <p:cNvPicPr>
+            <a:picLocks noChangeAspect="1"/>
+          </p:cNvPicPr>
+          <p:nvPr/>
+        </p:nvPicPr>
+        <p:blipFill>
+          <a:blip r:embed="rId2" cstate="print">
+            <a:extLst>
+              <a:ext uri="{BEBA8EAE-BF5A-486C-A8C5-ECC9F3942E4B}">
+                <a14:imgProps xmlns:a14="http://schemas.microsoft.com/office/drawing/2010/main">
+                  <a14:imgLayer r:embed="rId3">
+                    <a14:imgEffect>
+                      <a14:saturation sat="99000"/>
+                    </a14:imgEffect>
+                  </a14:imgLayer>
+                </a14:imgProps>
+              </a:ext>
+              <a:ext uri="{28A0092B-C50C-407E-A947-70E740481C1C}">
+                <a14:useLocalDpi xmlns:a14="http://schemas.microsoft.com/office/drawing/2010/main" val="0"/>
+              </a:ext>
+            </a:extLst>
+          </a:blip>
+          <a:stretch>
+            <a:fillRect/>
+          </a:stretch>
+        </p:blipFill>
+        <p:spPr>
+          <a:xfrm>
+            <a:off x="513806" y="5322854"/>
+            <a:ext cx="5840812" cy="1274802"/>
+          </a:xfrm>
+          <a:prstGeom prst="rect">
+            <a:avLst/>
+          </a:prstGeom>
+          <a:effectLst>
+            <a:outerShdw blurRad="63500" dist="63500" dir="5400000" algn="ctr" rotWithShape="0">
+              <a:srgbClr val="000000">
+                <a:alpha val="50000"/>
+              </a:srgbClr>
+            </a:outerShdw>
+          </a:effectLst>
+        </p:spPr>
+      </p:pic>
+      <p:sp>
+        <p:nvSpPr>
+          <p:cNvPr id="6" name="文字方塊 5"/>
+          <p:cNvSpPr txBox="1"/>
+          <p:nvPr/>
+        </p:nvSpPr>
+        <p:spPr>
+          <a:xfrm>
+            <a:off x="8212183" y="5274217"/>
+            <a:ext cx="3431176" cy="1323439"/>
+          </a:xfrm>
+          <a:prstGeom prst="rect">
+            <a:avLst/>
+          </a:prstGeom>
+          <a:noFill/>
+        </p:spPr>
+        <p:txBody>
+          <a:bodyPr wrap="square" rtlCol="0">
+            <a:spAutoFit/>
+          </a:bodyPr>
+          <a:lstStyle/>
+          <a:p>
+            <a:r>
+              <a:rPr lang="zh-TW" altLang="en-US" sz="8000" dirty="0" smtClean="0">
+                <a:solidFill>
+                  <a:schemeClr val="bg1">
+                    <a:lumMod val="75000"/>
+                  </a:schemeClr>
+                </a:solidFill>
+              </a:rPr>
+              <a:t>和撒那</a:t>
+            </a:r>
+            <a:endParaRPr lang="en-GB" sz="8000" dirty="0">
+              <a:solidFill>
+                <a:schemeClr val="bg1">
+                  <a:lumMod val="75000"/>
+                </a:schemeClr>
+              </a:solidFill>
+            </a:endParaRPr>
+          </a:p>
+        </p:txBody>
+      </p:sp>
+    </p:spTree>
+    <p:extLst>
+      <p:ext uri="{BB962C8B-B14F-4D97-AF65-F5344CB8AC3E}">
+        <p14:creationId xmlns:p14="http://schemas.microsoft.com/office/powerpoint/2010/main" val="2472607914"/>
+      </p:ext>
+    </p:extLst>
+  </p:cSld>
+  <p:clrMapOvr>
+    <a:masterClrMapping/>
+  </p:clrMapOvr>
+  <p:timing>
+    <p:tnLst>
+      <p:par>
+        <p:cTn id="1" dur="indefinite" restart="never" nodeType="tmRoot"/>
+      </p:par>
+    </p:tnLst>
+  </p:timing>
+</p:sld>
+</file>
+
+<file path=ppt/slides/slide53.xml><?xml version="1.0" encoding="utf-8"?>
+<p:sld xmlns:a="http://schemas.openxmlformats.org/drawingml/2006/main" xmlns:r="http://schemas.openxmlformats.org/officeDocument/2006/relationships" xmlns:p="http://schemas.openxmlformats.org/presentationml/2006/main">
+  <p:cSld>
+    <p:spTree>
+      <p:nvGrpSpPr>
+        <p:cNvPr id="1" name=""/>
+        <p:cNvGrpSpPr/>
+        <p:nvPr/>
+      </p:nvGrpSpPr>
+      <p:grpSpPr>
+        <a:xfrm>
+          <a:off x="0" y="0"/>
+          <a:ext cx="0" cy="0"/>
+          <a:chOff x="0" y="0"/>
+          <a:chExt cx="0" cy="0"/>
+        </a:xfrm>
+      </p:grpSpPr>
+      <p:sp>
+        <p:nvSpPr>
+          <p:cNvPr id="4" name="文字方塊 3"/>
+          <p:cNvSpPr txBox="1"/>
+          <p:nvPr/>
+        </p:nvSpPr>
+        <p:spPr>
+          <a:xfrm>
+            <a:off x="513806" y="339634"/>
+            <a:ext cx="11129554" cy="2585323"/>
+          </a:xfrm>
+          <a:prstGeom prst="rect">
+            <a:avLst/>
+          </a:prstGeom>
+          <a:noFill/>
+        </p:spPr>
+        <p:txBody>
+          <a:bodyPr wrap="square" rtlCol="0">
+            <a:spAutoFit/>
+          </a:bodyPr>
+          <a:lstStyle/>
+          <a:p>
+            <a:pPr algn="just">
+              <a:lnSpc>
+                <a:spcPct val="150000"/>
+              </a:lnSpc>
+            </a:pPr>
+            <a:r>
+              <a:rPr lang="zh-TW" altLang="en-US" sz="5400" b="1" dirty="0" smtClean="0">
+                <a:latin typeface="Microsoft JhengHei" panose="020B0604030504040204" pitchFamily="34" charset="-120"/>
+                <a:ea typeface="Microsoft JhengHei" panose="020B0604030504040204" pitchFamily="34" charset="-120"/>
+              </a:rPr>
+              <a:t>榮耀，榮耀</a:t>
+            </a:r>
+            <a:endParaRPr lang="en-US" altLang="zh-TW" sz="5400" b="1" dirty="0" smtClean="0">
+              <a:latin typeface="Microsoft JhengHei" panose="020B0604030504040204" pitchFamily="34" charset="-120"/>
+              <a:ea typeface="Microsoft JhengHei" panose="020B0604030504040204" pitchFamily="34" charset="-120"/>
+            </a:endParaRPr>
+          </a:p>
+          <a:p>
+            <a:pPr algn="just">
+              <a:lnSpc>
+                <a:spcPct val="150000"/>
+              </a:lnSpc>
+            </a:pPr>
+            <a:r>
+              <a:rPr lang="zh-TW" altLang="en-US" sz="5400" b="1" dirty="0" smtClean="0">
+                <a:latin typeface="Microsoft JhengHei" panose="020B0604030504040204" pitchFamily="34" charset="-120"/>
+                <a:ea typeface="Microsoft JhengHei" panose="020B0604030504040204" pitchFamily="34" charset="-120"/>
+              </a:rPr>
+              <a:t>榮耀歸萬王之王</a:t>
+            </a:r>
+            <a:endParaRPr lang="en-GB" sz="5400" b="1" dirty="0">
+              <a:latin typeface="Microsoft JhengHei" panose="020B0604030504040204" pitchFamily="34" charset="-120"/>
+              <a:ea typeface="Microsoft JhengHei" panose="020B0604030504040204" pitchFamily="34" charset="-120"/>
+            </a:endParaRPr>
+          </a:p>
+        </p:txBody>
+      </p:sp>
+      <p:pic>
+        <p:nvPicPr>
+          <p:cNvPr id="5" name="圖片 4"/>
+          <p:cNvPicPr>
+            <a:picLocks noChangeAspect="1"/>
+          </p:cNvPicPr>
+          <p:nvPr/>
+        </p:nvPicPr>
+        <p:blipFill>
+          <a:blip r:embed="rId2" cstate="print">
+            <a:extLst>
+              <a:ext uri="{BEBA8EAE-BF5A-486C-A8C5-ECC9F3942E4B}">
+                <a14:imgProps xmlns:a14="http://schemas.microsoft.com/office/drawing/2010/main">
+                  <a14:imgLayer r:embed="rId3">
+                    <a14:imgEffect>
+                      <a14:saturation sat="99000"/>
+                    </a14:imgEffect>
+                  </a14:imgLayer>
+                </a14:imgProps>
+              </a:ext>
+              <a:ext uri="{28A0092B-C50C-407E-A947-70E740481C1C}">
+                <a14:useLocalDpi xmlns:a14="http://schemas.microsoft.com/office/drawing/2010/main" val="0"/>
+              </a:ext>
+            </a:extLst>
+          </a:blip>
+          <a:stretch>
+            <a:fillRect/>
+          </a:stretch>
+        </p:blipFill>
+        <p:spPr>
+          <a:xfrm>
+            <a:off x="513806" y="5322854"/>
+            <a:ext cx="5840812" cy="1274802"/>
+          </a:xfrm>
+          <a:prstGeom prst="rect">
+            <a:avLst/>
+          </a:prstGeom>
+          <a:effectLst>
+            <a:outerShdw blurRad="63500" dist="63500" dir="5400000" algn="ctr" rotWithShape="0">
+              <a:srgbClr val="000000">
+                <a:alpha val="50000"/>
+              </a:srgbClr>
+            </a:outerShdw>
+          </a:effectLst>
+        </p:spPr>
+      </p:pic>
+      <p:sp>
+        <p:nvSpPr>
+          <p:cNvPr id="6" name="文字方塊 5"/>
+          <p:cNvSpPr txBox="1"/>
+          <p:nvPr/>
+        </p:nvSpPr>
+        <p:spPr>
+          <a:xfrm>
+            <a:off x="8212183" y="5274217"/>
+            <a:ext cx="3431176" cy="1323439"/>
+          </a:xfrm>
+          <a:prstGeom prst="rect">
+            <a:avLst/>
+          </a:prstGeom>
+          <a:noFill/>
+        </p:spPr>
+        <p:txBody>
+          <a:bodyPr wrap="square" rtlCol="0">
+            <a:spAutoFit/>
+          </a:bodyPr>
+          <a:lstStyle/>
+          <a:p>
+            <a:r>
+              <a:rPr lang="zh-TW" altLang="en-US" sz="8000" dirty="0" smtClean="0">
+                <a:solidFill>
+                  <a:schemeClr val="bg1">
+                    <a:lumMod val="75000"/>
+                  </a:schemeClr>
+                </a:solidFill>
+              </a:rPr>
+              <a:t>和撒那</a:t>
+            </a:r>
+            <a:endParaRPr lang="en-GB" sz="8000" dirty="0">
+              <a:solidFill>
+                <a:schemeClr val="bg1">
+                  <a:lumMod val="75000"/>
+                </a:schemeClr>
+              </a:solidFill>
+            </a:endParaRPr>
+          </a:p>
+        </p:txBody>
+      </p:sp>
+    </p:spTree>
+    <p:extLst>
+      <p:ext uri="{BB962C8B-B14F-4D97-AF65-F5344CB8AC3E}">
+        <p14:creationId xmlns:p14="http://schemas.microsoft.com/office/powerpoint/2010/main" val="2794781147"/>
+      </p:ext>
+    </p:extLst>
+  </p:cSld>
+  <p:clrMapOvr>
+    <a:masterClrMapping/>
+  </p:clrMapOvr>
+  <p:timing>
+    <p:tnLst>
+      <p:par>
+        <p:cTn id="1" dur="indefinite" restart="never" nodeType="tmRoot"/>
+      </p:par>
+    </p:tnLst>
+  </p:timing>
+</p:sld>
+</file>
+
+<file path=ppt/slides/slide54.xml><?xml version="1.0" encoding="utf-8"?>
+<p:sld xmlns:a="http://schemas.openxmlformats.org/drawingml/2006/main" xmlns:r="http://schemas.openxmlformats.org/officeDocument/2006/relationships" xmlns:p="http://schemas.openxmlformats.org/presentationml/2006/main">
+  <p:cSld>
+    <p:spTree>
+      <p:nvGrpSpPr>
+        <p:cNvPr id="1" name=""/>
+        <p:cNvGrpSpPr/>
+        <p:nvPr/>
+      </p:nvGrpSpPr>
+      <p:grpSpPr>
+        <a:xfrm>
+          <a:off x="0" y="0"/>
+          <a:ext cx="0" cy="0"/>
+          <a:chOff x="0" y="0"/>
+          <a:chExt cx="0" cy="0"/>
+        </a:xfrm>
+      </p:grpSpPr>
+      <p:sp>
+        <p:nvSpPr>
+          <p:cNvPr id="4" name="文字方塊 3"/>
+          <p:cNvSpPr txBox="1"/>
+          <p:nvPr/>
+        </p:nvSpPr>
+        <p:spPr>
+          <a:xfrm>
+            <a:off x="513806" y="339634"/>
+            <a:ext cx="11129554" cy="2585323"/>
+          </a:xfrm>
+          <a:prstGeom prst="rect">
+            <a:avLst/>
+          </a:prstGeom>
+          <a:noFill/>
+        </p:spPr>
+        <p:txBody>
+          <a:bodyPr wrap="square" rtlCol="0">
+            <a:spAutoFit/>
+          </a:bodyPr>
+          <a:lstStyle/>
+          <a:p>
+            <a:pPr algn="just">
+              <a:lnSpc>
+                <a:spcPct val="150000"/>
+              </a:lnSpc>
+            </a:pPr>
+            <a:r>
+              <a:rPr lang="zh-TW" altLang="en-US" sz="5400" b="1" dirty="0" smtClean="0">
+                <a:latin typeface="Microsoft JhengHei" panose="020B0604030504040204" pitchFamily="34" charset="-120"/>
+                <a:ea typeface="Microsoft JhengHei" panose="020B0604030504040204" pitchFamily="34" charset="-120"/>
+              </a:rPr>
+              <a:t>榮耀，榮耀</a:t>
+            </a:r>
+            <a:endParaRPr lang="en-US" altLang="zh-TW" sz="5400" b="1" dirty="0" smtClean="0">
+              <a:latin typeface="Microsoft JhengHei" panose="020B0604030504040204" pitchFamily="34" charset="-120"/>
+              <a:ea typeface="Microsoft JhengHei" panose="020B0604030504040204" pitchFamily="34" charset="-120"/>
+            </a:endParaRPr>
+          </a:p>
+          <a:p>
+            <a:pPr algn="just">
+              <a:lnSpc>
+                <a:spcPct val="150000"/>
+              </a:lnSpc>
+            </a:pPr>
+            <a:r>
+              <a:rPr lang="zh-TW" altLang="en-US" sz="5400" b="1" dirty="0" smtClean="0">
+                <a:latin typeface="Microsoft JhengHei" panose="020B0604030504040204" pitchFamily="34" charset="-120"/>
+                <a:ea typeface="Microsoft JhengHei" panose="020B0604030504040204" pitchFamily="34" charset="-120"/>
+              </a:rPr>
+              <a:t>榮耀歸萬王之王</a:t>
+            </a:r>
+            <a:endParaRPr lang="en-GB" sz="5400" b="1" dirty="0">
+              <a:latin typeface="Microsoft JhengHei" panose="020B0604030504040204" pitchFamily="34" charset="-120"/>
+              <a:ea typeface="Microsoft JhengHei" panose="020B0604030504040204" pitchFamily="34" charset="-120"/>
+            </a:endParaRPr>
+          </a:p>
+        </p:txBody>
+      </p:sp>
+      <p:pic>
+        <p:nvPicPr>
+          <p:cNvPr id="5" name="圖片 4"/>
+          <p:cNvPicPr>
+            <a:picLocks noChangeAspect="1"/>
+          </p:cNvPicPr>
+          <p:nvPr/>
+        </p:nvPicPr>
+        <p:blipFill>
+          <a:blip r:embed="rId2" cstate="print">
+            <a:extLst>
+              <a:ext uri="{BEBA8EAE-BF5A-486C-A8C5-ECC9F3942E4B}">
+                <a14:imgProps xmlns:a14="http://schemas.microsoft.com/office/drawing/2010/main">
+                  <a14:imgLayer r:embed="rId3">
+                    <a14:imgEffect>
+                      <a14:saturation sat="99000"/>
+                    </a14:imgEffect>
+                  </a14:imgLayer>
+                </a14:imgProps>
+              </a:ext>
+              <a:ext uri="{28A0092B-C50C-407E-A947-70E740481C1C}">
+                <a14:useLocalDpi xmlns:a14="http://schemas.microsoft.com/office/drawing/2010/main" val="0"/>
+              </a:ext>
+            </a:extLst>
+          </a:blip>
+          <a:stretch>
+            <a:fillRect/>
+          </a:stretch>
+        </p:blipFill>
+        <p:spPr>
+          <a:xfrm>
+            <a:off x="513806" y="5322854"/>
+            <a:ext cx="5840812" cy="1274802"/>
+          </a:xfrm>
+          <a:prstGeom prst="rect">
+            <a:avLst/>
+          </a:prstGeom>
+          <a:effectLst>
+            <a:outerShdw blurRad="63500" dist="63500" dir="5400000" algn="ctr" rotWithShape="0">
+              <a:srgbClr val="000000">
+                <a:alpha val="50000"/>
+              </a:srgbClr>
+            </a:outerShdw>
+          </a:effectLst>
+        </p:spPr>
+      </p:pic>
+      <p:sp>
+        <p:nvSpPr>
+          <p:cNvPr id="6" name="文字方塊 5"/>
+          <p:cNvSpPr txBox="1"/>
+          <p:nvPr/>
+        </p:nvSpPr>
+        <p:spPr>
+          <a:xfrm>
+            <a:off x="8212183" y="5274217"/>
+            <a:ext cx="3431176" cy="1323439"/>
+          </a:xfrm>
+          <a:prstGeom prst="rect">
+            <a:avLst/>
+          </a:prstGeom>
+          <a:noFill/>
+        </p:spPr>
+        <p:txBody>
+          <a:bodyPr wrap="square" rtlCol="0">
+            <a:spAutoFit/>
+          </a:bodyPr>
+          <a:lstStyle/>
+          <a:p>
+            <a:r>
+              <a:rPr lang="zh-TW" altLang="en-US" sz="8000" dirty="0" smtClean="0">
+                <a:solidFill>
+                  <a:schemeClr val="bg1">
+                    <a:lumMod val="75000"/>
+                  </a:schemeClr>
+                </a:solidFill>
+              </a:rPr>
+              <a:t>和撒那</a:t>
+            </a:r>
+            <a:endParaRPr lang="en-GB" sz="8000" dirty="0">
+              <a:solidFill>
+                <a:schemeClr val="bg1">
+                  <a:lumMod val="75000"/>
+                </a:schemeClr>
+              </a:solidFill>
+            </a:endParaRPr>
+          </a:p>
+        </p:txBody>
+      </p:sp>
+    </p:spTree>
+    <p:extLst>
+      <p:ext uri="{BB962C8B-B14F-4D97-AF65-F5344CB8AC3E}">
+        <p14:creationId xmlns:p14="http://schemas.microsoft.com/office/powerpoint/2010/main" val="3503814712"/>
+      </p:ext>
+    </p:extLst>
+  </p:cSld>
+  <p:clrMapOvr>
+    <a:masterClrMapping/>
+  </p:clrMapOvr>
+  <p:timing>
+    <p:tnLst>
+      <p:par>
+        <p:cTn id="1" dur="indefinite" restart="never" nodeType="tmRoot"/>
+      </p:par>
+    </p:tnLst>
+  </p:timing>
+</p:sld>
+</file>
+
+<file path=ppt/slides/slide55.xml><?xml version="1.0" encoding="utf-8"?>
+<p:sld xmlns:a="http://schemas.openxmlformats.org/drawingml/2006/main" xmlns:r="http://schemas.openxmlformats.org/officeDocument/2006/relationships" xmlns:p="http://schemas.openxmlformats.org/presentationml/2006/main">
+  <p:cSld>
+    <p:spTree>
+      <p:nvGrpSpPr>
+        <p:cNvPr id="1" name=""/>
+        <p:cNvGrpSpPr/>
+        <p:nvPr/>
+      </p:nvGrpSpPr>
+      <p:grpSpPr>
+        <a:xfrm>
+          <a:off x="0" y="0"/>
+          <a:ext cx="0" cy="0"/>
+          <a:chOff x="0" y="0"/>
+          <a:chExt cx="0" cy="0"/>
+        </a:xfrm>
+      </p:grpSpPr>
+      <p:sp>
+        <p:nvSpPr>
+          <p:cNvPr id="4" name="文字方塊 3"/>
+          <p:cNvSpPr txBox="1"/>
+          <p:nvPr/>
+        </p:nvSpPr>
+        <p:spPr>
+          <a:xfrm>
+            <a:off x="513806" y="339634"/>
+            <a:ext cx="11129554" cy="2432589"/>
+          </a:xfrm>
+          <a:prstGeom prst="rect">
+            <a:avLst/>
+          </a:prstGeom>
+          <a:noFill/>
+        </p:spPr>
+        <p:txBody>
+          <a:bodyPr wrap="square" rtlCol="0">
+            <a:spAutoFit/>
+          </a:bodyPr>
+          <a:lstStyle/>
+          <a:p>
+            <a:pPr algn="just">
+              <a:lnSpc>
+                <a:spcPct val="150000"/>
+              </a:lnSpc>
+            </a:pPr>
+            <a:r>
+              <a:rPr lang="zh-TW" altLang="en-US" sz="5400" b="1" dirty="0" smtClean="0">
+                <a:latin typeface="Microsoft JhengHei" panose="020B0604030504040204" pitchFamily="34" charset="-120"/>
+                <a:ea typeface="Microsoft JhengHei" panose="020B0604030504040204" pitchFamily="34" charset="-120"/>
+              </a:rPr>
+              <a:t>我們高舉祢名</a:t>
+            </a:r>
+            <a:endParaRPr lang="en-US" altLang="zh-TW" sz="5400" b="1" dirty="0" smtClean="0">
+              <a:latin typeface="Microsoft JhengHei" panose="020B0604030504040204" pitchFamily="34" charset="-120"/>
+              <a:ea typeface="Microsoft JhengHei" panose="020B0604030504040204" pitchFamily="34" charset="-120"/>
+            </a:endParaRPr>
+          </a:p>
+          <a:p>
+            <a:pPr algn="just">
+              <a:lnSpc>
+                <a:spcPct val="150000"/>
+              </a:lnSpc>
+            </a:pPr>
+            <a:r>
+              <a:rPr lang="zh-TW" altLang="en-US" sz="5400" b="1" dirty="0" smtClean="0">
+                <a:latin typeface="Microsoft JhengHei" panose="020B0604030504040204" pitchFamily="34" charset="-120"/>
+                <a:ea typeface="Microsoft JhengHei" panose="020B0604030504040204" pitchFamily="34" charset="-120"/>
+              </a:rPr>
+              <a:t>心中充滿讚美</a:t>
+            </a:r>
+            <a:endParaRPr lang="en-GB" sz="5400" b="1" dirty="0">
+              <a:latin typeface="Microsoft JhengHei" panose="020B0604030504040204" pitchFamily="34" charset="-120"/>
+              <a:ea typeface="Microsoft JhengHei" panose="020B0604030504040204" pitchFamily="34" charset="-120"/>
+            </a:endParaRPr>
+          </a:p>
+        </p:txBody>
+      </p:sp>
+      <p:pic>
+        <p:nvPicPr>
+          <p:cNvPr id="5" name="圖片 4"/>
+          <p:cNvPicPr>
+            <a:picLocks noChangeAspect="1"/>
+          </p:cNvPicPr>
+          <p:nvPr/>
+        </p:nvPicPr>
+        <p:blipFill>
+          <a:blip r:embed="rId2" cstate="print">
+            <a:extLst>
+              <a:ext uri="{BEBA8EAE-BF5A-486C-A8C5-ECC9F3942E4B}">
+                <a14:imgProps xmlns:a14="http://schemas.microsoft.com/office/drawing/2010/main">
+                  <a14:imgLayer r:embed="rId3">
+                    <a14:imgEffect>
+                      <a14:saturation sat="99000"/>
+                    </a14:imgEffect>
+                  </a14:imgLayer>
+                </a14:imgProps>
+              </a:ext>
+              <a:ext uri="{28A0092B-C50C-407E-A947-70E740481C1C}">
+                <a14:useLocalDpi xmlns:a14="http://schemas.microsoft.com/office/drawing/2010/main" val="0"/>
+              </a:ext>
+            </a:extLst>
+          </a:blip>
+          <a:stretch>
+            <a:fillRect/>
+          </a:stretch>
+        </p:blipFill>
+        <p:spPr>
+          <a:xfrm>
+            <a:off x="513806" y="5322854"/>
+            <a:ext cx="5840812" cy="1274802"/>
+          </a:xfrm>
+          <a:prstGeom prst="rect">
+            <a:avLst/>
+          </a:prstGeom>
+          <a:effectLst>
+            <a:outerShdw blurRad="63500" dist="63500" dir="5400000" algn="ctr" rotWithShape="0">
+              <a:srgbClr val="000000">
+                <a:alpha val="50000"/>
+              </a:srgbClr>
+            </a:outerShdw>
+          </a:effectLst>
+        </p:spPr>
+      </p:pic>
+      <p:sp>
+        <p:nvSpPr>
+          <p:cNvPr id="6" name="文字方塊 5"/>
+          <p:cNvSpPr txBox="1"/>
+          <p:nvPr/>
+        </p:nvSpPr>
+        <p:spPr>
+          <a:xfrm>
+            <a:off x="8212183" y="5274217"/>
+            <a:ext cx="3431176" cy="1323439"/>
+          </a:xfrm>
+          <a:prstGeom prst="rect">
+            <a:avLst/>
+          </a:prstGeom>
+          <a:noFill/>
+        </p:spPr>
+        <p:txBody>
+          <a:bodyPr wrap="square" rtlCol="0">
+            <a:spAutoFit/>
+          </a:bodyPr>
+          <a:lstStyle/>
+          <a:p>
+            <a:r>
+              <a:rPr lang="zh-TW" altLang="en-US" sz="8000" dirty="0" smtClean="0">
+                <a:solidFill>
+                  <a:schemeClr val="bg1">
+                    <a:lumMod val="75000"/>
+                  </a:schemeClr>
+                </a:solidFill>
+              </a:rPr>
+              <a:t>和撒那</a:t>
+            </a:r>
+            <a:endParaRPr lang="en-GB" sz="8000" dirty="0">
+              <a:solidFill>
+                <a:schemeClr val="bg1">
+                  <a:lumMod val="75000"/>
+                </a:schemeClr>
+              </a:solidFill>
+            </a:endParaRPr>
+          </a:p>
+        </p:txBody>
+      </p:sp>
+    </p:spTree>
+    <p:extLst>
+      <p:ext uri="{BB962C8B-B14F-4D97-AF65-F5344CB8AC3E}">
+        <p14:creationId xmlns:p14="http://schemas.microsoft.com/office/powerpoint/2010/main" val="1170338676"/>
+      </p:ext>
+    </p:extLst>
+  </p:cSld>
+  <p:clrMapOvr>
+    <a:masterClrMapping/>
+  </p:clrMapOvr>
+  <p:timing>
+    <p:tnLst>
+      <p:par>
+        <p:cTn id="1" dur="indefinite" restart="never" nodeType="tmRoot"/>
+      </p:par>
+    </p:tnLst>
+  </p:timing>
+</p:sld>
+</file>
+
+<file path=ppt/slides/slide56.xml><?xml version="1.0" encoding="utf-8"?>
+<p:sld xmlns:a="http://schemas.openxmlformats.org/drawingml/2006/main" xmlns:r="http://schemas.openxmlformats.org/officeDocument/2006/relationships" xmlns:p="http://schemas.openxmlformats.org/presentationml/2006/main">
+  <p:cSld>
+    <p:spTree>
+      <p:nvGrpSpPr>
+        <p:cNvPr id="1" name=""/>
+        <p:cNvGrpSpPr/>
+        <p:nvPr/>
+      </p:nvGrpSpPr>
+      <p:grpSpPr>
+        <a:xfrm>
+          <a:off x="0" y="0"/>
+          <a:ext cx="0" cy="0"/>
+          <a:chOff x="0" y="0"/>
+          <a:chExt cx="0" cy="0"/>
+        </a:xfrm>
+      </p:grpSpPr>
+      <p:sp>
+        <p:nvSpPr>
+          <p:cNvPr id="4" name="文字方塊 3"/>
+          <p:cNvSpPr txBox="1"/>
+          <p:nvPr/>
+        </p:nvSpPr>
+        <p:spPr>
+          <a:xfrm>
+            <a:off x="513806" y="339634"/>
+            <a:ext cx="11129554" cy="2585323"/>
+          </a:xfrm>
+          <a:prstGeom prst="rect">
+            <a:avLst/>
+          </a:prstGeom>
+          <a:noFill/>
+        </p:spPr>
+        <p:txBody>
+          <a:bodyPr wrap="square" rtlCol="0">
+            <a:spAutoFit/>
+          </a:bodyPr>
+          <a:lstStyle/>
+          <a:p>
+            <a:pPr algn="just">
+              <a:lnSpc>
+                <a:spcPct val="150000"/>
+              </a:lnSpc>
+            </a:pPr>
+            <a:r>
+              <a:rPr lang="zh-TW" altLang="en-US" sz="5400" b="1" dirty="0" smtClean="0">
+                <a:latin typeface="Microsoft JhengHei" panose="020B0604030504040204" pitchFamily="34" charset="-120"/>
+                <a:ea typeface="Microsoft JhengHei" panose="020B0604030504040204" pitchFamily="34" charset="-120"/>
+              </a:rPr>
+              <a:t>齊來高舉我主我神</a:t>
+            </a:r>
+            <a:endParaRPr lang="en-US" altLang="zh-TW" sz="5400" b="1" dirty="0" smtClean="0">
+              <a:latin typeface="Microsoft JhengHei" panose="020B0604030504040204" pitchFamily="34" charset="-120"/>
+              <a:ea typeface="Microsoft JhengHei" panose="020B0604030504040204" pitchFamily="34" charset="-120"/>
+            </a:endParaRPr>
+          </a:p>
+          <a:p>
+            <a:pPr algn="just">
+              <a:lnSpc>
+                <a:spcPct val="150000"/>
+              </a:lnSpc>
+            </a:pPr>
+            <a:r>
+              <a:rPr lang="zh-TW" altLang="en-US" sz="5400" b="1" dirty="0" smtClean="0">
+                <a:latin typeface="Microsoft JhengHei" panose="020B0604030504040204" pitchFamily="34" charset="-120"/>
+                <a:ea typeface="Microsoft JhengHei" panose="020B0604030504040204" pitchFamily="34" charset="-120"/>
+              </a:rPr>
+              <a:t>願榮耀歸萬王之王</a:t>
+            </a:r>
+            <a:endParaRPr lang="en-GB" sz="5400" b="1" dirty="0">
+              <a:latin typeface="Microsoft JhengHei" panose="020B0604030504040204" pitchFamily="34" charset="-120"/>
+              <a:ea typeface="Microsoft JhengHei" panose="020B0604030504040204" pitchFamily="34" charset="-120"/>
+            </a:endParaRPr>
+          </a:p>
+        </p:txBody>
+      </p:sp>
+      <p:pic>
+        <p:nvPicPr>
+          <p:cNvPr id="5" name="圖片 4"/>
+          <p:cNvPicPr>
+            <a:picLocks noChangeAspect="1"/>
+          </p:cNvPicPr>
+          <p:nvPr/>
+        </p:nvPicPr>
+        <p:blipFill>
+          <a:blip r:embed="rId2" cstate="print">
+            <a:extLst>
+              <a:ext uri="{BEBA8EAE-BF5A-486C-A8C5-ECC9F3942E4B}">
+                <a14:imgProps xmlns:a14="http://schemas.microsoft.com/office/drawing/2010/main">
+                  <a14:imgLayer r:embed="rId3">
+                    <a14:imgEffect>
+                      <a14:saturation sat="99000"/>
+                    </a14:imgEffect>
+                  </a14:imgLayer>
+                </a14:imgProps>
+              </a:ext>
+              <a:ext uri="{28A0092B-C50C-407E-A947-70E740481C1C}">
+                <a14:useLocalDpi xmlns:a14="http://schemas.microsoft.com/office/drawing/2010/main" val="0"/>
+              </a:ext>
+            </a:extLst>
+          </a:blip>
+          <a:stretch>
+            <a:fillRect/>
+          </a:stretch>
+        </p:blipFill>
+        <p:spPr>
+          <a:xfrm>
+            <a:off x="513806" y="5322854"/>
+            <a:ext cx="5840812" cy="1274802"/>
+          </a:xfrm>
+          <a:prstGeom prst="rect">
+            <a:avLst/>
+          </a:prstGeom>
+          <a:effectLst>
+            <a:outerShdw blurRad="63500" dist="63500" dir="5400000" algn="ctr" rotWithShape="0">
+              <a:srgbClr val="000000">
+                <a:alpha val="50000"/>
+              </a:srgbClr>
+            </a:outerShdw>
+          </a:effectLst>
+        </p:spPr>
+      </p:pic>
+      <p:sp>
+        <p:nvSpPr>
+          <p:cNvPr id="6" name="文字方塊 5"/>
+          <p:cNvSpPr txBox="1"/>
+          <p:nvPr/>
+        </p:nvSpPr>
+        <p:spPr>
+          <a:xfrm>
+            <a:off x="8212183" y="5274217"/>
+            <a:ext cx="3431176" cy="1323439"/>
+          </a:xfrm>
+          <a:prstGeom prst="rect">
+            <a:avLst/>
+          </a:prstGeom>
+          <a:noFill/>
+        </p:spPr>
+        <p:txBody>
+          <a:bodyPr wrap="square" rtlCol="0">
+            <a:spAutoFit/>
+          </a:bodyPr>
+          <a:lstStyle/>
+          <a:p>
+            <a:r>
+              <a:rPr lang="zh-TW" altLang="en-US" sz="8000" dirty="0" smtClean="0">
+                <a:solidFill>
+                  <a:schemeClr val="bg1">
+                    <a:lumMod val="75000"/>
+                  </a:schemeClr>
+                </a:solidFill>
+              </a:rPr>
+              <a:t>和撒那</a:t>
+            </a:r>
+            <a:endParaRPr lang="en-GB" sz="8000" dirty="0">
+              <a:solidFill>
+                <a:schemeClr val="bg1">
+                  <a:lumMod val="75000"/>
+                </a:schemeClr>
+              </a:solidFill>
+            </a:endParaRPr>
+          </a:p>
+        </p:txBody>
+      </p:sp>
+    </p:spTree>
+    <p:extLst>
+      <p:ext uri="{BB962C8B-B14F-4D97-AF65-F5344CB8AC3E}">
+        <p14:creationId xmlns:p14="http://schemas.microsoft.com/office/powerpoint/2010/main" val="1532775745"/>
+      </p:ext>
+    </p:extLst>
+  </p:cSld>
+  <p:clrMapOvr>
+    <a:masterClrMapping/>
+  </p:clrMapOvr>
+  <p:timing>
+    <p:tnLst>
+      <p:par>
+        <p:cTn id="1" dur="indefinite" restart="never" nodeType="tmRoot"/>
+      </p:par>
+    </p:tnLst>
+  </p:timing>
+</p:sld>
+</file>
+
+<file path=ppt/slides/slide57.xml><?xml version="1.0" encoding="utf-8"?>
+<p:sld xmlns:a="http://schemas.openxmlformats.org/drawingml/2006/main" xmlns:r="http://schemas.openxmlformats.org/officeDocument/2006/relationships" xmlns:p="http://schemas.openxmlformats.org/presentationml/2006/main">
+  <p:cSld>
+    <p:spTree>
+      <p:nvGrpSpPr>
+        <p:cNvPr id="1" name=""/>
+        <p:cNvGrpSpPr/>
+        <p:nvPr/>
+      </p:nvGrpSpPr>
+      <p:grpSpPr>
+        <a:xfrm>
+          <a:off x="0" y="0"/>
+          <a:ext cx="0" cy="0"/>
+          <a:chOff x="0" y="0"/>
+          <a:chExt cx="0" cy="0"/>
+        </a:xfrm>
+      </p:grpSpPr>
+      <p:sp>
+        <p:nvSpPr>
+          <p:cNvPr id="4" name="文字方塊 3"/>
+          <p:cNvSpPr txBox="1"/>
+          <p:nvPr/>
+        </p:nvSpPr>
+        <p:spPr>
+          <a:xfrm>
+            <a:off x="513806" y="339634"/>
+            <a:ext cx="11129554" cy="3416320"/>
+          </a:xfrm>
+          <a:prstGeom prst="rect">
+            <a:avLst/>
+          </a:prstGeom>
+          <a:noFill/>
+        </p:spPr>
+        <p:txBody>
+          <a:bodyPr wrap="square" rtlCol="0">
+            <a:spAutoFit/>
+          </a:bodyPr>
+          <a:lstStyle/>
+          <a:p>
+            <a:pPr algn="just">
+              <a:lnSpc>
+                <a:spcPct val="150000"/>
+              </a:lnSpc>
+            </a:pPr>
+            <a:r>
+              <a:rPr lang="zh-TW" altLang="en-US" sz="4800" b="1" dirty="0" smtClean="0">
+                <a:latin typeface="Microsoft JhengHei" panose="020B0604030504040204" pitchFamily="34" charset="-120"/>
+                <a:ea typeface="Microsoft JhengHei" panose="020B0604030504040204" pitchFamily="34" charset="-120"/>
+              </a:rPr>
+              <a:t>當用各樣的智慧、把基督的道理、豐豐富富的存在心裏</a:t>
+            </a:r>
+            <a:r>
+              <a:rPr lang="zh-TW" altLang="en-US" sz="4800" b="1" dirty="0" smtClean="0">
+                <a:latin typeface="Microsoft JhengHei" panose="020B0604030504040204" pitchFamily="34" charset="-120"/>
+                <a:ea typeface="Microsoft JhengHei" panose="020B0604030504040204" pitchFamily="34" charset="-120"/>
+              </a:rPr>
+              <a:t>、</a:t>
+            </a:r>
+            <a:r>
+              <a:rPr lang="en-US" altLang="zh-TW" sz="4800" b="1" dirty="0" smtClean="0">
+                <a:latin typeface="Microsoft JhengHei" panose="020B0604030504040204" pitchFamily="34" charset="-120"/>
+                <a:ea typeface="Microsoft JhengHei" panose="020B0604030504040204" pitchFamily="34" charset="-120"/>
+              </a:rPr>
+              <a:t>〔</a:t>
+            </a:r>
+            <a:r>
+              <a:rPr lang="zh-TW" altLang="en-US" sz="4800" b="1" dirty="0" smtClean="0">
+                <a:latin typeface="Microsoft JhengHei" panose="020B0604030504040204" pitchFamily="34" charset="-120"/>
+                <a:ea typeface="Microsoft JhengHei" panose="020B0604030504040204" pitchFamily="34" charset="-120"/>
+              </a:rPr>
+              <a:t>或</a:t>
+            </a:r>
+            <a:r>
+              <a:rPr lang="zh-TW" altLang="en-US" sz="4800" b="1" dirty="0" smtClean="0">
+                <a:latin typeface="Microsoft JhengHei" panose="020B0604030504040204" pitchFamily="34" charset="-120"/>
+                <a:ea typeface="Microsoft JhengHei" panose="020B0604030504040204" pitchFamily="34" charset="-120"/>
+              </a:rPr>
+              <a:t>作當把基督的道理豐豐富富的存在</a:t>
+            </a:r>
+            <a:r>
+              <a:rPr lang="zh-TW" altLang="en-US" sz="4800" b="1" dirty="0" smtClean="0">
+                <a:latin typeface="Microsoft JhengHei" panose="020B0604030504040204" pitchFamily="34" charset="-120"/>
+                <a:ea typeface="Microsoft JhengHei" panose="020B0604030504040204" pitchFamily="34" charset="-120"/>
+              </a:rPr>
+              <a:t>心裡以</a:t>
+            </a:r>
+            <a:r>
+              <a:rPr lang="zh-TW" altLang="en-US" sz="4800" b="1" dirty="0" smtClean="0">
+                <a:latin typeface="Microsoft JhengHei" panose="020B0604030504040204" pitchFamily="34" charset="-120"/>
+                <a:ea typeface="Microsoft JhengHei" panose="020B0604030504040204" pitchFamily="34" charset="-120"/>
+              </a:rPr>
+              <a:t>各樣的</a:t>
+            </a:r>
+            <a:r>
+              <a:rPr lang="zh-TW" altLang="en-US" sz="4800" b="1" dirty="0" smtClean="0">
+                <a:latin typeface="Microsoft JhengHei" panose="020B0604030504040204" pitchFamily="34" charset="-120"/>
+                <a:ea typeface="Microsoft JhengHei" panose="020B0604030504040204" pitchFamily="34" charset="-120"/>
+              </a:rPr>
+              <a:t>智慧</a:t>
+            </a:r>
+            <a:r>
+              <a:rPr lang="en-US" altLang="zh-TW" sz="4800" b="1" dirty="0" smtClean="0">
+                <a:latin typeface="Microsoft JhengHei" panose="020B0604030504040204" pitchFamily="34" charset="-120"/>
+                <a:ea typeface="Microsoft JhengHei" panose="020B0604030504040204" pitchFamily="34" charset="-120"/>
+              </a:rPr>
+              <a:t>〕</a:t>
+            </a:r>
+            <a:endParaRPr lang="en-US" altLang="zh-TW" sz="4800" b="1" dirty="0" smtClean="0">
+              <a:latin typeface="Microsoft JhengHei" panose="020B0604030504040204" pitchFamily="34" charset="-120"/>
+              <a:ea typeface="Microsoft JhengHei" panose="020B0604030504040204" pitchFamily="34" charset="-120"/>
+            </a:endParaRPr>
+          </a:p>
+        </p:txBody>
+      </p:sp>
+      <p:pic>
+        <p:nvPicPr>
+          <p:cNvPr id="5" name="圖片 4"/>
+          <p:cNvPicPr>
+            <a:picLocks noChangeAspect="1"/>
+          </p:cNvPicPr>
+          <p:nvPr/>
+        </p:nvPicPr>
+        <p:blipFill>
+          <a:blip r:embed="rId2" cstate="print">
+            <a:extLst>
+              <a:ext uri="{BEBA8EAE-BF5A-486C-A8C5-ECC9F3942E4B}">
+                <a14:imgProps xmlns:a14="http://schemas.microsoft.com/office/drawing/2010/main">
+                  <a14:imgLayer r:embed="rId3">
+                    <a14:imgEffect>
+                      <a14:saturation sat="99000"/>
+                    </a14:imgEffect>
+                  </a14:imgLayer>
+                </a14:imgProps>
+              </a:ext>
+              <a:ext uri="{28A0092B-C50C-407E-A947-70E740481C1C}">
+                <a14:useLocalDpi xmlns:a14="http://schemas.microsoft.com/office/drawing/2010/main" val="0"/>
+              </a:ext>
+            </a:extLst>
+          </a:blip>
+          <a:stretch>
+            <a:fillRect/>
+          </a:stretch>
+        </p:blipFill>
+        <p:spPr>
+          <a:xfrm>
+            <a:off x="513806" y="5322854"/>
+            <a:ext cx="5840812" cy="1274802"/>
+          </a:xfrm>
+          <a:prstGeom prst="rect">
+            <a:avLst/>
+          </a:prstGeom>
+          <a:effectLst>
+            <a:outerShdw blurRad="63500" dist="63500" dir="5400000" algn="ctr" rotWithShape="0">
+              <a:srgbClr val="000000">
+                <a:alpha val="50000"/>
+              </a:srgbClr>
+            </a:outerShdw>
+          </a:effectLst>
+        </p:spPr>
+      </p:pic>
+      <p:sp>
+        <p:nvSpPr>
+          <p:cNvPr id="6" name="文字方塊 5"/>
+          <p:cNvSpPr txBox="1"/>
+          <p:nvPr/>
+        </p:nvSpPr>
+        <p:spPr>
+          <a:xfrm>
+            <a:off x="9222377" y="5274217"/>
+            <a:ext cx="2420982" cy="1323439"/>
+          </a:xfrm>
+          <a:prstGeom prst="rect">
+            <a:avLst/>
+          </a:prstGeom>
+          <a:noFill/>
+        </p:spPr>
+        <p:txBody>
+          <a:bodyPr wrap="square" rtlCol="0">
+            <a:spAutoFit/>
+          </a:bodyPr>
+          <a:lstStyle/>
+          <a:p>
+            <a:r>
+              <a:rPr lang="zh-TW" altLang="en-US" sz="8000" dirty="0" smtClean="0">
+                <a:solidFill>
+                  <a:schemeClr val="bg1">
+                    <a:lumMod val="75000"/>
+                  </a:schemeClr>
+                </a:solidFill>
+              </a:rPr>
+              <a:t>團訓</a:t>
+            </a:r>
+            <a:endParaRPr lang="en-GB" sz="8000" dirty="0">
+              <a:solidFill>
+                <a:schemeClr val="bg1">
+                  <a:lumMod val="75000"/>
+                </a:schemeClr>
+              </a:solidFill>
+            </a:endParaRPr>
+          </a:p>
+        </p:txBody>
+      </p:sp>
+    </p:spTree>
+    <p:extLst>
+      <p:ext uri="{BB962C8B-B14F-4D97-AF65-F5344CB8AC3E}">
+        <p14:creationId xmlns:p14="http://schemas.microsoft.com/office/powerpoint/2010/main" val="3857000306"/>
+      </p:ext>
+    </p:extLst>
+  </p:cSld>
+  <p:clrMapOvr>
+    <a:masterClrMapping/>
+  </p:clrMapOvr>
+  <p:timing>
+    <p:tnLst>
+      <p:par>
+        <p:cTn id="1" dur="indefinite" restart="never" nodeType="tmRoot"/>
+      </p:par>
+    </p:tnLst>
+  </p:timing>
+</p:sld>
+</file>
+
+<file path=ppt/slides/slide58.xml><?xml version="1.0" encoding="utf-8"?>
+<p:sld xmlns:a="http://schemas.openxmlformats.org/drawingml/2006/main" xmlns:r="http://schemas.openxmlformats.org/officeDocument/2006/relationships" xmlns:p="http://schemas.openxmlformats.org/presentationml/2006/main">
+  <p:cSld>
+    <p:spTree>
+      <p:nvGrpSpPr>
+        <p:cNvPr id="1" name=""/>
+        <p:cNvGrpSpPr/>
+        <p:nvPr/>
+      </p:nvGrpSpPr>
+      <p:grpSpPr>
+        <a:xfrm>
+          <a:off x="0" y="0"/>
+          <a:ext cx="0" cy="0"/>
+          <a:chOff x="0" y="0"/>
+          <a:chExt cx="0" cy="0"/>
+        </a:xfrm>
+      </p:grpSpPr>
+      <p:sp>
+        <p:nvSpPr>
+          <p:cNvPr id="4" name="文字方塊 3"/>
+          <p:cNvSpPr txBox="1"/>
+          <p:nvPr/>
+        </p:nvSpPr>
+        <p:spPr>
+          <a:xfrm>
+            <a:off x="513806" y="339634"/>
+            <a:ext cx="11129554" cy="4524315"/>
+          </a:xfrm>
+          <a:prstGeom prst="rect">
+            <a:avLst/>
+          </a:prstGeom>
+          <a:noFill/>
+        </p:spPr>
+        <p:txBody>
+          <a:bodyPr wrap="square" rtlCol="0">
+            <a:spAutoFit/>
+          </a:bodyPr>
+          <a:lstStyle/>
+          <a:p>
+            <a:pPr algn="just">
+              <a:lnSpc>
+                <a:spcPct val="150000"/>
+              </a:lnSpc>
+            </a:pPr>
+            <a:r>
+              <a:rPr lang="zh-TW" altLang="en-US" sz="4800" b="1" dirty="0" smtClean="0">
+                <a:latin typeface="Microsoft JhengHei" panose="020B0604030504040204" pitchFamily="34" charset="-120"/>
+                <a:ea typeface="Microsoft JhengHei" panose="020B0604030504040204" pitchFamily="34" charset="-120"/>
+              </a:rPr>
+              <a:t>用詩章、頌詞、靈歌、彼此教導、</a:t>
+            </a:r>
+            <a:r>
+              <a:rPr lang="zh-TW" altLang="en-US" sz="4800" b="1" smtClean="0">
+                <a:latin typeface="Microsoft JhengHei" panose="020B0604030504040204" pitchFamily="34" charset="-120"/>
+                <a:ea typeface="Microsoft JhengHei" panose="020B0604030504040204" pitchFamily="34" charset="-120"/>
+              </a:rPr>
+              <a:t>互相</a:t>
+            </a:r>
+            <a:r>
+              <a:rPr lang="zh-TW" altLang="en-US" sz="4800" b="1" smtClean="0">
+                <a:latin typeface="Microsoft JhengHei" panose="020B0604030504040204" pitchFamily="34" charset="-120"/>
+                <a:ea typeface="Microsoft JhengHei" panose="020B0604030504040204" pitchFamily="34" charset="-120"/>
+              </a:rPr>
+              <a:t>勸戒心</a:t>
+            </a:r>
+            <a:r>
+              <a:rPr lang="zh-TW" altLang="en-US" sz="4800" b="1" dirty="0" smtClean="0">
+                <a:latin typeface="Microsoft JhengHei" panose="020B0604030504040204" pitchFamily="34" charset="-120"/>
+                <a:ea typeface="Microsoft JhengHei" panose="020B0604030504040204" pitchFamily="34" charset="-120"/>
+              </a:rPr>
+              <a:t>被恩感</a:t>
+            </a:r>
+            <a:r>
+              <a:rPr lang="zh-TW" altLang="en-US" sz="4800" b="1" smtClean="0">
+                <a:latin typeface="Microsoft JhengHei" panose="020B0604030504040204" pitchFamily="34" charset="-120"/>
+                <a:ea typeface="Microsoft JhengHei" panose="020B0604030504040204" pitchFamily="34" charset="-120"/>
+              </a:rPr>
+              <a:t>歌頌</a:t>
+            </a:r>
+            <a:r>
+              <a:rPr lang="zh-TW" altLang="en-US" sz="4800" b="1" smtClean="0">
+                <a:latin typeface="Microsoft JhengHei" panose="020B0604030504040204" pitchFamily="34" charset="-120"/>
+                <a:ea typeface="Microsoft JhengHei" panose="020B0604030504040204" pitchFamily="34" charset="-120"/>
+              </a:rPr>
+              <a:t>神。</a:t>
+            </a:r>
+            <a:endParaRPr lang="en-US" altLang="zh-TW" sz="4800" b="1" dirty="0" smtClean="0">
+              <a:latin typeface="Microsoft JhengHei" panose="020B0604030504040204" pitchFamily="34" charset="-120"/>
+              <a:ea typeface="Microsoft JhengHei" panose="020B0604030504040204" pitchFamily="34" charset="-120"/>
+            </a:endParaRPr>
+          </a:p>
+          <a:p>
+            <a:pPr algn="just">
+              <a:lnSpc>
+                <a:spcPct val="150000"/>
+              </a:lnSpc>
+            </a:pPr>
+            <a:endParaRPr lang="en-US" altLang="zh-TW" sz="4800" b="1" dirty="0">
+              <a:latin typeface="Microsoft JhengHei" panose="020B0604030504040204" pitchFamily="34" charset="-120"/>
+              <a:ea typeface="Microsoft JhengHei" panose="020B0604030504040204" pitchFamily="34" charset="-120"/>
+            </a:endParaRPr>
+          </a:p>
+          <a:p>
+            <a:pPr algn="r">
+              <a:lnSpc>
+                <a:spcPct val="150000"/>
+              </a:lnSpc>
+            </a:pPr>
+            <a:r>
+              <a:rPr lang="zh-TW" altLang="en-US" sz="4800" b="1" dirty="0" smtClean="0">
+                <a:latin typeface="Microsoft JhengHei" panose="020B0604030504040204" pitchFamily="34" charset="-120"/>
+                <a:ea typeface="Microsoft JhengHei" panose="020B0604030504040204" pitchFamily="34" charset="-120"/>
+              </a:rPr>
+              <a:t>歌羅西書 </a:t>
+            </a:r>
+            <a:r>
+              <a:rPr lang="en-US" altLang="zh-TW" sz="4800" b="1" dirty="0" smtClean="0">
+                <a:latin typeface="Microsoft JhengHei" panose="020B0604030504040204" pitchFamily="34" charset="-120"/>
+                <a:ea typeface="Microsoft JhengHei" panose="020B0604030504040204" pitchFamily="34" charset="-120"/>
+              </a:rPr>
+              <a:t>3:16</a:t>
+            </a:r>
+          </a:p>
+        </p:txBody>
+      </p:sp>
+      <p:pic>
+        <p:nvPicPr>
+          <p:cNvPr id="5" name="圖片 4"/>
+          <p:cNvPicPr>
+            <a:picLocks noChangeAspect="1"/>
+          </p:cNvPicPr>
+          <p:nvPr/>
+        </p:nvPicPr>
+        <p:blipFill>
+          <a:blip r:embed="rId2" cstate="print">
+            <a:extLst>
+              <a:ext uri="{BEBA8EAE-BF5A-486C-A8C5-ECC9F3942E4B}">
+                <a14:imgProps xmlns:a14="http://schemas.microsoft.com/office/drawing/2010/main">
+                  <a14:imgLayer r:embed="rId3">
+                    <a14:imgEffect>
+                      <a14:saturation sat="99000"/>
+                    </a14:imgEffect>
+                  </a14:imgLayer>
+                </a14:imgProps>
+              </a:ext>
+              <a:ext uri="{28A0092B-C50C-407E-A947-70E740481C1C}">
+                <a14:useLocalDpi xmlns:a14="http://schemas.microsoft.com/office/drawing/2010/main" val="0"/>
+              </a:ext>
+            </a:extLst>
+          </a:blip>
+          <a:stretch>
+            <a:fillRect/>
+          </a:stretch>
+        </p:blipFill>
+        <p:spPr>
+          <a:xfrm>
+            <a:off x="513806" y="5322854"/>
+            <a:ext cx="5840812" cy="1274802"/>
+          </a:xfrm>
+          <a:prstGeom prst="rect">
+            <a:avLst/>
+          </a:prstGeom>
+          <a:effectLst>
+            <a:outerShdw blurRad="63500" dist="63500" dir="5400000" algn="ctr" rotWithShape="0">
+              <a:srgbClr val="000000">
+                <a:alpha val="50000"/>
+              </a:srgbClr>
+            </a:outerShdw>
+          </a:effectLst>
+        </p:spPr>
+      </p:pic>
+      <p:sp>
+        <p:nvSpPr>
+          <p:cNvPr id="6" name="文字方塊 5"/>
+          <p:cNvSpPr txBox="1"/>
+          <p:nvPr/>
+        </p:nvSpPr>
+        <p:spPr>
+          <a:xfrm>
+            <a:off x="9222377" y="5274217"/>
+            <a:ext cx="2420982" cy="1323439"/>
+          </a:xfrm>
+          <a:prstGeom prst="rect">
+            <a:avLst/>
+          </a:prstGeom>
+          <a:noFill/>
+        </p:spPr>
+        <p:txBody>
+          <a:bodyPr wrap="square" rtlCol="0">
+            <a:spAutoFit/>
+          </a:bodyPr>
+          <a:lstStyle/>
+          <a:p>
+            <a:r>
+              <a:rPr lang="zh-TW" altLang="en-US" sz="8000" dirty="0" smtClean="0">
+                <a:solidFill>
+                  <a:schemeClr val="bg1">
+                    <a:lumMod val="75000"/>
+                  </a:schemeClr>
+                </a:solidFill>
+              </a:rPr>
+              <a:t>團訓</a:t>
+            </a:r>
+            <a:endParaRPr lang="en-GB" sz="8000" dirty="0">
+              <a:solidFill>
+                <a:schemeClr val="bg1">
+                  <a:lumMod val="75000"/>
+                </a:schemeClr>
+              </a:solidFill>
+            </a:endParaRPr>
+          </a:p>
+        </p:txBody>
+      </p:sp>
+    </p:spTree>
+    <p:extLst>
+      <p:ext uri="{BB962C8B-B14F-4D97-AF65-F5344CB8AC3E}">
+        <p14:creationId xmlns:p14="http://schemas.microsoft.com/office/powerpoint/2010/main" val="2499537162"/>
       </p:ext>
     </p:extLst>
   </p:cSld>
@@ -10122,7 +13959,7 @@
         <p:spPr>
           <a:xfrm>
             <a:off x="513806" y="339634"/>
-            <a:ext cx="11129554" cy="5632311"/>
+            <a:ext cx="11129554" cy="2169825"/>
           </a:xfrm>
           <a:prstGeom prst="rect">
             <a:avLst/>
@@ -10141,66 +13978,44 @@
               </a:lnSpc>
             </a:pPr>
             <a:r>
-              <a:rPr lang="zh-TW" altLang="en-US" sz="4800" b="1" dirty="0" smtClean="0">
+              <a:rPr lang="zh-TW" altLang="en-US" sz="5400" b="1" dirty="0" smtClean="0">
                 <a:latin typeface="Microsoft JhengHei" panose="020B0604030504040204" pitchFamily="34" charset="-120"/>
                 <a:ea typeface="Microsoft JhengHei" panose="020B0604030504040204" pitchFamily="34" charset="-120"/>
               </a:rPr>
-              <a:t>（上行之詩）我要向山舉目。我的幫助從何而來。</a:t>
-            </a:r>
-            <a:endParaRPr lang="en-US" altLang="zh-TW" sz="4800" b="1" dirty="0" smtClean="0">
-              <a:latin typeface="Microsoft JhengHei" panose="020B0604030504040204" pitchFamily="34" charset="-120"/>
-              <a:ea typeface="Microsoft JhengHei" panose="020B0604030504040204" pitchFamily="34" charset="-120"/>
-            </a:endParaRPr>
-          </a:p>
-          <a:p>
-            <a:pPr algn="just">
-              <a:lnSpc>
-                <a:spcPct val="150000"/>
-              </a:lnSpc>
-            </a:pPr>
-            <a:r>
-              <a:rPr lang="zh-TW" altLang="en-US" sz="4800" b="1" dirty="0" smtClean="0">
+              <a:t>大地</a:t>
+            </a:r>
+            <a:r>
+              <a:rPr lang="zh-TW" altLang="en-US" sz="5400" b="1" dirty="0" smtClean="0">
                 <a:latin typeface="Microsoft JhengHei" panose="020B0604030504040204" pitchFamily="34" charset="-120"/>
                 <a:ea typeface="Microsoft JhengHei" panose="020B0604030504040204" pitchFamily="34" charset="-120"/>
               </a:rPr>
-              <a:t>我的幫助從造天地的耶和華而來。</a:t>
-            </a:r>
-            <a:endParaRPr lang="en-US" altLang="zh-TW" sz="4800" b="1" dirty="0" smtClean="0">
-              <a:latin typeface="Microsoft JhengHei" panose="020B0604030504040204" pitchFamily="34" charset="-120"/>
-              <a:ea typeface="Microsoft JhengHei" panose="020B0604030504040204" pitchFamily="34" charset="-120"/>
-            </a:endParaRPr>
-          </a:p>
-          <a:p>
-            <a:pPr algn="just">
-              <a:lnSpc>
-                <a:spcPct val="150000"/>
-              </a:lnSpc>
-            </a:pPr>
-            <a:endParaRPr lang="en-US" altLang="zh-TW" sz="4800" b="1" dirty="0">
-              <a:latin typeface="Microsoft JhengHei" panose="020B0604030504040204" pitchFamily="34" charset="-120"/>
-              <a:ea typeface="Microsoft JhengHei" panose="020B0604030504040204" pitchFamily="34" charset="-120"/>
-            </a:endParaRPr>
-          </a:p>
-          <a:p>
-            <a:pPr algn="r">
-              <a:lnSpc>
-                <a:spcPct val="150000"/>
-              </a:lnSpc>
-            </a:pPr>
-            <a:r>
-              <a:rPr lang="zh-TW" altLang="en-US" sz="4800" b="1" dirty="0" smtClean="0">
+              <a:t>頌讚歡唱</a:t>
+            </a:r>
+            <a:r>
+              <a:rPr lang="zh-TW" altLang="en-US" sz="5400" b="1" dirty="0" smtClean="0">
                 <a:latin typeface="Microsoft JhengHei" panose="020B0604030504040204" pitchFamily="34" charset="-120"/>
                 <a:ea typeface="Microsoft JhengHei" panose="020B0604030504040204" pitchFamily="34" charset="-120"/>
               </a:rPr>
-              <a:t>詩篇 </a:t>
-            </a:r>
-            <a:r>
-              <a:rPr lang="en-US" altLang="zh-TW" sz="4800" b="1" dirty="0" smtClean="0">
+              <a:t>，讚美祢名字</a:t>
+            </a:r>
+            <a:endParaRPr lang="en-US" altLang="zh-TW" sz="5400" b="1" dirty="0" smtClean="0">
+              <a:latin typeface="Microsoft JhengHei" panose="020B0604030504040204" pitchFamily="34" charset="-120"/>
+              <a:ea typeface="Microsoft JhengHei" panose="020B0604030504040204" pitchFamily="34" charset="-120"/>
+            </a:endParaRPr>
+          </a:p>
+          <a:p>
+            <a:pPr algn="just"/>
+            <a:r>
+              <a:rPr lang="zh-TW" altLang="en-US" sz="5400" b="1" dirty="0" smtClean="0">
                 <a:latin typeface="Microsoft JhengHei" panose="020B0604030504040204" pitchFamily="34" charset="-120"/>
                 <a:ea typeface="Microsoft JhengHei" panose="020B0604030504040204" pitchFamily="34" charset="-120"/>
               </a:rPr>
-              <a:t>121:1-2</a:t>
-            </a:r>
+              <a:t>耶穌尊貴高超過一切</a:t>
+            </a:r>
+            <a:endParaRPr lang="en-GB" sz="5400" b="1" dirty="0">
+              <a:latin typeface="Microsoft JhengHei" panose="020B0604030504040204" pitchFamily="34" charset="-120"/>
+              <a:ea typeface="Microsoft JhengHei" panose="020B0604030504040204" pitchFamily="34" charset="-120"/>
+            </a:endParaRPr>
           </a:p>
         </p:txBody>
       </p:sp>
@@ -10250,10 +14065,52 @@
           </a:effectLst>
         </p:spPr>
       </p:pic>
+      <p:sp>
+        <p:nvSpPr>
+          <p:cNvPr id="2" name="文字方塊 1"/>
+          <p:cNvSpPr txBox="1"/>
+          <p:nvPr/>
+        </p:nvSpPr>
+        <p:spPr>
+          <a:xfrm>
+            <a:off x="7296726" y="5322854"/>
+            <a:ext cx="4346633" cy="1323439"/>
+          </a:xfrm>
+          <a:prstGeom prst="rect">
+            <a:avLst/>
+          </a:prstGeom>
+          <a:noFill/>
+        </p:spPr>
+        <p:txBody>
+          <a:bodyPr wrap="square" rtlCol="0">
+            <a:spAutoFit/>
+          </a:bodyPr>
+          <a:lstStyle/>
+          <a:p>
+            <a:r>
+              <a:rPr lang="zh-TW" altLang="en-US" sz="8000" dirty="0" smtClean="0">
+                <a:solidFill>
+                  <a:schemeClr val="bg1">
+                    <a:lumMod val="75000"/>
+                  </a:schemeClr>
+                </a:solidFill>
+              </a:rPr>
+              <a:t>除祢以外</a:t>
+            </a:r>
+            <a:endParaRPr lang="en-GB" sz="8000" dirty="0">
+              <a:solidFill>
+                <a:schemeClr val="bg1">
+                  <a:lumMod val="75000"/>
+                </a:schemeClr>
+              </a:solidFill>
+            </a:endParaRPr>
+          </a:p>
+        </p:txBody>
+      </p:sp>
     </p:spTree>
     <p:extLst>
       <p:ext uri="{BB962C8B-B14F-4D97-AF65-F5344CB8AC3E}">
-        <p14:creationId xmlns:p14="http://schemas.microsoft.com/office/powerpoint/2010/main" val="4087967780"/>
+        <p14:creationId xmlns:p14="http://schemas.microsoft.com/office/powerpoint/2010/main" val="696678391"/>
       </p:ext>
     </p:extLst>
   </p:cSld>

--- a/hymns/20171008.pptx
+++ b/hymns/20171008.pptx
@@ -3390,14 +3390,7 @@
                 <a:latin typeface="Microsoft JhengHei" panose="020B0604030504040204" pitchFamily="34" charset="-120"/>
                 <a:ea typeface="Microsoft JhengHei" panose="020B0604030504040204" pitchFamily="34" charset="-120"/>
               </a:rPr>
-              <a:t>除祢以外，找不到尊貴</a:t>
-            </a:r>
-            <a:r>
-              <a:rPr lang="zh-TW" altLang="en-US" sz="5400" b="1" dirty="0" smtClean="0">
-                <a:latin typeface="Microsoft JhengHei" panose="020B0604030504040204" pitchFamily="34" charset="-120"/>
-                <a:ea typeface="Microsoft JhengHei" panose="020B0604030504040204" pitchFamily="34" charset="-120"/>
-              </a:rPr>
-              <a:t>像祢</a:t>
+              <a:t>除祢以外，找不到尊貴像祢</a:t>
             </a:r>
             <a:endParaRPr lang="en-US" altLang="zh-TW" sz="5400" b="1" dirty="0" smtClean="0">
               <a:latin typeface="Microsoft JhengHei" panose="020B0604030504040204" pitchFamily="34" charset="-120"/>
@@ -5117,21 +5110,7 @@
                 <a:latin typeface="Microsoft JhengHei" panose="020B0604030504040204" pitchFamily="34" charset="-120"/>
                 <a:ea typeface="Microsoft JhengHei" panose="020B0604030504040204" pitchFamily="34" charset="-120"/>
               </a:rPr>
-              <a:t>大地</a:t>
-            </a:r>
-            <a:r>
-              <a:rPr lang="zh-TW" altLang="en-US" sz="5400" b="1" dirty="0" smtClean="0">
-                <a:latin typeface="Microsoft JhengHei" panose="020B0604030504040204" pitchFamily="34" charset="-120"/>
-                <a:ea typeface="Microsoft JhengHei" panose="020B0604030504040204" pitchFamily="34" charset="-120"/>
-              </a:rPr>
-              <a:t>頌讚歡唱</a:t>
-            </a:r>
-            <a:r>
-              <a:rPr lang="zh-TW" altLang="en-US" sz="5400" b="1" dirty="0" smtClean="0">
-                <a:latin typeface="Microsoft JhengHei" panose="020B0604030504040204" pitchFamily="34" charset="-120"/>
-                <a:ea typeface="Microsoft JhengHei" panose="020B0604030504040204" pitchFamily="34" charset="-120"/>
-              </a:rPr>
-              <a:t>，讚美祢名字</a:t>
+              <a:t>大地頌讚歡唱，讚美祢名字</a:t>
             </a:r>
             <a:endParaRPr lang="en-US" altLang="zh-TW" sz="5400" b="1" dirty="0" smtClean="0">
               <a:latin typeface="Microsoft JhengHei" panose="020B0604030504040204" pitchFamily="34" charset="-120"/>
@@ -5208,7 +5187,7 @@
         </p:nvSpPr>
         <p:spPr>
           <a:xfrm>
-            <a:off x="7296726" y="5322854"/>
+            <a:off x="7296727" y="5274217"/>
             <a:ext cx="4346633" cy="1323439"/>
           </a:xfrm>
           <a:prstGeom prst="rect">
@@ -5506,42 +5485,21 @@
                 <a:latin typeface="Microsoft JhengHei" panose="020B0604030504040204" pitchFamily="34" charset="-120"/>
                 <a:ea typeface="Microsoft JhengHei" panose="020B0604030504040204" pitchFamily="34" charset="-120"/>
               </a:rPr>
-              <a:t>上行</a:t>
+              <a:t>上行之詩。</a:t>
+            </a:r>
+            <a:r>
+              <a:rPr lang="en-US" altLang="zh-TW" sz="4800" b="1" dirty="0" smtClean="0">
+                <a:latin typeface="Microsoft JhengHei" panose="020B0604030504040204" pitchFamily="34" charset="-120"/>
+                <a:ea typeface="Microsoft JhengHei" panose="020B0604030504040204" pitchFamily="34" charset="-120"/>
+              </a:rPr>
+              <a:t>〕</a:t>
             </a:r>
             <a:r>
               <a:rPr lang="zh-TW" altLang="en-US" sz="4800" b="1" dirty="0" smtClean="0">
                 <a:latin typeface="Microsoft JhengHei" panose="020B0604030504040204" pitchFamily="34" charset="-120"/>
                 <a:ea typeface="Microsoft JhengHei" panose="020B0604030504040204" pitchFamily="34" charset="-120"/>
               </a:rPr>
-              <a:t>之</a:t>
-            </a:r>
-            <a:r>
-              <a:rPr lang="zh-TW" altLang="en-US" sz="4800" b="1" dirty="0" smtClean="0">
-                <a:latin typeface="Microsoft JhengHei" panose="020B0604030504040204" pitchFamily="34" charset="-120"/>
-                <a:ea typeface="Microsoft JhengHei" panose="020B0604030504040204" pitchFamily="34" charset="-120"/>
-              </a:rPr>
-              <a:t>詩。</a:t>
-            </a:r>
-            <a:r>
-              <a:rPr lang="en-US" altLang="zh-TW" sz="4800" b="1" dirty="0" smtClean="0">
-                <a:latin typeface="Microsoft JhengHei" panose="020B0604030504040204" pitchFamily="34" charset="-120"/>
-                <a:ea typeface="Microsoft JhengHei" panose="020B0604030504040204" pitchFamily="34" charset="-120"/>
-              </a:rPr>
-              <a:t>〕</a:t>
-            </a:r>
-            <a:r>
-              <a:rPr lang="zh-TW" altLang="en-US" sz="4800" b="1" dirty="0" smtClean="0">
-                <a:latin typeface="Microsoft JhengHei" panose="020B0604030504040204" pitchFamily="34" charset="-120"/>
-                <a:ea typeface="Microsoft JhengHei" panose="020B0604030504040204" pitchFamily="34" charset="-120"/>
-              </a:rPr>
-              <a:t>我</a:t>
-            </a:r>
-            <a:r>
-              <a:rPr lang="zh-TW" altLang="en-US" sz="4800" b="1" dirty="0" smtClean="0">
-                <a:latin typeface="Microsoft JhengHei" panose="020B0604030504040204" pitchFamily="34" charset="-120"/>
-                <a:ea typeface="Microsoft JhengHei" panose="020B0604030504040204" pitchFamily="34" charset="-120"/>
-              </a:rPr>
-              <a:t>要向山舉目。我的幫助從何而來。</a:t>
+              <a:t>我要向山舉目。我的幫助從何而來。</a:t>
             </a:r>
             <a:endParaRPr lang="en-US" altLang="zh-TW" sz="4800" b="1" dirty="0" smtClean="0">
               <a:latin typeface="Microsoft JhengHei" panose="020B0604030504040204" pitchFamily="34" charset="-120"/>
@@ -9438,14 +9396,7 @@
                 <a:latin typeface="Microsoft JhengHei" panose="020B0604030504040204" pitchFamily="34" charset="-120"/>
                 <a:ea typeface="Microsoft JhengHei" panose="020B0604030504040204" pitchFamily="34" charset="-120"/>
               </a:rPr>
-              <a:t>除祢以外，找不到尊貴</a:t>
-            </a:r>
-            <a:r>
-              <a:rPr lang="zh-TW" altLang="en-US" sz="5400" b="1" dirty="0" smtClean="0">
-                <a:latin typeface="Microsoft JhengHei" panose="020B0604030504040204" pitchFamily="34" charset="-120"/>
-                <a:ea typeface="Microsoft JhengHei" panose="020B0604030504040204" pitchFamily="34" charset="-120"/>
-              </a:rPr>
-              <a:t>像祢</a:t>
+              <a:t>除祢以外，找不到尊貴像祢</a:t>
             </a:r>
             <a:endParaRPr lang="en-US" altLang="zh-TW" sz="5400" b="1" dirty="0" smtClean="0">
               <a:latin typeface="Microsoft JhengHei" panose="020B0604030504040204" pitchFamily="34" charset="-120"/>
@@ -12949,68 +12900,43 @@
                 <a:latin typeface="Microsoft JhengHei" panose="020B0604030504040204" pitchFamily="34" charset="-120"/>
                 <a:ea typeface="Microsoft JhengHei" panose="020B0604030504040204" pitchFamily="34" charset="-120"/>
               </a:rPr>
-              <a:t>當用各樣的智慧、把基督的道理、豐豐富富的存在心裏</a:t>
+              <a:t>當用各樣的智慧、把基督的道理、豐豐富富的</a:t>
+            </a:r>
+            <a:r>
+              <a:rPr lang="zh-TW" altLang="en-US" sz="4800" b="1" smtClean="0">
+                <a:latin typeface="Microsoft JhengHei" panose="020B0604030504040204" pitchFamily="34" charset="-120"/>
+                <a:ea typeface="Microsoft JhengHei" panose="020B0604030504040204" pitchFamily="34" charset="-120"/>
+              </a:rPr>
+              <a:t>存在</a:t>
+            </a:r>
+            <a:r>
+              <a:rPr lang="zh-TW" altLang="en-US" sz="4800" b="1" smtClean="0">
+                <a:latin typeface="Microsoft JhengHei" panose="020B0604030504040204" pitchFamily="34" charset="-120"/>
+                <a:ea typeface="Microsoft JhengHei" panose="020B0604030504040204" pitchFamily="34" charset="-120"/>
+              </a:rPr>
+              <a:t>心裡、</a:t>
+            </a:r>
+            <a:r>
+              <a:rPr lang="en-US" altLang="zh-TW" sz="4800" b="1" dirty="0" smtClean="0">
+                <a:latin typeface="Microsoft JhengHei" panose="020B0604030504040204" pitchFamily="34" charset="-120"/>
+                <a:ea typeface="Microsoft JhengHei" panose="020B0604030504040204" pitchFamily="34" charset="-120"/>
+              </a:rPr>
+              <a:t>〔</a:t>
             </a:r>
             <a:r>
               <a:rPr lang="zh-TW" altLang="en-US" sz="4800" b="1" dirty="0" smtClean="0">
                 <a:latin typeface="Microsoft JhengHei" panose="020B0604030504040204" pitchFamily="34" charset="-120"/>
                 <a:ea typeface="Microsoft JhengHei" panose="020B0604030504040204" pitchFamily="34" charset="-120"/>
               </a:rPr>
-              <a:t>、</a:t>
+              <a:t>或作當把基督的道理豐豐富富的存在心裡以各樣的智慧</a:t>
             </a:r>
             <a:r>
               <a:rPr lang="en-US" altLang="zh-TW" sz="4800" b="1" dirty="0" smtClean="0">
                 <a:latin typeface="Microsoft JhengHei" panose="020B0604030504040204" pitchFamily="34" charset="-120"/>
                 <a:ea typeface="Microsoft JhengHei" panose="020B0604030504040204" pitchFamily="34" charset="-120"/>
               </a:rPr>
-              <a:t>〔</a:t>
-            </a:r>
-            <a:r>
-              <a:rPr lang="zh-TW" altLang="en-US" sz="4800" b="1" dirty="0" smtClean="0">
-                <a:latin typeface="Microsoft JhengHei" panose="020B0604030504040204" pitchFamily="34" charset="-120"/>
-                <a:ea typeface="Microsoft JhengHei" panose="020B0604030504040204" pitchFamily="34" charset="-120"/>
-              </a:rPr>
-              <a:t>或</a:t>
-            </a:r>
-            <a:r>
-              <a:rPr lang="zh-TW" altLang="en-US" sz="4800" b="1" dirty="0" smtClean="0">
-                <a:latin typeface="Microsoft JhengHei" panose="020B0604030504040204" pitchFamily="34" charset="-120"/>
-                <a:ea typeface="Microsoft JhengHei" panose="020B0604030504040204" pitchFamily="34" charset="-120"/>
-              </a:rPr>
-              <a:t>作當把基督的道理豐豐富富的存在</a:t>
-            </a:r>
-            <a:r>
-              <a:rPr lang="zh-TW" altLang="en-US" sz="4800" b="1" dirty="0" smtClean="0">
-                <a:latin typeface="Microsoft JhengHei" panose="020B0604030504040204" pitchFamily="34" charset="-120"/>
-                <a:ea typeface="Microsoft JhengHei" panose="020B0604030504040204" pitchFamily="34" charset="-120"/>
-              </a:rPr>
-              <a:t>心裡以</a:t>
-            </a:r>
-            <a:r>
-              <a:rPr lang="zh-TW" altLang="en-US" sz="4800" b="1" dirty="0" smtClean="0">
-                <a:latin typeface="Microsoft JhengHei" panose="020B0604030504040204" pitchFamily="34" charset="-120"/>
-                <a:ea typeface="Microsoft JhengHei" panose="020B0604030504040204" pitchFamily="34" charset="-120"/>
-              </a:rPr>
-              <a:t>各樣的</a:t>
-            </a:r>
-            <a:r>
-              <a:rPr lang="zh-TW" altLang="en-US" sz="4800" b="1" dirty="0" smtClean="0">
-                <a:latin typeface="Microsoft JhengHei" panose="020B0604030504040204" pitchFamily="34" charset="-120"/>
-                <a:ea typeface="Microsoft JhengHei" panose="020B0604030504040204" pitchFamily="34" charset="-120"/>
-              </a:rPr>
-              <a:t>智慧</a:t>
-            </a:r>
-            <a:r>
-              <a:rPr lang="en-US" altLang="zh-TW" sz="4800" b="1" dirty="0" smtClean="0">
-                <a:latin typeface="Microsoft JhengHei" panose="020B0604030504040204" pitchFamily="34" charset="-120"/>
-                <a:ea typeface="Microsoft JhengHei" panose="020B0604030504040204" pitchFamily="34" charset="-120"/>
-              </a:rPr>
               <a:t>〕</a:t>
             </a:r>
-            <a:endParaRPr lang="en-US" altLang="zh-TW" sz="4800" b="1" dirty="0" smtClean="0">
-              <a:latin typeface="Microsoft JhengHei" panose="020B0604030504040204" pitchFamily="34" charset="-120"/>
-              <a:ea typeface="Microsoft JhengHei" panose="020B0604030504040204" pitchFamily="34" charset="-120"/>
-            </a:endParaRPr>
           </a:p>
         </p:txBody>
       </p:sp>
@@ -13178,35 +13104,21 @@
                 <a:latin typeface="Microsoft JhengHei" panose="020B0604030504040204" pitchFamily="34" charset="-120"/>
                 <a:ea typeface="Microsoft JhengHei" panose="020B0604030504040204" pitchFamily="34" charset="-120"/>
               </a:rPr>
-              <a:t>互相</a:t>
+              <a:t>互相勸戒心</a:t>
+            </a:r>
+            <a:r>
+              <a:rPr lang="zh-TW" altLang="en-US" sz="4800" b="1" dirty="0" smtClean="0">
+                <a:latin typeface="Microsoft JhengHei" panose="020B0604030504040204" pitchFamily="34" charset="-120"/>
+                <a:ea typeface="Microsoft JhengHei" panose="020B0604030504040204" pitchFamily="34" charset="-120"/>
+              </a:rPr>
+              <a:t>被恩感</a:t>
             </a:r>
             <a:r>
               <a:rPr lang="zh-TW" altLang="en-US" sz="4800" b="1" smtClean="0">
                 <a:latin typeface="Microsoft JhengHei" panose="020B0604030504040204" pitchFamily="34" charset="-120"/>
                 <a:ea typeface="Microsoft JhengHei" panose="020B0604030504040204" pitchFamily="34" charset="-120"/>
               </a:rPr>
-              <a:t>勸戒心</a:t>
-            </a:r>
-            <a:r>
-              <a:rPr lang="zh-TW" altLang="en-US" sz="4800" b="1" dirty="0" smtClean="0">
-                <a:latin typeface="Microsoft JhengHei" panose="020B0604030504040204" pitchFamily="34" charset="-120"/>
-                <a:ea typeface="Microsoft JhengHei" panose="020B0604030504040204" pitchFamily="34" charset="-120"/>
-              </a:rPr>
-              <a:t>被恩感</a:t>
-            </a:r>
-            <a:r>
-              <a:rPr lang="zh-TW" altLang="en-US" sz="4800" b="1" smtClean="0">
-                <a:latin typeface="Microsoft JhengHei" panose="020B0604030504040204" pitchFamily="34" charset="-120"/>
-                <a:ea typeface="Microsoft JhengHei" panose="020B0604030504040204" pitchFamily="34" charset="-120"/>
-              </a:rPr>
-              <a:t>歌頌</a:t>
-            </a:r>
-            <a:r>
-              <a:rPr lang="zh-TW" altLang="en-US" sz="4800" b="1" smtClean="0">
-                <a:latin typeface="Microsoft JhengHei" panose="020B0604030504040204" pitchFamily="34" charset="-120"/>
-                <a:ea typeface="Microsoft JhengHei" panose="020B0604030504040204" pitchFamily="34" charset="-120"/>
-              </a:rPr>
-              <a:t>神。</a:t>
+              <a:t>歌頌神。</a:t>
             </a:r>
             <a:endParaRPr lang="en-US" altLang="zh-TW" sz="4800" b="1" dirty="0" smtClean="0">
               <a:latin typeface="Microsoft JhengHei" panose="020B0604030504040204" pitchFamily="34" charset="-120"/>
@@ -13982,21 +13894,7 @@
                 <a:latin typeface="Microsoft JhengHei" panose="020B0604030504040204" pitchFamily="34" charset="-120"/>
                 <a:ea typeface="Microsoft JhengHei" panose="020B0604030504040204" pitchFamily="34" charset="-120"/>
               </a:rPr>
-              <a:t>大地</a:t>
-            </a:r>
-            <a:r>
-              <a:rPr lang="zh-TW" altLang="en-US" sz="5400" b="1" dirty="0" smtClean="0">
-                <a:latin typeface="Microsoft JhengHei" panose="020B0604030504040204" pitchFamily="34" charset="-120"/>
-                <a:ea typeface="Microsoft JhengHei" panose="020B0604030504040204" pitchFamily="34" charset="-120"/>
-              </a:rPr>
-              <a:t>頌讚歡唱</a:t>
-            </a:r>
-            <a:r>
-              <a:rPr lang="zh-TW" altLang="en-US" sz="5400" b="1" dirty="0" smtClean="0">
-                <a:latin typeface="Microsoft JhengHei" panose="020B0604030504040204" pitchFamily="34" charset="-120"/>
-                <a:ea typeface="Microsoft JhengHei" panose="020B0604030504040204" pitchFamily="34" charset="-120"/>
-              </a:rPr>
-              <a:t>，讚美祢名字</a:t>
+              <a:t>大地頌讚歡唱，讚美祢名字</a:t>
             </a:r>
             <a:endParaRPr lang="en-US" altLang="zh-TW" sz="5400" b="1" dirty="0" smtClean="0">
               <a:latin typeface="Microsoft JhengHei" panose="020B0604030504040204" pitchFamily="34" charset="-120"/>
@@ -14073,7 +13971,7 @@
         </p:nvSpPr>
         <p:spPr>
           <a:xfrm>
-            <a:off x="7296726" y="5322854"/>
+            <a:off x="7296727" y="5274217"/>
             <a:ext cx="4346633" cy="1323439"/>
           </a:xfrm>
           <a:prstGeom prst="rect">

--- a/hymns/20171008.pptx
+++ b/hymns/20171008.pptx
@@ -12907,14 +12907,7 @@
                 <a:latin typeface="Microsoft JhengHei" panose="020B0604030504040204" pitchFamily="34" charset="-120"/>
                 <a:ea typeface="Microsoft JhengHei" panose="020B0604030504040204" pitchFamily="34" charset="-120"/>
               </a:rPr>
-              <a:t>存在</a:t>
-            </a:r>
-            <a:r>
-              <a:rPr lang="zh-TW" altLang="en-US" sz="4800" b="1" smtClean="0">
-                <a:latin typeface="Microsoft JhengHei" panose="020B0604030504040204" pitchFamily="34" charset="-120"/>
-                <a:ea typeface="Microsoft JhengHei" panose="020B0604030504040204" pitchFamily="34" charset="-120"/>
-              </a:rPr>
-              <a:t>心裡、</a:t>
+              <a:t>存在心裡、</a:t>
             </a:r>
             <a:r>
               <a:rPr lang="en-US" altLang="zh-TW" sz="4800" b="1" dirty="0" smtClean="0">

--- a/hymns/20171008.pptx
+++ b/hymns/20171008.pptx
@@ -300,7 +300,7 @@
           <a:p>
             <a:fld id="{4E49E4DB-0175-4FFA-90B3-3105566DB41D}" type="datetimeFigureOut">
               <a:rPr lang="en-GB" smtClean="0"/>
-              <a:t>23/09/2017</a:t>
+              <a:t>25/09/2017</a:t>
             </a:fld>
             <a:endParaRPr lang="en-GB"/>
           </a:p>
@@ -470,7 +470,7 @@
           <a:p>
             <a:fld id="{4E49E4DB-0175-4FFA-90B3-3105566DB41D}" type="datetimeFigureOut">
               <a:rPr lang="en-GB" smtClean="0"/>
-              <a:t>23/09/2017</a:t>
+              <a:t>25/09/2017</a:t>
             </a:fld>
             <a:endParaRPr lang="en-GB"/>
           </a:p>
@@ -650,7 +650,7 @@
           <a:p>
             <a:fld id="{4E49E4DB-0175-4FFA-90B3-3105566DB41D}" type="datetimeFigureOut">
               <a:rPr lang="en-GB" smtClean="0"/>
-              <a:t>23/09/2017</a:t>
+              <a:t>25/09/2017</a:t>
             </a:fld>
             <a:endParaRPr lang="en-GB"/>
           </a:p>
@@ -820,7 +820,7 @@
           <a:p>
             <a:fld id="{4E49E4DB-0175-4FFA-90B3-3105566DB41D}" type="datetimeFigureOut">
               <a:rPr lang="en-GB" smtClean="0"/>
-              <a:t>23/09/2017</a:t>
+              <a:t>25/09/2017</a:t>
             </a:fld>
             <a:endParaRPr lang="en-GB"/>
           </a:p>
@@ -1066,7 +1066,7 @@
           <a:p>
             <a:fld id="{4E49E4DB-0175-4FFA-90B3-3105566DB41D}" type="datetimeFigureOut">
               <a:rPr lang="en-GB" smtClean="0"/>
-              <a:t>23/09/2017</a:t>
+              <a:t>25/09/2017</a:t>
             </a:fld>
             <a:endParaRPr lang="en-GB"/>
           </a:p>
@@ -1298,7 +1298,7 @@
           <a:p>
             <a:fld id="{4E49E4DB-0175-4FFA-90B3-3105566DB41D}" type="datetimeFigureOut">
               <a:rPr lang="en-GB" smtClean="0"/>
-              <a:t>23/09/2017</a:t>
+              <a:t>25/09/2017</a:t>
             </a:fld>
             <a:endParaRPr lang="en-GB"/>
           </a:p>
@@ -1665,7 +1665,7 @@
           <a:p>
             <a:fld id="{4E49E4DB-0175-4FFA-90B3-3105566DB41D}" type="datetimeFigureOut">
               <a:rPr lang="en-GB" smtClean="0"/>
-              <a:t>23/09/2017</a:t>
+              <a:t>25/09/2017</a:t>
             </a:fld>
             <a:endParaRPr lang="en-GB"/>
           </a:p>
@@ -1783,7 +1783,7 @@
           <a:p>
             <a:fld id="{4E49E4DB-0175-4FFA-90B3-3105566DB41D}" type="datetimeFigureOut">
               <a:rPr lang="en-GB" smtClean="0"/>
-              <a:t>23/09/2017</a:t>
+              <a:t>25/09/2017</a:t>
             </a:fld>
             <a:endParaRPr lang="en-GB"/>
           </a:p>
@@ -1878,7 +1878,7 @@
           <a:p>
             <a:fld id="{4E49E4DB-0175-4FFA-90B3-3105566DB41D}" type="datetimeFigureOut">
               <a:rPr lang="en-GB" smtClean="0"/>
-              <a:t>23/09/2017</a:t>
+              <a:t>25/09/2017</a:t>
             </a:fld>
             <a:endParaRPr lang="en-GB"/>
           </a:p>
@@ -2155,7 +2155,7 @@
           <a:p>
             <a:fld id="{4E49E4DB-0175-4FFA-90B3-3105566DB41D}" type="datetimeFigureOut">
               <a:rPr lang="en-GB" smtClean="0"/>
-              <a:t>23/09/2017</a:t>
+              <a:t>25/09/2017</a:t>
             </a:fld>
             <a:endParaRPr lang="en-GB"/>
           </a:p>
@@ -2408,7 +2408,7 @@
           <a:p>
             <a:fld id="{4E49E4DB-0175-4FFA-90B3-3105566DB41D}" type="datetimeFigureOut">
               <a:rPr lang="en-GB" smtClean="0"/>
-              <a:t>23/09/2017</a:t>
+              <a:t>25/09/2017</a:t>
             </a:fld>
             <a:endParaRPr lang="en-GB"/>
           </a:p>
@@ -2621,7 +2621,7 @@
           <a:p>
             <a:fld id="{4E49E4DB-0175-4FFA-90B3-3105566DB41D}" type="datetimeFigureOut">
               <a:rPr lang="en-GB" smtClean="0"/>
-              <a:t>23/09/2017</a:t>
+              <a:t>25/09/2017</a:t>
             </a:fld>
             <a:endParaRPr lang="en-GB"/>
           </a:p>
@@ -4344,7 +4344,14 @@
                 <a:latin typeface="Microsoft JhengHei" panose="020B0604030504040204" pitchFamily="34" charset="-120"/>
                 <a:ea typeface="Microsoft JhengHei" panose="020B0604030504040204" pitchFamily="34" charset="-120"/>
               </a:rPr>
-              <a:t>除祢以外，找不到尊貴像你</a:t>
+              <a:t>除祢以外，找不到尊貴</a:t>
+            </a:r>
+            <a:r>
+              <a:rPr lang="zh-TW" altLang="en-US" sz="5400" b="1" dirty="0" smtClean="0">
+                <a:latin typeface="Microsoft JhengHei" panose="020B0604030504040204" pitchFamily="34" charset="-120"/>
+                <a:ea typeface="Microsoft JhengHei" panose="020B0604030504040204" pitchFamily="34" charset="-120"/>
+              </a:rPr>
+              <a:t>像祢</a:t>
             </a:r>
             <a:endParaRPr lang="en-US" altLang="zh-TW" sz="5400" b="1" dirty="0" smtClean="0">
               <a:latin typeface="Microsoft JhengHei" panose="020B0604030504040204" pitchFamily="34" charset="-120"/>
@@ -10706,7 +10713,28 @@
                 <a:latin typeface="Microsoft JhengHei" panose="020B0604030504040204" pitchFamily="34" charset="-120"/>
                 <a:ea typeface="Microsoft JhengHei" panose="020B0604030504040204" pitchFamily="34" charset="-120"/>
               </a:rPr>
-              <a:t>現我再見天恩處處</a:t>
+              <a:t>現</a:t>
+            </a:r>
+            <a:r>
+              <a:rPr lang="zh-TW" altLang="en-US" sz="5400" b="1" smtClean="0">
+                <a:latin typeface="Microsoft JhengHei" panose="020B0604030504040204" pitchFamily="34" charset="-120"/>
+                <a:ea typeface="Microsoft JhengHei" panose="020B0604030504040204" pitchFamily="34" charset="-120"/>
+              </a:rPr>
+              <a:t>我</a:t>
+            </a:r>
+            <a:r>
+              <a:rPr lang="zh-TW" altLang="en-US" sz="5400" b="1" smtClean="0">
+                <a:latin typeface="Microsoft JhengHei" panose="020B0604030504040204" pitchFamily="34" charset="-120"/>
+                <a:ea typeface="Microsoft JhengHei" panose="020B0604030504040204" pitchFamily="34" charset="-120"/>
+              </a:rPr>
+              <a:t>再看天</a:t>
+            </a:r>
+            <a:r>
+              <a:rPr lang="zh-TW" altLang="en-US" sz="5400" b="1" dirty="0" smtClean="0">
+                <a:latin typeface="Microsoft JhengHei" panose="020B0604030504040204" pitchFamily="34" charset="-120"/>
+                <a:ea typeface="Microsoft JhengHei" panose="020B0604030504040204" pitchFamily="34" charset="-120"/>
+              </a:rPr>
+              <a:t>恩處處</a:t>
             </a:r>
             <a:endParaRPr lang="en-GB" sz="5400" b="1" dirty="0">
               <a:latin typeface="Microsoft JhengHei" panose="020B0604030504040204" pitchFamily="34" charset="-120"/>
